--- a/capstone_presentation.pptx
+++ b/capstone_presentation.pptx
@@ -917,10 +917,10 @@
         <a:lstStyle/>
         <a:p>
           <a:r>
-            <a:rPr lang="en-AU"/>
+            <a:rPr lang="en-AU" dirty="0"/>
             <a:t>The purpose of this project is to explore and visualize the dataset for image classification, with a focus on understanding the distribution of image intensities and their characteristics for two classes: Lions and Cheetahs.</a:t>
           </a:r>
-          <a:endParaRPr lang="en-US"/>
+          <a:endParaRPr lang="en-US" dirty="0"/>
         </a:p>
       </dgm:t>
     </dgm:pt>
@@ -994,6 +994,13 @@
         </dgm:presLayoutVars>
       </dgm:prSet>
       <dgm:spPr/>
+      <dgm:t>
+        <a:bodyPr/>
+        <a:lstStyle/>
+        <a:p>
+          <a:endParaRPr lang="en-US"/>
+        </a:p>
+      </dgm:t>
     </dgm:pt>
     <dgm:pt modelId="{EE4B9095-C7C8-4A49-B866-B887A592CC1E}" type="pres">
       <dgm:prSet presAssocID="{032134A5-0B28-4591-8E63-8AFAF3398AD3}" presName="hierRoot1" presStyleCnt="0"/>
@@ -1014,6 +1021,13 @@
         </dgm:presLayoutVars>
       </dgm:prSet>
       <dgm:spPr/>
+      <dgm:t>
+        <a:bodyPr/>
+        <a:lstStyle/>
+        <a:p>
+          <a:endParaRPr lang="en-US"/>
+        </a:p>
+      </dgm:t>
     </dgm:pt>
     <dgm:pt modelId="{023DB520-11E0-4044-B59D-1E04A916A9EF}" type="pres">
       <dgm:prSet presAssocID="{032134A5-0B28-4591-8E63-8AFAF3398AD3}" presName="hierChild2" presStyleCnt="0"/>
@@ -1038,6 +1052,13 @@
         </dgm:presLayoutVars>
       </dgm:prSet>
       <dgm:spPr/>
+      <dgm:t>
+        <a:bodyPr/>
+        <a:lstStyle/>
+        <a:p>
+          <a:endParaRPr lang="en-US"/>
+        </a:p>
+      </dgm:t>
     </dgm:pt>
     <dgm:pt modelId="{92584331-9A3C-43CE-BE3E-A3C68ADAF880}" type="pres">
       <dgm:prSet presAssocID="{8AAD7DB1-3CC7-4688-9B4A-EFE1C93226BD}" presName="hierChild2" presStyleCnt="0"/>
@@ -1045,11 +1066,11 @@
     </dgm:pt>
   </dgm:ptLst>
   <dgm:cxnLst>
-    <dgm:cxn modelId="{6038E13C-5A2C-44C1-8A76-4822E2C4458E}" srcId="{6288180B-AFD9-45A7-BFAC-F17113FB49D6}" destId="{8AAD7DB1-3CC7-4688-9B4A-EFE1C93226BD}" srcOrd="1" destOrd="0" parTransId="{CB6A50E2-D22B-4AAB-BF90-6BB02317820A}" sibTransId="{2C163200-6A4A-4F31-88B4-7F306B64357A}"/>
+    <dgm:cxn modelId="{8FADA4F9-7378-4CF0-9F1A-006097AB5874}" type="presOf" srcId="{8AAD7DB1-3CC7-4688-9B4A-EFE1C93226BD}" destId="{1DFB35B7-04CE-49D5-9610-9C5998F872D3}" srcOrd="0" destOrd="0" presId="urn:microsoft.com/office/officeart/2005/8/layout/hierarchy1"/>
     <dgm:cxn modelId="{695E384B-7DC3-47B8-9167-1EF1B5BB1B8F}" type="presOf" srcId="{6288180B-AFD9-45A7-BFAC-F17113FB49D6}" destId="{2469C6A1-B20A-4336-B9C0-D2A4986A2A91}" srcOrd="0" destOrd="0" presId="urn:microsoft.com/office/officeart/2005/8/layout/hierarchy1"/>
     <dgm:cxn modelId="{31D15E89-B623-4E86-80C5-0FAF40B6BD30}" srcId="{6288180B-AFD9-45A7-BFAC-F17113FB49D6}" destId="{032134A5-0B28-4591-8E63-8AFAF3398AD3}" srcOrd="0" destOrd="0" parTransId="{4D534B40-4661-41B0-A533-7F86A61D301F}" sibTransId="{84CA5A8D-2F94-4F88-8F8A-985EA20F90CD}"/>
     <dgm:cxn modelId="{D2D835AA-D874-46A9-8D7A-DFC42A8C3F53}" type="presOf" srcId="{032134A5-0B28-4591-8E63-8AFAF3398AD3}" destId="{5BDEEAF7-62EF-4FD1-8F9A-7CC0FD0E5DE2}" srcOrd="0" destOrd="0" presId="urn:microsoft.com/office/officeart/2005/8/layout/hierarchy1"/>
-    <dgm:cxn modelId="{8FADA4F9-7378-4CF0-9F1A-006097AB5874}" type="presOf" srcId="{8AAD7DB1-3CC7-4688-9B4A-EFE1C93226BD}" destId="{1DFB35B7-04CE-49D5-9610-9C5998F872D3}" srcOrd="0" destOrd="0" presId="urn:microsoft.com/office/officeart/2005/8/layout/hierarchy1"/>
+    <dgm:cxn modelId="{6038E13C-5A2C-44C1-8A76-4822E2C4458E}" srcId="{6288180B-AFD9-45A7-BFAC-F17113FB49D6}" destId="{8AAD7DB1-3CC7-4688-9B4A-EFE1C93226BD}" srcOrd="1" destOrd="0" parTransId="{CB6A50E2-D22B-4AAB-BF90-6BB02317820A}" sibTransId="{2C163200-6A4A-4F31-88B4-7F306B64357A}"/>
     <dgm:cxn modelId="{111F7B61-E444-4574-9891-FBA3460E8AE0}" type="presParOf" srcId="{2469C6A1-B20A-4336-B9C0-D2A4986A2A91}" destId="{EE4B9095-C7C8-4A49-B866-B887A592CC1E}" srcOrd="0" destOrd="0" presId="urn:microsoft.com/office/officeart/2005/8/layout/hierarchy1"/>
     <dgm:cxn modelId="{7C123043-EDB1-4C77-A7F8-4AA6C0990D77}" type="presParOf" srcId="{EE4B9095-C7C8-4A49-B866-B887A592CC1E}" destId="{223195AA-69C7-48E5-A40F-20122A4499F1}" srcOrd="0" destOrd="0" presId="urn:microsoft.com/office/officeart/2005/8/layout/hierarchy1"/>
     <dgm:cxn modelId="{A2EE2DF3-1617-43E7-9106-A3B3D2E8116B}" type="presParOf" srcId="{223195AA-69C7-48E5-A40F-20122A4499F1}" destId="{83B60D2A-DE61-45E6-8249-ED68F74AED8E}" srcOrd="0" destOrd="0" presId="urn:microsoft.com/office/officeart/2005/8/layout/hierarchy1"/>
@@ -1086,7 +1107,7 @@
       </dsp:nvSpPr>
       <dsp:spPr>
         <a:xfrm>
-          <a:off x="719" y="563074"/>
+          <a:off x="719" y="596349"/>
           <a:ext cx="2524187" cy="1602859"/>
         </a:xfrm>
         <a:prstGeom prst="roundRect">
@@ -1137,7 +1158,7 @@
       </dsp:nvSpPr>
       <dsp:spPr>
         <a:xfrm>
-          <a:off x="281184" y="829516"/>
+          <a:off x="281184" y="862791"/>
           <a:ext cx="2524187" cy="1602859"/>
         </a:xfrm>
         <a:prstGeom prst="roundRect">
@@ -1185,7 +1206,7 @@
         </a:bodyPr>
         <a:lstStyle/>
         <a:p>
-          <a:pPr marL="0" lvl="0" indent="0" algn="ctr" defTabSz="622300">
+          <a:pPr lvl="0" algn="ctr" defTabSz="622300">
             <a:lnSpc>
               <a:spcPct val="90000"/>
             </a:lnSpc>
@@ -1195,17 +1216,16 @@
             <a:spcAft>
               <a:spcPct val="35000"/>
             </a:spcAft>
-            <a:buNone/>
           </a:pPr>
           <a:r>
-            <a:rPr lang="en-AU" sz="1400" kern="1200"/>
+            <a:rPr lang="en-AU" sz="1400" kern="1200" dirty="0"/>
             <a:t>The purpose of this project is to explore and visualize the dataset for image classification, with a focus on understanding the distribution of image intensities and their characteristics for two classes: Lions and Cheetahs.</a:t>
           </a:r>
-          <a:endParaRPr lang="en-US" sz="1400" kern="1200"/>
+          <a:endParaRPr lang="en-US" sz="1400" kern="1200" dirty="0"/>
         </a:p>
       </dsp:txBody>
       <dsp:txXfrm>
-        <a:off x="328130" y="876462"/>
+        <a:off x="328130" y="909737"/>
         <a:ext cx="2430295" cy="1508967"/>
       </dsp:txXfrm>
     </dsp:sp>
@@ -1216,7 +1236,7 @@
       </dsp:nvSpPr>
       <dsp:spPr>
         <a:xfrm>
-          <a:off x="3085837" y="563074"/>
+          <a:off x="3085837" y="596349"/>
           <a:ext cx="2524187" cy="1602859"/>
         </a:xfrm>
         <a:prstGeom prst="roundRect">
@@ -1267,7 +1287,7 @@
       </dsp:nvSpPr>
       <dsp:spPr>
         <a:xfrm>
-          <a:off x="3366302" y="829516"/>
+          <a:off x="3366302" y="862791"/>
           <a:ext cx="2524187" cy="1602859"/>
         </a:xfrm>
         <a:prstGeom prst="roundRect">
@@ -1315,7 +1335,7 @@
         </a:bodyPr>
         <a:lstStyle/>
         <a:p>
-          <a:pPr marL="0" lvl="0" indent="0" algn="ctr" defTabSz="622300">
+          <a:pPr lvl="0" algn="ctr" defTabSz="622300">
             <a:lnSpc>
               <a:spcPct val="90000"/>
             </a:lnSpc>
@@ -1325,7 +1345,6 @@
             <a:spcAft>
               <a:spcPct val="35000"/>
             </a:spcAft>
-            <a:buNone/>
           </a:pPr>
           <a:r>
             <a:rPr lang="en-AU" sz="1400" kern="1200"/>
@@ -1335,7 +1354,7 @@
         </a:p>
       </dsp:txBody>
       <dsp:txXfrm>
-        <a:off x="3413248" y="876462"/>
+        <a:off x="3413248" y="909737"/>
         <a:ext cx="2430295" cy="1508967"/>
       </dsp:txXfrm>
     </dsp:sp>
@@ -2997,7 +3016,7 @@
           <a:noFill/>
           <a:extLst>
             <a:ext uri="{909E8E84-426E-40dd-AFC4-6F175D3DCCD1}">
-              <a14:hiddenFill xmlns:a14="http://schemas.microsoft.com/office/drawing/2010/main" xmlns="">
+              <a14:hiddenFill xmlns="" xmlns:a14="http://schemas.microsoft.com/office/drawing/2010/main">
                 <a:solidFill>
                   <a:srgbClr val="FFFFFF"/>
                 </a:solidFill>
@@ -3056,7 +3075,7 @@
             </a:ln>
             <a:extLst>
               <a:ext uri="{91240B29-F687-4f45-9708-019B960494DF}">
-                <a14:hiddenLine xmlns:a14="http://schemas.microsoft.com/office/drawing/2010/main" xmlns="" w="9525">
+                <a14:hiddenLine xmlns="" xmlns:a14="http://schemas.microsoft.com/office/drawing/2010/main" w="9525">
                   <a:solidFill>
                     <a:srgbClr val="000000"/>
                   </a:solidFill>
@@ -3146,7 +3165,7 @@
             </a:ln>
             <a:extLst>
               <a:ext uri="{91240B29-F687-4f45-9708-019B960494DF}">
-                <a14:hiddenLine xmlns:a14="http://schemas.microsoft.com/office/drawing/2010/main" xmlns="" w="9525">
+                <a14:hiddenLine xmlns="" xmlns:a14="http://schemas.microsoft.com/office/drawing/2010/main" w="9525">
                   <a:solidFill>
                     <a:srgbClr val="000000"/>
                   </a:solidFill>
@@ -3236,7 +3255,7 @@
             </a:ln>
             <a:extLst>
               <a:ext uri="{91240B29-F687-4f45-9708-019B960494DF}">
-                <a14:hiddenLine xmlns:a14="http://schemas.microsoft.com/office/drawing/2010/main" xmlns="" w="9525">
+                <a14:hiddenLine xmlns="" xmlns:a14="http://schemas.microsoft.com/office/drawing/2010/main" w="9525">
                   <a:solidFill>
                     <a:srgbClr val="000000"/>
                   </a:solidFill>
@@ -3270,7 +3289,7 @@
             </a:ln>
             <a:extLst>
               <a:ext uri="{91240B29-F687-4f45-9708-019B960494DF}">
-                <a14:hiddenLine xmlns:a14="http://schemas.microsoft.com/office/drawing/2010/main" xmlns="" w="9525">
+                <a14:hiddenLine xmlns="" xmlns:a14="http://schemas.microsoft.com/office/drawing/2010/main" w="9525">
                   <a:solidFill>
                     <a:srgbClr val="000000"/>
                   </a:solidFill>
@@ -3360,7 +3379,7 @@
             </a:ln>
             <a:extLst>
               <a:ext uri="{91240B29-F687-4f45-9708-019B960494DF}">
-                <a14:hiddenLine xmlns:a14="http://schemas.microsoft.com/office/drawing/2010/main" xmlns="" w="9525">
+                <a14:hiddenLine xmlns="" xmlns:a14="http://schemas.microsoft.com/office/drawing/2010/main" w="9525">
                   <a:solidFill>
                     <a:srgbClr val="000000"/>
                   </a:solidFill>
@@ -3422,7 +3441,7 @@
             </a:ln>
             <a:extLst>
               <a:ext uri="{91240B29-F687-4f45-9708-019B960494DF}">
-                <a14:hiddenLine xmlns:a14="http://schemas.microsoft.com/office/drawing/2010/main" xmlns="" w="9525">
+                <a14:hiddenLine xmlns="" xmlns:a14="http://schemas.microsoft.com/office/drawing/2010/main" w="9525">
                   <a:solidFill>
                     <a:srgbClr val="000000"/>
                   </a:solidFill>
@@ -3484,7 +3503,7 @@
             </a:ln>
             <a:extLst>
               <a:ext uri="{91240B29-F687-4f45-9708-019B960494DF}">
-                <a14:hiddenLine xmlns:a14="http://schemas.microsoft.com/office/drawing/2010/main" xmlns="" w="9525">
+                <a14:hiddenLine xmlns="" xmlns:a14="http://schemas.microsoft.com/office/drawing/2010/main" w="9525">
                   <a:solidFill>
                     <a:srgbClr val="000000"/>
                   </a:solidFill>
@@ -3574,7 +3593,7 @@
             </a:ln>
             <a:extLst>
               <a:ext uri="{91240B29-F687-4f45-9708-019B960494DF}">
-                <a14:hiddenLine xmlns:a14="http://schemas.microsoft.com/office/drawing/2010/main" xmlns="" w="9525">
+                <a14:hiddenLine xmlns="" xmlns:a14="http://schemas.microsoft.com/office/drawing/2010/main" w="9525">
                   <a:solidFill>
                     <a:srgbClr val="000000"/>
                   </a:solidFill>
@@ -3636,7 +3655,7 @@
             </a:ln>
             <a:extLst>
               <a:ext uri="{91240B29-F687-4f45-9708-019B960494DF}">
-                <a14:hiddenLine xmlns:a14="http://schemas.microsoft.com/office/drawing/2010/main" xmlns="" w="9525">
+                <a14:hiddenLine xmlns="" xmlns:a14="http://schemas.microsoft.com/office/drawing/2010/main" w="9525">
                   <a:solidFill>
                     <a:srgbClr val="000000"/>
                   </a:solidFill>
@@ -3698,7 +3717,7 @@
             </a:ln>
             <a:extLst>
               <a:ext uri="{91240B29-F687-4f45-9708-019B960494DF}">
-                <a14:hiddenLine xmlns:a14="http://schemas.microsoft.com/office/drawing/2010/main" xmlns="" w="9525">
+                <a14:hiddenLine xmlns="" xmlns:a14="http://schemas.microsoft.com/office/drawing/2010/main" w="9525">
                   <a:solidFill>
                     <a:srgbClr val="000000"/>
                   </a:solidFill>
@@ -3788,7 +3807,7 @@
             </a:ln>
             <a:extLst>
               <a:ext uri="{91240B29-F687-4f45-9708-019B960494DF}">
-                <a14:hiddenLine xmlns:a14="http://schemas.microsoft.com/office/drawing/2010/main" xmlns="" w="9525">
+                <a14:hiddenLine xmlns="" xmlns:a14="http://schemas.microsoft.com/office/drawing/2010/main" w="9525">
                   <a:solidFill>
                     <a:srgbClr val="000000"/>
                   </a:solidFill>
@@ -3878,7 +3897,7 @@
             </a:ln>
             <a:extLst>
               <a:ext uri="{91240B29-F687-4f45-9708-019B960494DF}">
-                <a14:hiddenLine xmlns:a14="http://schemas.microsoft.com/office/drawing/2010/main" xmlns="" w="9525">
+                <a14:hiddenLine xmlns="" xmlns:a14="http://schemas.microsoft.com/office/drawing/2010/main" w="9525">
                   <a:solidFill>
                     <a:srgbClr val="000000"/>
                   </a:solidFill>
@@ -3940,7 +3959,7 @@
             </a:ln>
             <a:extLst>
               <a:ext uri="{91240B29-F687-4f45-9708-019B960494DF}">
-                <a14:hiddenLine xmlns:a14="http://schemas.microsoft.com/office/drawing/2010/main" xmlns="" w="9525">
+                <a14:hiddenLine xmlns="" xmlns:a14="http://schemas.microsoft.com/office/drawing/2010/main" w="9525">
                   <a:solidFill>
                     <a:srgbClr val="000000"/>
                   </a:solidFill>
@@ -4050,7 +4069,7 @@
             </a:ln>
             <a:extLst>
               <a:ext uri="{91240B29-F687-4f45-9708-019B960494DF}">
-                <a14:hiddenLine xmlns:a14="http://schemas.microsoft.com/office/drawing/2010/main" xmlns="" w="9525">
+                <a14:hiddenLine xmlns="" xmlns:a14="http://schemas.microsoft.com/office/drawing/2010/main" w="9525">
                   <a:solidFill>
                     <a:srgbClr val="000000"/>
                   </a:solidFill>
@@ -4112,7 +4131,7 @@
             </a:ln>
             <a:extLst>
               <a:ext uri="{91240B29-F687-4f45-9708-019B960494DF}">
-                <a14:hiddenLine xmlns:a14="http://schemas.microsoft.com/office/drawing/2010/main" xmlns="" w="9525">
+                <a14:hiddenLine xmlns="" xmlns:a14="http://schemas.microsoft.com/office/drawing/2010/main" w="9525">
                   <a:solidFill>
                     <a:srgbClr val="000000"/>
                   </a:solidFill>
@@ -4202,7 +4221,7 @@
             </a:ln>
             <a:extLst>
               <a:ext uri="{91240B29-F687-4f45-9708-019B960494DF}">
-                <a14:hiddenLine xmlns:a14="http://schemas.microsoft.com/office/drawing/2010/main" xmlns="" w="9525">
+                <a14:hiddenLine xmlns="" xmlns:a14="http://schemas.microsoft.com/office/drawing/2010/main" w="9525">
                   <a:solidFill>
                     <a:srgbClr val="000000"/>
                   </a:solidFill>
@@ -4292,7 +4311,7 @@
             </a:ln>
             <a:extLst>
               <a:ext uri="{91240B29-F687-4f45-9708-019B960494DF}">
-                <a14:hiddenLine xmlns:a14="http://schemas.microsoft.com/office/drawing/2010/main" xmlns="" w="9525">
+                <a14:hiddenLine xmlns="" xmlns:a14="http://schemas.microsoft.com/office/drawing/2010/main" w="9525">
                   <a:solidFill>
                     <a:srgbClr val="000000"/>
                   </a:solidFill>
@@ -4354,7 +4373,7 @@
             </a:ln>
             <a:extLst>
               <a:ext uri="{91240B29-F687-4f45-9708-019B960494DF}">
-                <a14:hiddenLine xmlns:a14="http://schemas.microsoft.com/office/drawing/2010/main" xmlns="" w="9525">
+                <a14:hiddenLine xmlns="" xmlns:a14="http://schemas.microsoft.com/office/drawing/2010/main" w="9525">
                   <a:solidFill>
                     <a:srgbClr val="000000"/>
                   </a:solidFill>
@@ -4444,7 +4463,7 @@
             </a:ln>
             <a:extLst>
               <a:ext uri="{91240B29-F687-4f45-9708-019B960494DF}">
-                <a14:hiddenLine xmlns:a14="http://schemas.microsoft.com/office/drawing/2010/main" xmlns="" w="9525">
+                <a14:hiddenLine xmlns="" xmlns:a14="http://schemas.microsoft.com/office/drawing/2010/main" w="9525">
                   <a:solidFill>
                     <a:srgbClr val="000000"/>
                   </a:solidFill>
@@ -4534,7 +4553,7 @@
             </a:ln>
             <a:extLst>
               <a:ext uri="{91240B29-F687-4f45-9708-019B960494DF}">
-                <a14:hiddenLine xmlns:a14="http://schemas.microsoft.com/office/drawing/2010/main" xmlns="" w="9525">
+                <a14:hiddenLine xmlns="" xmlns:a14="http://schemas.microsoft.com/office/drawing/2010/main" w="9525">
                   <a:solidFill>
                     <a:srgbClr val="000000"/>
                   </a:solidFill>
@@ -4590,7 +4609,7 @@
             </a:ln>
             <a:extLst>
               <a:ext uri="{91240B29-F687-4f45-9708-019B960494DF}">
-                <a14:hiddenLine xmlns:a14="http://schemas.microsoft.com/office/drawing/2010/main" xmlns="" w="9525">
+                <a14:hiddenLine xmlns="" xmlns:a14="http://schemas.microsoft.com/office/drawing/2010/main" w="9525">
                   <a:solidFill>
                     <a:srgbClr val="000000"/>
                   </a:solidFill>
@@ -4680,7 +4699,7 @@
             </a:ln>
             <a:extLst>
               <a:ext uri="{91240B29-F687-4f45-9708-019B960494DF}">
-                <a14:hiddenLine xmlns:a14="http://schemas.microsoft.com/office/drawing/2010/main" xmlns="" w="9525">
+                <a14:hiddenLine xmlns="" xmlns:a14="http://schemas.microsoft.com/office/drawing/2010/main" w="9525">
                   <a:solidFill>
                     <a:srgbClr val="000000"/>
                   </a:solidFill>
@@ -4736,7 +4755,7 @@
             </a:ln>
             <a:extLst>
               <a:ext uri="{91240B29-F687-4f45-9708-019B960494DF}">
-                <a14:hiddenLine xmlns:a14="http://schemas.microsoft.com/office/drawing/2010/main" xmlns="" w="9525">
+                <a14:hiddenLine xmlns="" xmlns:a14="http://schemas.microsoft.com/office/drawing/2010/main" w="9525">
                   <a:solidFill>
                     <a:srgbClr val="000000"/>
                   </a:solidFill>
@@ -4826,7 +4845,7 @@
             </a:ln>
             <a:extLst>
               <a:ext uri="{91240B29-F687-4f45-9708-019B960494DF}">
-                <a14:hiddenLine xmlns:a14="http://schemas.microsoft.com/office/drawing/2010/main" xmlns="" w="9525">
+                <a14:hiddenLine xmlns="" xmlns:a14="http://schemas.microsoft.com/office/drawing/2010/main" w="9525">
                   <a:solidFill>
                     <a:srgbClr val="000000"/>
                   </a:solidFill>
@@ -4894,7 +4913,7 @@
             </a:ln>
             <a:extLst>
               <a:ext uri="{91240B29-F687-4f45-9708-019B960494DF}">
-                <a14:hiddenLine xmlns:a14="http://schemas.microsoft.com/office/drawing/2010/main" xmlns="" w="9525">
+                <a14:hiddenLine xmlns="" xmlns:a14="http://schemas.microsoft.com/office/drawing/2010/main" w="9525">
                   <a:solidFill>
                     <a:srgbClr val="000000"/>
                   </a:solidFill>
@@ -4984,7 +5003,7 @@
             </a:ln>
             <a:extLst>
               <a:ext uri="{91240B29-F687-4f45-9708-019B960494DF}">
-                <a14:hiddenLine xmlns:a14="http://schemas.microsoft.com/office/drawing/2010/main" xmlns="" w="9525">
+                <a14:hiddenLine xmlns="" xmlns:a14="http://schemas.microsoft.com/office/drawing/2010/main" w="9525">
                   <a:solidFill>
                     <a:srgbClr val="000000"/>
                   </a:solidFill>
@@ -5052,7 +5071,7 @@
             </a:ln>
             <a:extLst>
               <a:ext uri="{91240B29-F687-4f45-9708-019B960494DF}">
-                <a14:hiddenLine xmlns:a14="http://schemas.microsoft.com/office/drawing/2010/main" xmlns="" w="9525">
+                <a14:hiddenLine xmlns="" xmlns:a14="http://schemas.microsoft.com/office/drawing/2010/main" w="9525">
                   <a:solidFill>
                     <a:srgbClr val="000000"/>
                   </a:solidFill>
@@ -5142,7 +5161,7 @@
             </a:ln>
             <a:extLst>
               <a:ext uri="{91240B29-F687-4f45-9708-019B960494DF}">
-                <a14:hiddenLine xmlns:a14="http://schemas.microsoft.com/office/drawing/2010/main" xmlns="" w="9525">
+                <a14:hiddenLine xmlns="" xmlns:a14="http://schemas.microsoft.com/office/drawing/2010/main" w="9525">
                   <a:solidFill>
                     <a:srgbClr val="000000"/>
                   </a:solidFill>
@@ -5176,7 +5195,7 @@
             </a:ln>
             <a:extLst>
               <a:ext uri="{91240B29-F687-4f45-9708-019B960494DF}">
-                <a14:hiddenLine xmlns:a14="http://schemas.microsoft.com/office/drawing/2010/main" xmlns="" w="9525">
+                <a14:hiddenLine xmlns="" xmlns:a14="http://schemas.microsoft.com/office/drawing/2010/main" w="9525">
                   <a:solidFill>
                     <a:srgbClr val="000000"/>
                   </a:solidFill>
@@ -5266,7 +5285,7 @@
             </a:ln>
             <a:extLst>
               <a:ext uri="{91240B29-F687-4f45-9708-019B960494DF}">
-                <a14:hiddenLine xmlns:a14="http://schemas.microsoft.com/office/drawing/2010/main" xmlns="" w="9525">
+                <a14:hiddenLine xmlns="" xmlns:a14="http://schemas.microsoft.com/office/drawing/2010/main" w="9525">
                   <a:solidFill>
                     <a:srgbClr val="000000"/>
                   </a:solidFill>
@@ -5328,7 +5347,7 @@
             </a:ln>
             <a:extLst>
               <a:ext uri="{91240B29-F687-4f45-9708-019B960494DF}">
-                <a14:hiddenLine xmlns:a14="http://schemas.microsoft.com/office/drawing/2010/main" xmlns="" w="9525">
+                <a14:hiddenLine xmlns="" xmlns:a14="http://schemas.microsoft.com/office/drawing/2010/main" w="9525">
                   <a:solidFill>
                     <a:srgbClr val="000000"/>
                   </a:solidFill>
@@ -5390,7 +5409,7 @@
             </a:ln>
             <a:extLst>
               <a:ext uri="{91240B29-F687-4f45-9708-019B960494DF}">
-                <a14:hiddenLine xmlns:a14="http://schemas.microsoft.com/office/drawing/2010/main" xmlns="" w="9525">
+                <a14:hiddenLine xmlns="" xmlns:a14="http://schemas.microsoft.com/office/drawing/2010/main" w="9525">
                   <a:solidFill>
                     <a:srgbClr val="000000"/>
                   </a:solidFill>
@@ -5480,7 +5499,7 @@
             </a:ln>
             <a:extLst>
               <a:ext uri="{91240B29-F687-4f45-9708-019B960494DF}">
-                <a14:hiddenLine xmlns:a14="http://schemas.microsoft.com/office/drawing/2010/main" xmlns="" w="9525">
+                <a14:hiddenLine xmlns="" xmlns:a14="http://schemas.microsoft.com/office/drawing/2010/main" w="9525">
                   <a:solidFill>
                     <a:srgbClr val="000000"/>
                   </a:solidFill>
@@ -5548,7 +5567,7 @@
             </a:ln>
             <a:extLst>
               <a:ext uri="{91240B29-F687-4f45-9708-019B960494DF}">
-                <a14:hiddenLine xmlns:a14="http://schemas.microsoft.com/office/drawing/2010/main" xmlns="" w="9525">
+                <a14:hiddenLine xmlns="" xmlns:a14="http://schemas.microsoft.com/office/drawing/2010/main" w="9525">
                   <a:solidFill>
                     <a:srgbClr val="000000"/>
                   </a:solidFill>
@@ -5610,7 +5629,7 @@
             </a:ln>
             <a:extLst>
               <a:ext uri="{91240B29-F687-4f45-9708-019B960494DF}">
-                <a14:hiddenLine xmlns:a14="http://schemas.microsoft.com/office/drawing/2010/main" xmlns="" w="9525">
+                <a14:hiddenLine xmlns="" xmlns:a14="http://schemas.microsoft.com/office/drawing/2010/main" w="9525">
                   <a:solidFill>
                     <a:srgbClr val="000000"/>
                   </a:solidFill>
@@ -5700,7 +5719,7 @@
             </a:ln>
             <a:extLst>
               <a:ext uri="{91240B29-F687-4f45-9708-019B960494DF}">
-                <a14:hiddenLine xmlns:a14="http://schemas.microsoft.com/office/drawing/2010/main" xmlns="" w="9525">
+                <a14:hiddenLine xmlns="" xmlns:a14="http://schemas.microsoft.com/office/drawing/2010/main" w="9525">
                   <a:solidFill>
                     <a:srgbClr val="000000"/>
                   </a:solidFill>
@@ -5762,7 +5781,7 @@
             </a:ln>
             <a:extLst>
               <a:ext uri="{91240B29-F687-4f45-9708-019B960494DF}">
-                <a14:hiddenLine xmlns:a14="http://schemas.microsoft.com/office/drawing/2010/main" xmlns="" w="9525">
+                <a14:hiddenLine xmlns="" xmlns:a14="http://schemas.microsoft.com/office/drawing/2010/main" w="9525">
                   <a:solidFill>
                     <a:srgbClr val="000000"/>
                   </a:solidFill>
@@ -5852,7 +5871,7 @@
             </a:ln>
             <a:extLst>
               <a:ext uri="{91240B29-F687-4f45-9708-019B960494DF}">
-                <a14:hiddenLine xmlns:a14="http://schemas.microsoft.com/office/drawing/2010/main" xmlns="" w="9525">
+                <a14:hiddenLine xmlns="" xmlns:a14="http://schemas.microsoft.com/office/drawing/2010/main" w="9525">
                   <a:solidFill>
                     <a:srgbClr val="000000"/>
                   </a:solidFill>
@@ -5914,7 +5933,7 @@
             </a:ln>
             <a:extLst>
               <a:ext uri="{91240B29-F687-4f45-9708-019B960494DF}">
-                <a14:hiddenLine xmlns:a14="http://schemas.microsoft.com/office/drawing/2010/main" xmlns="" w="9525">
+                <a14:hiddenLine xmlns="" xmlns:a14="http://schemas.microsoft.com/office/drawing/2010/main" w="9525">
                   <a:solidFill>
                     <a:srgbClr val="000000"/>
                   </a:solidFill>
@@ -6004,7 +6023,7 @@
             </a:ln>
             <a:extLst>
               <a:ext uri="{91240B29-F687-4f45-9708-019B960494DF}">
-                <a14:hiddenLine xmlns:a14="http://schemas.microsoft.com/office/drawing/2010/main" xmlns="" w="9525">
+                <a14:hiddenLine xmlns="" xmlns:a14="http://schemas.microsoft.com/office/drawing/2010/main" w="9525">
                   <a:solidFill>
                     <a:srgbClr val="000000"/>
                   </a:solidFill>
@@ -6038,7 +6057,7 @@
             </a:ln>
             <a:extLst>
               <a:ext uri="{91240B29-F687-4f45-9708-019B960494DF}">
-                <a14:hiddenLine xmlns:a14="http://schemas.microsoft.com/office/drawing/2010/main" xmlns="" w="9525">
+                <a14:hiddenLine xmlns="" xmlns:a14="http://schemas.microsoft.com/office/drawing/2010/main" w="9525">
                   <a:solidFill>
                     <a:srgbClr val="000000"/>
                   </a:solidFill>
@@ -6103,7 +6122,7 @@
             </a:ln>
             <a:extLst>
               <a:ext uri="{91240B29-F687-4f45-9708-019B960494DF}">
-                <a14:hiddenLine xmlns:a14="http://schemas.microsoft.com/office/drawing/2010/main" xmlns="" w="9525">
+                <a14:hiddenLine xmlns="" xmlns:a14="http://schemas.microsoft.com/office/drawing/2010/main" w="9525">
                   <a:solidFill>
                     <a:srgbClr val="000000"/>
                   </a:solidFill>
@@ -6193,7 +6212,7 @@
             </a:ln>
             <a:extLst>
               <a:ext uri="{91240B29-F687-4f45-9708-019B960494DF}">
-                <a14:hiddenLine xmlns:a14="http://schemas.microsoft.com/office/drawing/2010/main" xmlns="" w="9525">
+                <a14:hiddenLine xmlns="" xmlns:a14="http://schemas.microsoft.com/office/drawing/2010/main" w="9525">
                   <a:solidFill>
                     <a:srgbClr val="000000"/>
                   </a:solidFill>
@@ -6255,7 +6274,7 @@
             </a:ln>
             <a:extLst>
               <a:ext uri="{91240B29-F687-4f45-9708-019B960494DF}">
-                <a14:hiddenLine xmlns:a14="http://schemas.microsoft.com/office/drawing/2010/main" xmlns="" w="9525">
+                <a14:hiddenLine xmlns="" xmlns:a14="http://schemas.microsoft.com/office/drawing/2010/main" w="9525">
                   <a:solidFill>
                     <a:srgbClr val="000000"/>
                   </a:solidFill>
@@ -6345,7 +6364,7 @@
             </a:ln>
             <a:extLst>
               <a:ext uri="{91240B29-F687-4f45-9708-019B960494DF}">
-                <a14:hiddenLine xmlns:a14="http://schemas.microsoft.com/office/drawing/2010/main" xmlns="" w="9525">
+                <a14:hiddenLine xmlns="" xmlns:a14="http://schemas.microsoft.com/office/drawing/2010/main" w="9525">
                   <a:solidFill>
                     <a:srgbClr val="000000"/>
                   </a:solidFill>
@@ -6435,7 +6454,7 @@
             </a:ln>
             <a:extLst>
               <a:ext uri="{91240B29-F687-4f45-9708-019B960494DF}">
-                <a14:hiddenLine xmlns:a14="http://schemas.microsoft.com/office/drawing/2010/main" xmlns="" w="9525">
+                <a14:hiddenLine xmlns="" xmlns:a14="http://schemas.microsoft.com/office/drawing/2010/main" w="9525">
                   <a:solidFill>
                     <a:srgbClr val="000000"/>
                   </a:solidFill>
@@ -6500,7 +6519,7 @@
             </a:ln>
             <a:extLst>
               <a:ext uri="{91240B29-F687-4f45-9708-019B960494DF}">
-                <a14:hiddenLine xmlns:a14="http://schemas.microsoft.com/office/drawing/2010/main" xmlns="" w="9525">
+                <a14:hiddenLine xmlns="" xmlns:a14="http://schemas.microsoft.com/office/drawing/2010/main" w="9525">
                   <a:solidFill>
                     <a:srgbClr val="000000"/>
                   </a:solidFill>
@@ -6562,7 +6581,7 @@
             </a:ln>
             <a:extLst>
               <a:ext uri="{91240B29-F687-4f45-9708-019B960494DF}">
-                <a14:hiddenLine xmlns:a14="http://schemas.microsoft.com/office/drawing/2010/main" xmlns="" w="9525">
+                <a14:hiddenLine xmlns="" xmlns:a14="http://schemas.microsoft.com/office/drawing/2010/main" w="9525">
                   <a:solidFill>
                     <a:srgbClr val="000000"/>
                   </a:solidFill>
@@ -6652,7 +6671,7 @@
             </a:ln>
             <a:extLst>
               <a:ext uri="{91240B29-F687-4f45-9708-019B960494DF}">
-                <a14:hiddenLine xmlns:a14="http://schemas.microsoft.com/office/drawing/2010/main" xmlns="" w="9525">
+                <a14:hiddenLine xmlns="" xmlns:a14="http://schemas.microsoft.com/office/drawing/2010/main" w="9525">
                   <a:solidFill>
                     <a:srgbClr val="000000"/>
                   </a:solidFill>
@@ -6742,7 +6761,7 @@
             </a:ln>
             <a:extLst>
               <a:ext uri="{91240B29-F687-4f45-9708-019B960494DF}">
-                <a14:hiddenLine xmlns:a14="http://schemas.microsoft.com/office/drawing/2010/main" xmlns="" w="9525">
+                <a14:hiddenLine xmlns="" xmlns:a14="http://schemas.microsoft.com/office/drawing/2010/main" w="9525">
                   <a:solidFill>
                     <a:srgbClr val="000000"/>
                   </a:solidFill>
@@ -6804,7 +6823,7 @@
             </a:ln>
             <a:extLst>
               <a:ext uri="{91240B29-F687-4f45-9708-019B960494DF}">
-                <a14:hiddenLine xmlns:a14="http://schemas.microsoft.com/office/drawing/2010/main" xmlns="" w="9525">
+                <a14:hiddenLine xmlns="" xmlns:a14="http://schemas.microsoft.com/office/drawing/2010/main" w="9525">
                   <a:solidFill>
                     <a:srgbClr val="000000"/>
                   </a:solidFill>
@@ -6924,7 +6943,7 @@
             </a:ln>
             <a:extLst>
               <a:ext uri="{91240B29-F687-4f45-9708-019B960494DF}">
-                <a14:hiddenLine xmlns:a14="http://schemas.microsoft.com/office/drawing/2010/main" xmlns="" w="9525">
+                <a14:hiddenLine xmlns="" xmlns:a14="http://schemas.microsoft.com/office/drawing/2010/main" w="9525">
                   <a:solidFill>
                     <a:srgbClr val="000000"/>
                   </a:solidFill>
@@ -6992,7 +7011,7 @@
             </a:ln>
             <a:extLst>
               <a:ext uri="{91240B29-F687-4f45-9708-019B960494DF}">
-                <a14:hiddenLine xmlns:a14="http://schemas.microsoft.com/office/drawing/2010/main" xmlns="" w="9525">
+                <a14:hiddenLine xmlns="" xmlns:a14="http://schemas.microsoft.com/office/drawing/2010/main" w="9525">
                   <a:solidFill>
                     <a:srgbClr val="000000"/>
                   </a:solidFill>
@@ -7082,7 +7101,7 @@
             </a:ln>
             <a:extLst>
               <a:ext uri="{91240B29-F687-4f45-9708-019B960494DF}">
-                <a14:hiddenLine xmlns:a14="http://schemas.microsoft.com/office/drawing/2010/main" xmlns="" w="9525">
+                <a14:hiddenLine xmlns="" xmlns:a14="http://schemas.microsoft.com/office/drawing/2010/main" w="9525">
                   <a:solidFill>
                     <a:srgbClr val="000000"/>
                   </a:solidFill>
@@ -10109,7 +10128,7 @@
           <a:noFill/>
           <a:extLst>
             <a:ext uri="{909E8E84-426E-40dd-AFC4-6F175D3DCCD1}">
-              <a14:hiddenFill xmlns:a14="http://schemas.microsoft.com/office/drawing/2010/main" xmlns="">
+              <a14:hiddenFill xmlns="" xmlns:a14="http://schemas.microsoft.com/office/drawing/2010/main">
                 <a:solidFill>
                   <a:srgbClr val="FFFFFF"/>
                 </a:solidFill>
@@ -10169,7 +10188,7 @@
             </a:ln>
             <a:extLst>
               <a:ext uri="{91240B29-F687-4f45-9708-019B960494DF}">
-                <a14:hiddenLine xmlns:a14="http://schemas.microsoft.com/office/drawing/2010/main" xmlns="" w="9525">
+                <a14:hiddenLine xmlns="" xmlns:a14="http://schemas.microsoft.com/office/drawing/2010/main" w="9525">
                   <a:solidFill>
                     <a:srgbClr val="000000"/>
                   </a:solidFill>
@@ -10259,7 +10278,7 @@
             </a:ln>
             <a:extLst>
               <a:ext uri="{91240B29-F687-4f45-9708-019B960494DF}">
-                <a14:hiddenLine xmlns:a14="http://schemas.microsoft.com/office/drawing/2010/main" xmlns="" w="9525">
+                <a14:hiddenLine xmlns="" xmlns:a14="http://schemas.microsoft.com/office/drawing/2010/main" w="9525">
                   <a:solidFill>
                     <a:srgbClr val="000000"/>
                   </a:solidFill>
@@ -10349,7 +10368,7 @@
             </a:ln>
             <a:extLst>
               <a:ext uri="{91240B29-F687-4f45-9708-019B960494DF}">
-                <a14:hiddenLine xmlns:a14="http://schemas.microsoft.com/office/drawing/2010/main" xmlns="" w="9525">
+                <a14:hiddenLine xmlns="" xmlns:a14="http://schemas.microsoft.com/office/drawing/2010/main" w="9525">
                   <a:solidFill>
                     <a:srgbClr val="000000"/>
                   </a:solidFill>
@@ -10383,7 +10402,7 @@
             </a:ln>
             <a:extLst>
               <a:ext uri="{91240B29-F687-4f45-9708-019B960494DF}">
-                <a14:hiddenLine xmlns:a14="http://schemas.microsoft.com/office/drawing/2010/main" xmlns="" w="9525">
+                <a14:hiddenLine xmlns="" xmlns:a14="http://schemas.microsoft.com/office/drawing/2010/main" w="9525">
                   <a:solidFill>
                     <a:srgbClr val="000000"/>
                   </a:solidFill>
@@ -10473,7 +10492,7 @@
             </a:ln>
             <a:extLst>
               <a:ext uri="{91240B29-F687-4f45-9708-019B960494DF}">
-                <a14:hiddenLine xmlns:a14="http://schemas.microsoft.com/office/drawing/2010/main" xmlns="" w="9525">
+                <a14:hiddenLine xmlns="" xmlns:a14="http://schemas.microsoft.com/office/drawing/2010/main" w="9525">
                   <a:solidFill>
                     <a:srgbClr val="000000"/>
                   </a:solidFill>
@@ -10535,7 +10554,7 @@
             </a:ln>
             <a:extLst>
               <a:ext uri="{91240B29-F687-4f45-9708-019B960494DF}">
-                <a14:hiddenLine xmlns:a14="http://schemas.microsoft.com/office/drawing/2010/main" xmlns="" w="9525">
+                <a14:hiddenLine xmlns="" xmlns:a14="http://schemas.microsoft.com/office/drawing/2010/main" w="9525">
                   <a:solidFill>
                     <a:srgbClr val="000000"/>
                   </a:solidFill>
@@ -10597,7 +10616,7 @@
             </a:ln>
             <a:extLst>
               <a:ext uri="{91240B29-F687-4f45-9708-019B960494DF}">
-                <a14:hiddenLine xmlns:a14="http://schemas.microsoft.com/office/drawing/2010/main" xmlns="" w="9525">
+                <a14:hiddenLine xmlns="" xmlns:a14="http://schemas.microsoft.com/office/drawing/2010/main" w="9525">
                   <a:solidFill>
                     <a:srgbClr val="000000"/>
                   </a:solidFill>
@@ -10687,7 +10706,7 @@
             </a:ln>
             <a:extLst>
               <a:ext uri="{91240B29-F687-4f45-9708-019B960494DF}">
-                <a14:hiddenLine xmlns:a14="http://schemas.microsoft.com/office/drawing/2010/main" xmlns="" w="9525">
+                <a14:hiddenLine xmlns="" xmlns:a14="http://schemas.microsoft.com/office/drawing/2010/main" w="9525">
                   <a:solidFill>
                     <a:srgbClr val="000000"/>
                   </a:solidFill>
@@ -10749,7 +10768,7 @@
             </a:ln>
             <a:extLst>
               <a:ext uri="{91240B29-F687-4f45-9708-019B960494DF}">
-                <a14:hiddenLine xmlns:a14="http://schemas.microsoft.com/office/drawing/2010/main" xmlns="" w="9525">
+                <a14:hiddenLine xmlns="" xmlns:a14="http://schemas.microsoft.com/office/drawing/2010/main" w="9525">
                   <a:solidFill>
                     <a:srgbClr val="000000"/>
                   </a:solidFill>
@@ -10811,7 +10830,7 @@
             </a:ln>
             <a:extLst>
               <a:ext uri="{91240B29-F687-4f45-9708-019B960494DF}">
-                <a14:hiddenLine xmlns:a14="http://schemas.microsoft.com/office/drawing/2010/main" xmlns="" w="9525">
+                <a14:hiddenLine xmlns="" xmlns:a14="http://schemas.microsoft.com/office/drawing/2010/main" w="9525">
                   <a:solidFill>
                     <a:srgbClr val="000000"/>
                   </a:solidFill>
@@ -10901,7 +10920,7 @@
             </a:ln>
             <a:extLst>
               <a:ext uri="{91240B29-F687-4f45-9708-019B960494DF}">
-                <a14:hiddenLine xmlns:a14="http://schemas.microsoft.com/office/drawing/2010/main" xmlns="" w="9525">
+                <a14:hiddenLine xmlns="" xmlns:a14="http://schemas.microsoft.com/office/drawing/2010/main" w="9525">
                   <a:solidFill>
                     <a:srgbClr val="000000"/>
                   </a:solidFill>
@@ -10991,7 +11010,7 @@
             </a:ln>
             <a:extLst>
               <a:ext uri="{91240B29-F687-4f45-9708-019B960494DF}">
-                <a14:hiddenLine xmlns:a14="http://schemas.microsoft.com/office/drawing/2010/main" xmlns="" w="9525">
+                <a14:hiddenLine xmlns="" xmlns:a14="http://schemas.microsoft.com/office/drawing/2010/main" w="9525">
                   <a:solidFill>
                     <a:srgbClr val="000000"/>
                   </a:solidFill>
@@ -11053,7 +11072,7 @@
             </a:ln>
             <a:extLst>
               <a:ext uri="{91240B29-F687-4f45-9708-019B960494DF}">
-                <a14:hiddenLine xmlns:a14="http://schemas.microsoft.com/office/drawing/2010/main" xmlns="" w="9525">
+                <a14:hiddenLine xmlns="" xmlns:a14="http://schemas.microsoft.com/office/drawing/2010/main" w="9525">
                   <a:solidFill>
                     <a:srgbClr val="000000"/>
                   </a:solidFill>
@@ -11163,7 +11182,7 @@
             </a:ln>
             <a:extLst>
               <a:ext uri="{91240B29-F687-4f45-9708-019B960494DF}">
-                <a14:hiddenLine xmlns:a14="http://schemas.microsoft.com/office/drawing/2010/main" xmlns="" w="9525">
+                <a14:hiddenLine xmlns="" xmlns:a14="http://schemas.microsoft.com/office/drawing/2010/main" w="9525">
                   <a:solidFill>
                     <a:srgbClr val="000000"/>
                   </a:solidFill>
@@ -11225,7 +11244,7 @@
             </a:ln>
             <a:extLst>
               <a:ext uri="{91240B29-F687-4f45-9708-019B960494DF}">
-                <a14:hiddenLine xmlns:a14="http://schemas.microsoft.com/office/drawing/2010/main" xmlns="" w="9525">
+                <a14:hiddenLine xmlns="" xmlns:a14="http://schemas.microsoft.com/office/drawing/2010/main" w="9525">
                   <a:solidFill>
                     <a:srgbClr val="000000"/>
                   </a:solidFill>
@@ -11315,7 +11334,7 @@
             </a:ln>
             <a:extLst>
               <a:ext uri="{91240B29-F687-4f45-9708-019B960494DF}">
-                <a14:hiddenLine xmlns:a14="http://schemas.microsoft.com/office/drawing/2010/main" xmlns="" w="9525">
+                <a14:hiddenLine xmlns="" xmlns:a14="http://schemas.microsoft.com/office/drawing/2010/main" w="9525">
                   <a:solidFill>
                     <a:srgbClr val="000000"/>
                   </a:solidFill>
@@ -11405,7 +11424,7 @@
             </a:ln>
             <a:extLst>
               <a:ext uri="{91240B29-F687-4f45-9708-019B960494DF}">
-                <a14:hiddenLine xmlns:a14="http://schemas.microsoft.com/office/drawing/2010/main" xmlns="" w="9525">
+                <a14:hiddenLine xmlns="" xmlns:a14="http://schemas.microsoft.com/office/drawing/2010/main" w="9525">
                   <a:solidFill>
                     <a:srgbClr val="000000"/>
                   </a:solidFill>
@@ -11467,7 +11486,7 @@
             </a:ln>
             <a:extLst>
               <a:ext uri="{91240B29-F687-4f45-9708-019B960494DF}">
-                <a14:hiddenLine xmlns:a14="http://schemas.microsoft.com/office/drawing/2010/main" xmlns="" w="9525">
+                <a14:hiddenLine xmlns="" xmlns:a14="http://schemas.microsoft.com/office/drawing/2010/main" w="9525">
                   <a:solidFill>
                     <a:srgbClr val="000000"/>
                   </a:solidFill>
@@ -11557,7 +11576,7 @@
             </a:ln>
             <a:extLst>
               <a:ext uri="{91240B29-F687-4f45-9708-019B960494DF}">
-                <a14:hiddenLine xmlns:a14="http://schemas.microsoft.com/office/drawing/2010/main" xmlns="" w="9525">
+                <a14:hiddenLine xmlns="" xmlns:a14="http://schemas.microsoft.com/office/drawing/2010/main" w="9525">
                   <a:solidFill>
                     <a:srgbClr val="000000"/>
                   </a:solidFill>
@@ -11647,7 +11666,7 @@
             </a:ln>
             <a:extLst>
               <a:ext uri="{91240B29-F687-4f45-9708-019B960494DF}">
-                <a14:hiddenLine xmlns:a14="http://schemas.microsoft.com/office/drawing/2010/main" xmlns="" w="9525">
+                <a14:hiddenLine xmlns="" xmlns:a14="http://schemas.microsoft.com/office/drawing/2010/main" w="9525">
                   <a:solidFill>
                     <a:srgbClr val="000000"/>
                   </a:solidFill>
@@ -11703,7 +11722,7 @@
             </a:ln>
             <a:extLst>
               <a:ext uri="{91240B29-F687-4f45-9708-019B960494DF}">
-                <a14:hiddenLine xmlns:a14="http://schemas.microsoft.com/office/drawing/2010/main" xmlns="" w="9525">
+                <a14:hiddenLine xmlns="" xmlns:a14="http://schemas.microsoft.com/office/drawing/2010/main" w="9525">
                   <a:solidFill>
                     <a:srgbClr val="000000"/>
                   </a:solidFill>
@@ -11793,7 +11812,7 @@
             </a:ln>
             <a:extLst>
               <a:ext uri="{91240B29-F687-4f45-9708-019B960494DF}">
-                <a14:hiddenLine xmlns:a14="http://schemas.microsoft.com/office/drawing/2010/main" xmlns="" w="9525">
+                <a14:hiddenLine xmlns="" xmlns:a14="http://schemas.microsoft.com/office/drawing/2010/main" w="9525">
                   <a:solidFill>
                     <a:srgbClr val="000000"/>
                   </a:solidFill>
@@ -11849,7 +11868,7 @@
             </a:ln>
             <a:extLst>
               <a:ext uri="{91240B29-F687-4f45-9708-019B960494DF}">
-                <a14:hiddenLine xmlns:a14="http://schemas.microsoft.com/office/drawing/2010/main" xmlns="" w="9525">
+                <a14:hiddenLine xmlns="" xmlns:a14="http://schemas.microsoft.com/office/drawing/2010/main" w="9525">
                   <a:solidFill>
                     <a:srgbClr val="000000"/>
                   </a:solidFill>
@@ -11939,7 +11958,7 @@
             </a:ln>
             <a:extLst>
               <a:ext uri="{91240B29-F687-4f45-9708-019B960494DF}">
-                <a14:hiddenLine xmlns:a14="http://schemas.microsoft.com/office/drawing/2010/main" xmlns="" w="9525">
+                <a14:hiddenLine xmlns="" xmlns:a14="http://schemas.microsoft.com/office/drawing/2010/main" w="9525">
                   <a:solidFill>
                     <a:srgbClr val="000000"/>
                   </a:solidFill>
@@ -12007,7 +12026,7 @@
             </a:ln>
             <a:extLst>
               <a:ext uri="{91240B29-F687-4f45-9708-019B960494DF}">
-                <a14:hiddenLine xmlns:a14="http://schemas.microsoft.com/office/drawing/2010/main" xmlns="" w="9525">
+                <a14:hiddenLine xmlns="" xmlns:a14="http://schemas.microsoft.com/office/drawing/2010/main" w="9525">
                   <a:solidFill>
                     <a:srgbClr val="000000"/>
                   </a:solidFill>
@@ -12097,7 +12116,7 @@
             </a:ln>
             <a:extLst>
               <a:ext uri="{91240B29-F687-4f45-9708-019B960494DF}">
-                <a14:hiddenLine xmlns:a14="http://schemas.microsoft.com/office/drawing/2010/main" xmlns="" w="9525">
+                <a14:hiddenLine xmlns="" xmlns:a14="http://schemas.microsoft.com/office/drawing/2010/main" w="9525">
                   <a:solidFill>
                     <a:srgbClr val="000000"/>
                   </a:solidFill>
@@ -12165,7 +12184,7 @@
             </a:ln>
             <a:extLst>
               <a:ext uri="{91240B29-F687-4f45-9708-019B960494DF}">
-                <a14:hiddenLine xmlns:a14="http://schemas.microsoft.com/office/drawing/2010/main" xmlns="" w="9525">
+                <a14:hiddenLine xmlns="" xmlns:a14="http://schemas.microsoft.com/office/drawing/2010/main" w="9525">
                   <a:solidFill>
                     <a:srgbClr val="000000"/>
                   </a:solidFill>
@@ -12255,7 +12274,7 @@
             </a:ln>
             <a:extLst>
               <a:ext uri="{91240B29-F687-4f45-9708-019B960494DF}">
-                <a14:hiddenLine xmlns:a14="http://schemas.microsoft.com/office/drawing/2010/main" xmlns="" w="9525">
+                <a14:hiddenLine xmlns="" xmlns:a14="http://schemas.microsoft.com/office/drawing/2010/main" w="9525">
                   <a:solidFill>
                     <a:srgbClr val="000000"/>
                   </a:solidFill>
@@ -12289,7 +12308,7 @@
             </a:ln>
             <a:extLst>
               <a:ext uri="{91240B29-F687-4f45-9708-019B960494DF}">
-                <a14:hiddenLine xmlns:a14="http://schemas.microsoft.com/office/drawing/2010/main" xmlns="" w="9525">
+                <a14:hiddenLine xmlns="" xmlns:a14="http://schemas.microsoft.com/office/drawing/2010/main" w="9525">
                   <a:solidFill>
                     <a:srgbClr val="000000"/>
                   </a:solidFill>
@@ -12379,7 +12398,7 @@
             </a:ln>
             <a:extLst>
               <a:ext uri="{91240B29-F687-4f45-9708-019B960494DF}">
-                <a14:hiddenLine xmlns:a14="http://schemas.microsoft.com/office/drawing/2010/main" xmlns="" w="9525">
+                <a14:hiddenLine xmlns="" xmlns:a14="http://schemas.microsoft.com/office/drawing/2010/main" w="9525">
                   <a:solidFill>
                     <a:srgbClr val="000000"/>
                   </a:solidFill>
@@ -12441,7 +12460,7 @@
             </a:ln>
             <a:extLst>
               <a:ext uri="{91240B29-F687-4f45-9708-019B960494DF}">
-                <a14:hiddenLine xmlns:a14="http://schemas.microsoft.com/office/drawing/2010/main" xmlns="" w="9525">
+                <a14:hiddenLine xmlns="" xmlns:a14="http://schemas.microsoft.com/office/drawing/2010/main" w="9525">
                   <a:solidFill>
                     <a:srgbClr val="000000"/>
                   </a:solidFill>
@@ -12503,7 +12522,7 @@
             </a:ln>
             <a:extLst>
               <a:ext uri="{91240B29-F687-4f45-9708-019B960494DF}">
-                <a14:hiddenLine xmlns:a14="http://schemas.microsoft.com/office/drawing/2010/main" xmlns="" w="9525">
+                <a14:hiddenLine xmlns="" xmlns:a14="http://schemas.microsoft.com/office/drawing/2010/main" w="9525">
                   <a:solidFill>
                     <a:srgbClr val="000000"/>
                   </a:solidFill>
@@ -12593,7 +12612,7 @@
             </a:ln>
             <a:extLst>
               <a:ext uri="{91240B29-F687-4f45-9708-019B960494DF}">
-                <a14:hiddenLine xmlns:a14="http://schemas.microsoft.com/office/drawing/2010/main" xmlns="" w="9525">
+                <a14:hiddenLine xmlns="" xmlns:a14="http://schemas.microsoft.com/office/drawing/2010/main" w="9525">
                   <a:solidFill>
                     <a:srgbClr val="000000"/>
                   </a:solidFill>
@@ -12661,7 +12680,7 @@
             </a:ln>
             <a:extLst>
               <a:ext uri="{91240B29-F687-4f45-9708-019B960494DF}">
-                <a14:hiddenLine xmlns:a14="http://schemas.microsoft.com/office/drawing/2010/main" xmlns="" w="9525">
+                <a14:hiddenLine xmlns="" xmlns:a14="http://schemas.microsoft.com/office/drawing/2010/main" w="9525">
                   <a:solidFill>
                     <a:srgbClr val="000000"/>
                   </a:solidFill>
@@ -12723,7 +12742,7 @@
             </a:ln>
             <a:extLst>
               <a:ext uri="{91240B29-F687-4f45-9708-019B960494DF}">
-                <a14:hiddenLine xmlns:a14="http://schemas.microsoft.com/office/drawing/2010/main" xmlns="" w="9525">
+                <a14:hiddenLine xmlns="" xmlns:a14="http://schemas.microsoft.com/office/drawing/2010/main" w="9525">
                   <a:solidFill>
                     <a:srgbClr val="000000"/>
                   </a:solidFill>
@@ -12813,7 +12832,7 @@
             </a:ln>
             <a:extLst>
               <a:ext uri="{91240B29-F687-4f45-9708-019B960494DF}">
-                <a14:hiddenLine xmlns:a14="http://schemas.microsoft.com/office/drawing/2010/main" xmlns="" w="9525">
+                <a14:hiddenLine xmlns="" xmlns:a14="http://schemas.microsoft.com/office/drawing/2010/main" w="9525">
                   <a:solidFill>
                     <a:srgbClr val="000000"/>
                   </a:solidFill>
@@ -12875,7 +12894,7 @@
             </a:ln>
             <a:extLst>
               <a:ext uri="{91240B29-F687-4f45-9708-019B960494DF}">
-                <a14:hiddenLine xmlns:a14="http://schemas.microsoft.com/office/drawing/2010/main" xmlns="" w="9525">
+                <a14:hiddenLine xmlns="" xmlns:a14="http://schemas.microsoft.com/office/drawing/2010/main" w="9525">
                   <a:solidFill>
                     <a:srgbClr val="000000"/>
                   </a:solidFill>
@@ -12965,7 +12984,7 @@
             </a:ln>
             <a:extLst>
               <a:ext uri="{91240B29-F687-4f45-9708-019B960494DF}">
-                <a14:hiddenLine xmlns:a14="http://schemas.microsoft.com/office/drawing/2010/main" xmlns="" w="9525">
+                <a14:hiddenLine xmlns="" xmlns:a14="http://schemas.microsoft.com/office/drawing/2010/main" w="9525">
                   <a:solidFill>
                     <a:srgbClr val="000000"/>
                   </a:solidFill>
@@ -13027,7 +13046,7 @@
             </a:ln>
             <a:extLst>
               <a:ext uri="{91240B29-F687-4f45-9708-019B960494DF}">
-                <a14:hiddenLine xmlns:a14="http://schemas.microsoft.com/office/drawing/2010/main" xmlns="" w="9525">
+                <a14:hiddenLine xmlns="" xmlns:a14="http://schemas.microsoft.com/office/drawing/2010/main" w="9525">
                   <a:solidFill>
                     <a:srgbClr val="000000"/>
                   </a:solidFill>
@@ -13117,7 +13136,7 @@
             </a:ln>
             <a:extLst>
               <a:ext uri="{91240B29-F687-4f45-9708-019B960494DF}">
-                <a14:hiddenLine xmlns:a14="http://schemas.microsoft.com/office/drawing/2010/main" xmlns="" w="9525">
+                <a14:hiddenLine xmlns="" xmlns:a14="http://schemas.microsoft.com/office/drawing/2010/main" w="9525">
                   <a:solidFill>
                     <a:srgbClr val="000000"/>
                   </a:solidFill>
@@ -13151,7 +13170,7 @@
             </a:ln>
             <a:extLst>
               <a:ext uri="{91240B29-F687-4f45-9708-019B960494DF}">
-                <a14:hiddenLine xmlns:a14="http://schemas.microsoft.com/office/drawing/2010/main" xmlns="" w="9525">
+                <a14:hiddenLine xmlns="" xmlns:a14="http://schemas.microsoft.com/office/drawing/2010/main" w="9525">
                   <a:solidFill>
                     <a:srgbClr val="000000"/>
                   </a:solidFill>
@@ -13216,7 +13235,7 @@
             </a:ln>
             <a:extLst>
               <a:ext uri="{91240B29-F687-4f45-9708-019B960494DF}">
-                <a14:hiddenLine xmlns:a14="http://schemas.microsoft.com/office/drawing/2010/main" xmlns="" w="9525">
+                <a14:hiddenLine xmlns="" xmlns:a14="http://schemas.microsoft.com/office/drawing/2010/main" w="9525">
                   <a:solidFill>
                     <a:srgbClr val="000000"/>
                   </a:solidFill>
@@ -13306,7 +13325,7 @@
             </a:ln>
             <a:extLst>
               <a:ext uri="{91240B29-F687-4f45-9708-019B960494DF}">
-                <a14:hiddenLine xmlns:a14="http://schemas.microsoft.com/office/drawing/2010/main" xmlns="" w="9525">
+                <a14:hiddenLine xmlns="" xmlns:a14="http://schemas.microsoft.com/office/drawing/2010/main" w="9525">
                   <a:solidFill>
                     <a:srgbClr val="000000"/>
                   </a:solidFill>
@@ -13368,7 +13387,7 @@
             </a:ln>
             <a:extLst>
               <a:ext uri="{91240B29-F687-4f45-9708-019B960494DF}">
-                <a14:hiddenLine xmlns:a14="http://schemas.microsoft.com/office/drawing/2010/main" xmlns="" w="9525">
+                <a14:hiddenLine xmlns="" xmlns:a14="http://schemas.microsoft.com/office/drawing/2010/main" w="9525">
                   <a:solidFill>
                     <a:srgbClr val="000000"/>
                   </a:solidFill>
@@ -13458,7 +13477,7 @@
             </a:ln>
             <a:extLst>
               <a:ext uri="{91240B29-F687-4f45-9708-019B960494DF}">
-                <a14:hiddenLine xmlns:a14="http://schemas.microsoft.com/office/drawing/2010/main" xmlns="" w="9525">
+                <a14:hiddenLine xmlns="" xmlns:a14="http://schemas.microsoft.com/office/drawing/2010/main" w="9525">
                   <a:solidFill>
                     <a:srgbClr val="000000"/>
                   </a:solidFill>
@@ -13548,7 +13567,7 @@
             </a:ln>
             <a:extLst>
               <a:ext uri="{91240B29-F687-4f45-9708-019B960494DF}">
-                <a14:hiddenLine xmlns:a14="http://schemas.microsoft.com/office/drawing/2010/main" xmlns="" w="9525">
+                <a14:hiddenLine xmlns="" xmlns:a14="http://schemas.microsoft.com/office/drawing/2010/main" w="9525">
                   <a:solidFill>
                     <a:srgbClr val="000000"/>
                   </a:solidFill>
@@ -13613,7 +13632,7 @@
             </a:ln>
             <a:extLst>
               <a:ext uri="{91240B29-F687-4f45-9708-019B960494DF}">
-                <a14:hiddenLine xmlns:a14="http://schemas.microsoft.com/office/drawing/2010/main" xmlns="" w="9525">
+                <a14:hiddenLine xmlns="" xmlns:a14="http://schemas.microsoft.com/office/drawing/2010/main" w="9525">
                   <a:solidFill>
                     <a:srgbClr val="000000"/>
                   </a:solidFill>
@@ -13675,7 +13694,7 @@
             </a:ln>
             <a:extLst>
               <a:ext uri="{91240B29-F687-4f45-9708-019B960494DF}">
-                <a14:hiddenLine xmlns:a14="http://schemas.microsoft.com/office/drawing/2010/main" xmlns="" w="9525">
+                <a14:hiddenLine xmlns="" xmlns:a14="http://schemas.microsoft.com/office/drawing/2010/main" w="9525">
                   <a:solidFill>
                     <a:srgbClr val="000000"/>
                   </a:solidFill>
@@ -13765,7 +13784,7 @@
             </a:ln>
             <a:extLst>
               <a:ext uri="{91240B29-F687-4f45-9708-019B960494DF}">
-                <a14:hiddenLine xmlns:a14="http://schemas.microsoft.com/office/drawing/2010/main" xmlns="" w="9525">
+                <a14:hiddenLine xmlns="" xmlns:a14="http://schemas.microsoft.com/office/drawing/2010/main" w="9525">
                   <a:solidFill>
                     <a:srgbClr val="000000"/>
                   </a:solidFill>
@@ -13855,7 +13874,7 @@
             </a:ln>
             <a:extLst>
               <a:ext uri="{91240B29-F687-4f45-9708-019B960494DF}">
-                <a14:hiddenLine xmlns:a14="http://schemas.microsoft.com/office/drawing/2010/main" xmlns="" w="9525">
+                <a14:hiddenLine xmlns="" xmlns:a14="http://schemas.microsoft.com/office/drawing/2010/main" w="9525">
                   <a:solidFill>
                     <a:srgbClr val="000000"/>
                   </a:solidFill>
@@ -13917,7 +13936,7 @@
             </a:ln>
             <a:extLst>
               <a:ext uri="{91240B29-F687-4f45-9708-019B960494DF}">
-                <a14:hiddenLine xmlns:a14="http://schemas.microsoft.com/office/drawing/2010/main" xmlns="" w="9525">
+                <a14:hiddenLine xmlns="" xmlns:a14="http://schemas.microsoft.com/office/drawing/2010/main" w="9525">
                   <a:solidFill>
                     <a:srgbClr val="000000"/>
                   </a:solidFill>
@@ -14037,7 +14056,7 @@
             </a:ln>
             <a:extLst>
               <a:ext uri="{91240B29-F687-4f45-9708-019B960494DF}">
-                <a14:hiddenLine xmlns:a14="http://schemas.microsoft.com/office/drawing/2010/main" xmlns="" w="9525">
+                <a14:hiddenLine xmlns="" xmlns:a14="http://schemas.microsoft.com/office/drawing/2010/main" w="9525">
                   <a:solidFill>
                     <a:srgbClr val="000000"/>
                   </a:solidFill>
@@ -14105,7 +14124,7 @@
             </a:ln>
             <a:extLst>
               <a:ext uri="{91240B29-F687-4f45-9708-019B960494DF}">
-                <a14:hiddenLine xmlns:a14="http://schemas.microsoft.com/office/drawing/2010/main" xmlns="" w="9525">
+                <a14:hiddenLine xmlns="" xmlns:a14="http://schemas.microsoft.com/office/drawing/2010/main" w="9525">
                   <a:solidFill>
                     <a:srgbClr val="000000"/>
                   </a:solidFill>
@@ -14195,7 +14214,7 @@
             </a:ln>
             <a:extLst>
               <a:ext uri="{91240B29-F687-4f45-9708-019B960494DF}">
-                <a14:hiddenLine xmlns:a14="http://schemas.microsoft.com/office/drawing/2010/main" xmlns="" w="9525">
+                <a14:hiddenLine xmlns="" xmlns:a14="http://schemas.microsoft.com/office/drawing/2010/main" w="9525">
                   <a:solidFill>
                     <a:srgbClr val="000000"/>
                   </a:solidFill>
@@ -20784,7 +20803,7 @@
           <a:noFill/>
           <a:extLst>
             <a:ext uri="{909E8E84-426E-40dd-AFC4-6F175D3DCCD1}">
-              <a14:hiddenFill xmlns:a14="http://schemas.microsoft.com/office/drawing/2010/main" xmlns="">
+              <a14:hiddenFill xmlns="" xmlns:a14="http://schemas.microsoft.com/office/drawing/2010/main">
                 <a:solidFill>
                   <a:srgbClr val="FFFFFF"/>
                 </a:solidFill>
@@ -20858,7 +20877,7 @@
               </a:ln>
               <a:extLst>
                 <a:ext uri="{91240B29-F687-4f45-9708-019B960494DF}">
-                  <a14:hiddenLine xmlns:a14="http://schemas.microsoft.com/office/drawing/2010/main" xmlns="" w="9525">
+                  <a14:hiddenLine xmlns="" xmlns:a14="http://schemas.microsoft.com/office/drawing/2010/main" w="9525">
                     <a:solidFill>
                       <a:srgbClr val="000000"/>
                     </a:solidFill>
@@ -20948,7 +20967,7 @@
               </a:ln>
               <a:extLst>
                 <a:ext uri="{91240B29-F687-4f45-9708-019B960494DF}">
-                  <a14:hiddenLine xmlns:a14="http://schemas.microsoft.com/office/drawing/2010/main" xmlns="" w="9525">
+                  <a14:hiddenLine xmlns="" xmlns:a14="http://schemas.microsoft.com/office/drawing/2010/main" w="9525">
                     <a:solidFill>
                       <a:srgbClr val="000000"/>
                     </a:solidFill>
@@ -21038,7 +21057,7 @@
               </a:ln>
               <a:extLst>
                 <a:ext uri="{91240B29-F687-4f45-9708-019B960494DF}">
-                  <a14:hiddenLine xmlns:a14="http://schemas.microsoft.com/office/drawing/2010/main" xmlns="" w="9525">
+                  <a14:hiddenLine xmlns="" xmlns:a14="http://schemas.microsoft.com/office/drawing/2010/main" w="9525">
                     <a:solidFill>
                       <a:srgbClr val="000000"/>
                     </a:solidFill>
@@ -21100,7 +21119,7 @@
               </a:ln>
               <a:extLst>
                 <a:ext uri="{91240B29-F687-4f45-9708-019B960494DF}">
-                  <a14:hiddenLine xmlns:a14="http://schemas.microsoft.com/office/drawing/2010/main" xmlns="" w="9525">
+                  <a14:hiddenLine xmlns="" xmlns:a14="http://schemas.microsoft.com/office/drawing/2010/main" w="9525">
                     <a:solidFill>
                       <a:srgbClr val="000000"/>
                     </a:solidFill>
@@ -21190,7 +21209,7 @@
               </a:ln>
               <a:extLst>
                 <a:ext uri="{91240B29-F687-4f45-9708-019B960494DF}">
-                  <a14:hiddenLine xmlns:a14="http://schemas.microsoft.com/office/drawing/2010/main" xmlns="" w="9525">
+                  <a14:hiddenLine xmlns="" xmlns:a14="http://schemas.microsoft.com/office/drawing/2010/main" w="9525">
                     <a:solidFill>
                       <a:srgbClr val="000000"/>
                     </a:solidFill>
@@ -21252,7 +21271,7 @@
               </a:ln>
               <a:extLst>
                 <a:ext uri="{91240B29-F687-4f45-9708-019B960494DF}">
-                  <a14:hiddenLine xmlns:a14="http://schemas.microsoft.com/office/drawing/2010/main" xmlns="" w="9525">
+                  <a14:hiddenLine xmlns="" xmlns:a14="http://schemas.microsoft.com/office/drawing/2010/main" w="9525">
                     <a:solidFill>
                       <a:srgbClr val="000000"/>
                     </a:solidFill>
@@ -21314,7 +21333,7 @@
               </a:ln>
               <a:extLst>
                 <a:ext uri="{91240B29-F687-4f45-9708-019B960494DF}">
-                  <a14:hiddenLine xmlns:a14="http://schemas.microsoft.com/office/drawing/2010/main" xmlns="" w="9525">
+                  <a14:hiddenLine xmlns="" xmlns:a14="http://schemas.microsoft.com/office/drawing/2010/main" w="9525">
                     <a:solidFill>
                       <a:srgbClr val="000000"/>
                     </a:solidFill>
@@ -21404,7 +21423,7 @@
               </a:ln>
               <a:extLst>
                 <a:ext uri="{91240B29-F687-4f45-9708-019B960494DF}">
-                  <a14:hiddenLine xmlns:a14="http://schemas.microsoft.com/office/drawing/2010/main" xmlns="" w="9525">
+                  <a14:hiddenLine xmlns="" xmlns:a14="http://schemas.microsoft.com/office/drawing/2010/main" w="9525">
                     <a:solidFill>
                       <a:srgbClr val="000000"/>
                     </a:solidFill>
@@ -21494,7 +21513,7 @@
               </a:ln>
               <a:extLst>
                 <a:ext uri="{91240B29-F687-4f45-9708-019B960494DF}">
-                  <a14:hiddenLine xmlns:a14="http://schemas.microsoft.com/office/drawing/2010/main" xmlns="" w="9525">
+                  <a14:hiddenLine xmlns="" xmlns:a14="http://schemas.microsoft.com/office/drawing/2010/main" w="9525">
                     <a:solidFill>
                       <a:srgbClr val="000000"/>
                     </a:solidFill>
@@ -21556,7 +21575,7 @@
               </a:ln>
               <a:extLst>
                 <a:ext uri="{91240B29-F687-4f45-9708-019B960494DF}">
-                  <a14:hiddenLine xmlns:a14="http://schemas.microsoft.com/office/drawing/2010/main" xmlns="" w="9525">
+                  <a14:hiddenLine xmlns="" xmlns:a14="http://schemas.microsoft.com/office/drawing/2010/main" w="9525">
                     <a:solidFill>
                       <a:srgbClr val="000000"/>
                     </a:solidFill>
@@ -21666,7 +21685,7 @@
               </a:ln>
               <a:extLst>
                 <a:ext uri="{91240B29-F687-4f45-9708-019B960494DF}">
-                  <a14:hiddenLine xmlns:a14="http://schemas.microsoft.com/office/drawing/2010/main" xmlns="" w="9525">
+                  <a14:hiddenLine xmlns="" xmlns:a14="http://schemas.microsoft.com/office/drawing/2010/main" w="9525">
                     <a:solidFill>
                       <a:srgbClr val="000000"/>
                     </a:solidFill>
@@ -21750,7 +21769,7 @@
               </a:ln>
               <a:extLst>
                 <a:ext uri="{91240B29-F687-4f45-9708-019B960494DF}">
-                  <a14:hiddenLine xmlns:a14="http://schemas.microsoft.com/office/drawing/2010/main" xmlns="" w="9525">
+                  <a14:hiddenLine xmlns="" xmlns:a14="http://schemas.microsoft.com/office/drawing/2010/main" w="9525">
                     <a:solidFill>
                       <a:srgbClr val="000000"/>
                     </a:solidFill>
@@ -21812,7 +21831,7 @@
               </a:ln>
               <a:extLst>
                 <a:ext uri="{91240B29-F687-4f45-9708-019B960494DF}">
-                  <a14:hiddenLine xmlns:a14="http://schemas.microsoft.com/office/drawing/2010/main" xmlns="" w="9525">
+                  <a14:hiddenLine xmlns="" xmlns:a14="http://schemas.microsoft.com/office/drawing/2010/main" w="9525">
                     <a:solidFill>
                       <a:srgbClr val="000000"/>
                     </a:solidFill>
@@ -21874,7 +21893,7 @@
               </a:ln>
               <a:extLst>
                 <a:ext uri="{91240B29-F687-4f45-9708-019B960494DF}">
-                  <a14:hiddenLine xmlns:a14="http://schemas.microsoft.com/office/drawing/2010/main" xmlns="" w="9525">
+                  <a14:hiddenLine xmlns="" xmlns:a14="http://schemas.microsoft.com/office/drawing/2010/main" w="9525">
                     <a:solidFill>
                       <a:srgbClr val="000000"/>
                     </a:solidFill>
@@ -21964,7 +21983,7 @@
               </a:ln>
               <a:extLst>
                 <a:ext uri="{91240B29-F687-4f45-9708-019B960494DF}">
-                  <a14:hiddenLine xmlns:a14="http://schemas.microsoft.com/office/drawing/2010/main" xmlns="" w="9525">
+                  <a14:hiddenLine xmlns="" xmlns:a14="http://schemas.microsoft.com/office/drawing/2010/main" w="9525">
                     <a:solidFill>
                       <a:srgbClr val="000000"/>
                     </a:solidFill>
@@ -21998,7 +22017,7 @@
               </a:ln>
               <a:extLst>
                 <a:ext uri="{91240B29-F687-4f45-9708-019B960494DF}">
-                  <a14:hiddenLine xmlns:a14="http://schemas.microsoft.com/office/drawing/2010/main" xmlns="" w="9525">
+                  <a14:hiddenLine xmlns="" xmlns:a14="http://schemas.microsoft.com/office/drawing/2010/main" w="9525">
                     <a:solidFill>
                       <a:srgbClr val="000000"/>
                     </a:solidFill>
@@ -22063,7 +22082,7 @@
               </a:ln>
               <a:extLst>
                 <a:ext uri="{91240B29-F687-4f45-9708-019B960494DF}">
-                  <a14:hiddenLine xmlns:a14="http://schemas.microsoft.com/office/drawing/2010/main" xmlns="" w="9525">
+                  <a14:hiddenLine xmlns="" xmlns:a14="http://schemas.microsoft.com/office/drawing/2010/main" w="9525">
                     <a:solidFill>
                       <a:srgbClr val="000000"/>
                     </a:solidFill>
@@ -22153,7 +22172,7 @@
               </a:ln>
               <a:extLst>
                 <a:ext uri="{91240B29-F687-4f45-9708-019B960494DF}">
-                  <a14:hiddenLine xmlns:a14="http://schemas.microsoft.com/office/drawing/2010/main" xmlns="" w="9525">
+                  <a14:hiddenLine xmlns="" xmlns:a14="http://schemas.microsoft.com/office/drawing/2010/main" w="9525">
                     <a:solidFill>
                       <a:srgbClr val="000000"/>
                     </a:solidFill>
@@ -22215,7 +22234,7 @@
               </a:ln>
               <a:extLst>
                 <a:ext uri="{91240B29-F687-4f45-9708-019B960494DF}">
-                  <a14:hiddenLine xmlns:a14="http://schemas.microsoft.com/office/drawing/2010/main" xmlns="" w="9525">
+                  <a14:hiddenLine xmlns="" xmlns:a14="http://schemas.microsoft.com/office/drawing/2010/main" w="9525">
                     <a:solidFill>
                       <a:srgbClr val="000000"/>
                     </a:solidFill>
@@ -22305,7 +22324,7 @@
               </a:ln>
               <a:extLst>
                 <a:ext uri="{91240B29-F687-4f45-9708-019B960494DF}">
-                  <a14:hiddenLine xmlns:a14="http://schemas.microsoft.com/office/drawing/2010/main" xmlns="" w="9525">
+                  <a14:hiddenLine xmlns="" xmlns:a14="http://schemas.microsoft.com/office/drawing/2010/main" w="9525">
                     <a:solidFill>
                       <a:srgbClr val="000000"/>
                     </a:solidFill>
@@ -22370,7 +22389,7 @@
               </a:ln>
               <a:extLst>
                 <a:ext uri="{91240B29-F687-4f45-9708-019B960494DF}">
-                  <a14:hiddenLine xmlns:a14="http://schemas.microsoft.com/office/drawing/2010/main" xmlns="" w="9525">
+                  <a14:hiddenLine xmlns="" xmlns:a14="http://schemas.microsoft.com/office/drawing/2010/main" w="9525">
                     <a:solidFill>
                       <a:srgbClr val="000000"/>
                     </a:solidFill>
@@ -22432,7 +22451,7 @@
               </a:ln>
               <a:extLst>
                 <a:ext uri="{91240B29-F687-4f45-9708-019B960494DF}">
-                  <a14:hiddenLine xmlns:a14="http://schemas.microsoft.com/office/drawing/2010/main" xmlns="" w="9525">
+                  <a14:hiddenLine xmlns="" xmlns:a14="http://schemas.microsoft.com/office/drawing/2010/main" w="9525">
                     <a:solidFill>
                       <a:srgbClr val="000000"/>
                     </a:solidFill>
@@ -22522,7 +22541,7 @@
               </a:ln>
               <a:extLst>
                 <a:ext uri="{91240B29-F687-4f45-9708-019B960494DF}">
-                  <a14:hiddenLine xmlns:a14="http://schemas.microsoft.com/office/drawing/2010/main" xmlns="" w="9525">
+                  <a14:hiddenLine xmlns="" xmlns:a14="http://schemas.microsoft.com/office/drawing/2010/main" w="9525">
                     <a:solidFill>
                       <a:srgbClr val="000000"/>
                     </a:solidFill>
@@ -22612,7 +22631,7 @@
               </a:ln>
               <a:extLst>
                 <a:ext uri="{91240B29-F687-4f45-9708-019B960494DF}">
-                  <a14:hiddenLine xmlns:a14="http://schemas.microsoft.com/office/drawing/2010/main" xmlns="" w="9525">
+                  <a14:hiddenLine xmlns="" xmlns:a14="http://schemas.microsoft.com/office/drawing/2010/main" w="9525">
                     <a:solidFill>
                       <a:srgbClr val="000000"/>
                     </a:solidFill>
@@ -22677,7 +22696,7 @@
               </a:ln>
               <a:extLst>
                 <a:ext uri="{91240B29-F687-4f45-9708-019B960494DF}">
-                  <a14:hiddenLine xmlns:a14="http://schemas.microsoft.com/office/drawing/2010/main" xmlns="" w="9525">
+                  <a14:hiddenLine xmlns="" xmlns:a14="http://schemas.microsoft.com/office/drawing/2010/main" w="9525">
                     <a:solidFill>
                       <a:srgbClr val="000000"/>
                     </a:solidFill>
@@ -22797,7 +22816,7 @@
               </a:ln>
               <a:extLst>
                 <a:ext uri="{91240B29-F687-4f45-9708-019B960494DF}">
-                  <a14:hiddenLine xmlns:a14="http://schemas.microsoft.com/office/drawing/2010/main" xmlns="" w="9525">
+                  <a14:hiddenLine xmlns="" xmlns:a14="http://schemas.microsoft.com/office/drawing/2010/main" w="9525">
                     <a:solidFill>
                       <a:srgbClr val="000000"/>
                     </a:solidFill>
@@ -22878,7 +22897,7 @@
               </a:ln>
               <a:extLst>
                 <a:ext uri="{91240B29-F687-4f45-9708-019B960494DF}">
-                  <a14:hiddenLine xmlns:a14="http://schemas.microsoft.com/office/drawing/2010/main" xmlns="" w="9525">
+                  <a14:hiddenLine xmlns="" xmlns:a14="http://schemas.microsoft.com/office/drawing/2010/main" w="9525">
                     <a:solidFill>
                       <a:srgbClr val="000000"/>
                     </a:solidFill>
@@ -22993,7 +23012,7 @@
               </a:ln>
               <a:extLst>
                 <a:ext uri="{91240B29-F687-4f45-9708-019B960494DF}">
-                  <a14:hiddenLine xmlns:a14="http://schemas.microsoft.com/office/drawing/2010/main" xmlns="" w="9525">
+                  <a14:hiddenLine xmlns="" xmlns:a14="http://schemas.microsoft.com/office/drawing/2010/main" w="9525">
                     <a:solidFill>
                       <a:srgbClr val="000000"/>
                     </a:solidFill>
@@ -23083,7 +23102,7 @@
               </a:ln>
               <a:extLst>
                 <a:ext uri="{91240B29-F687-4f45-9708-019B960494DF}">
-                  <a14:hiddenLine xmlns:a14="http://schemas.microsoft.com/office/drawing/2010/main" xmlns="" w="9525">
+                  <a14:hiddenLine xmlns="" xmlns:a14="http://schemas.microsoft.com/office/drawing/2010/main" w="9525">
                     <a:solidFill>
                       <a:srgbClr val="000000"/>
                     </a:solidFill>
@@ -23148,7 +23167,7 @@
               </a:ln>
               <a:extLst>
                 <a:ext uri="{91240B29-F687-4f45-9708-019B960494DF}">
-                  <a14:hiddenLine xmlns:a14="http://schemas.microsoft.com/office/drawing/2010/main" xmlns="" w="9525">
+                  <a14:hiddenLine xmlns="" xmlns:a14="http://schemas.microsoft.com/office/drawing/2010/main" w="9525">
                     <a:solidFill>
                       <a:srgbClr val="000000"/>
                     </a:solidFill>
@@ -23238,7 +23257,7 @@
               </a:ln>
               <a:extLst>
                 <a:ext uri="{91240B29-F687-4f45-9708-019B960494DF}">
-                  <a14:hiddenLine xmlns:a14="http://schemas.microsoft.com/office/drawing/2010/main" xmlns="" w="9525">
+                  <a14:hiddenLine xmlns="" xmlns:a14="http://schemas.microsoft.com/office/drawing/2010/main" w="9525">
                     <a:solidFill>
                       <a:srgbClr val="000000"/>
                     </a:solidFill>
@@ -23306,7 +23325,7 @@
               </a:ln>
               <a:extLst>
                 <a:ext uri="{91240B29-F687-4f45-9708-019B960494DF}">
-                  <a14:hiddenLine xmlns:a14="http://schemas.microsoft.com/office/drawing/2010/main" xmlns="" w="9525">
+                  <a14:hiddenLine xmlns="" xmlns:a14="http://schemas.microsoft.com/office/drawing/2010/main" w="9525">
                     <a:solidFill>
                       <a:srgbClr val="000000"/>
                     </a:solidFill>
@@ -23396,7 +23415,7 @@
               </a:ln>
               <a:extLst>
                 <a:ext uri="{91240B29-F687-4f45-9708-019B960494DF}">
-                  <a14:hiddenLine xmlns:a14="http://schemas.microsoft.com/office/drawing/2010/main" xmlns="" w="9525">
+                  <a14:hiddenLine xmlns="" xmlns:a14="http://schemas.microsoft.com/office/drawing/2010/main" w="9525">
                     <a:solidFill>
                       <a:srgbClr val="000000"/>
                     </a:solidFill>
@@ -23464,7 +23483,7 @@
               </a:ln>
               <a:extLst>
                 <a:ext uri="{91240B29-F687-4f45-9708-019B960494DF}">
-                  <a14:hiddenLine xmlns:a14="http://schemas.microsoft.com/office/drawing/2010/main" xmlns="" w="9525">
+                  <a14:hiddenLine xmlns="" xmlns:a14="http://schemas.microsoft.com/office/drawing/2010/main" w="9525">
                     <a:solidFill>
                       <a:srgbClr val="000000"/>
                     </a:solidFill>
@@ -23554,7 +23573,7 @@
               </a:ln>
               <a:extLst>
                 <a:ext uri="{91240B29-F687-4f45-9708-019B960494DF}">
-                  <a14:hiddenLine xmlns:a14="http://schemas.microsoft.com/office/drawing/2010/main" xmlns="" w="9525">
+                  <a14:hiddenLine xmlns="" xmlns:a14="http://schemas.microsoft.com/office/drawing/2010/main" w="9525">
                     <a:solidFill>
                       <a:srgbClr val="000000"/>
                     </a:solidFill>
@@ -23588,7 +23607,7 @@
               </a:ln>
               <a:extLst>
                 <a:ext uri="{91240B29-F687-4f45-9708-019B960494DF}">
-                  <a14:hiddenLine xmlns:a14="http://schemas.microsoft.com/office/drawing/2010/main" xmlns="" w="9525">
+                  <a14:hiddenLine xmlns="" xmlns:a14="http://schemas.microsoft.com/office/drawing/2010/main" w="9525">
                     <a:solidFill>
                       <a:srgbClr val="000000"/>
                     </a:solidFill>
@@ -24186,7 +24205,7 @@
           <a:noFill/>
           <a:extLst>
             <a:ext uri="{909E8E84-426E-40dd-AFC4-6F175D3DCCD1}">
-              <a14:hiddenFill xmlns:a14="http://schemas.microsoft.com/office/drawing/2010/main" xmlns="">
+              <a14:hiddenFill xmlns="" xmlns:a14="http://schemas.microsoft.com/office/drawing/2010/main">
                 <a:solidFill>
                   <a:srgbClr val="FFFFFF"/>
                 </a:solidFill>
@@ -24260,7 +24279,7 @@
               </a:ln>
               <a:extLst>
                 <a:ext uri="{91240B29-F687-4f45-9708-019B960494DF}">
-                  <a14:hiddenLine xmlns:a14="http://schemas.microsoft.com/office/drawing/2010/main" xmlns="" w="9525">
+                  <a14:hiddenLine xmlns="" xmlns:a14="http://schemas.microsoft.com/office/drawing/2010/main" w="9525">
                     <a:solidFill>
                       <a:srgbClr val="000000"/>
                     </a:solidFill>
@@ -24350,7 +24369,7 @@
               </a:ln>
               <a:extLst>
                 <a:ext uri="{91240B29-F687-4f45-9708-019B960494DF}">
-                  <a14:hiddenLine xmlns:a14="http://schemas.microsoft.com/office/drawing/2010/main" xmlns="" w="9525">
+                  <a14:hiddenLine xmlns="" xmlns:a14="http://schemas.microsoft.com/office/drawing/2010/main" w="9525">
                     <a:solidFill>
                       <a:srgbClr val="000000"/>
                     </a:solidFill>
@@ -24440,7 +24459,7 @@
               </a:ln>
               <a:extLst>
                 <a:ext uri="{91240B29-F687-4f45-9708-019B960494DF}">
-                  <a14:hiddenLine xmlns:a14="http://schemas.microsoft.com/office/drawing/2010/main" xmlns="" w="9525">
+                  <a14:hiddenLine xmlns="" xmlns:a14="http://schemas.microsoft.com/office/drawing/2010/main" w="9525">
                     <a:solidFill>
                       <a:srgbClr val="000000"/>
                     </a:solidFill>
@@ -24502,7 +24521,7 @@
               </a:ln>
               <a:extLst>
                 <a:ext uri="{91240B29-F687-4f45-9708-019B960494DF}">
-                  <a14:hiddenLine xmlns:a14="http://schemas.microsoft.com/office/drawing/2010/main" xmlns="" w="9525">
+                  <a14:hiddenLine xmlns="" xmlns:a14="http://schemas.microsoft.com/office/drawing/2010/main" w="9525">
                     <a:solidFill>
                       <a:srgbClr val="000000"/>
                     </a:solidFill>
@@ -24592,7 +24611,7 @@
               </a:ln>
               <a:extLst>
                 <a:ext uri="{91240B29-F687-4f45-9708-019B960494DF}">
-                  <a14:hiddenLine xmlns:a14="http://schemas.microsoft.com/office/drawing/2010/main" xmlns="" w="9525">
+                  <a14:hiddenLine xmlns="" xmlns:a14="http://schemas.microsoft.com/office/drawing/2010/main" w="9525">
                     <a:solidFill>
                       <a:srgbClr val="000000"/>
                     </a:solidFill>
@@ -24654,7 +24673,7 @@
               </a:ln>
               <a:extLst>
                 <a:ext uri="{91240B29-F687-4f45-9708-019B960494DF}">
-                  <a14:hiddenLine xmlns:a14="http://schemas.microsoft.com/office/drawing/2010/main" xmlns="" w="9525">
+                  <a14:hiddenLine xmlns="" xmlns:a14="http://schemas.microsoft.com/office/drawing/2010/main" w="9525">
                     <a:solidFill>
                       <a:srgbClr val="000000"/>
                     </a:solidFill>
@@ -24716,7 +24735,7 @@
               </a:ln>
               <a:extLst>
                 <a:ext uri="{91240B29-F687-4f45-9708-019B960494DF}">
-                  <a14:hiddenLine xmlns:a14="http://schemas.microsoft.com/office/drawing/2010/main" xmlns="" w="9525">
+                  <a14:hiddenLine xmlns="" xmlns:a14="http://schemas.microsoft.com/office/drawing/2010/main" w="9525">
                     <a:solidFill>
                       <a:srgbClr val="000000"/>
                     </a:solidFill>
@@ -24806,7 +24825,7 @@
               </a:ln>
               <a:extLst>
                 <a:ext uri="{91240B29-F687-4f45-9708-019B960494DF}">
-                  <a14:hiddenLine xmlns:a14="http://schemas.microsoft.com/office/drawing/2010/main" xmlns="" w="9525">
+                  <a14:hiddenLine xmlns="" xmlns:a14="http://schemas.microsoft.com/office/drawing/2010/main" w="9525">
                     <a:solidFill>
                       <a:srgbClr val="000000"/>
                     </a:solidFill>
@@ -24896,7 +24915,7 @@
               </a:ln>
               <a:extLst>
                 <a:ext uri="{91240B29-F687-4f45-9708-019B960494DF}">
-                  <a14:hiddenLine xmlns:a14="http://schemas.microsoft.com/office/drawing/2010/main" xmlns="" w="9525">
+                  <a14:hiddenLine xmlns="" xmlns:a14="http://schemas.microsoft.com/office/drawing/2010/main" w="9525">
                     <a:solidFill>
                       <a:srgbClr val="000000"/>
                     </a:solidFill>
@@ -24958,7 +24977,7 @@
               </a:ln>
               <a:extLst>
                 <a:ext uri="{91240B29-F687-4f45-9708-019B960494DF}">
-                  <a14:hiddenLine xmlns:a14="http://schemas.microsoft.com/office/drawing/2010/main" xmlns="" w="9525">
+                  <a14:hiddenLine xmlns="" xmlns:a14="http://schemas.microsoft.com/office/drawing/2010/main" w="9525">
                     <a:solidFill>
                       <a:srgbClr val="000000"/>
                     </a:solidFill>
@@ -25068,7 +25087,7 @@
               </a:ln>
               <a:extLst>
                 <a:ext uri="{91240B29-F687-4f45-9708-019B960494DF}">
-                  <a14:hiddenLine xmlns:a14="http://schemas.microsoft.com/office/drawing/2010/main" xmlns="" w="9525">
+                  <a14:hiddenLine xmlns="" xmlns:a14="http://schemas.microsoft.com/office/drawing/2010/main" w="9525">
                     <a:solidFill>
                       <a:srgbClr val="000000"/>
                     </a:solidFill>
@@ -25152,7 +25171,7 @@
               </a:ln>
               <a:extLst>
                 <a:ext uri="{91240B29-F687-4f45-9708-019B960494DF}">
-                  <a14:hiddenLine xmlns:a14="http://schemas.microsoft.com/office/drawing/2010/main" xmlns="" w="9525">
+                  <a14:hiddenLine xmlns="" xmlns:a14="http://schemas.microsoft.com/office/drawing/2010/main" w="9525">
                     <a:solidFill>
                       <a:srgbClr val="000000"/>
                     </a:solidFill>
@@ -25214,7 +25233,7 @@
               </a:ln>
               <a:extLst>
                 <a:ext uri="{91240B29-F687-4f45-9708-019B960494DF}">
-                  <a14:hiddenLine xmlns:a14="http://schemas.microsoft.com/office/drawing/2010/main" xmlns="" w="9525">
+                  <a14:hiddenLine xmlns="" xmlns:a14="http://schemas.microsoft.com/office/drawing/2010/main" w="9525">
                     <a:solidFill>
                       <a:srgbClr val="000000"/>
                     </a:solidFill>
@@ -25276,7 +25295,7 @@
               </a:ln>
               <a:extLst>
                 <a:ext uri="{91240B29-F687-4f45-9708-019B960494DF}">
-                  <a14:hiddenLine xmlns:a14="http://schemas.microsoft.com/office/drawing/2010/main" xmlns="" w="9525">
+                  <a14:hiddenLine xmlns="" xmlns:a14="http://schemas.microsoft.com/office/drawing/2010/main" w="9525">
                     <a:solidFill>
                       <a:srgbClr val="000000"/>
                     </a:solidFill>
@@ -25366,7 +25385,7 @@
               </a:ln>
               <a:extLst>
                 <a:ext uri="{91240B29-F687-4f45-9708-019B960494DF}">
-                  <a14:hiddenLine xmlns:a14="http://schemas.microsoft.com/office/drawing/2010/main" xmlns="" w="9525">
+                  <a14:hiddenLine xmlns="" xmlns:a14="http://schemas.microsoft.com/office/drawing/2010/main" w="9525">
                     <a:solidFill>
                       <a:srgbClr val="000000"/>
                     </a:solidFill>
@@ -25400,7 +25419,7 @@
               </a:ln>
               <a:extLst>
                 <a:ext uri="{91240B29-F687-4f45-9708-019B960494DF}">
-                  <a14:hiddenLine xmlns:a14="http://schemas.microsoft.com/office/drawing/2010/main" xmlns="" w="9525">
+                  <a14:hiddenLine xmlns="" xmlns:a14="http://schemas.microsoft.com/office/drawing/2010/main" w="9525">
                     <a:solidFill>
                       <a:srgbClr val="000000"/>
                     </a:solidFill>
@@ -25465,7 +25484,7 @@
               </a:ln>
               <a:extLst>
                 <a:ext uri="{91240B29-F687-4f45-9708-019B960494DF}">
-                  <a14:hiddenLine xmlns:a14="http://schemas.microsoft.com/office/drawing/2010/main" xmlns="" w="9525">
+                  <a14:hiddenLine xmlns="" xmlns:a14="http://schemas.microsoft.com/office/drawing/2010/main" w="9525">
                     <a:solidFill>
                       <a:srgbClr val="000000"/>
                     </a:solidFill>
@@ -25555,7 +25574,7 @@
               </a:ln>
               <a:extLst>
                 <a:ext uri="{91240B29-F687-4f45-9708-019B960494DF}">
-                  <a14:hiddenLine xmlns:a14="http://schemas.microsoft.com/office/drawing/2010/main" xmlns="" w="9525">
+                  <a14:hiddenLine xmlns="" xmlns:a14="http://schemas.microsoft.com/office/drawing/2010/main" w="9525">
                     <a:solidFill>
                       <a:srgbClr val="000000"/>
                     </a:solidFill>
@@ -25617,7 +25636,7 @@
               </a:ln>
               <a:extLst>
                 <a:ext uri="{91240B29-F687-4f45-9708-019B960494DF}">
-                  <a14:hiddenLine xmlns:a14="http://schemas.microsoft.com/office/drawing/2010/main" xmlns="" w="9525">
+                  <a14:hiddenLine xmlns="" xmlns:a14="http://schemas.microsoft.com/office/drawing/2010/main" w="9525">
                     <a:solidFill>
                       <a:srgbClr val="000000"/>
                     </a:solidFill>
@@ -25707,7 +25726,7 @@
               </a:ln>
               <a:extLst>
                 <a:ext uri="{91240B29-F687-4f45-9708-019B960494DF}">
-                  <a14:hiddenLine xmlns:a14="http://schemas.microsoft.com/office/drawing/2010/main" xmlns="" w="9525">
+                  <a14:hiddenLine xmlns="" xmlns:a14="http://schemas.microsoft.com/office/drawing/2010/main" w="9525">
                     <a:solidFill>
                       <a:srgbClr val="000000"/>
                     </a:solidFill>
@@ -25772,7 +25791,7 @@
               </a:ln>
               <a:extLst>
                 <a:ext uri="{91240B29-F687-4f45-9708-019B960494DF}">
-                  <a14:hiddenLine xmlns:a14="http://schemas.microsoft.com/office/drawing/2010/main" xmlns="" w="9525">
+                  <a14:hiddenLine xmlns="" xmlns:a14="http://schemas.microsoft.com/office/drawing/2010/main" w="9525">
                     <a:solidFill>
                       <a:srgbClr val="000000"/>
                     </a:solidFill>
@@ -25834,7 +25853,7 @@
               </a:ln>
               <a:extLst>
                 <a:ext uri="{91240B29-F687-4f45-9708-019B960494DF}">
-                  <a14:hiddenLine xmlns:a14="http://schemas.microsoft.com/office/drawing/2010/main" xmlns="" w="9525">
+                  <a14:hiddenLine xmlns="" xmlns:a14="http://schemas.microsoft.com/office/drawing/2010/main" w="9525">
                     <a:solidFill>
                       <a:srgbClr val="000000"/>
                     </a:solidFill>
@@ -25924,7 +25943,7 @@
               </a:ln>
               <a:extLst>
                 <a:ext uri="{91240B29-F687-4f45-9708-019B960494DF}">
-                  <a14:hiddenLine xmlns:a14="http://schemas.microsoft.com/office/drawing/2010/main" xmlns="" w="9525">
+                  <a14:hiddenLine xmlns="" xmlns:a14="http://schemas.microsoft.com/office/drawing/2010/main" w="9525">
                     <a:solidFill>
                       <a:srgbClr val="000000"/>
                     </a:solidFill>
@@ -26014,7 +26033,7 @@
               </a:ln>
               <a:extLst>
                 <a:ext uri="{91240B29-F687-4f45-9708-019B960494DF}">
-                  <a14:hiddenLine xmlns:a14="http://schemas.microsoft.com/office/drawing/2010/main" xmlns="" w="9525">
+                  <a14:hiddenLine xmlns="" xmlns:a14="http://schemas.microsoft.com/office/drawing/2010/main" w="9525">
                     <a:solidFill>
                       <a:srgbClr val="000000"/>
                     </a:solidFill>
@@ -26079,7 +26098,7 @@
               </a:ln>
               <a:extLst>
                 <a:ext uri="{91240B29-F687-4f45-9708-019B960494DF}">
-                  <a14:hiddenLine xmlns:a14="http://schemas.microsoft.com/office/drawing/2010/main" xmlns="" w="9525">
+                  <a14:hiddenLine xmlns="" xmlns:a14="http://schemas.microsoft.com/office/drawing/2010/main" w="9525">
                     <a:solidFill>
                       <a:srgbClr val="000000"/>
                     </a:solidFill>
@@ -26199,7 +26218,7 @@
               </a:ln>
               <a:extLst>
                 <a:ext uri="{91240B29-F687-4f45-9708-019B960494DF}">
-                  <a14:hiddenLine xmlns:a14="http://schemas.microsoft.com/office/drawing/2010/main" xmlns="" w="9525">
+                  <a14:hiddenLine xmlns="" xmlns:a14="http://schemas.microsoft.com/office/drawing/2010/main" w="9525">
                     <a:solidFill>
                       <a:srgbClr val="000000"/>
                     </a:solidFill>
@@ -26297,7 +26316,7 @@
               </a:ln>
               <a:extLst>
                 <a:ext uri="{91240B29-F687-4f45-9708-019B960494DF}">
-                  <a14:hiddenLine xmlns:a14="http://schemas.microsoft.com/office/drawing/2010/main" xmlns="" w="9525">
+                  <a14:hiddenLine xmlns="" xmlns:a14="http://schemas.microsoft.com/office/drawing/2010/main" w="9525">
                     <a:solidFill>
                       <a:srgbClr val="000000"/>
                     </a:solidFill>
@@ -26412,7 +26431,7 @@
               </a:ln>
               <a:extLst>
                 <a:ext uri="{91240B29-F687-4f45-9708-019B960494DF}">
-                  <a14:hiddenLine xmlns:a14="http://schemas.microsoft.com/office/drawing/2010/main" xmlns="" w="9525">
+                  <a14:hiddenLine xmlns="" xmlns:a14="http://schemas.microsoft.com/office/drawing/2010/main" w="9525">
                     <a:solidFill>
                       <a:srgbClr val="000000"/>
                     </a:solidFill>
@@ -26502,7 +26521,7 @@
               </a:ln>
               <a:extLst>
                 <a:ext uri="{91240B29-F687-4f45-9708-019B960494DF}">
-                  <a14:hiddenLine xmlns:a14="http://schemas.microsoft.com/office/drawing/2010/main" xmlns="" w="9525">
+                  <a14:hiddenLine xmlns="" xmlns:a14="http://schemas.microsoft.com/office/drawing/2010/main" w="9525">
                     <a:solidFill>
                       <a:srgbClr val="000000"/>
                     </a:solidFill>
@@ -26567,7 +26586,7 @@
               </a:ln>
               <a:extLst>
                 <a:ext uri="{91240B29-F687-4f45-9708-019B960494DF}">
-                  <a14:hiddenLine xmlns:a14="http://schemas.microsoft.com/office/drawing/2010/main" xmlns="" w="9525">
+                  <a14:hiddenLine xmlns="" xmlns:a14="http://schemas.microsoft.com/office/drawing/2010/main" w="9525">
                     <a:solidFill>
                       <a:srgbClr val="000000"/>
                     </a:solidFill>
@@ -26657,7 +26676,7 @@
               </a:ln>
               <a:extLst>
                 <a:ext uri="{91240B29-F687-4f45-9708-019B960494DF}">
-                  <a14:hiddenLine xmlns:a14="http://schemas.microsoft.com/office/drawing/2010/main" xmlns="" w="9525">
+                  <a14:hiddenLine xmlns="" xmlns:a14="http://schemas.microsoft.com/office/drawing/2010/main" w="9525">
                     <a:solidFill>
                       <a:srgbClr val="000000"/>
                     </a:solidFill>
@@ -26725,7 +26744,7 @@
               </a:ln>
               <a:extLst>
                 <a:ext uri="{91240B29-F687-4f45-9708-019B960494DF}">
-                  <a14:hiddenLine xmlns:a14="http://schemas.microsoft.com/office/drawing/2010/main" xmlns="" w="9525">
+                  <a14:hiddenLine xmlns="" xmlns:a14="http://schemas.microsoft.com/office/drawing/2010/main" w="9525">
                     <a:solidFill>
                       <a:srgbClr val="000000"/>
                     </a:solidFill>
@@ -26815,7 +26834,7 @@
               </a:ln>
               <a:extLst>
                 <a:ext uri="{91240B29-F687-4f45-9708-019B960494DF}">
-                  <a14:hiddenLine xmlns:a14="http://schemas.microsoft.com/office/drawing/2010/main" xmlns="" w="9525">
+                  <a14:hiddenLine xmlns="" xmlns:a14="http://schemas.microsoft.com/office/drawing/2010/main" w="9525">
                     <a:solidFill>
                       <a:srgbClr val="000000"/>
                     </a:solidFill>
@@ -26883,7 +26902,7 @@
               </a:ln>
               <a:extLst>
                 <a:ext uri="{91240B29-F687-4f45-9708-019B960494DF}">
-                  <a14:hiddenLine xmlns:a14="http://schemas.microsoft.com/office/drawing/2010/main" xmlns="" w="9525">
+                  <a14:hiddenLine xmlns="" xmlns:a14="http://schemas.microsoft.com/office/drawing/2010/main" w="9525">
                     <a:solidFill>
                       <a:srgbClr val="000000"/>
                     </a:solidFill>
@@ -26973,7 +26992,7 @@
               </a:ln>
               <a:extLst>
                 <a:ext uri="{91240B29-F687-4f45-9708-019B960494DF}">
-                  <a14:hiddenLine xmlns:a14="http://schemas.microsoft.com/office/drawing/2010/main" xmlns="" w="9525">
+                  <a14:hiddenLine xmlns="" xmlns:a14="http://schemas.microsoft.com/office/drawing/2010/main" w="9525">
                     <a:solidFill>
                       <a:srgbClr val="000000"/>
                     </a:solidFill>
@@ -27007,7 +27026,7 @@
               </a:ln>
               <a:extLst>
                 <a:ext uri="{91240B29-F687-4f45-9708-019B960494DF}">
-                  <a14:hiddenLine xmlns:a14="http://schemas.microsoft.com/office/drawing/2010/main" xmlns="" w="9525">
+                  <a14:hiddenLine xmlns="" xmlns:a14="http://schemas.microsoft.com/office/drawing/2010/main" w="9525">
                     <a:solidFill>
                       <a:srgbClr val="000000"/>
                     </a:solidFill>
@@ -27583,7 +27602,7 @@
                 <a16:creationId xmlns:a16="http://schemas.microsoft.com/office/drawing/2014/main" id="{4D6A640B-6684-4338-9199-6EE758735581}"/>
               </a:ext>
               <a:ext uri="{C183D7F6-B498-43B3-948B-1728B52AA6E4}">
-                <adec:decorative xmlns:adec="http://schemas.microsoft.com/office/drawing/2017/decorative" val="1"/>
+                <adec:decorative xmlns:adec="http://schemas.microsoft.com/office/drawing/2017/decorative" xmlns="" val="1"/>
               </a:ext>
             </a:extLst>
           </p:cNvPr>
@@ -27649,7 +27668,7 @@
                 <a16:creationId xmlns:a16="http://schemas.microsoft.com/office/drawing/2014/main" id="{5BAB052D-92E4-4715-895B-E423230754C2}"/>
               </a:ext>
               <a:ext uri="{C183D7F6-B498-43B3-948B-1728B52AA6E4}">
-                <adec:decorative xmlns:adec="http://schemas.microsoft.com/office/drawing/2017/decorative" val="1"/>
+                <adec:decorative xmlns:adec="http://schemas.microsoft.com/office/drawing/2017/decorative" xmlns="" val="1"/>
               </a:ext>
             </a:extLst>
           </p:cNvPr>
@@ -27688,7 +27707,7 @@
                   <a16:creationId xmlns:a16="http://schemas.microsoft.com/office/drawing/2014/main" id="{F9792D54-14D4-44D6-A491-DEA72C26C373}"/>
                 </a:ext>
                 <a:ext uri="{C183D7F6-B498-43B3-948B-1728B52AA6E4}">
-                  <adec:decorative xmlns:adec="http://schemas.microsoft.com/office/drawing/2017/decorative" val="1"/>
+                  <adec:decorative xmlns:adec="http://schemas.microsoft.com/office/drawing/2017/decorative" xmlns="" val="1"/>
                 </a:ext>
               </a:extLst>
             </p:cNvPr>
@@ -27717,7 +27736,7 @@
             </a:ln>
             <a:extLst>
               <a:ext uri="{91240B29-F687-4f45-9708-019B960494DF}">
-                <a14:hiddenLine xmlns="" xmlns:a16="http://schemas.microsoft.com/office/drawing/2014/main" xmlns:p14="http://schemas.microsoft.com/office/powerpoint/2010/main" xmlns:a14="http://schemas.microsoft.com/office/drawing/2010/main" w="9525">
+                <a14:hiddenLine xmlns:a14="http://schemas.microsoft.com/office/drawing/2010/main" xmlns:p14="http://schemas.microsoft.com/office/powerpoint/2010/main" xmlns:a16="http://schemas.microsoft.com/office/drawing/2014/main" xmlns="" w="9525">
                   <a:solidFill>
                     <a:srgbClr val="000000"/>
                   </a:solidFill>
@@ -27737,7 +27756,7 @@
                   <a16:creationId xmlns:a16="http://schemas.microsoft.com/office/drawing/2014/main" id="{D3CB19E7-637B-4FA1-B5E7-E35CF50AD39C}"/>
                 </a:ext>
                 <a:ext uri="{C183D7F6-B498-43B3-948B-1728B52AA6E4}">
-                  <adec:decorative xmlns:adec="http://schemas.microsoft.com/office/drawing/2017/decorative" val="1"/>
+                  <adec:decorative xmlns:adec="http://schemas.microsoft.com/office/drawing/2017/decorative" xmlns="" val="1"/>
                 </a:ext>
               </a:extLst>
             </p:cNvPr>
@@ -27822,7 +27841,7 @@
             </a:ln>
             <a:extLst>
               <a:ext uri="{91240B29-F687-4f45-9708-019B960494DF}">
-                <a14:hiddenLine xmlns="" xmlns:a16="http://schemas.microsoft.com/office/drawing/2014/main" xmlns:p14="http://schemas.microsoft.com/office/powerpoint/2010/main" xmlns:a14="http://schemas.microsoft.com/office/drawing/2010/main" w="9525">
+                <a14:hiddenLine xmlns:a14="http://schemas.microsoft.com/office/drawing/2010/main" xmlns:p14="http://schemas.microsoft.com/office/powerpoint/2010/main" xmlns:a16="http://schemas.microsoft.com/office/drawing/2014/main" xmlns="" w="9525">
                   <a:solidFill>
                     <a:srgbClr val="000000"/>
                   </a:solidFill>
@@ -27842,7 +27861,7 @@
                   <a16:creationId xmlns:a16="http://schemas.microsoft.com/office/drawing/2014/main" id="{B8CED72B-CBE7-450E-BE7C-247E884393A5}"/>
                 </a:ext>
                 <a:ext uri="{C183D7F6-B498-43B3-948B-1728B52AA6E4}">
-                  <adec:decorative xmlns:adec="http://schemas.microsoft.com/office/drawing/2017/decorative" val="1"/>
+                  <adec:decorative xmlns:adec="http://schemas.microsoft.com/office/drawing/2017/decorative" xmlns="" val="1"/>
                 </a:ext>
               </a:extLst>
             </p:cNvPr>
@@ -27927,7 +27946,7 @@
             </a:ln>
             <a:extLst>
               <a:ext uri="{91240B29-F687-4f45-9708-019B960494DF}">
-                <a14:hiddenLine xmlns="" xmlns:a16="http://schemas.microsoft.com/office/drawing/2014/main" xmlns:p14="http://schemas.microsoft.com/office/powerpoint/2010/main" xmlns:a14="http://schemas.microsoft.com/office/drawing/2010/main" w="9525">
+                <a14:hiddenLine xmlns:a14="http://schemas.microsoft.com/office/drawing/2010/main" xmlns:p14="http://schemas.microsoft.com/office/powerpoint/2010/main" xmlns:a16="http://schemas.microsoft.com/office/drawing/2014/main" xmlns="" w="9525">
                   <a:solidFill>
                     <a:srgbClr val="000000"/>
                   </a:solidFill>
@@ -27947,7 +27966,7 @@
                   <a16:creationId xmlns:a16="http://schemas.microsoft.com/office/drawing/2014/main" id="{3BBD7465-3665-40AE-98E8-F8503EE2096A}"/>
                 </a:ext>
                 <a:ext uri="{C183D7F6-B498-43B3-948B-1728B52AA6E4}">
-                  <adec:decorative xmlns:adec="http://schemas.microsoft.com/office/drawing/2017/decorative" val="1"/>
+                  <adec:decorative xmlns:adec="http://schemas.microsoft.com/office/drawing/2017/decorative" xmlns="" val="1"/>
                 </a:ext>
               </a:extLst>
             </p:cNvPr>
@@ -27976,7 +27995,7 @@
             </a:ln>
             <a:extLst>
               <a:ext uri="{91240B29-F687-4f45-9708-019B960494DF}">
-                <a14:hiddenLine xmlns="" xmlns:a16="http://schemas.microsoft.com/office/drawing/2014/main" xmlns:p14="http://schemas.microsoft.com/office/powerpoint/2010/main" xmlns:a14="http://schemas.microsoft.com/office/drawing/2010/main" w="9525">
+                <a14:hiddenLine xmlns:a14="http://schemas.microsoft.com/office/drawing/2010/main" xmlns:p14="http://schemas.microsoft.com/office/powerpoint/2010/main" xmlns:a16="http://schemas.microsoft.com/office/drawing/2014/main" xmlns="" w="9525">
                   <a:solidFill>
                     <a:srgbClr val="000000"/>
                   </a:solidFill>
@@ -27996,7 +28015,7 @@
                   <a16:creationId xmlns:a16="http://schemas.microsoft.com/office/drawing/2014/main" id="{86CB6F49-3080-4A29-860D-F8F1AC4AC305}"/>
                 </a:ext>
                 <a:ext uri="{C183D7F6-B498-43B3-948B-1728B52AA6E4}">
-                  <adec:decorative xmlns:adec="http://schemas.microsoft.com/office/drawing/2017/decorative" val="1"/>
+                  <adec:decorative xmlns:adec="http://schemas.microsoft.com/office/drawing/2017/decorative" xmlns="" val="1"/>
                 </a:ext>
               </a:extLst>
             </p:cNvPr>
@@ -28081,7 +28100,7 @@
             </a:ln>
             <a:extLst>
               <a:ext uri="{91240B29-F687-4f45-9708-019B960494DF}">
-                <a14:hiddenLine xmlns="" xmlns:a16="http://schemas.microsoft.com/office/drawing/2014/main" xmlns:p14="http://schemas.microsoft.com/office/powerpoint/2010/main" xmlns:a14="http://schemas.microsoft.com/office/drawing/2010/main" w="9525">
+                <a14:hiddenLine xmlns:a14="http://schemas.microsoft.com/office/drawing/2010/main" xmlns:p14="http://schemas.microsoft.com/office/powerpoint/2010/main" xmlns:a16="http://schemas.microsoft.com/office/drawing/2014/main" xmlns="" w="9525">
                   <a:solidFill>
                     <a:srgbClr val="000000"/>
                   </a:solidFill>
@@ -28101,7 +28120,7 @@
                   <a16:creationId xmlns:a16="http://schemas.microsoft.com/office/drawing/2014/main" id="{EA3A8EBB-EC1C-42C6-B409-E065ACD0EF56}"/>
                 </a:ext>
                 <a:ext uri="{C183D7F6-B498-43B3-948B-1728B52AA6E4}">
-                  <adec:decorative xmlns:adec="http://schemas.microsoft.com/office/drawing/2017/decorative" val="1"/>
+                  <adec:decorative xmlns:adec="http://schemas.microsoft.com/office/drawing/2017/decorative" xmlns="" val="1"/>
                 </a:ext>
               </a:extLst>
             </p:cNvPr>
@@ -28158,7 +28177,7 @@
             </a:ln>
             <a:extLst>
               <a:ext uri="{91240B29-F687-4f45-9708-019B960494DF}">
-                <a14:hiddenLine xmlns="" xmlns:a16="http://schemas.microsoft.com/office/drawing/2014/main" xmlns:p14="http://schemas.microsoft.com/office/powerpoint/2010/main" xmlns:a14="http://schemas.microsoft.com/office/drawing/2010/main" w="9525">
+                <a14:hiddenLine xmlns:a14="http://schemas.microsoft.com/office/drawing/2010/main" xmlns:p14="http://schemas.microsoft.com/office/powerpoint/2010/main" xmlns:a16="http://schemas.microsoft.com/office/drawing/2014/main" xmlns="" w="9525">
                   <a:solidFill>
                     <a:srgbClr val="000000"/>
                   </a:solidFill>
@@ -28178,7 +28197,7 @@
                   <a16:creationId xmlns:a16="http://schemas.microsoft.com/office/drawing/2014/main" id="{0F0AAA08-BD9A-4F88-A60C-F2ECB84CEEFF}"/>
                 </a:ext>
                 <a:ext uri="{C183D7F6-B498-43B3-948B-1728B52AA6E4}">
-                  <adec:decorative xmlns:adec="http://schemas.microsoft.com/office/drawing/2017/decorative" val="1"/>
+                  <adec:decorative xmlns:adec="http://schemas.microsoft.com/office/drawing/2017/decorative" xmlns="" val="1"/>
                 </a:ext>
               </a:extLst>
             </p:cNvPr>
@@ -28235,7 +28254,7 @@
             </a:ln>
             <a:extLst>
               <a:ext uri="{91240B29-F687-4f45-9708-019B960494DF}">
-                <a14:hiddenLine xmlns="" xmlns:a16="http://schemas.microsoft.com/office/drawing/2014/main" xmlns:p14="http://schemas.microsoft.com/office/powerpoint/2010/main" xmlns:a14="http://schemas.microsoft.com/office/drawing/2010/main" w="9525">
+                <a14:hiddenLine xmlns:a14="http://schemas.microsoft.com/office/drawing/2010/main" xmlns:p14="http://schemas.microsoft.com/office/powerpoint/2010/main" xmlns:a16="http://schemas.microsoft.com/office/drawing/2014/main" xmlns="" w="9525">
                   <a:solidFill>
                     <a:srgbClr val="000000"/>
                   </a:solidFill>
@@ -28255,7 +28274,7 @@
                   <a16:creationId xmlns:a16="http://schemas.microsoft.com/office/drawing/2014/main" id="{44ACFC6E-01EE-4A01-8C39-0C4BC6B4EFFF}"/>
                 </a:ext>
                 <a:ext uri="{C183D7F6-B498-43B3-948B-1728B52AA6E4}">
-                  <adec:decorative xmlns:adec="http://schemas.microsoft.com/office/drawing/2017/decorative" val="1"/>
+                  <adec:decorative xmlns:adec="http://schemas.microsoft.com/office/drawing/2017/decorative" xmlns="" val="1"/>
                 </a:ext>
               </a:extLst>
             </p:cNvPr>
@@ -28340,7 +28359,7 @@
             </a:ln>
             <a:extLst>
               <a:ext uri="{91240B29-F687-4f45-9708-019B960494DF}">
-                <a14:hiddenLine xmlns="" xmlns:a16="http://schemas.microsoft.com/office/drawing/2014/main" xmlns:p14="http://schemas.microsoft.com/office/powerpoint/2010/main" xmlns:a14="http://schemas.microsoft.com/office/drawing/2010/main" w="9525">
+                <a14:hiddenLine xmlns:a14="http://schemas.microsoft.com/office/drawing/2010/main" xmlns:p14="http://schemas.microsoft.com/office/powerpoint/2010/main" xmlns:a16="http://schemas.microsoft.com/office/drawing/2014/main" xmlns="" w="9525">
                   <a:solidFill>
                     <a:srgbClr val="000000"/>
                   </a:solidFill>
@@ -28360,7 +28379,7 @@
                   <a16:creationId xmlns:a16="http://schemas.microsoft.com/office/drawing/2014/main" id="{DDE8B861-702A-45C6-A7C5-D20764B55D80}"/>
                 </a:ext>
                 <a:ext uri="{C183D7F6-B498-43B3-948B-1728B52AA6E4}">
-                  <adec:decorative xmlns:adec="http://schemas.microsoft.com/office/drawing/2017/decorative" val="1"/>
+                  <adec:decorative xmlns:adec="http://schemas.microsoft.com/office/drawing/2017/decorative" xmlns="" val="1"/>
                 </a:ext>
               </a:extLst>
             </p:cNvPr>
@@ -28417,7 +28436,7 @@
             </a:ln>
             <a:extLst>
               <a:ext uri="{91240B29-F687-4f45-9708-019B960494DF}">
-                <a14:hiddenLine xmlns="" xmlns:a16="http://schemas.microsoft.com/office/drawing/2014/main" xmlns:p14="http://schemas.microsoft.com/office/powerpoint/2010/main" xmlns:a14="http://schemas.microsoft.com/office/drawing/2010/main" w="9525">
+                <a14:hiddenLine xmlns:a14="http://schemas.microsoft.com/office/drawing/2010/main" xmlns:p14="http://schemas.microsoft.com/office/powerpoint/2010/main" xmlns:a16="http://schemas.microsoft.com/office/drawing/2014/main" xmlns="" w="9525">
                   <a:solidFill>
                     <a:srgbClr val="000000"/>
                   </a:solidFill>
@@ -28437,7 +28456,7 @@
                   <a16:creationId xmlns:a16="http://schemas.microsoft.com/office/drawing/2014/main" id="{28DFAFFC-4BAC-4606-8F45-47284ED217D4}"/>
                 </a:ext>
                 <a:ext uri="{C183D7F6-B498-43B3-948B-1728B52AA6E4}">
-                  <adec:decorative xmlns:adec="http://schemas.microsoft.com/office/drawing/2017/decorative" val="1"/>
+                  <adec:decorative xmlns:adec="http://schemas.microsoft.com/office/drawing/2017/decorative" xmlns="" val="1"/>
                 </a:ext>
               </a:extLst>
             </p:cNvPr>
@@ -28494,7 +28513,7 @@
             </a:ln>
             <a:extLst>
               <a:ext uri="{91240B29-F687-4f45-9708-019B960494DF}">
-                <a14:hiddenLine xmlns="" xmlns:a16="http://schemas.microsoft.com/office/drawing/2014/main" xmlns:p14="http://schemas.microsoft.com/office/powerpoint/2010/main" xmlns:a14="http://schemas.microsoft.com/office/drawing/2010/main" w="9525">
+                <a14:hiddenLine xmlns:a14="http://schemas.microsoft.com/office/drawing/2010/main" xmlns:p14="http://schemas.microsoft.com/office/powerpoint/2010/main" xmlns:a16="http://schemas.microsoft.com/office/drawing/2014/main" xmlns="" w="9525">
                   <a:solidFill>
                     <a:srgbClr val="000000"/>
                   </a:solidFill>
@@ -28514,7 +28533,7 @@
                   <a16:creationId xmlns:a16="http://schemas.microsoft.com/office/drawing/2014/main" id="{B141C913-8CB4-4E5B-B684-BD4036777538}"/>
                 </a:ext>
                 <a:ext uri="{C183D7F6-B498-43B3-948B-1728B52AA6E4}">
-                  <adec:decorative xmlns:adec="http://schemas.microsoft.com/office/drawing/2017/decorative" val="1"/>
+                  <adec:decorative xmlns:adec="http://schemas.microsoft.com/office/drawing/2017/decorative" xmlns="" val="1"/>
                 </a:ext>
               </a:extLst>
             </p:cNvPr>
@@ -28599,7 +28618,7 @@
             </a:ln>
             <a:extLst>
               <a:ext uri="{91240B29-F687-4f45-9708-019B960494DF}">
-                <a14:hiddenLine xmlns="" xmlns:a16="http://schemas.microsoft.com/office/drawing/2014/main" xmlns:p14="http://schemas.microsoft.com/office/powerpoint/2010/main" xmlns:a14="http://schemas.microsoft.com/office/drawing/2010/main" w="9525">
+                <a14:hiddenLine xmlns:a14="http://schemas.microsoft.com/office/drawing/2010/main" xmlns:p14="http://schemas.microsoft.com/office/powerpoint/2010/main" xmlns:a16="http://schemas.microsoft.com/office/drawing/2014/main" xmlns="" w="9525">
                   <a:solidFill>
                     <a:srgbClr val="000000"/>
                   </a:solidFill>
@@ -28619,7 +28638,7 @@
                   <a16:creationId xmlns:a16="http://schemas.microsoft.com/office/drawing/2014/main" id="{81E80ADE-DC6D-491B-BAC4-A90D44FD458A}"/>
                 </a:ext>
                 <a:ext uri="{C183D7F6-B498-43B3-948B-1728B52AA6E4}">
-                  <adec:decorative xmlns:adec="http://schemas.microsoft.com/office/drawing/2017/decorative" val="1"/>
+                  <adec:decorative xmlns:adec="http://schemas.microsoft.com/office/drawing/2017/decorative" xmlns="" val="1"/>
                 </a:ext>
               </a:extLst>
             </p:cNvPr>
@@ -28704,7 +28723,7 @@
             </a:ln>
             <a:extLst>
               <a:ext uri="{91240B29-F687-4f45-9708-019B960494DF}">
-                <a14:hiddenLine xmlns="" xmlns:a16="http://schemas.microsoft.com/office/drawing/2014/main" xmlns:p14="http://schemas.microsoft.com/office/powerpoint/2010/main" xmlns:a14="http://schemas.microsoft.com/office/drawing/2010/main" w="9525">
+                <a14:hiddenLine xmlns:a14="http://schemas.microsoft.com/office/drawing/2010/main" xmlns:p14="http://schemas.microsoft.com/office/powerpoint/2010/main" xmlns:a16="http://schemas.microsoft.com/office/drawing/2014/main" xmlns="" w="9525">
                   <a:solidFill>
                     <a:srgbClr val="000000"/>
                   </a:solidFill>
@@ -28724,7 +28743,7 @@
                   <a16:creationId xmlns:a16="http://schemas.microsoft.com/office/drawing/2014/main" id="{4A425A61-47B5-41CA-A1D6-21C358B89DB8}"/>
                 </a:ext>
                 <a:ext uri="{C183D7F6-B498-43B3-948B-1728B52AA6E4}">
-                  <adec:decorative xmlns:adec="http://schemas.microsoft.com/office/drawing/2017/decorative" val="1"/>
+                  <adec:decorative xmlns:adec="http://schemas.microsoft.com/office/drawing/2017/decorative" xmlns="" val="1"/>
                 </a:ext>
               </a:extLst>
             </p:cNvPr>
@@ -28781,7 +28800,7 @@
             </a:ln>
             <a:extLst>
               <a:ext uri="{91240B29-F687-4f45-9708-019B960494DF}">
-                <a14:hiddenLine xmlns="" xmlns:a16="http://schemas.microsoft.com/office/drawing/2014/main" xmlns:p14="http://schemas.microsoft.com/office/powerpoint/2010/main" xmlns:a14="http://schemas.microsoft.com/office/drawing/2010/main" w="9525">
+                <a14:hiddenLine xmlns:a14="http://schemas.microsoft.com/office/drawing/2010/main" xmlns:p14="http://schemas.microsoft.com/office/powerpoint/2010/main" xmlns:a16="http://schemas.microsoft.com/office/drawing/2014/main" xmlns="" w="9525">
                   <a:solidFill>
                     <a:srgbClr val="000000"/>
                   </a:solidFill>
@@ -28801,7 +28820,7 @@
                   <a16:creationId xmlns:a16="http://schemas.microsoft.com/office/drawing/2014/main" id="{B44D4532-40A1-4CEB-8A1C-711180D58612}"/>
                 </a:ext>
                 <a:ext uri="{C183D7F6-B498-43B3-948B-1728B52AA6E4}">
-                  <adec:decorative xmlns:adec="http://schemas.microsoft.com/office/drawing/2017/decorative" val="1"/>
+                  <adec:decorative xmlns:adec="http://schemas.microsoft.com/office/drawing/2017/decorative" xmlns="" val="1"/>
                 </a:ext>
               </a:extLst>
             </p:cNvPr>
@@ -28906,7 +28925,7 @@
             </a:ln>
             <a:extLst>
               <a:ext uri="{91240B29-F687-4f45-9708-019B960494DF}">
-                <a14:hiddenLine xmlns="" xmlns:a16="http://schemas.microsoft.com/office/drawing/2014/main" xmlns:p14="http://schemas.microsoft.com/office/powerpoint/2010/main" xmlns:a14="http://schemas.microsoft.com/office/drawing/2010/main" w="9525">
+                <a14:hiddenLine xmlns:a14="http://schemas.microsoft.com/office/drawing/2010/main" xmlns:p14="http://schemas.microsoft.com/office/powerpoint/2010/main" xmlns:a16="http://schemas.microsoft.com/office/drawing/2014/main" xmlns="" w="9525">
                   <a:solidFill>
                     <a:srgbClr val="000000"/>
                   </a:solidFill>
@@ -28926,7 +28945,7 @@
                   <a16:creationId xmlns:a16="http://schemas.microsoft.com/office/drawing/2014/main" id="{31056221-3B7D-4E0B-A366-3E03523EF541}"/>
                 </a:ext>
                 <a:ext uri="{C183D7F6-B498-43B3-948B-1728B52AA6E4}">
-                  <adec:decorative xmlns:adec="http://schemas.microsoft.com/office/drawing/2017/decorative" val="1"/>
+                  <adec:decorative xmlns:adec="http://schemas.microsoft.com/office/drawing/2017/decorative" xmlns="" val="1"/>
                 </a:ext>
               </a:extLst>
             </p:cNvPr>
@@ -28983,7 +29002,7 @@
             </a:ln>
             <a:extLst>
               <a:ext uri="{91240B29-F687-4f45-9708-019B960494DF}">
-                <a14:hiddenLine xmlns="" xmlns:a16="http://schemas.microsoft.com/office/drawing/2014/main" xmlns:p14="http://schemas.microsoft.com/office/powerpoint/2010/main" xmlns:a14="http://schemas.microsoft.com/office/drawing/2010/main" w="9525">
+                <a14:hiddenLine xmlns:a14="http://schemas.microsoft.com/office/drawing/2010/main" xmlns:p14="http://schemas.microsoft.com/office/powerpoint/2010/main" xmlns:a16="http://schemas.microsoft.com/office/drawing/2014/main" xmlns="" w="9525">
                   <a:solidFill>
                     <a:srgbClr val="000000"/>
                   </a:solidFill>
@@ -29003,7 +29022,7 @@
                   <a16:creationId xmlns:a16="http://schemas.microsoft.com/office/drawing/2014/main" id="{0F4CE988-2CA1-4875-8419-BC9914E7A90D}"/>
                 </a:ext>
                 <a:ext uri="{C183D7F6-B498-43B3-948B-1728B52AA6E4}">
-                  <adec:decorative xmlns:adec="http://schemas.microsoft.com/office/drawing/2017/decorative" val="1"/>
+                  <adec:decorative xmlns:adec="http://schemas.microsoft.com/office/drawing/2017/decorative" xmlns="" val="1"/>
                 </a:ext>
               </a:extLst>
             </p:cNvPr>
@@ -29088,7 +29107,7 @@
             </a:ln>
             <a:extLst>
               <a:ext uri="{91240B29-F687-4f45-9708-019B960494DF}">
-                <a14:hiddenLine xmlns="" xmlns:a16="http://schemas.microsoft.com/office/drawing/2014/main" xmlns:p14="http://schemas.microsoft.com/office/powerpoint/2010/main" xmlns:a14="http://schemas.microsoft.com/office/drawing/2010/main" w="9525">
+                <a14:hiddenLine xmlns:a14="http://schemas.microsoft.com/office/drawing/2010/main" xmlns:p14="http://schemas.microsoft.com/office/powerpoint/2010/main" xmlns:a16="http://schemas.microsoft.com/office/drawing/2014/main" xmlns="" w="9525">
                   <a:solidFill>
                     <a:srgbClr val="000000"/>
                   </a:solidFill>
@@ -29108,7 +29127,7 @@
                   <a16:creationId xmlns:a16="http://schemas.microsoft.com/office/drawing/2014/main" id="{D5E11DED-8522-4839-A2C5-9D64FBB03123}"/>
                 </a:ext>
                 <a:ext uri="{C183D7F6-B498-43B3-948B-1728B52AA6E4}">
-                  <adec:decorative xmlns:adec="http://schemas.microsoft.com/office/drawing/2017/decorative" val="1"/>
+                  <adec:decorative xmlns:adec="http://schemas.microsoft.com/office/drawing/2017/decorative" xmlns="" val="1"/>
                 </a:ext>
               </a:extLst>
             </p:cNvPr>
@@ -29193,7 +29212,7 @@
             </a:ln>
             <a:extLst>
               <a:ext uri="{91240B29-F687-4f45-9708-019B960494DF}">
-                <a14:hiddenLine xmlns="" xmlns:a16="http://schemas.microsoft.com/office/drawing/2014/main" xmlns:p14="http://schemas.microsoft.com/office/powerpoint/2010/main" xmlns:a14="http://schemas.microsoft.com/office/drawing/2010/main" w="9525">
+                <a14:hiddenLine xmlns:a14="http://schemas.microsoft.com/office/drawing/2010/main" xmlns:p14="http://schemas.microsoft.com/office/powerpoint/2010/main" xmlns:a16="http://schemas.microsoft.com/office/drawing/2014/main" xmlns="" w="9525">
                   <a:solidFill>
                     <a:srgbClr val="000000"/>
                   </a:solidFill>
@@ -29213,7 +29232,7 @@
                   <a16:creationId xmlns:a16="http://schemas.microsoft.com/office/drawing/2014/main" id="{3A1EE55C-F160-4A56-ABFE-5EE18FE219C5}"/>
                 </a:ext>
                 <a:ext uri="{C183D7F6-B498-43B3-948B-1728B52AA6E4}">
-                  <adec:decorative xmlns:adec="http://schemas.microsoft.com/office/drawing/2017/decorative" val="1"/>
+                  <adec:decorative xmlns:adec="http://schemas.microsoft.com/office/drawing/2017/decorative" xmlns="" val="1"/>
                 </a:ext>
               </a:extLst>
             </p:cNvPr>
@@ -29270,7 +29289,7 @@
             </a:ln>
             <a:extLst>
               <a:ext uri="{91240B29-F687-4f45-9708-019B960494DF}">
-                <a14:hiddenLine xmlns="" xmlns:a16="http://schemas.microsoft.com/office/drawing/2014/main" xmlns:p14="http://schemas.microsoft.com/office/powerpoint/2010/main" xmlns:a14="http://schemas.microsoft.com/office/drawing/2010/main" w="9525">
+                <a14:hiddenLine xmlns:a14="http://schemas.microsoft.com/office/drawing/2010/main" xmlns:p14="http://schemas.microsoft.com/office/powerpoint/2010/main" xmlns:a16="http://schemas.microsoft.com/office/drawing/2014/main" xmlns="" w="9525">
                   <a:solidFill>
                     <a:srgbClr val="000000"/>
                   </a:solidFill>
@@ -29290,7 +29309,7 @@
                   <a16:creationId xmlns:a16="http://schemas.microsoft.com/office/drawing/2014/main" id="{519A9CFB-FBD5-4742-9228-976E852BCC6D}"/>
                 </a:ext>
                 <a:ext uri="{C183D7F6-B498-43B3-948B-1728B52AA6E4}">
-                  <adec:decorative xmlns:adec="http://schemas.microsoft.com/office/drawing/2017/decorative" val="1"/>
+                  <adec:decorative xmlns:adec="http://schemas.microsoft.com/office/drawing/2017/decorative" xmlns="" val="1"/>
                 </a:ext>
               </a:extLst>
             </p:cNvPr>
@@ -29375,7 +29394,7 @@
             </a:ln>
             <a:extLst>
               <a:ext uri="{91240B29-F687-4f45-9708-019B960494DF}">
-                <a14:hiddenLine xmlns="" xmlns:a16="http://schemas.microsoft.com/office/drawing/2014/main" xmlns:p14="http://schemas.microsoft.com/office/powerpoint/2010/main" xmlns:a14="http://schemas.microsoft.com/office/drawing/2010/main" w="9525">
+                <a14:hiddenLine xmlns:a14="http://schemas.microsoft.com/office/drawing/2010/main" xmlns:p14="http://schemas.microsoft.com/office/powerpoint/2010/main" xmlns:a16="http://schemas.microsoft.com/office/drawing/2014/main" xmlns="" w="9525">
                   <a:solidFill>
                     <a:srgbClr val="000000"/>
                   </a:solidFill>
@@ -29395,7 +29414,7 @@
                   <a16:creationId xmlns:a16="http://schemas.microsoft.com/office/drawing/2014/main" id="{E808A3F5-6663-49E0-B6BB-AFBBCD50874F}"/>
                 </a:ext>
                 <a:ext uri="{C183D7F6-B498-43B3-948B-1728B52AA6E4}">
-                  <adec:decorative xmlns:adec="http://schemas.microsoft.com/office/drawing/2017/decorative" val="1"/>
+                  <adec:decorative xmlns:adec="http://schemas.microsoft.com/office/drawing/2017/decorative" xmlns="" val="1"/>
                 </a:ext>
               </a:extLst>
             </p:cNvPr>
@@ -29480,7 +29499,7 @@
             </a:ln>
             <a:extLst>
               <a:ext uri="{91240B29-F687-4f45-9708-019B960494DF}">
-                <a14:hiddenLine xmlns="" xmlns:a16="http://schemas.microsoft.com/office/drawing/2014/main" xmlns:p14="http://schemas.microsoft.com/office/powerpoint/2010/main" xmlns:a14="http://schemas.microsoft.com/office/drawing/2010/main" w="9525">
+                <a14:hiddenLine xmlns:a14="http://schemas.microsoft.com/office/drawing/2010/main" xmlns:p14="http://schemas.microsoft.com/office/powerpoint/2010/main" xmlns:a16="http://schemas.microsoft.com/office/drawing/2014/main" xmlns="" w="9525">
                   <a:solidFill>
                     <a:srgbClr val="000000"/>
                   </a:solidFill>
@@ -29500,7 +29519,7 @@
                   <a16:creationId xmlns:a16="http://schemas.microsoft.com/office/drawing/2014/main" id="{33A492F1-3A43-47FE-8E3E-4BF2B7864946}"/>
                 </a:ext>
                 <a:ext uri="{C183D7F6-B498-43B3-948B-1728B52AA6E4}">
-                  <adec:decorative xmlns:adec="http://schemas.microsoft.com/office/drawing/2017/decorative" val="1"/>
+                  <adec:decorative xmlns:adec="http://schemas.microsoft.com/office/drawing/2017/decorative" xmlns="" val="1"/>
                 </a:ext>
               </a:extLst>
             </p:cNvPr>
@@ -29551,7 +29570,7 @@
             </a:ln>
             <a:extLst>
               <a:ext uri="{91240B29-F687-4f45-9708-019B960494DF}">
-                <a14:hiddenLine xmlns="" xmlns:a16="http://schemas.microsoft.com/office/drawing/2014/main" xmlns:p14="http://schemas.microsoft.com/office/powerpoint/2010/main" xmlns:a14="http://schemas.microsoft.com/office/drawing/2010/main" w="9525">
+                <a14:hiddenLine xmlns:a14="http://schemas.microsoft.com/office/drawing/2010/main" xmlns:p14="http://schemas.microsoft.com/office/powerpoint/2010/main" xmlns:a16="http://schemas.microsoft.com/office/drawing/2014/main" xmlns="" w="9525">
                   <a:solidFill>
                     <a:srgbClr val="000000"/>
                   </a:solidFill>
@@ -29571,7 +29590,7 @@
                   <a16:creationId xmlns:a16="http://schemas.microsoft.com/office/drawing/2014/main" id="{2ED7DF23-0B1F-4E17-8EC2-1B74D318FB5F}"/>
                 </a:ext>
                 <a:ext uri="{C183D7F6-B498-43B3-948B-1728B52AA6E4}">
-                  <adec:decorative xmlns:adec="http://schemas.microsoft.com/office/drawing/2017/decorative" val="1"/>
+                  <adec:decorative xmlns:adec="http://schemas.microsoft.com/office/drawing/2017/decorative" xmlns="" val="1"/>
                 </a:ext>
               </a:extLst>
             </p:cNvPr>
@@ -29656,7 +29675,7 @@
             </a:ln>
             <a:extLst>
               <a:ext uri="{91240B29-F687-4f45-9708-019B960494DF}">
-                <a14:hiddenLine xmlns="" xmlns:a16="http://schemas.microsoft.com/office/drawing/2014/main" xmlns:p14="http://schemas.microsoft.com/office/powerpoint/2010/main" xmlns:a14="http://schemas.microsoft.com/office/drawing/2010/main" w="9525">
+                <a14:hiddenLine xmlns:a14="http://schemas.microsoft.com/office/drawing/2010/main" xmlns:p14="http://schemas.microsoft.com/office/powerpoint/2010/main" xmlns:a16="http://schemas.microsoft.com/office/drawing/2014/main" xmlns="" w="9525">
                   <a:solidFill>
                     <a:srgbClr val="000000"/>
                   </a:solidFill>
@@ -29676,7 +29695,7 @@
                   <a16:creationId xmlns:a16="http://schemas.microsoft.com/office/drawing/2014/main" id="{FE1204BD-7481-4989-957D-B61AEA964A5D}"/>
                 </a:ext>
                 <a:ext uri="{C183D7F6-B498-43B3-948B-1728B52AA6E4}">
-                  <adec:decorative xmlns:adec="http://schemas.microsoft.com/office/drawing/2017/decorative" val="1"/>
+                  <adec:decorative xmlns:adec="http://schemas.microsoft.com/office/drawing/2017/decorative" xmlns="" val="1"/>
                 </a:ext>
               </a:extLst>
             </p:cNvPr>
@@ -29727,7 +29746,7 @@
             </a:ln>
             <a:extLst>
               <a:ext uri="{91240B29-F687-4f45-9708-019B960494DF}">
-                <a14:hiddenLine xmlns="" xmlns:a16="http://schemas.microsoft.com/office/drawing/2014/main" xmlns:p14="http://schemas.microsoft.com/office/powerpoint/2010/main" xmlns:a14="http://schemas.microsoft.com/office/drawing/2010/main" w="9525">
+                <a14:hiddenLine xmlns:a14="http://schemas.microsoft.com/office/drawing/2010/main" xmlns:p14="http://schemas.microsoft.com/office/powerpoint/2010/main" xmlns:a16="http://schemas.microsoft.com/office/drawing/2014/main" xmlns="" w="9525">
                   <a:solidFill>
                     <a:srgbClr val="000000"/>
                   </a:solidFill>
@@ -29747,7 +29766,7 @@
                   <a16:creationId xmlns:a16="http://schemas.microsoft.com/office/drawing/2014/main" id="{DD3C5673-1874-477D-AE35-B37A91974146}"/>
                 </a:ext>
                 <a:ext uri="{C183D7F6-B498-43B3-948B-1728B52AA6E4}">
-                  <adec:decorative xmlns:adec="http://schemas.microsoft.com/office/drawing/2017/decorative" val="1"/>
+                  <adec:decorative xmlns:adec="http://schemas.microsoft.com/office/drawing/2017/decorative" xmlns="" val="1"/>
                 </a:ext>
               </a:extLst>
             </p:cNvPr>
@@ -29832,7 +29851,7 @@
             </a:ln>
             <a:extLst>
               <a:ext uri="{91240B29-F687-4f45-9708-019B960494DF}">
-                <a14:hiddenLine xmlns="" xmlns:a16="http://schemas.microsoft.com/office/drawing/2014/main" xmlns:p14="http://schemas.microsoft.com/office/powerpoint/2010/main" xmlns:a14="http://schemas.microsoft.com/office/drawing/2010/main" w="9525">
+                <a14:hiddenLine xmlns:a14="http://schemas.microsoft.com/office/drawing/2010/main" xmlns:p14="http://schemas.microsoft.com/office/powerpoint/2010/main" xmlns:a16="http://schemas.microsoft.com/office/drawing/2014/main" xmlns="" w="9525">
                   <a:solidFill>
                     <a:srgbClr val="000000"/>
                   </a:solidFill>
@@ -29852,7 +29871,7 @@
                   <a16:creationId xmlns:a16="http://schemas.microsoft.com/office/drawing/2014/main" id="{DA963A0C-386F-4A9E-89E8-67081094B921}"/>
                 </a:ext>
                 <a:ext uri="{C183D7F6-B498-43B3-948B-1728B52AA6E4}">
-                  <adec:decorative xmlns:adec="http://schemas.microsoft.com/office/drawing/2017/decorative" val="1"/>
+                  <adec:decorative xmlns:adec="http://schemas.microsoft.com/office/drawing/2017/decorative" xmlns="" val="1"/>
                 </a:ext>
               </a:extLst>
             </p:cNvPr>
@@ -29915,7 +29934,7 @@
             </a:ln>
             <a:extLst>
               <a:ext uri="{91240B29-F687-4f45-9708-019B960494DF}">
-                <a14:hiddenLine xmlns="" xmlns:a16="http://schemas.microsoft.com/office/drawing/2014/main" xmlns:p14="http://schemas.microsoft.com/office/powerpoint/2010/main" xmlns:a14="http://schemas.microsoft.com/office/drawing/2010/main" w="9525">
+                <a14:hiddenLine xmlns:a14="http://schemas.microsoft.com/office/drawing/2010/main" xmlns:p14="http://schemas.microsoft.com/office/powerpoint/2010/main" xmlns:a16="http://schemas.microsoft.com/office/drawing/2014/main" xmlns="" w="9525">
                   <a:solidFill>
                     <a:srgbClr val="000000"/>
                   </a:solidFill>
@@ -29935,7 +29954,7 @@
                   <a16:creationId xmlns:a16="http://schemas.microsoft.com/office/drawing/2014/main" id="{D527BB52-D4EE-4CAA-A8A0-53A27DC7FFD9}"/>
                 </a:ext>
                 <a:ext uri="{C183D7F6-B498-43B3-948B-1728B52AA6E4}">
-                  <adec:decorative xmlns:adec="http://schemas.microsoft.com/office/drawing/2017/decorative" val="1"/>
+                  <adec:decorative xmlns:adec="http://schemas.microsoft.com/office/drawing/2017/decorative" xmlns="" val="1"/>
                 </a:ext>
               </a:extLst>
             </p:cNvPr>
@@ -30020,7 +30039,7 @@
             </a:ln>
             <a:extLst>
               <a:ext uri="{91240B29-F687-4f45-9708-019B960494DF}">
-                <a14:hiddenLine xmlns="" xmlns:a16="http://schemas.microsoft.com/office/drawing/2014/main" xmlns:p14="http://schemas.microsoft.com/office/powerpoint/2010/main" xmlns:a14="http://schemas.microsoft.com/office/drawing/2010/main" w="9525">
+                <a14:hiddenLine xmlns:a14="http://schemas.microsoft.com/office/drawing/2010/main" xmlns:p14="http://schemas.microsoft.com/office/powerpoint/2010/main" xmlns:a16="http://schemas.microsoft.com/office/drawing/2014/main" xmlns="" w="9525">
                   <a:solidFill>
                     <a:srgbClr val="000000"/>
                   </a:solidFill>
@@ -30040,7 +30059,7 @@
                   <a16:creationId xmlns:a16="http://schemas.microsoft.com/office/drawing/2014/main" id="{2A037511-5E0A-4293-81AB-28C5DC96BF96}"/>
                 </a:ext>
                 <a:ext uri="{C183D7F6-B498-43B3-948B-1728B52AA6E4}">
-                  <adec:decorative xmlns:adec="http://schemas.microsoft.com/office/drawing/2017/decorative" val="1"/>
+                  <adec:decorative xmlns:adec="http://schemas.microsoft.com/office/drawing/2017/decorative" xmlns="" val="1"/>
                 </a:ext>
               </a:extLst>
             </p:cNvPr>
@@ -30103,7 +30122,7 @@
             </a:ln>
             <a:extLst>
               <a:ext uri="{91240B29-F687-4f45-9708-019B960494DF}">
-                <a14:hiddenLine xmlns="" xmlns:a16="http://schemas.microsoft.com/office/drawing/2014/main" xmlns:p14="http://schemas.microsoft.com/office/powerpoint/2010/main" xmlns:a14="http://schemas.microsoft.com/office/drawing/2010/main" w="9525">
+                <a14:hiddenLine xmlns:a14="http://schemas.microsoft.com/office/drawing/2010/main" xmlns:p14="http://schemas.microsoft.com/office/powerpoint/2010/main" xmlns:a16="http://schemas.microsoft.com/office/drawing/2014/main" xmlns="" w="9525">
                   <a:solidFill>
                     <a:srgbClr val="000000"/>
                   </a:solidFill>
@@ -30123,7 +30142,7 @@
                   <a16:creationId xmlns:a16="http://schemas.microsoft.com/office/drawing/2014/main" id="{42A7FE1C-EF14-483B-B5FC-FDC150282A2E}"/>
                 </a:ext>
                 <a:ext uri="{C183D7F6-B498-43B3-948B-1728B52AA6E4}">
-                  <adec:decorative xmlns:adec="http://schemas.microsoft.com/office/drawing/2017/decorative" val="1"/>
+                  <adec:decorative xmlns:adec="http://schemas.microsoft.com/office/drawing/2017/decorative" xmlns="" val="1"/>
                 </a:ext>
               </a:extLst>
             </p:cNvPr>
@@ -30208,7 +30227,7 @@
             </a:ln>
             <a:extLst>
               <a:ext uri="{91240B29-F687-4f45-9708-019B960494DF}">
-                <a14:hiddenLine xmlns="" xmlns:a16="http://schemas.microsoft.com/office/drawing/2014/main" xmlns:p14="http://schemas.microsoft.com/office/powerpoint/2010/main" xmlns:a14="http://schemas.microsoft.com/office/drawing/2010/main" w="9525">
+                <a14:hiddenLine xmlns:a14="http://schemas.microsoft.com/office/drawing/2010/main" xmlns:p14="http://schemas.microsoft.com/office/powerpoint/2010/main" xmlns:a16="http://schemas.microsoft.com/office/drawing/2014/main" xmlns="" w="9525">
                   <a:solidFill>
                     <a:srgbClr val="000000"/>
                   </a:solidFill>
@@ -30228,7 +30247,7 @@
                   <a16:creationId xmlns:a16="http://schemas.microsoft.com/office/drawing/2014/main" id="{45A82D49-825B-47BC-8622-A1D54C5C212C}"/>
                 </a:ext>
                 <a:ext uri="{C183D7F6-B498-43B3-948B-1728B52AA6E4}">
-                  <adec:decorative xmlns:adec="http://schemas.microsoft.com/office/drawing/2017/decorative" val="1"/>
+                  <adec:decorative xmlns:adec="http://schemas.microsoft.com/office/drawing/2017/decorative" xmlns="" val="1"/>
                 </a:ext>
               </a:extLst>
             </p:cNvPr>
@@ -30257,7 +30276,7 @@
             </a:ln>
             <a:extLst>
               <a:ext uri="{91240B29-F687-4f45-9708-019B960494DF}">
-                <a14:hiddenLine xmlns="" xmlns:a16="http://schemas.microsoft.com/office/drawing/2014/main" xmlns:p14="http://schemas.microsoft.com/office/powerpoint/2010/main" xmlns:a14="http://schemas.microsoft.com/office/drawing/2010/main" w="9525">
+                <a14:hiddenLine xmlns:a14="http://schemas.microsoft.com/office/drawing/2010/main" xmlns:p14="http://schemas.microsoft.com/office/powerpoint/2010/main" xmlns:a16="http://schemas.microsoft.com/office/drawing/2014/main" xmlns="" w="9525">
                   <a:solidFill>
                     <a:srgbClr val="000000"/>
                   </a:solidFill>
@@ -30277,7 +30296,7 @@
                   <a16:creationId xmlns:a16="http://schemas.microsoft.com/office/drawing/2014/main" id="{039D74A5-B4AF-4800-B941-E5F8CD44E770}"/>
                 </a:ext>
                 <a:ext uri="{C183D7F6-B498-43B3-948B-1728B52AA6E4}">
-                  <adec:decorative xmlns:adec="http://schemas.microsoft.com/office/drawing/2017/decorative" val="1"/>
+                  <adec:decorative xmlns:adec="http://schemas.microsoft.com/office/drawing/2017/decorative" xmlns="" val="1"/>
                 </a:ext>
               </a:extLst>
             </p:cNvPr>
@@ -30362,7 +30381,7 @@
             </a:ln>
             <a:extLst>
               <a:ext uri="{91240B29-F687-4f45-9708-019B960494DF}">
-                <a14:hiddenLine xmlns="" xmlns:a16="http://schemas.microsoft.com/office/drawing/2014/main" xmlns:p14="http://schemas.microsoft.com/office/powerpoint/2010/main" xmlns:a14="http://schemas.microsoft.com/office/drawing/2010/main" w="9525">
+                <a14:hiddenLine xmlns:a14="http://schemas.microsoft.com/office/drawing/2010/main" xmlns:p14="http://schemas.microsoft.com/office/powerpoint/2010/main" xmlns:a16="http://schemas.microsoft.com/office/drawing/2014/main" xmlns="" w="9525">
                   <a:solidFill>
                     <a:srgbClr val="000000"/>
                   </a:solidFill>
@@ -30382,7 +30401,7 @@
                   <a16:creationId xmlns:a16="http://schemas.microsoft.com/office/drawing/2014/main" id="{70B5D059-1472-474F-BDE6-881B5D1CD7BF}"/>
                 </a:ext>
                 <a:ext uri="{C183D7F6-B498-43B3-948B-1728B52AA6E4}">
-                  <adec:decorative xmlns:adec="http://schemas.microsoft.com/office/drawing/2017/decorative" val="1"/>
+                  <adec:decorative xmlns:adec="http://schemas.microsoft.com/office/drawing/2017/decorative" xmlns="" val="1"/>
                 </a:ext>
               </a:extLst>
             </p:cNvPr>
@@ -30439,7 +30458,7 @@
             </a:ln>
             <a:extLst>
               <a:ext uri="{91240B29-F687-4f45-9708-019B960494DF}">
-                <a14:hiddenLine xmlns="" xmlns:a16="http://schemas.microsoft.com/office/drawing/2014/main" xmlns:p14="http://schemas.microsoft.com/office/powerpoint/2010/main" xmlns:a14="http://schemas.microsoft.com/office/drawing/2010/main" w="9525">
+                <a14:hiddenLine xmlns:a14="http://schemas.microsoft.com/office/drawing/2010/main" xmlns:p14="http://schemas.microsoft.com/office/powerpoint/2010/main" xmlns:a16="http://schemas.microsoft.com/office/drawing/2014/main" xmlns="" w="9525">
                   <a:solidFill>
                     <a:srgbClr val="000000"/>
                   </a:solidFill>
@@ -30459,7 +30478,7 @@
                   <a16:creationId xmlns:a16="http://schemas.microsoft.com/office/drawing/2014/main" id="{736D79CC-81E0-4C87-ABAC-58197ADBDA33}"/>
                 </a:ext>
                 <a:ext uri="{C183D7F6-B498-43B3-948B-1728B52AA6E4}">
-                  <adec:decorative xmlns:adec="http://schemas.microsoft.com/office/drawing/2017/decorative" val="1"/>
+                  <adec:decorative xmlns:adec="http://schemas.microsoft.com/office/drawing/2017/decorative" xmlns="" val="1"/>
                 </a:ext>
               </a:extLst>
             </p:cNvPr>
@@ -30516,7 +30535,7 @@
             </a:ln>
             <a:extLst>
               <a:ext uri="{91240B29-F687-4f45-9708-019B960494DF}">
-                <a14:hiddenLine xmlns="" xmlns:a16="http://schemas.microsoft.com/office/drawing/2014/main" xmlns:p14="http://schemas.microsoft.com/office/powerpoint/2010/main" xmlns:a14="http://schemas.microsoft.com/office/drawing/2010/main" w="9525">
+                <a14:hiddenLine xmlns:a14="http://schemas.microsoft.com/office/drawing/2010/main" xmlns:p14="http://schemas.microsoft.com/office/powerpoint/2010/main" xmlns:a16="http://schemas.microsoft.com/office/drawing/2014/main" xmlns="" w="9525">
                   <a:solidFill>
                     <a:srgbClr val="000000"/>
                   </a:solidFill>
@@ -30536,7 +30555,7 @@
                   <a16:creationId xmlns:a16="http://schemas.microsoft.com/office/drawing/2014/main" id="{7E72BA97-1228-4006-B095-8D9FB45FB141}"/>
                 </a:ext>
                 <a:ext uri="{C183D7F6-B498-43B3-948B-1728B52AA6E4}">
-                  <adec:decorative xmlns:adec="http://schemas.microsoft.com/office/drawing/2017/decorative" val="1"/>
+                  <adec:decorative xmlns:adec="http://schemas.microsoft.com/office/drawing/2017/decorative" xmlns="" val="1"/>
                 </a:ext>
               </a:extLst>
             </p:cNvPr>
@@ -30621,7 +30640,7 @@
             </a:ln>
             <a:extLst>
               <a:ext uri="{91240B29-F687-4f45-9708-019B960494DF}">
-                <a14:hiddenLine xmlns="" xmlns:a16="http://schemas.microsoft.com/office/drawing/2014/main" xmlns:p14="http://schemas.microsoft.com/office/powerpoint/2010/main" xmlns:a14="http://schemas.microsoft.com/office/drawing/2010/main" w="9525">
+                <a14:hiddenLine xmlns:a14="http://schemas.microsoft.com/office/drawing/2010/main" xmlns:p14="http://schemas.microsoft.com/office/powerpoint/2010/main" xmlns:a16="http://schemas.microsoft.com/office/drawing/2014/main" xmlns="" w="9525">
                   <a:solidFill>
                     <a:srgbClr val="000000"/>
                   </a:solidFill>
@@ -30641,7 +30660,7 @@
                   <a16:creationId xmlns:a16="http://schemas.microsoft.com/office/drawing/2014/main" id="{36FA3A99-37FB-4B03-A810-425BC9B37933}"/>
                 </a:ext>
                 <a:ext uri="{C183D7F6-B498-43B3-948B-1728B52AA6E4}">
-                  <adec:decorative xmlns:adec="http://schemas.microsoft.com/office/drawing/2017/decorative" val="1"/>
+                  <adec:decorative xmlns:adec="http://schemas.microsoft.com/office/drawing/2017/decorative" xmlns="" val="1"/>
                 </a:ext>
               </a:extLst>
             </p:cNvPr>
@@ -30704,7 +30723,7 @@
             </a:ln>
             <a:extLst>
               <a:ext uri="{91240B29-F687-4f45-9708-019B960494DF}">
-                <a14:hiddenLine xmlns="" xmlns:a16="http://schemas.microsoft.com/office/drawing/2014/main" xmlns:p14="http://schemas.microsoft.com/office/powerpoint/2010/main" xmlns:a14="http://schemas.microsoft.com/office/drawing/2010/main" w="9525">
+                <a14:hiddenLine xmlns:a14="http://schemas.microsoft.com/office/drawing/2010/main" xmlns:p14="http://schemas.microsoft.com/office/powerpoint/2010/main" xmlns:a16="http://schemas.microsoft.com/office/drawing/2014/main" xmlns="" w="9525">
                   <a:solidFill>
                     <a:srgbClr val="000000"/>
                   </a:solidFill>
@@ -30724,7 +30743,7 @@
                   <a16:creationId xmlns:a16="http://schemas.microsoft.com/office/drawing/2014/main" id="{2E45B959-2AD5-4FE4-BF6A-4F011011CFAA}"/>
                 </a:ext>
                 <a:ext uri="{C183D7F6-B498-43B3-948B-1728B52AA6E4}">
-                  <adec:decorative xmlns:adec="http://schemas.microsoft.com/office/drawing/2017/decorative" val="1"/>
+                  <adec:decorative xmlns:adec="http://schemas.microsoft.com/office/drawing/2017/decorative" xmlns="" val="1"/>
                 </a:ext>
               </a:extLst>
             </p:cNvPr>
@@ -30781,7 +30800,7 @@
             </a:ln>
             <a:extLst>
               <a:ext uri="{91240B29-F687-4f45-9708-019B960494DF}">
-                <a14:hiddenLine xmlns="" xmlns:a16="http://schemas.microsoft.com/office/drawing/2014/main" xmlns:p14="http://schemas.microsoft.com/office/powerpoint/2010/main" xmlns:a14="http://schemas.microsoft.com/office/drawing/2010/main" w="9525">
+                <a14:hiddenLine xmlns:a14="http://schemas.microsoft.com/office/drawing/2010/main" xmlns:p14="http://schemas.microsoft.com/office/powerpoint/2010/main" xmlns:a16="http://schemas.microsoft.com/office/drawing/2014/main" xmlns="" w="9525">
                   <a:solidFill>
                     <a:srgbClr val="000000"/>
                   </a:solidFill>
@@ -30801,7 +30820,7 @@
                   <a16:creationId xmlns:a16="http://schemas.microsoft.com/office/drawing/2014/main" id="{CEE29A17-924F-4EED-A18C-E6A0137E52EB}"/>
                 </a:ext>
                 <a:ext uri="{C183D7F6-B498-43B3-948B-1728B52AA6E4}">
-                  <adec:decorative xmlns:adec="http://schemas.microsoft.com/office/drawing/2017/decorative" val="1"/>
+                  <adec:decorative xmlns:adec="http://schemas.microsoft.com/office/drawing/2017/decorative" xmlns="" val="1"/>
                 </a:ext>
               </a:extLst>
             </p:cNvPr>
@@ -30886,7 +30905,7 @@
             </a:ln>
             <a:extLst>
               <a:ext uri="{91240B29-F687-4f45-9708-019B960494DF}">
-                <a14:hiddenLine xmlns="" xmlns:a16="http://schemas.microsoft.com/office/drawing/2014/main" xmlns:p14="http://schemas.microsoft.com/office/powerpoint/2010/main" xmlns:a14="http://schemas.microsoft.com/office/drawing/2010/main" w="9525">
+                <a14:hiddenLine xmlns:a14="http://schemas.microsoft.com/office/drawing/2010/main" xmlns:p14="http://schemas.microsoft.com/office/powerpoint/2010/main" xmlns:a16="http://schemas.microsoft.com/office/drawing/2014/main" xmlns="" w="9525">
                   <a:solidFill>
                     <a:srgbClr val="000000"/>
                   </a:solidFill>
@@ -30906,7 +30925,7 @@
                   <a16:creationId xmlns:a16="http://schemas.microsoft.com/office/drawing/2014/main" id="{EFB8BDF1-3A59-4EE5-BFAB-4F4B301E37C9}"/>
                 </a:ext>
                 <a:ext uri="{C183D7F6-B498-43B3-948B-1728B52AA6E4}">
-                  <adec:decorative xmlns:adec="http://schemas.microsoft.com/office/drawing/2017/decorative" val="1"/>
+                  <adec:decorative xmlns:adec="http://schemas.microsoft.com/office/drawing/2017/decorative" xmlns="" val="1"/>
                 </a:ext>
               </a:extLst>
             </p:cNvPr>
@@ -30963,7 +30982,7 @@
             </a:ln>
             <a:extLst>
               <a:ext uri="{91240B29-F687-4f45-9708-019B960494DF}">
-                <a14:hiddenLine xmlns="" xmlns:a16="http://schemas.microsoft.com/office/drawing/2014/main" xmlns:p14="http://schemas.microsoft.com/office/powerpoint/2010/main" xmlns:a14="http://schemas.microsoft.com/office/drawing/2010/main" w="9525">
+                <a14:hiddenLine xmlns:a14="http://schemas.microsoft.com/office/drawing/2010/main" xmlns:p14="http://schemas.microsoft.com/office/powerpoint/2010/main" xmlns:a16="http://schemas.microsoft.com/office/drawing/2014/main" xmlns="" w="9525">
                   <a:solidFill>
                     <a:srgbClr val="000000"/>
                   </a:solidFill>
@@ -30983,7 +31002,7 @@
                   <a16:creationId xmlns:a16="http://schemas.microsoft.com/office/drawing/2014/main" id="{8F94E417-93B4-4071-A6D1-AE66CA68229A}"/>
                 </a:ext>
                 <a:ext uri="{C183D7F6-B498-43B3-948B-1728B52AA6E4}">
-                  <adec:decorative xmlns:adec="http://schemas.microsoft.com/office/drawing/2017/decorative" val="1"/>
+                  <adec:decorative xmlns:adec="http://schemas.microsoft.com/office/drawing/2017/decorative" xmlns="" val="1"/>
                 </a:ext>
               </a:extLst>
             </p:cNvPr>
@@ -31068,7 +31087,7 @@
             </a:ln>
             <a:extLst>
               <a:ext uri="{91240B29-F687-4f45-9708-019B960494DF}">
-                <a14:hiddenLine xmlns="" xmlns:a16="http://schemas.microsoft.com/office/drawing/2014/main" xmlns:p14="http://schemas.microsoft.com/office/powerpoint/2010/main" xmlns:a14="http://schemas.microsoft.com/office/drawing/2010/main" w="9525">
+                <a14:hiddenLine xmlns:a14="http://schemas.microsoft.com/office/drawing/2010/main" xmlns:p14="http://schemas.microsoft.com/office/powerpoint/2010/main" xmlns:a16="http://schemas.microsoft.com/office/drawing/2014/main" xmlns="" w="9525">
                   <a:solidFill>
                     <a:srgbClr val="000000"/>
                   </a:solidFill>
@@ -31088,7 +31107,7 @@
                   <a16:creationId xmlns:a16="http://schemas.microsoft.com/office/drawing/2014/main" id="{A18F44A8-385D-4EB4-A013-7EB252A275EE}"/>
                 </a:ext>
                 <a:ext uri="{C183D7F6-B498-43B3-948B-1728B52AA6E4}">
-                  <adec:decorative xmlns:adec="http://schemas.microsoft.com/office/drawing/2017/decorative" val="1"/>
+                  <adec:decorative xmlns:adec="http://schemas.microsoft.com/office/drawing/2017/decorative" xmlns="" val="1"/>
                 </a:ext>
               </a:extLst>
             </p:cNvPr>
@@ -31145,7 +31164,7 @@
             </a:ln>
             <a:extLst>
               <a:ext uri="{91240B29-F687-4f45-9708-019B960494DF}">
-                <a14:hiddenLine xmlns="" xmlns:a16="http://schemas.microsoft.com/office/drawing/2014/main" xmlns:p14="http://schemas.microsoft.com/office/powerpoint/2010/main" xmlns:a14="http://schemas.microsoft.com/office/drawing/2010/main" w="9525">
+                <a14:hiddenLine xmlns:a14="http://schemas.microsoft.com/office/drawing/2010/main" xmlns:p14="http://schemas.microsoft.com/office/powerpoint/2010/main" xmlns:a16="http://schemas.microsoft.com/office/drawing/2014/main" xmlns="" w="9525">
                   <a:solidFill>
                     <a:srgbClr val="000000"/>
                   </a:solidFill>
@@ -31165,7 +31184,7 @@
                   <a16:creationId xmlns:a16="http://schemas.microsoft.com/office/drawing/2014/main" id="{B25FB320-9784-4EA9-B1AE-3BF9106E6E0B}"/>
                 </a:ext>
                 <a:ext uri="{C183D7F6-B498-43B3-948B-1728B52AA6E4}">
-                  <adec:decorative xmlns:adec="http://schemas.microsoft.com/office/drawing/2017/decorative" val="1"/>
+                  <adec:decorative xmlns:adec="http://schemas.microsoft.com/office/drawing/2017/decorative" xmlns="" val="1"/>
                 </a:ext>
               </a:extLst>
             </p:cNvPr>
@@ -31250,7 +31269,7 @@
             </a:ln>
             <a:extLst>
               <a:ext uri="{91240B29-F687-4f45-9708-019B960494DF}">
-                <a14:hiddenLine xmlns="" xmlns:a16="http://schemas.microsoft.com/office/drawing/2014/main" xmlns:p14="http://schemas.microsoft.com/office/powerpoint/2010/main" xmlns:a14="http://schemas.microsoft.com/office/drawing/2010/main" w="9525">
+                <a14:hiddenLine xmlns:a14="http://schemas.microsoft.com/office/drawing/2010/main" xmlns:p14="http://schemas.microsoft.com/office/powerpoint/2010/main" xmlns:a16="http://schemas.microsoft.com/office/drawing/2014/main" xmlns="" w="9525">
                   <a:solidFill>
                     <a:srgbClr val="000000"/>
                   </a:solidFill>
@@ -31270,7 +31289,7 @@
                   <a16:creationId xmlns:a16="http://schemas.microsoft.com/office/drawing/2014/main" id="{C9EB05E6-5BE4-4EE1-9F0C-E8B57B362EA3}"/>
                 </a:ext>
                 <a:ext uri="{C183D7F6-B498-43B3-948B-1728B52AA6E4}">
-                  <adec:decorative xmlns:adec="http://schemas.microsoft.com/office/drawing/2017/decorative" val="1"/>
+                  <adec:decorative xmlns:adec="http://schemas.microsoft.com/office/drawing/2017/decorative" xmlns="" val="1"/>
                 </a:ext>
               </a:extLst>
             </p:cNvPr>
@@ -31299,7 +31318,7 @@
             </a:ln>
             <a:extLst>
               <a:ext uri="{91240B29-F687-4f45-9708-019B960494DF}">
-                <a14:hiddenLine xmlns="" xmlns:a16="http://schemas.microsoft.com/office/drawing/2014/main" xmlns:p14="http://schemas.microsoft.com/office/powerpoint/2010/main" xmlns:a14="http://schemas.microsoft.com/office/drawing/2010/main" w="9525">
+                <a14:hiddenLine xmlns:a14="http://schemas.microsoft.com/office/drawing/2010/main" xmlns:p14="http://schemas.microsoft.com/office/powerpoint/2010/main" xmlns:a16="http://schemas.microsoft.com/office/drawing/2014/main" xmlns="" w="9525">
                   <a:solidFill>
                     <a:srgbClr val="000000"/>
                   </a:solidFill>
@@ -31319,7 +31338,7 @@
                   <a16:creationId xmlns:a16="http://schemas.microsoft.com/office/drawing/2014/main" id="{C66CAA98-15DB-4EF7-B2CA-54F523A3C765}"/>
                 </a:ext>
                 <a:ext uri="{C183D7F6-B498-43B3-948B-1728B52AA6E4}">
-                  <adec:decorative xmlns:adec="http://schemas.microsoft.com/office/drawing/2017/decorative" val="1"/>
+                  <adec:decorative xmlns:adec="http://schemas.microsoft.com/office/drawing/2017/decorative" xmlns="" val="1"/>
                 </a:ext>
               </a:extLst>
             </p:cNvPr>
@@ -31379,7 +31398,7 @@
             </a:ln>
             <a:extLst>
               <a:ext uri="{91240B29-F687-4f45-9708-019B960494DF}">
-                <a14:hiddenLine xmlns="" xmlns:a16="http://schemas.microsoft.com/office/drawing/2014/main" xmlns:p14="http://schemas.microsoft.com/office/powerpoint/2010/main" xmlns:a14="http://schemas.microsoft.com/office/drawing/2010/main" w="9525">
+                <a14:hiddenLine xmlns:a14="http://schemas.microsoft.com/office/drawing/2010/main" xmlns:p14="http://schemas.microsoft.com/office/powerpoint/2010/main" xmlns:a16="http://schemas.microsoft.com/office/drawing/2014/main" xmlns="" w="9525">
                   <a:solidFill>
                     <a:srgbClr val="000000"/>
                   </a:solidFill>
@@ -31399,7 +31418,7 @@
                   <a16:creationId xmlns:a16="http://schemas.microsoft.com/office/drawing/2014/main" id="{7A30C330-EB27-4D08-82D2-7311A8505E77}"/>
                 </a:ext>
                 <a:ext uri="{C183D7F6-B498-43B3-948B-1728B52AA6E4}">
-                  <adec:decorative xmlns:adec="http://schemas.microsoft.com/office/drawing/2017/decorative" val="1"/>
+                  <adec:decorative xmlns:adec="http://schemas.microsoft.com/office/drawing/2017/decorative" xmlns="" val="1"/>
                 </a:ext>
               </a:extLst>
             </p:cNvPr>
@@ -31484,7 +31503,7 @@
             </a:ln>
             <a:extLst>
               <a:ext uri="{91240B29-F687-4f45-9708-019B960494DF}">
-                <a14:hiddenLine xmlns="" xmlns:a16="http://schemas.microsoft.com/office/drawing/2014/main" xmlns:p14="http://schemas.microsoft.com/office/powerpoint/2010/main" xmlns:a14="http://schemas.microsoft.com/office/drawing/2010/main" w="9525">
+                <a14:hiddenLine xmlns:a14="http://schemas.microsoft.com/office/drawing/2010/main" xmlns:p14="http://schemas.microsoft.com/office/powerpoint/2010/main" xmlns:a16="http://schemas.microsoft.com/office/drawing/2014/main" xmlns="" w="9525">
                   <a:solidFill>
                     <a:srgbClr val="000000"/>
                   </a:solidFill>
@@ -31504,7 +31523,7 @@
                   <a16:creationId xmlns:a16="http://schemas.microsoft.com/office/drawing/2014/main" id="{285C54D0-DCD8-43CD-AE6D-00487565C14E}"/>
                 </a:ext>
                 <a:ext uri="{C183D7F6-B498-43B3-948B-1728B52AA6E4}">
-                  <adec:decorative xmlns:adec="http://schemas.microsoft.com/office/drawing/2017/decorative" val="1"/>
+                  <adec:decorative xmlns:adec="http://schemas.microsoft.com/office/drawing/2017/decorative" xmlns="" val="1"/>
                 </a:ext>
               </a:extLst>
             </p:cNvPr>
@@ -31561,7 +31580,7 @@
             </a:ln>
             <a:extLst>
               <a:ext uri="{91240B29-F687-4f45-9708-019B960494DF}">
-                <a14:hiddenLine xmlns="" xmlns:a16="http://schemas.microsoft.com/office/drawing/2014/main" xmlns:p14="http://schemas.microsoft.com/office/powerpoint/2010/main" xmlns:a14="http://schemas.microsoft.com/office/drawing/2010/main" w="9525">
+                <a14:hiddenLine xmlns:a14="http://schemas.microsoft.com/office/drawing/2010/main" xmlns:p14="http://schemas.microsoft.com/office/powerpoint/2010/main" xmlns:a16="http://schemas.microsoft.com/office/drawing/2014/main" xmlns="" w="9525">
                   <a:solidFill>
                     <a:srgbClr val="000000"/>
                   </a:solidFill>
@@ -31581,7 +31600,7 @@
                   <a16:creationId xmlns:a16="http://schemas.microsoft.com/office/drawing/2014/main" id="{BC525C34-0A4A-4042-8FA3-F64A115AEA65}"/>
                 </a:ext>
                 <a:ext uri="{C183D7F6-B498-43B3-948B-1728B52AA6E4}">
-                  <adec:decorative xmlns:adec="http://schemas.microsoft.com/office/drawing/2017/decorative" val="1"/>
+                  <adec:decorative xmlns:adec="http://schemas.microsoft.com/office/drawing/2017/decorative" xmlns="" val="1"/>
                 </a:ext>
               </a:extLst>
             </p:cNvPr>
@@ -31666,7 +31685,7 @@
             </a:ln>
             <a:extLst>
               <a:ext uri="{91240B29-F687-4f45-9708-019B960494DF}">
-                <a14:hiddenLine xmlns="" xmlns:a16="http://schemas.microsoft.com/office/drawing/2014/main" xmlns:p14="http://schemas.microsoft.com/office/powerpoint/2010/main" xmlns:a14="http://schemas.microsoft.com/office/drawing/2010/main" w="9525">
+                <a14:hiddenLine xmlns:a14="http://schemas.microsoft.com/office/drawing/2010/main" xmlns:p14="http://schemas.microsoft.com/office/powerpoint/2010/main" xmlns:a16="http://schemas.microsoft.com/office/drawing/2014/main" xmlns="" w="9525">
                   <a:solidFill>
                     <a:srgbClr val="000000"/>
                   </a:solidFill>
@@ -31686,7 +31705,7 @@
                   <a16:creationId xmlns:a16="http://schemas.microsoft.com/office/drawing/2014/main" id="{870751A2-DBE9-4631-86D3-800E77491609}"/>
                 </a:ext>
                 <a:ext uri="{C183D7F6-B498-43B3-948B-1728B52AA6E4}">
-                  <adec:decorative xmlns:adec="http://schemas.microsoft.com/office/drawing/2017/decorative" val="1"/>
+                  <adec:decorative xmlns:adec="http://schemas.microsoft.com/office/drawing/2017/decorative" xmlns="" val="1"/>
                 </a:ext>
               </a:extLst>
             </p:cNvPr>
@@ -31771,7 +31790,7 @@
             </a:ln>
             <a:extLst>
               <a:ext uri="{91240B29-F687-4f45-9708-019B960494DF}">
-                <a14:hiddenLine xmlns="" xmlns:a16="http://schemas.microsoft.com/office/drawing/2014/main" xmlns:p14="http://schemas.microsoft.com/office/powerpoint/2010/main" xmlns:a14="http://schemas.microsoft.com/office/drawing/2010/main" w="9525">
+                <a14:hiddenLine xmlns:a14="http://schemas.microsoft.com/office/drawing/2010/main" xmlns:p14="http://schemas.microsoft.com/office/powerpoint/2010/main" xmlns:a16="http://schemas.microsoft.com/office/drawing/2014/main" xmlns="" w="9525">
                   <a:solidFill>
                     <a:srgbClr val="000000"/>
                   </a:solidFill>
@@ -31791,7 +31810,7 @@
                   <a16:creationId xmlns:a16="http://schemas.microsoft.com/office/drawing/2014/main" id="{ED6D7806-3E23-488D-80ED-281D3DA72025}"/>
                 </a:ext>
                 <a:ext uri="{C183D7F6-B498-43B3-948B-1728B52AA6E4}">
-                  <adec:decorative xmlns:adec="http://schemas.microsoft.com/office/drawing/2017/decorative" val="1"/>
+                  <adec:decorative xmlns:adec="http://schemas.microsoft.com/office/drawing/2017/decorative" xmlns="" val="1"/>
                 </a:ext>
               </a:extLst>
             </p:cNvPr>
@@ -31851,7 +31870,7 @@
             </a:ln>
             <a:extLst>
               <a:ext uri="{91240B29-F687-4f45-9708-019B960494DF}">
-                <a14:hiddenLine xmlns="" xmlns:a16="http://schemas.microsoft.com/office/drawing/2014/main" xmlns:p14="http://schemas.microsoft.com/office/powerpoint/2010/main" xmlns:a14="http://schemas.microsoft.com/office/drawing/2010/main" w="9525">
+                <a14:hiddenLine xmlns:a14="http://schemas.microsoft.com/office/drawing/2010/main" xmlns:p14="http://schemas.microsoft.com/office/powerpoint/2010/main" xmlns:a16="http://schemas.microsoft.com/office/drawing/2014/main" xmlns="" w="9525">
                   <a:solidFill>
                     <a:srgbClr val="000000"/>
                   </a:solidFill>
@@ -31871,7 +31890,7 @@
                   <a16:creationId xmlns:a16="http://schemas.microsoft.com/office/drawing/2014/main" id="{170E0895-F9C9-44BA-AF81-F7938C7E4F2D}"/>
                 </a:ext>
                 <a:ext uri="{C183D7F6-B498-43B3-948B-1728B52AA6E4}">
-                  <adec:decorative xmlns:adec="http://schemas.microsoft.com/office/drawing/2017/decorative" val="1"/>
+                  <adec:decorative xmlns:adec="http://schemas.microsoft.com/office/drawing/2017/decorative" xmlns="" val="1"/>
                 </a:ext>
               </a:extLst>
             </p:cNvPr>
@@ -31928,7 +31947,7 @@
             </a:ln>
             <a:extLst>
               <a:ext uri="{91240B29-F687-4f45-9708-019B960494DF}">
-                <a14:hiddenLine xmlns="" xmlns:a16="http://schemas.microsoft.com/office/drawing/2014/main" xmlns:p14="http://schemas.microsoft.com/office/powerpoint/2010/main" xmlns:a14="http://schemas.microsoft.com/office/drawing/2010/main" w="9525">
+                <a14:hiddenLine xmlns:a14="http://schemas.microsoft.com/office/drawing/2010/main" xmlns:p14="http://schemas.microsoft.com/office/powerpoint/2010/main" xmlns:a16="http://schemas.microsoft.com/office/drawing/2014/main" xmlns="" w="9525">
                   <a:solidFill>
                     <a:srgbClr val="000000"/>
                   </a:solidFill>
@@ -31948,7 +31967,7 @@
                   <a16:creationId xmlns:a16="http://schemas.microsoft.com/office/drawing/2014/main" id="{75AD3DD3-BD4A-4DD9-9AC1-C60E34174401}"/>
                 </a:ext>
                 <a:ext uri="{C183D7F6-B498-43B3-948B-1728B52AA6E4}">
-                  <adec:decorative xmlns:adec="http://schemas.microsoft.com/office/drawing/2017/decorative" val="1"/>
+                  <adec:decorative xmlns:adec="http://schemas.microsoft.com/office/drawing/2017/decorative" xmlns="" val="1"/>
                 </a:ext>
               </a:extLst>
             </p:cNvPr>
@@ -32033,7 +32052,7 @@
             </a:ln>
             <a:extLst>
               <a:ext uri="{91240B29-F687-4f45-9708-019B960494DF}">
-                <a14:hiddenLine xmlns="" xmlns:a16="http://schemas.microsoft.com/office/drawing/2014/main" xmlns:p14="http://schemas.microsoft.com/office/powerpoint/2010/main" xmlns:a14="http://schemas.microsoft.com/office/drawing/2010/main" w="9525">
+                <a14:hiddenLine xmlns:a14="http://schemas.microsoft.com/office/drawing/2010/main" xmlns:p14="http://schemas.microsoft.com/office/powerpoint/2010/main" xmlns:a16="http://schemas.microsoft.com/office/drawing/2014/main" xmlns="" w="9525">
                   <a:solidFill>
                     <a:srgbClr val="000000"/>
                   </a:solidFill>
@@ -32053,7 +32072,7 @@
                   <a16:creationId xmlns:a16="http://schemas.microsoft.com/office/drawing/2014/main" id="{D047B55E-0847-4696-8101-A643C3C7E911}"/>
                 </a:ext>
                 <a:ext uri="{C183D7F6-B498-43B3-948B-1728B52AA6E4}">
-                  <adec:decorative xmlns:adec="http://schemas.microsoft.com/office/drawing/2017/decorative" val="1"/>
+                  <adec:decorative xmlns:adec="http://schemas.microsoft.com/office/drawing/2017/decorative" xmlns="" val="1"/>
                 </a:ext>
               </a:extLst>
             </p:cNvPr>
@@ -32138,7 +32157,7 @@
             </a:ln>
             <a:extLst>
               <a:ext uri="{91240B29-F687-4f45-9708-019B960494DF}">
-                <a14:hiddenLine xmlns="" xmlns:a16="http://schemas.microsoft.com/office/drawing/2014/main" xmlns:p14="http://schemas.microsoft.com/office/powerpoint/2010/main" xmlns:a14="http://schemas.microsoft.com/office/drawing/2010/main" w="9525">
+                <a14:hiddenLine xmlns:a14="http://schemas.microsoft.com/office/drawing/2010/main" xmlns:p14="http://schemas.microsoft.com/office/powerpoint/2010/main" xmlns:a16="http://schemas.microsoft.com/office/drawing/2014/main" xmlns="" w="9525">
                   <a:solidFill>
                     <a:srgbClr val="000000"/>
                   </a:solidFill>
@@ -32158,7 +32177,7 @@
                   <a16:creationId xmlns:a16="http://schemas.microsoft.com/office/drawing/2014/main" id="{CB3EF1DB-37BD-463B-A542-7AA57DC9FE88}"/>
                 </a:ext>
                 <a:ext uri="{C183D7F6-B498-43B3-948B-1728B52AA6E4}">
-                  <adec:decorative xmlns:adec="http://schemas.microsoft.com/office/drawing/2017/decorative" val="1"/>
+                  <adec:decorative xmlns:adec="http://schemas.microsoft.com/office/drawing/2017/decorative" xmlns="" val="1"/>
                 </a:ext>
               </a:extLst>
             </p:cNvPr>
@@ -32215,7 +32234,7 @@
             </a:ln>
             <a:extLst>
               <a:ext uri="{91240B29-F687-4f45-9708-019B960494DF}">
-                <a14:hiddenLine xmlns="" xmlns:a16="http://schemas.microsoft.com/office/drawing/2014/main" xmlns:p14="http://schemas.microsoft.com/office/powerpoint/2010/main" xmlns:a14="http://schemas.microsoft.com/office/drawing/2010/main" w="9525">
+                <a14:hiddenLine xmlns:a14="http://schemas.microsoft.com/office/drawing/2010/main" xmlns:p14="http://schemas.microsoft.com/office/powerpoint/2010/main" xmlns:a16="http://schemas.microsoft.com/office/drawing/2014/main" xmlns="" w="9525">
                   <a:solidFill>
                     <a:srgbClr val="000000"/>
                   </a:solidFill>
@@ -32235,7 +32254,7 @@
                   <a16:creationId xmlns:a16="http://schemas.microsoft.com/office/drawing/2014/main" id="{95D0E013-2F18-4248-9D83-3BFF25A05CDB}"/>
                 </a:ext>
                 <a:ext uri="{C183D7F6-B498-43B3-948B-1728B52AA6E4}">
-                  <adec:decorative xmlns:adec="http://schemas.microsoft.com/office/drawing/2017/decorative" val="1"/>
+                  <adec:decorative xmlns:adec="http://schemas.microsoft.com/office/drawing/2017/decorative" xmlns="" val="1"/>
                 </a:ext>
               </a:extLst>
             </p:cNvPr>
@@ -32350,7 +32369,7 @@
             </a:ln>
             <a:extLst>
               <a:ext uri="{91240B29-F687-4f45-9708-019B960494DF}">
-                <a14:hiddenLine xmlns="" xmlns:a16="http://schemas.microsoft.com/office/drawing/2014/main" xmlns:p14="http://schemas.microsoft.com/office/powerpoint/2010/main" xmlns:a14="http://schemas.microsoft.com/office/drawing/2010/main" w="9525">
+                <a14:hiddenLine xmlns:a14="http://schemas.microsoft.com/office/drawing/2010/main" xmlns:p14="http://schemas.microsoft.com/office/powerpoint/2010/main" xmlns:a16="http://schemas.microsoft.com/office/drawing/2014/main" xmlns="" w="9525">
                   <a:solidFill>
                     <a:srgbClr val="000000"/>
                   </a:solidFill>
@@ -32370,7 +32389,7 @@
                   <a16:creationId xmlns:a16="http://schemas.microsoft.com/office/drawing/2014/main" id="{E7D95722-3A1F-4917-8C16-D4D409941656}"/>
                 </a:ext>
                 <a:ext uri="{C183D7F6-B498-43B3-948B-1728B52AA6E4}">
-                  <adec:decorative xmlns:adec="http://schemas.microsoft.com/office/drawing/2017/decorative" val="1"/>
+                  <adec:decorative xmlns:adec="http://schemas.microsoft.com/office/drawing/2017/decorative" xmlns="" val="1"/>
                 </a:ext>
               </a:extLst>
             </p:cNvPr>
@@ -32433,7 +32452,7 @@
             </a:ln>
             <a:extLst>
               <a:ext uri="{91240B29-F687-4f45-9708-019B960494DF}">
-                <a14:hiddenLine xmlns="" xmlns:a16="http://schemas.microsoft.com/office/drawing/2014/main" xmlns:p14="http://schemas.microsoft.com/office/powerpoint/2010/main" xmlns:a14="http://schemas.microsoft.com/office/drawing/2010/main" w="9525">
+                <a14:hiddenLine xmlns:a14="http://schemas.microsoft.com/office/drawing/2010/main" xmlns:p14="http://schemas.microsoft.com/office/powerpoint/2010/main" xmlns:a16="http://schemas.microsoft.com/office/drawing/2014/main" xmlns="" w="9525">
                   <a:solidFill>
                     <a:srgbClr val="000000"/>
                   </a:solidFill>
@@ -32453,7 +32472,7 @@
                   <a16:creationId xmlns:a16="http://schemas.microsoft.com/office/drawing/2014/main" id="{A54912BE-A961-4720-992C-09A2D13DE2B1}"/>
                 </a:ext>
                 <a:ext uri="{C183D7F6-B498-43B3-948B-1728B52AA6E4}">
-                  <adec:decorative xmlns:adec="http://schemas.microsoft.com/office/drawing/2017/decorative" val="1"/>
+                  <adec:decorative xmlns:adec="http://schemas.microsoft.com/office/drawing/2017/decorative" xmlns="" val="1"/>
                 </a:ext>
               </a:extLst>
             </p:cNvPr>
@@ -32538,7 +32557,7 @@
             </a:ln>
             <a:extLst>
               <a:ext uri="{91240B29-F687-4f45-9708-019B960494DF}">
-                <a14:hiddenLine xmlns="" xmlns:a16="http://schemas.microsoft.com/office/drawing/2014/main" xmlns:p14="http://schemas.microsoft.com/office/powerpoint/2010/main" xmlns:a14="http://schemas.microsoft.com/office/drawing/2010/main" w="9525">
+                <a14:hiddenLine xmlns:a14="http://schemas.microsoft.com/office/drawing/2010/main" xmlns:p14="http://schemas.microsoft.com/office/powerpoint/2010/main" xmlns:a16="http://schemas.microsoft.com/office/drawing/2014/main" xmlns="" w="9525">
                   <a:solidFill>
                     <a:srgbClr val="000000"/>
                   </a:solidFill>
@@ -32559,7 +32578,7 @@
                 <a16:creationId xmlns:a16="http://schemas.microsoft.com/office/drawing/2014/main" id="{FF5E4228-419E-44B9-B090-94A9540E5B3F}"/>
               </a:ext>
               <a:ext uri="{C183D7F6-B498-43B3-948B-1728B52AA6E4}">
-                <adec:decorative xmlns:adec="http://schemas.microsoft.com/office/drawing/2017/decorative" val="1"/>
+                <adec:decorative xmlns:adec="http://schemas.microsoft.com/office/drawing/2017/decorative" xmlns="" val="1"/>
               </a:ext>
             </a:extLst>
           </p:cNvPr>
@@ -32637,13 +32656,25 @@
           <a:lstStyle/>
           <a:p>
             <a:r>
-              <a:rPr lang="en-AU" sz="4700" b="1"/>
+              <a:rPr lang="en-AU" sz="4000" b="1" dirty="0">
+                <a:latin typeface="Arial Black" panose="020B0A04020102020204" pitchFamily="34" charset="0"/>
+              </a:rPr>
               <a:t>Exploratory Data Analysis and Visualization for Image Classification</a:t>
             </a:r>
+            <a:r>
+              <a:rPr lang="en-IN" sz="4000" dirty="0">
+                <a:latin typeface="Arial Black" panose="020B0A04020102020204" pitchFamily="34" charset="0"/>
+              </a:rPr>
+              <a:t/>
+            </a:r>
             <a:br>
-              <a:rPr lang="en-IN" sz="4700"/>
+              <a:rPr lang="en-IN" sz="4000" dirty="0">
+                <a:latin typeface="Arial Black" panose="020B0A04020102020204" pitchFamily="34" charset="0"/>
+              </a:rPr>
             </a:br>
-            <a:endParaRPr lang="en-IN" sz="4700"/>
+            <a:endParaRPr lang="en-IN" sz="4000" dirty="0">
+              <a:latin typeface="Arial Black" panose="020B0A04020102020204" pitchFamily="34" charset="0"/>
+            </a:endParaRPr>
           </a:p>
         </p:txBody>
       </p:sp>
@@ -32740,31 +32771,39 @@
           <a:lstStyle/>
           <a:p>
             <a:r>
-              <a:rPr lang="en-AU" b="1" u="sng" dirty="0"/>
+              <a:rPr lang="en-AU" sz="4000" b="1" u="sng" dirty="0"/>
               <a:t>Results and Conclusion</a:t>
+            </a:r>
+            <a:r>
+              <a:rPr lang="en-AU" b="1" dirty="0"/>
+              <a:t/>
             </a:r>
             <a:br>
               <a:rPr lang="en-AU" b="1" dirty="0"/>
             </a:br>
+            <a:r>
+              <a:rPr lang="en-AU" b="1" dirty="0"/>
+              <a:t/>
+            </a:r>
             <a:br>
               <a:rPr lang="en-AU" b="1" dirty="0"/>
             </a:br>
             <a:r>
-              <a:rPr lang="en-AU" sz="1600" b="1" dirty="0"/>
+              <a:rPr lang="en-AU" sz="2000" b="1" dirty="0"/>
               <a:t>Calculated Mean and Standard Deviation</a:t>
             </a:r>
             <a:r>
-              <a:rPr lang="en-AU" sz="1600" dirty="0"/>
-              <a:t>: The mean and standard deviation values for each class are as follows</a:t>
+              <a:rPr lang="en-AU" sz="2000" dirty="0"/>
+              <a:t>: The mean and standard deviation values for each class are as follows:</a:t>
             </a:r>
             <a:r>
-              <a:rPr lang="en-AU" dirty="0"/>
-              <a:t>:</a:t>
+              <a:rPr lang="en-IN" sz="2000" dirty="0"/>
+              <a:t/>
             </a:r>
             <a:br>
-              <a:rPr lang="en-IN" dirty="0"/>
+              <a:rPr lang="en-IN" sz="2000" dirty="0"/>
             </a:br>
-            <a:endParaRPr lang="en-IN" dirty="0"/>
+            <a:endParaRPr lang="en-IN" sz="2000" dirty="0"/>
           </a:p>
         </p:txBody>
       </p:sp>
@@ -32780,13 +32819,13 @@
         </p:nvSpPr>
         <p:spPr>
           <a:xfrm>
-            <a:off x="1141411" y="2249486"/>
+            <a:off x="1141411" y="2097087"/>
             <a:ext cx="4878392" cy="616544"/>
           </a:xfrm>
         </p:spPr>
         <p:txBody>
           <a:bodyPr>
-            <a:normAutofit fontScale="77500" lnSpcReduction="20000"/>
+            <a:normAutofit fontScale="70000" lnSpcReduction="20000"/>
           </a:bodyPr>
           <a:lstStyle/>
           <a:p>
@@ -32795,10 +32834,10 @@
           <a:p>
             <a:pPr lvl="1"/>
             <a:r>
-              <a:rPr lang="en-AU" dirty="0"/>
+              <a:rPr lang="en-AU" sz="2600" dirty="0"/>
               <a:t>Cheetahs:</a:t>
             </a:r>
-            <a:endParaRPr lang="en-IN" sz="1800" dirty="0"/>
+            <a:endParaRPr lang="en-IN" sz="2600" dirty="0"/>
           </a:p>
           <a:p>
             <a:endParaRPr lang="en-IN" dirty="0"/>
@@ -32817,17 +32856,17 @@
         </p:nvSpPr>
         <p:spPr>
           <a:xfrm>
-            <a:off x="191071" y="2088108"/>
-            <a:ext cx="5828732" cy="1555844"/>
+            <a:off x="245660" y="2196867"/>
+            <a:ext cx="5774143" cy="1054193"/>
           </a:xfrm>
         </p:spPr>
         <p:txBody>
           <a:bodyPr>
-            <a:normAutofit/>
+            <a:normAutofit fontScale="92500" lnSpcReduction="20000"/>
           </a:bodyPr>
           <a:lstStyle/>
           <a:p>
-            <a:endParaRPr lang="en-IN" dirty="0"/>
+            <a:endParaRPr lang="en-IN" sz="1800" dirty="0"/>
           </a:p>
           <a:p>
             <a:pPr lvl="2"/>
@@ -32835,7 +32874,7 @@
               <a:rPr lang="en-AU" dirty="0"/>
               <a:t>Mean Intensity: [mean1, mean2, ...]</a:t>
             </a:r>
-            <a:endParaRPr lang="en-IN" sz="1600" dirty="0"/>
+            <a:endParaRPr lang="en-IN" dirty="0"/>
           </a:p>
           <a:p>
             <a:pPr lvl="2"/>
@@ -32843,7 +32882,7 @@
               <a:rPr lang="en-AU" dirty="0"/>
               <a:t>Standard Deviation: [std1, std2, ...]</a:t>
             </a:r>
-            <a:endParaRPr lang="en-IN" sz="1600" dirty="0"/>
+            <a:endParaRPr lang="en-IN" dirty="0"/>
           </a:p>
           <a:p>
             <a:endParaRPr lang="en-IN" dirty="0"/>
@@ -32860,7 +32899,12 @@
             <p:ph type="body" sz="quarter" idx="3"/>
           </p:nvPr>
         </p:nvSpPr>
-        <p:spPr/>
+        <p:spPr>
+          <a:xfrm>
+            <a:off x="6400808" y="2116031"/>
+            <a:ext cx="4646602" cy="823912"/>
+          </a:xfrm>
+        </p:spPr>
         <p:txBody>
           <a:bodyPr>
             <a:normAutofit lnSpcReduction="10000"/>
@@ -32875,7 +32919,7 @@
               <a:rPr lang="en-AU" dirty="0"/>
               <a:t>Lions:</a:t>
             </a:r>
-            <a:endParaRPr lang="en-IN" sz="1800" dirty="0"/>
+            <a:endParaRPr lang="en-IN" dirty="0"/>
           </a:p>
           <a:p>
             <a:endParaRPr lang="en-IN" dirty="0"/>
@@ -32894,7 +32938,7 @@
         </p:nvSpPr>
         <p:spPr>
           <a:xfrm>
-            <a:off x="5295331" y="2097088"/>
+            <a:off x="5295331" y="1939583"/>
             <a:ext cx="5752079" cy="1468982"/>
           </a:xfrm>
         </p:spPr>
@@ -32910,7 +32954,7 @@
               <a:rPr lang="en-AU" dirty="0"/>
               <a:t>Mean Intensity: [mean1, mean2, ...]</a:t>
             </a:r>
-            <a:endParaRPr lang="en-IN" sz="1600" dirty="0"/>
+            <a:endParaRPr lang="en-IN" dirty="0"/>
           </a:p>
           <a:p>
             <a:pPr lvl="2"/>
@@ -32918,7 +32962,7 @@
               <a:rPr lang="en-AU" dirty="0"/>
               <a:t>Standard Deviation: [std1, std2, ...]</a:t>
             </a:r>
-            <a:endParaRPr lang="en-IN" sz="1600" dirty="0"/>
+            <a:endParaRPr lang="en-IN" dirty="0"/>
           </a:p>
           <a:p>
             <a:endParaRPr lang="en-IN" dirty="0"/>
@@ -32934,7 +32978,7 @@
         <p:spPr>
           <a:xfrm>
             <a:off x="518615" y="3566069"/>
-            <a:ext cx="10768084" cy="2477281"/>
+            <a:ext cx="10768084" cy="3002232"/>
           </a:xfrm>
           <a:prstGeom prst="rect">
             <a:avLst/>
@@ -32949,11 +32993,7 @@
             <a:pPr marL="685800"/>
             <a:r>
               <a:rPr lang="en-AU" dirty="0"/>
-              <a:t>Key Findings: Based on the exploratory data analysis and visualization, the following key findings can be </a:t>
-            </a:r>
-            <a:r>
-              <a:rPr lang="en-AU"/>
-              <a:t>summarized:</a:t>
+              <a:t>Key Findings: Based on the exploratory data analysis and visualization, the following key findings can be summarized:</a:t>
             </a:r>
             <a:endParaRPr lang="en-IN" dirty="0"/>
           </a:p>
@@ -32973,14 +33013,14 @@
               </a:tabLst>
             </a:pPr>
             <a:r>
-              <a:rPr lang="en-AU" sz="1600" kern="0" dirty="0">
+              <a:rPr lang="en-AU" kern="0" dirty="0">
                 <a:latin typeface="Segoe UI" panose="020B0502040204020203" pitchFamily="34" charset="0"/>
                 <a:ea typeface="Times New Roman" panose="02020603050405020304" pitchFamily="18" charset="0"/>
                 <a:cs typeface="Mangal" panose="02040503050203030202" pitchFamily="18" charset="0"/>
               </a:rPr>
               <a:t>The distribution of images per class: The bar chart showed that there are [number of lion images] lion images and [number of cheetah images] cheetah images in the dataset.</a:t>
             </a:r>
-            <a:endParaRPr lang="en-IN" sz="1600" kern="100" dirty="0">
+            <a:endParaRPr lang="en-IN" kern="100" dirty="0">
               <a:latin typeface="Calibri" panose="020F0502020204030204" pitchFamily="34" charset="0"/>
               <a:ea typeface="Calibri" panose="020F0502020204030204" pitchFamily="34" charset="0"/>
               <a:cs typeface="Mangal" panose="02040503050203030202" pitchFamily="18" charset="0"/>
@@ -33002,14 +33042,14 @@
               </a:tabLst>
             </a:pPr>
             <a:r>
-              <a:rPr lang="en-AU" sz="1600" kern="0" dirty="0">
+              <a:rPr lang="en-AU" kern="0" dirty="0">
                 <a:latin typeface="Segoe UI" panose="020B0502040204020203" pitchFamily="34" charset="0"/>
                 <a:ea typeface="Times New Roman" panose="02020603050405020304" pitchFamily="18" charset="0"/>
                 <a:cs typeface="Mangal" panose="02040503050203030202" pitchFamily="18" charset="0"/>
               </a:rPr>
               <a:t>Image Intensity Distribution: The box plots revealed the distribution of mean intensity and standard deviation for both cheetahs and lions. It demonstrated the variations and ranges of intensities within each class.</a:t>
             </a:r>
-            <a:endParaRPr lang="en-IN" sz="1600" kern="100" dirty="0">
+            <a:endParaRPr lang="en-IN" kern="100" dirty="0">
               <a:latin typeface="Calibri" panose="020F0502020204030204" pitchFamily="34" charset="0"/>
               <a:ea typeface="Calibri" panose="020F0502020204030204" pitchFamily="34" charset="0"/>
               <a:cs typeface="Mangal" panose="02040503050203030202" pitchFamily="18" charset="0"/>
@@ -33031,14 +33071,14 @@
               </a:tabLst>
             </a:pPr>
             <a:r>
-              <a:rPr lang="en-AU" sz="1600" kern="0" dirty="0">
+              <a:rPr lang="en-AU" kern="0" dirty="0">
                 <a:latin typeface="Segoe UI" panose="020B0502040204020203" pitchFamily="34" charset="0"/>
                 <a:ea typeface="Times New Roman" panose="02020603050405020304" pitchFamily="18" charset="0"/>
                 <a:cs typeface="Mangal" panose="02040503050203030202" pitchFamily="18" charset="0"/>
               </a:rPr>
               <a:t>Relationship between Mean and Standard Deviation: The scatter plot displayed the relationship between the mean and standard deviation of intensities for each image. It helped identify any patterns or differences between the classes.</a:t>
             </a:r>
-            <a:endParaRPr lang="en-IN" sz="1600" kern="100" dirty="0">
+            <a:endParaRPr lang="en-IN" kern="100" dirty="0">
               <a:effectLst/>
               <a:latin typeface="Calibri" panose="020F0502020204030204" pitchFamily="34" charset="0"/>
               <a:ea typeface="Calibri" panose="020F0502020204030204" pitchFamily="34" charset="0"/>
@@ -33109,7 +33149,7 @@
                 <a16:creationId xmlns:a16="http://schemas.microsoft.com/office/drawing/2014/main" id="{40213445-86D4-4F78-AD8F-8FEBBDFA82EE}"/>
               </a:ext>
               <a:ext uri="{C183D7F6-B498-43B3-948B-1728B52AA6E4}">
-                <adec:decorative xmlns:adec="http://schemas.microsoft.com/office/drawing/2017/decorative" val="1"/>
+                <adec:decorative xmlns:adec="http://schemas.microsoft.com/office/drawing/2017/decorative" xmlns="" val="1"/>
               </a:ext>
             </a:extLst>
           </p:cNvPr>
@@ -33140,7 +33180,7 @@
                   <a16:creationId xmlns:a16="http://schemas.microsoft.com/office/drawing/2014/main" id="{2684A60A-182E-419E-B01C-AFDD09191DAD}"/>
                 </a:ext>
                 <a:ext uri="{C183D7F6-B498-43B3-948B-1728B52AA6E4}">
-                  <adec:decorative xmlns:adec="http://schemas.microsoft.com/office/drawing/2017/decorative" val="1"/>
+                  <adec:decorative xmlns:adec="http://schemas.microsoft.com/office/drawing/2017/decorative" xmlns="" val="1"/>
                 </a:ext>
               </a:extLst>
             </p:cNvPr>
@@ -33198,7 +33238,7 @@
                   <a16:creationId xmlns:a16="http://schemas.microsoft.com/office/drawing/2014/main" id="{FFABF1FD-FB5D-4393-B4E5-33B2CE25726E}"/>
                 </a:ext>
                 <a:ext uri="{C183D7F6-B498-43B3-948B-1728B52AA6E4}">
-                  <adec:decorative xmlns:adec="http://schemas.microsoft.com/office/drawing/2017/decorative" val="1"/>
+                  <adec:decorative xmlns:adec="http://schemas.microsoft.com/office/drawing/2017/decorative" xmlns="" val="1"/>
                 </a:ext>
               </a:extLst>
             </p:cNvPr>
@@ -33245,7 +33285,7 @@
             <a:noFill/>
             <a:extLst>
               <a:ext uri="{909E8E84-426E-40dd-AFC4-6F175D3DCCD1}">
-                <a14:hiddenFill xmlns="" xmlns:a16="http://schemas.microsoft.com/office/drawing/2014/main" xmlns:a14="http://schemas.microsoft.com/office/drawing/2010/main" xmlns:p14="http://schemas.microsoft.com/office/powerpoint/2010/main">
+                <a14:hiddenFill xmlns:p14="http://schemas.microsoft.com/office/powerpoint/2010/main" xmlns:a14="http://schemas.microsoft.com/office/drawing/2010/main" xmlns:a16="http://schemas.microsoft.com/office/drawing/2014/main" xmlns="">
                   <a:solidFill>
                     <a:srgbClr val="FFFFFF"/>
                   </a:solidFill>
@@ -33278,7 +33318,7 @@
           <a:lstStyle/>
           <a:p>
             <a:r>
-              <a:rPr lang="en-IN" sz="3200" dirty="0"/>
+              <a:rPr lang="en-IN" sz="3200" b="1" u="sng" dirty="0"/>
               <a:t>Conclusion</a:t>
             </a:r>
           </a:p>
@@ -33321,7 +33361,7 @@
                 <a16:creationId xmlns:a16="http://schemas.microsoft.com/office/drawing/2014/main" id="{CDCE4EDB-73B1-4D06-81F5-710CC52981BC}"/>
               </a:ext>
               <a:ext uri="{C183D7F6-B498-43B3-948B-1728B52AA6E4}">
-                <adec:decorative xmlns:adec="http://schemas.microsoft.com/office/drawing/2017/decorative" val="1"/>
+                <adec:decorative xmlns:adec="http://schemas.microsoft.com/office/drawing/2017/decorative" xmlns="" val="1"/>
               </a:ext>
             </a:extLst>
           </p:cNvPr>
@@ -33358,7 +33398,7 @@
                   <a16:creationId xmlns:a16="http://schemas.microsoft.com/office/drawing/2014/main" id="{F63F9314-715E-4710-9A63-CE83056C2FFB}"/>
                 </a:ext>
                 <a:ext uri="{C183D7F6-B498-43B3-948B-1728B52AA6E4}">
-                  <adec:decorative xmlns:adec="http://schemas.microsoft.com/office/drawing/2017/decorative" val="1"/>
+                  <adec:decorative xmlns:adec="http://schemas.microsoft.com/office/drawing/2017/decorative" xmlns="" val="1"/>
                 </a:ext>
               </a:extLst>
             </p:cNvPr>
@@ -33387,7 +33427,7 @@
             </a:ln>
             <a:extLst>
               <a:ext uri="{91240B29-F687-4f45-9708-019B960494DF}">
-                <a14:hiddenLine xmlns="" xmlns:a16="http://schemas.microsoft.com/office/drawing/2014/main" xmlns:a14="http://schemas.microsoft.com/office/drawing/2010/main" xmlns:p14="http://schemas.microsoft.com/office/powerpoint/2010/main" w="9525">
+                <a14:hiddenLine xmlns:p14="http://schemas.microsoft.com/office/powerpoint/2010/main" xmlns:a14="http://schemas.microsoft.com/office/drawing/2010/main" xmlns:a16="http://schemas.microsoft.com/office/drawing/2014/main" xmlns="" w="9525">
                   <a:solidFill>
                     <a:srgbClr val="000000"/>
                   </a:solidFill>
@@ -33407,7 +33447,7 @@
                   <a16:creationId xmlns:a16="http://schemas.microsoft.com/office/drawing/2014/main" id="{9B72E135-686E-4210-B69F-210E8CE80420}"/>
                 </a:ext>
                 <a:ext uri="{C183D7F6-B498-43B3-948B-1728B52AA6E4}">
-                  <adec:decorative xmlns:adec="http://schemas.microsoft.com/office/drawing/2017/decorative" val="1"/>
+                  <adec:decorative xmlns:adec="http://schemas.microsoft.com/office/drawing/2017/decorative" xmlns="" val="1"/>
                 </a:ext>
               </a:extLst>
             </p:cNvPr>
@@ -33492,7 +33532,7 @@
             </a:ln>
             <a:extLst>
               <a:ext uri="{91240B29-F687-4f45-9708-019B960494DF}">
-                <a14:hiddenLine xmlns="" xmlns:a16="http://schemas.microsoft.com/office/drawing/2014/main" xmlns:a14="http://schemas.microsoft.com/office/drawing/2010/main" xmlns:p14="http://schemas.microsoft.com/office/powerpoint/2010/main" w="9525">
+                <a14:hiddenLine xmlns:p14="http://schemas.microsoft.com/office/powerpoint/2010/main" xmlns:a14="http://schemas.microsoft.com/office/drawing/2010/main" xmlns:a16="http://schemas.microsoft.com/office/drawing/2014/main" xmlns="" w="9525">
                   <a:solidFill>
                     <a:srgbClr val="000000"/>
                   </a:solidFill>
@@ -33512,7 +33552,7 @@
                   <a16:creationId xmlns:a16="http://schemas.microsoft.com/office/drawing/2014/main" id="{7D3B4296-5208-432F-BB64-309668EC4F74}"/>
                 </a:ext>
                 <a:ext uri="{C183D7F6-B498-43B3-948B-1728B52AA6E4}">
-                  <adec:decorative xmlns:adec="http://schemas.microsoft.com/office/drawing/2017/decorative" val="1"/>
+                  <adec:decorative xmlns:adec="http://schemas.microsoft.com/office/drawing/2017/decorative" xmlns="" val="1"/>
                 </a:ext>
               </a:extLst>
             </p:cNvPr>
@@ -33597,7 +33637,7 @@
             </a:ln>
             <a:extLst>
               <a:ext uri="{91240B29-F687-4f45-9708-019B960494DF}">
-                <a14:hiddenLine xmlns="" xmlns:a16="http://schemas.microsoft.com/office/drawing/2014/main" xmlns:a14="http://schemas.microsoft.com/office/drawing/2010/main" xmlns:p14="http://schemas.microsoft.com/office/powerpoint/2010/main" w="9525">
+                <a14:hiddenLine xmlns:p14="http://schemas.microsoft.com/office/powerpoint/2010/main" xmlns:a14="http://schemas.microsoft.com/office/drawing/2010/main" xmlns:a16="http://schemas.microsoft.com/office/drawing/2014/main" xmlns="" w="9525">
                   <a:solidFill>
                     <a:srgbClr val="000000"/>
                   </a:solidFill>
@@ -33617,7 +33657,7 @@
                   <a16:creationId xmlns:a16="http://schemas.microsoft.com/office/drawing/2014/main" id="{9B6956C6-AA52-471D-BD31-3ECBA24022B2}"/>
                 </a:ext>
                 <a:ext uri="{C183D7F6-B498-43B3-948B-1728B52AA6E4}">
-                  <adec:decorative xmlns:adec="http://schemas.microsoft.com/office/drawing/2017/decorative" val="1"/>
+                  <adec:decorative xmlns:adec="http://schemas.microsoft.com/office/drawing/2017/decorative" xmlns="" val="1"/>
                 </a:ext>
               </a:extLst>
             </p:cNvPr>
@@ -33646,7 +33686,7 @@
             </a:ln>
             <a:extLst>
               <a:ext uri="{91240B29-F687-4f45-9708-019B960494DF}">
-                <a14:hiddenLine xmlns="" xmlns:a16="http://schemas.microsoft.com/office/drawing/2014/main" xmlns:a14="http://schemas.microsoft.com/office/drawing/2010/main" xmlns:p14="http://schemas.microsoft.com/office/powerpoint/2010/main" w="9525">
+                <a14:hiddenLine xmlns:p14="http://schemas.microsoft.com/office/powerpoint/2010/main" xmlns:a14="http://schemas.microsoft.com/office/drawing/2010/main" xmlns:a16="http://schemas.microsoft.com/office/drawing/2014/main" xmlns="" w="9525">
                   <a:solidFill>
                     <a:srgbClr val="000000"/>
                   </a:solidFill>
@@ -33666,7 +33706,7 @@
                   <a16:creationId xmlns:a16="http://schemas.microsoft.com/office/drawing/2014/main" id="{53A37D1D-4A71-4995-A6BC-FAE00A570D9C}"/>
                 </a:ext>
                 <a:ext uri="{C183D7F6-B498-43B3-948B-1728B52AA6E4}">
-                  <adec:decorative xmlns:adec="http://schemas.microsoft.com/office/drawing/2017/decorative" val="1"/>
+                  <adec:decorative xmlns:adec="http://schemas.microsoft.com/office/drawing/2017/decorative" xmlns="" val="1"/>
                 </a:ext>
               </a:extLst>
             </p:cNvPr>
@@ -33751,7 +33791,7 @@
             </a:ln>
             <a:extLst>
               <a:ext uri="{91240B29-F687-4f45-9708-019B960494DF}">
-                <a14:hiddenLine xmlns="" xmlns:a16="http://schemas.microsoft.com/office/drawing/2014/main" xmlns:a14="http://schemas.microsoft.com/office/drawing/2010/main" xmlns:p14="http://schemas.microsoft.com/office/powerpoint/2010/main" w="9525">
+                <a14:hiddenLine xmlns:p14="http://schemas.microsoft.com/office/powerpoint/2010/main" xmlns:a14="http://schemas.microsoft.com/office/drawing/2010/main" xmlns:a16="http://schemas.microsoft.com/office/drawing/2014/main" xmlns="" w="9525">
                   <a:solidFill>
                     <a:srgbClr val="000000"/>
                   </a:solidFill>
@@ -33771,7 +33811,7 @@
                   <a16:creationId xmlns:a16="http://schemas.microsoft.com/office/drawing/2014/main" id="{1893C2F1-17F9-4182-8755-0C15B28893BA}"/>
                 </a:ext>
                 <a:ext uri="{C183D7F6-B498-43B3-948B-1728B52AA6E4}">
-                  <adec:decorative xmlns:adec="http://schemas.microsoft.com/office/drawing/2017/decorative" val="1"/>
+                  <adec:decorative xmlns:adec="http://schemas.microsoft.com/office/drawing/2017/decorative" xmlns="" val="1"/>
                 </a:ext>
               </a:extLst>
             </p:cNvPr>
@@ -33828,7 +33868,7 @@
             </a:ln>
             <a:extLst>
               <a:ext uri="{91240B29-F687-4f45-9708-019B960494DF}">
-                <a14:hiddenLine xmlns="" xmlns:a16="http://schemas.microsoft.com/office/drawing/2014/main" xmlns:a14="http://schemas.microsoft.com/office/drawing/2010/main" xmlns:p14="http://schemas.microsoft.com/office/powerpoint/2010/main" w="9525">
+                <a14:hiddenLine xmlns:p14="http://schemas.microsoft.com/office/powerpoint/2010/main" xmlns:a14="http://schemas.microsoft.com/office/drawing/2010/main" xmlns:a16="http://schemas.microsoft.com/office/drawing/2014/main" xmlns="" w="9525">
                   <a:solidFill>
                     <a:srgbClr val="000000"/>
                   </a:solidFill>
@@ -33848,7 +33888,7 @@
                   <a16:creationId xmlns:a16="http://schemas.microsoft.com/office/drawing/2014/main" id="{65DD1ACC-FCF5-4D49-B68C-FAE7829FAF79}"/>
                 </a:ext>
                 <a:ext uri="{C183D7F6-B498-43B3-948B-1728B52AA6E4}">
-                  <adec:decorative xmlns:adec="http://schemas.microsoft.com/office/drawing/2017/decorative" val="1"/>
+                  <adec:decorative xmlns:adec="http://schemas.microsoft.com/office/drawing/2017/decorative" xmlns="" val="1"/>
                 </a:ext>
               </a:extLst>
             </p:cNvPr>
@@ -33905,7 +33945,7 @@
             </a:ln>
             <a:extLst>
               <a:ext uri="{91240B29-F687-4f45-9708-019B960494DF}">
-                <a14:hiddenLine xmlns="" xmlns:a16="http://schemas.microsoft.com/office/drawing/2014/main" xmlns:a14="http://schemas.microsoft.com/office/drawing/2010/main" xmlns:p14="http://schemas.microsoft.com/office/powerpoint/2010/main" w="9525">
+                <a14:hiddenLine xmlns:p14="http://schemas.microsoft.com/office/powerpoint/2010/main" xmlns:a14="http://schemas.microsoft.com/office/drawing/2010/main" xmlns:a16="http://schemas.microsoft.com/office/drawing/2014/main" xmlns="" w="9525">
                   <a:solidFill>
                     <a:srgbClr val="000000"/>
                   </a:solidFill>
@@ -33925,7 +33965,7 @@
                   <a16:creationId xmlns:a16="http://schemas.microsoft.com/office/drawing/2014/main" id="{DF836DE4-2767-4A63-9E03-9963D5EF52F4}"/>
                 </a:ext>
                 <a:ext uri="{C183D7F6-B498-43B3-948B-1728B52AA6E4}">
-                  <adec:decorative xmlns:adec="http://schemas.microsoft.com/office/drawing/2017/decorative" val="1"/>
+                  <adec:decorative xmlns:adec="http://schemas.microsoft.com/office/drawing/2017/decorative" xmlns="" val="1"/>
                 </a:ext>
               </a:extLst>
             </p:cNvPr>
@@ -34010,7 +34050,7 @@
             </a:ln>
             <a:extLst>
               <a:ext uri="{91240B29-F687-4f45-9708-019B960494DF}">
-                <a14:hiddenLine xmlns="" xmlns:a16="http://schemas.microsoft.com/office/drawing/2014/main" xmlns:a14="http://schemas.microsoft.com/office/drawing/2010/main" xmlns:p14="http://schemas.microsoft.com/office/powerpoint/2010/main" w="9525">
+                <a14:hiddenLine xmlns:p14="http://schemas.microsoft.com/office/powerpoint/2010/main" xmlns:a14="http://schemas.microsoft.com/office/drawing/2010/main" xmlns:a16="http://schemas.microsoft.com/office/drawing/2014/main" xmlns="" w="9525">
                   <a:solidFill>
                     <a:srgbClr val="000000"/>
                   </a:solidFill>
@@ -34030,7 +34070,7 @@
                   <a16:creationId xmlns:a16="http://schemas.microsoft.com/office/drawing/2014/main" id="{916DC85C-58CE-4EBC-BDB4-B04096D6583F}"/>
                 </a:ext>
                 <a:ext uri="{C183D7F6-B498-43B3-948B-1728B52AA6E4}">
-                  <adec:decorative xmlns:adec="http://schemas.microsoft.com/office/drawing/2017/decorative" val="1"/>
+                  <adec:decorative xmlns:adec="http://schemas.microsoft.com/office/drawing/2017/decorative" xmlns="" val="1"/>
                 </a:ext>
               </a:extLst>
             </p:cNvPr>
@@ -34087,7 +34127,7 @@
             </a:ln>
             <a:extLst>
               <a:ext uri="{91240B29-F687-4f45-9708-019B960494DF}">
-                <a14:hiddenLine xmlns="" xmlns:a16="http://schemas.microsoft.com/office/drawing/2014/main" xmlns:a14="http://schemas.microsoft.com/office/drawing/2010/main" xmlns:p14="http://schemas.microsoft.com/office/powerpoint/2010/main" w="9525">
+                <a14:hiddenLine xmlns:p14="http://schemas.microsoft.com/office/powerpoint/2010/main" xmlns:a14="http://schemas.microsoft.com/office/drawing/2010/main" xmlns:a16="http://schemas.microsoft.com/office/drawing/2014/main" xmlns="" w="9525">
                   <a:solidFill>
                     <a:srgbClr val="000000"/>
                   </a:solidFill>
@@ -34107,7 +34147,7 @@
                   <a16:creationId xmlns:a16="http://schemas.microsoft.com/office/drawing/2014/main" id="{DCFE1B83-4862-4B9A-9CEB-92C0A85754E9}"/>
                 </a:ext>
                 <a:ext uri="{C183D7F6-B498-43B3-948B-1728B52AA6E4}">
-                  <adec:decorative xmlns:adec="http://schemas.microsoft.com/office/drawing/2017/decorative" val="1"/>
+                  <adec:decorative xmlns:adec="http://schemas.microsoft.com/office/drawing/2017/decorative" xmlns="" val="1"/>
                 </a:ext>
               </a:extLst>
             </p:cNvPr>
@@ -34164,7 +34204,7 @@
             </a:ln>
             <a:extLst>
               <a:ext uri="{91240B29-F687-4f45-9708-019B960494DF}">
-                <a14:hiddenLine xmlns="" xmlns:a16="http://schemas.microsoft.com/office/drawing/2014/main" xmlns:a14="http://schemas.microsoft.com/office/drawing/2010/main" xmlns:p14="http://schemas.microsoft.com/office/powerpoint/2010/main" w="9525">
+                <a14:hiddenLine xmlns:p14="http://schemas.microsoft.com/office/powerpoint/2010/main" xmlns:a14="http://schemas.microsoft.com/office/drawing/2010/main" xmlns:a16="http://schemas.microsoft.com/office/drawing/2014/main" xmlns="" w="9525">
                   <a:solidFill>
                     <a:srgbClr val="000000"/>
                   </a:solidFill>
@@ -34184,7 +34224,7 @@
                   <a16:creationId xmlns:a16="http://schemas.microsoft.com/office/drawing/2014/main" id="{4D246667-16A5-4BA4-903D-561D924ABA6F}"/>
                 </a:ext>
                 <a:ext uri="{C183D7F6-B498-43B3-948B-1728B52AA6E4}">
-                  <adec:decorative xmlns:adec="http://schemas.microsoft.com/office/drawing/2017/decorative" val="1"/>
+                  <adec:decorative xmlns:adec="http://schemas.microsoft.com/office/drawing/2017/decorative" xmlns="" val="1"/>
                 </a:ext>
               </a:extLst>
             </p:cNvPr>
@@ -34269,7 +34309,7 @@
             </a:ln>
             <a:extLst>
               <a:ext uri="{91240B29-F687-4f45-9708-019B960494DF}">
-                <a14:hiddenLine xmlns="" xmlns:a16="http://schemas.microsoft.com/office/drawing/2014/main" xmlns:a14="http://schemas.microsoft.com/office/drawing/2010/main" xmlns:p14="http://schemas.microsoft.com/office/powerpoint/2010/main" w="9525">
+                <a14:hiddenLine xmlns:p14="http://schemas.microsoft.com/office/powerpoint/2010/main" xmlns:a14="http://schemas.microsoft.com/office/drawing/2010/main" xmlns:a16="http://schemas.microsoft.com/office/drawing/2014/main" xmlns="" w="9525">
                   <a:solidFill>
                     <a:srgbClr val="000000"/>
                   </a:solidFill>
@@ -34289,7 +34329,7 @@
                   <a16:creationId xmlns:a16="http://schemas.microsoft.com/office/drawing/2014/main" id="{7DDB6AF5-B5FD-469E-B20A-8A1E3E799F30}"/>
                 </a:ext>
                 <a:ext uri="{C183D7F6-B498-43B3-948B-1728B52AA6E4}">
-                  <adec:decorative xmlns:adec="http://schemas.microsoft.com/office/drawing/2017/decorative" val="1"/>
+                  <adec:decorative xmlns:adec="http://schemas.microsoft.com/office/drawing/2017/decorative" xmlns="" val="1"/>
                 </a:ext>
               </a:extLst>
             </p:cNvPr>
@@ -34374,7 +34414,7 @@
             </a:ln>
             <a:extLst>
               <a:ext uri="{91240B29-F687-4f45-9708-019B960494DF}">
-                <a14:hiddenLine xmlns="" xmlns:a16="http://schemas.microsoft.com/office/drawing/2014/main" xmlns:a14="http://schemas.microsoft.com/office/drawing/2010/main" xmlns:p14="http://schemas.microsoft.com/office/powerpoint/2010/main" w="9525">
+                <a14:hiddenLine xmlns:p14="http://schemas.microsoft.com/office/powerpoint/2010/main" xmlns:a14="http://schemas.microsoft.com/office/drawing/2010/main" xmlns:a16="http://schemas.microsoft.com/office/drawing/2014/main" xmlns="" w="9525">
                   <a:solidFill>
                     <a:srgbClr val="000000"/>
                   </a:solidFill>
@@ -34394,7 +34434,7 @@
                   <a16:creationId xmlns:a16="http://schemas.microsoft.com/office/drawing/2014/main" id="{F70C8148-B4C1-4005-9272-BEFFC7CC762D}"/>
                 </a:ext>
                 <a:ext uri="{C183D7F6-B498-43B3-948B-1728B52AA6E4}">
-                  <adec:decorative xmlns:adec="http://schemas.microsoft.com/office/drawing/2017/decorative" val="1"/>
+                  <adec:decorative xmlns:adec="http://schemas.microsoft.com/office/drawing/2017/decorative" xmlns="" val="1"/>
                 </a:ext>
               </a:extLst>
             </p:cNvPr>
@@ -34451,7 +34491,7 @@
             </a:ln>
             <a:extLst>
               <a:ext uri="{91240B29-F687-4f45-9708-019B960494DF}">
-                <a14:hiddenLine xmlns="" xmlns:a16="http://schemas.microsoft.com/office/drawing/2014/main" xmlns:a14="http://schemas.microsoft.com/office/drawing/2010/main" xmlns:p14="http://schemas.microsoft.com/office/powerpoint/2010/main" w="9525">
+                <a14:hiddenLine xmlns:p14="http://schemas.microsoft.com/office/powerpoint/2010/main" xmlns:a14="http://schemas.microsoft.com/office/drawing/2010/main" xmlns:a16="http://schemas.microsoft.com/office/drawing/2014/main" xmlns="" w="9525">
                   <a:solidFill>
                     <a:srgbClr val="000000"/>
                   </a:solidFill>
@@ -34471,7 +34511,7 @@
                   <a16:creationId xmlns:a16="http://schemas.microsoft.com/office/drawing/2014/main" id="{2EE6A2D5-5F0B-4977-A24D-7ACFC2CD45CA}"/>
                 </a:ext>
                 <a:ext uri="{C183D7F6-B498-43B3-948B-1728B52AA6E4}">
-                  <adec:decorative xmlns:adec="http://schemas.microsoft.com/office/drawing/2017/decorative" val="1"/>
+                  <adec:decorative xmlns:adec="http://schemas.microsoft.com/office/drawing/2017/decorative" xmlns="" val="1"/>
                 </a:ext>
               </a:extLst>
             </p:cNvPr>
@@ -34576,7 +34616,7 @@
             </a:ln>
             <a:extLst>
               <a:ext uri="{91240B29-F687-4f45-9708-019B960494DF}">
-                <a14:hiddenLine xmlns="" xmlns:a16="http://schemas.microsoft.com/office/drawing/2014/main" xmlns:a14="http://schemas.microsoft.com/office/drawing/2010/main" xmlns:p14="http://schemas.microsoft.com/office/powerpoint/2010/main" w="9525">
+                <a14:hiddenLine xmlns:p14="http://schemas.microsoft.com/office/powerpoint/2010/main" xmlns:a14="http://schemas.microsoft.com/office/drawing/2010/main" xmlns:a16="http://schemas.microsoft.com/office/drawing/2014/main" xmlns="" w="9525">
                   <a:solidFill>
                     <a:srgbClr val="000000"/>
                   </a:solidFill>
@@ -34596,7 +34636,7 @@
                   <a16:creationId xmlns:a16="http://schemas.microsoft.com/office/drawing/2014/main" id="{62AF7BF9-EA4A-4568-ACC4-9AE135078AA7}"/>
                 </a:ext>
                 <a:ext uri="{C183D7F6-B498-43B3-948B-1728B52AA6E4}">
-                  <adec:decorative xmlns:adec="http://schemas.microsoft.com/office/drawing/2017/decorative" val="1"/>
+                  <adec:decorative xmlns:adec="http://schemas.microsoft.com/office/drawing/2017/decorative" xmlns="" val="1"/>
                 </a:ext>
               </a:extLst>
             </p:cNvPr>
@@ -34653,7 +34693,7 @@
             </a:ln>
             <a:extLst>
               <a:ext uri="{91240B29-F687-4f45-9708-019B960494DF}">
-                <a14:hiddenLine xmlns="" xmlns:a16="http://schemas.microsoft.com/office/drawing/2014/main" xmlns:a14="http://schemas.microsoft.com/office/drawing/2010/main" xmlns:p14="http://schemas.microsoft.com/office/powerpoint/2010/main" w="9525">
+                <a14:hiddenLine xmlns:p14="http://schemas.microsoft.com/office/powerpoint/2010/main" xmlns:a14="http://schemas.microsoft.com/office/drawing/2010/main" xmlns:a16="http://schemas.microsoft.com/office/drawing/2014/main" xmlns="" w="9525">
                   <a:solidFill>
                     <a:srgbClr val="000000"/>
                   </a:solidFill>
@@ -34673,7 +34713,7 @@
                   <a16:creationId xmlns:a16="http://schemas.microsoft.com/office/drawing/2014/main" id="{C5480B8F-8335-4048-9440-D64B54610799}"/>
                 </a:ext>
                 <a:ext uri="{C183D7F6-B498-43B3-948B-1728B52AA6E4}">
-                  <adec:decorative xmlns:adec="http://schemas.microsoft.com/office/drawing/2017/decorative" val="1"/>
+                  <adec:decorative xmlns:adec="http://schemas.microsoft.com/office/drawing/2017/decorative" xmlns="" val="1"/>
                 </a:ext>
               </a:extLst>
             </p:cNvPr>
@@ -34758,7 +34798,7 @@
             </a:ln>
             <a:extLst>
               <a:ext uri="{91240B29-F687-4f45-9708-019B960494DF}">
-                <a14:hiddenLine xmlns="" xmlns:a16="http://schemas.microsoft.com/office/drawing/2014/main" xmlns:a14="http://schemas.microsoft.com/office/drawing/2010/main" xmlns:p14="http://schemas.microsoft.com/office/powerpoint/2010/main" w="9525">
+                <a14:hiddenLine xmlns:p14="http://schemas.microsoft.com/office/powerpoint/2010/main" xmlns:a14="http://schemas.microsoft.com/office/drawing/2010/main" xmlns:a16="http://schemas.microsoft.com/office/drawing/2014/main" xmlns="" w="9525">
                   <a:solidFill>
                     <a:srgbClr val="000000"/>
                   </a:solidFill>
@@ -34778,7 +34818,7 @@
                   <a16:creationId xmlns:a16="http://schemas.microsoft.com/office/drawing/2014/main" id="{C0239026-9B37-48A5-AE01-29B6F948AD0E}"/>
                 </a:ext>
                 <a:ext uri="{C183D7F6-B498-43B3-948B-1728B52AA6E4}">
-                  <adec:decorative xmlns:adec="http://schemas.microsoft.com/office/drawing/2017/decorative" val="1"/>
+                  <adec:decorative xmlns:adec="http://schemas.microsoft.com/office/drawing/2017/decorative" xmlns="" val="1"/>
                 </a:ext>
               </a:extLst>
             </p:cNvPr>
@@ -34863,7 +34903,7 @@
             </a:ln>
             <a:extLst>
               <a:ext uri="{91240B29-F687-4f45-9708-019B960494DF}">
-                <a14:hiddenLine xmlns="" xmlns:a16="http://schemas.microsoft.com/office/drawing/2014/main" xmlns:a14="http://schemas.microsoft.com/office/drawing/2010/main" xmlns:p14="http://schemas.microsoft.com/office/powerpoint/2010/main" w="9525">
+                <a14:hiddenLine xmlns:p14="http://schemas.microsoft.com/office/powerpoint/2010/main" xmlns:a14="http://schemas.microsoft.com/office/drawing/2010/main" xmlns:a16="http://schemas.microsoft.com/office/drawing/2014/main" xmlns="" w="9525">
                   <a:solidFill>
                     <a:srgbClr val="000000"/>
                   </a:solidFill>
@@ -34883,7 +34923,7 @@
                   <a16:creationId xmlns:a16="http://schemas.microsoft.com/office/drawing/2014/main" id="{072A79A0-61B5-446D-921B-4CC22956140F}"/>
                 </a:ext>
                 <a:ext uri="{C183D7F6-B498-43B3-948B-1728B52AA6E4}">
-                  <adec:decorative xmlns:adec="http://schemas.microsoft.com/office/drawing/2017/decorative" val="1"/>
+                  <adec:decorative xmlns:adec="http://schemas.microsoft.com/office/drawing/2017/decorative" xmlns="" val="1"/>
                 </a:ext>
               </a:extLst>
             </p:cNvPr>
@@ -34940,7 +34980,7 @@
             </a:ln>
             <a:extLst>
               <a:ext uri="{91240B29-F687-4f45-9708-019B960494DF}">
-                <a14:hiddenLine xmlns="" xmlns:a16="http://schemas.microsoft.com/office/drawing/2014/main" xmlns:a14="http://schemas.microsoft.com/office/drawing/2010/main" xmlns:p14="http://schemas.microsoft.com/office/powerpoint/2010/main" w="9525">
+                <a14:hiddenLine xmlns:p14="http://schemas.microsoft.com/office/powerpoint/2010/main" xmlns:a14="http://schemas.microsoft.com/office/drawing/2010/main" xmlns:a16="http://schemas.microsoft.com/office/drawing/2014/main" xmlns="" w="9525">
                   <a:solidFill>
                     <a:srgbClr val="000000"/>
                   </a:solidFill>
@@ -34960,7 +35000,7 @@
                   <a16:creationId xmlns:a16="http://schemas.microsoft.com/office/drawing/2014/main" id="{7B295262-D1BB-4CC4-AE86-B61841BF2CA3}"/>
                 </a:ext>
                 <a:ext uri="{C183D7F6-B498-43B3-948B-1728B52AA6E4}">
-                  <adec:decorative xmlns:adec="http://schemas.microsoft.com/office/drawing/2017/decorative" val="1"/>
+                  <adec:decorative xmlns:adec="http://schemas.microsoft.com/office/drawing/2017/decorative" xmlns="" val="1"/>
                 </a:ext>
               </a:extLst>
             </p:cNvPr>
@@ -35045,7 +35085,7 @@
             </a:ln>
             <a:extLst>
               <a:ext uri="{91240B29-F687-4f45-9708-019B960494DF}">
-                <a14:hiddenLine xmlns="" xmlns:a16="http://schemas.microsoft.com/office/drawing/2014/main" xmlns:a14="http://schemas.microsoft.com/office/drawing/2010/main" xmlns:p14="http://schemas.microsoft.com/office/powerpoint/2010/main" w="9525">
+                <a14:hiddenLine xmlns:p14="http://schemas.microsoft.com/office/powerpoint/2010/main" xmlns:a14="http://schemas.microsoft.com/office/drawing/2010/main" xmlns:a16="http://schemas.microsoft.com/office/drawing/2014/main" xmlns="" w="9525">
                   <a:solidFill>
                     <a:srgbClr val="000000"/>
                   </a:solidFill>
@@ -35065,7 +35105,7 @@
                   <a16:creationId xmlns:a16="http://schemas.microsoft.com/office/drawing/2014/main" id="{2EB18505-CD3D-4C25-A04A-BC683714121A}"/>
                 </a:ext>
                 <a:ext uri="{C183D7F6-B498-43B3-948B-1728B52AA6E4}">
-                  <adec:decorative xmlns:adec="http://schemas.microsoft.com/office/drawing/2017/decorative" val="1"/>
+                  <adec:decorative xmlns:adec="http://schemas.microsoft.com/office/drawing/2017/decorative" xmlns="" val="1"/>
                 </a:ext>
               </a:extLst>
             </p:cNvPr>
@@ -35150,7 +35190,7 @@
             </a:ln>
             <a:extLst>
               <a:ext uri="{91240B29-F687-4f45-9708-019B960494DF}">
-                <a14:hiddenLine xmlns="" xmlns:a16="http://schemas.microsoft.com/office/drawing/2014/main" xmlns:a14="http://schemas.microsoft.com/office/drawing/2010/main" xmlns:p14="http://schemas.microsoft.com/office/powerpoint/2010/main" w="9525">
+                <a14:hiddenLine xmlns:p14="http://schemas.microsoft.com/office/powerpoint/2010/main" xmlns:a14="http://schemas.microsoft.com/office/drawing/2010/main" xmlns:a16="http://schemas.microsoft.com/office/drawing/2014/main" xmlns="" w="9525">
                   <a:solidFill>
                     <a:srgbClr val="000000"/>
                   </a:solidFill>
@@ -35170,7 +35210,7 @@
                   <a16:creationId xmlns:a16="http://schemas.microsoft.com/office/drawing/2014/main" id="{B7A9AB06-69CB-45EB-A6D2-2C4CBDBFB94A}"/>
                 </a:ext>
                 <a:ext uri="{C183D7F6-B498-43B3-948B-1728B52AA6E4}">
-                  <adec:decorative xmlns:adec="http://schemas.microsoft.com/office/drawing/2017/decorative" val="1"/>
+                  <adec:decorative xmlns:adec="http://schemas.microsoft.com/office/drawing/2017/decorative" xmlns="" val="1"/>
                 </a:ext>
               </a:extLst>
             </p:cNvPr>
@@ -35221,7 +35261,7 @@
             </a:ln>
             <a:extLst>
               <a:ext uri="{91240B29-F687-4f45-9708-019B960494DF}">
-                <a14:hiddenLine xmlns="" xmlns:a16="http://schemas.microsoft.com/office/drawing/2014/main" xmlns:a14="http://schemas.microsoft.com/office/drawing/2010/main" xmlns:p14="http://schemas.microsoft.com/office/powerpoint/2010/main" w="9525">
+                <a14:hiddenLine xmlns:p14="http://schemas.microsoft.com/office/powerpoint/2010/main" xmlns:a14="http://schemas.microsoft.com/office/drawing/2010/main" xmlns:a16="http://schemas.microsoft.com/office/drawing/2014/main" xmlns="" w="9525">
                   <a:solidFill>
                     <a:srgbClr val="000000"/>
                   </a:solidFill>
@@ -35241,7 +35281,7 @@
                   <a16:creationId xmlns:a16="http://schemas.microsoft.com/office/drawing/2014/main" id="{112A72AB-1E70-4C17-A6F3-E8F925A6BD84}"/>
                 </a:ext>
                 <a:ext uri="{C183D7F6-B498-43B3-948B-1728B52AA6E4}">
-                  <adec:decorative xmlns:adec="http://schemas.microsoft.com/office/drawing/2017/decorative" val="1"/>
+                  <adec:decorative xmlns:adec="http://schemas.microsoft.com/office/drawing/2017/decorative" xmlns="" val="1"/>
                 </a:ext>
               </a:extLst>
             </p:cNvPr>
@@ -35326,7 +35366,7 @@
             </a:ln>
             <a:extLst>
               <a:ext uri="{91240B29-F687-4f45-9708-019B960494DF}">
-                <a14:hiddenLine xmlns="" xmlns:a16="http://schemas.microsoft.com/office/drawing/2014/main" xmlns:a14="http://schemas.microsoft.com/office/drawing/2010/main" xmlns:p14="http://schemas.microsoft.com/office/powerpoint/2010/main" w="9525">
+                <a14:hiddenLine xmlns:p14="http://schemas.microsoft.com/office/powerpoint/2010/main" xmlns:a14="http://schemas.microsoft.com/office/drawing/2010/main" xmlns:a16="http://schemas.microsoft.com/office/drawing/2014/main" xmlns="" w="9525">
                   <a:solidFill>
                     <a:srgbClr val="000000"/>
                   </a:solidFill>
@@ -35346,7 +35386,7 @@
                   <a16:creationId xmlns:a16="http://schemas.microsoft.com/office/drawing/2014/main" id="{8F53EAC6-E0BE-4B8D-9093-F4C40F7A4476}"/>
                 </a:ext>
                 <a:ext uri="{C183D7F6-B498-43B3-948B-1728B52AA6E4}">
-                  <adec:decorative xmlns:adec="http://schemas.microsoft.com/office/drawing/2017/decorative" val="1"/>
+                  <adec:decorative xmlns:adec="http://schemas.microsoft.com/office/drawing/2017/decorative" xmlns="" val="1"/>
                 </a:ext>
               </a:extLst>
             </p:cNvPr>
@@ -35397,7 +35437,7 @@
             </a:ln>
             <a:extLst>
               <a:ext uri="{91240B29-F687-4f45-9708-019B960494DF}">
-                <a14:hiddenLine xmlns="" xmlns:a16="http://schemas.microsoft.com/office/drawing/2014/main" xmlns:a14="http://schemas.microsoft.com/office/drawing/2010/main" xmlns:p14="http://schemas.microsoft.com/office/powerpoint/2010/main" w="9525">
+                <a14:hiddenLine xmlns:p14="http://schemas.microsoft.com/office/powerpoint/2010/main" xmlns:a14="http://schemas.microsoft.com/office/drawing/2010/main" xmlns:a16="http://schemas.microsoft.com/office/drawing/2014/main" xmlns="" w="9525">
                   <a:solidFill>
                     <a:srgbClr val="000000"/>
                   </a:solidFill>
@@ -35417,7 +35457,7 @@
                   <a16:creationId xmlns:a16="http://schemas.microsoft.com/office/drawing/2014/main" id="{3C4430FB-7419-4488-B9DD-C52172E0B0CF}"/>
                 </a:ext>
                 <a:ext uri="{C183D7F6-B498-43B3-948B-1728B52AA6E4}">
-                  <adec:decorative xmlns:adec="http://schemas.microsoft.com/office/drawing/2017/decorative" val="1"/>
+                  <adec:decorative xmlns:adec="http://schemas.microsoft.com/office/drawing/2017/decorative" xmlns="" val="1"/>
                 </a:ext>
               </a:extLst>
             </p:cNvPr>
@@ -35502,7 +35542,7 @@
             </a:ln>
             <a:extLst>
               <a:ext uri="{91240B29-F687-4f45-9708-019B960494DF}">
-                <a14:hiddenLine xmlns="" xmlns:a16="http://schemas.microsoft.com/office/drawing/2014/main" xmlns:a14="http://schemas.microsoft.com/office/drawing/2010/main" xmlns:p14="http://schemas.microsoft.com/office/powerpoint/2010/main" w="9525">
+                <a14:hiddenLine xmlns:p14="http://schemas.microsoft.com/office/powerpoint/2010/main" xmlns:a14="http://schemas.microsoft.com/office/drawing/2010/main" xmlns:a16="http://schemas.microsoft.com/office/drawing/2014/main" xmlns="" w="9525">
                   <a:solidFill>
                     <a:srgbClr val="000000"/>
                   </a:solidFill>
@@ -35522,7 +35562,7 @@
                   <a16:creationId xmlns:a16="http://schemas.microsoft.com/office/drawing/2014/main" id="{4A07FED4-C9B2-426D-80F9-3E251D9DB314}"/>
                 </a:ext>
                 <a:ext uri="{C183D7F6-B498-43B3-948B-1728B52AA6E4}">
-                  <adec:decorative xmlns:adec="http://schemas.microsoft.com/office/drawing/2017/decorative" val="1"/>
+                  <adec:decorative xmlns:adec="http://schemas.microsoft.com/office/drawing/2017/decorative" xmlns="" val="1"/>
                 </a:ext>
               </a:extLst>
             </p:cNvPr>
@@ -35585,7 +35625,7 @@
             </a:ln>
             <a:extLst>
               <a:ext uri="{91240B29-F687-4f45-9708-019B960494DF}">
-                <a14:hiddenLine xmlns="" xmlns:a16="http://schemas.microsoft.com/office/drawing/2014/main" xmlns:a14="http://schemas.microsoft.com/office/drawing/2010/main" xmlns:p14="http://schemas.microsoft.com/office/powerpoint/2010/main" w="9525">
+                <a14:hiddenLine xmlns:p14="http://schemas.microsoft.com/office/powerpoint/2010/main" xmlns:a14="http://schemas.microsoft.com/office/drawing/2010/main" xmlns:a16="http://schemas.microsoft.com/office/drawing/2014/main" xmlns="" w="9525">
                   <a:solidFill>
                     <a:srgbClr val="000000"/>
                   </a:solidFill>
@@ -35605,7 +35645,7 @@
                   <a16:creationId xmlns:a16="http://schemas.microsoft.com/office/drawing/2014/main" id="{2BE840B1-DE8E-4F4E-978E-195F2FF30310}"/>
                 </a:ext>
                 <a:ext uri="{C183D7F6-B498-43B3-948B-1728B52AA6E4}">
-                  <adec:decorative xmlns:adec="http://schemas.microsoft.com/office/drawing/2017/decorative" val="1"/>
+                  <adec:decorative xmlns:adec="http://schemas.microsoft.com/office/drawing/2017/decorative" xmlns="" val="1"/>
                 </a:ext>
               </a:extLst>
             </p:cNvPr>
@@ -35690,7 +35730,7 @@
             </a:ln>
             <a:extLst>
               <a:ext uri="{91240B29-F687-4f45-9708-019B960494DF}">
-                <a14:hiddenLine xmlns="" xmlns:a16="http://schemas.microsoft.com/office/drawing/2014/main" xmlns:a14="http://schemas.microsoft.com/office/drawing/2010/main" xmlns:p14="http://schemas.microsoft.com/office/powerpoint/2010/main" w="9525">
+                <a14:hiddenLine xmlns:p14="http://schemas.microsoft.com/office/powerpoint/2010/main" xmlns:a14="http://schemas.microsoft.com/office/drawing/2010/main" xmlns:a16="http://schemas.microsoft.com/office/drawing/2014/main" xmlns="" w="9525">
                   <a:solidFill>
                     <a:srgbClr val="000000"/>
                   </a:solidFill>
@@ -35710,7 +35750,7 @@
                   <a16:creationId xmlns:a16="http://schemas.microsoft.com/office/drawing/2014/main" id="{970A7C12-E1F6-4063-AA66-96F09C70713C}"/>
                 </a:ext>
                 <a:ext uri="{C183D7F6-B498-43B3-948B-1728B52AA6E4}">
-                  <adec:decorative xmlns:adec="http://schemas.microsoft.com/office/drawing/2017/decorative" val="1"/>
+                  <adec:decorative xmlns:adec="http://schemas.microsoft.com/office/drawing/2017/decorative" xmlns="" val="1"/>
                 </a:ext>
               </a:extLst>
             </p:cNvPr>
@@ -35773,7 +35813,7 @@
             </a:ln>
             <a:extLst>
               <a:ext uri="{91240B29-F687-4f45-9708-019B960494DF}">
-                <a14:hiddenLine xmlns="" xmlns:a16="http://schemas.microsoft.com/office/drawing/2014/main" xmlns:a14="http://schemas.microsoft.com/office/drawing/2010/main" xmlns:p14="http://schemas.microsoft.com/office/powerpoint/2010/main" w="9525">
+                <a14:hiddenLine xmlns:p14="http://schemas.microsoft.com/office/powerpoint/2010/main" xmlns:a14="http://schemas.microsoft.com/office/drawing/2010/main" xmlns:a16="http://schemas.microsoft.com/office/drawing/2014/main" xmlns="" w="9525">
                   <a:solidFill>
                     <a:srgbClr val="000000"/>
                   </a:solidFill>
@@ -35793,7 +35833,7 @@
                   <a16:creationId xmlns:a16="http://schemas.microsoft.com/office/drawing/2014/main" id="{D92C1000-EC4C-495C-91EC-2EAD35CF4659}"/>
                 </a:ext>
                 <a:ext uri="{C183D7F6-B498-43B3-948B-1728B52AA6E4}">
-                  <adec:decorative xmlns:adec="http://schemas.microsoft.com/office/drawing/2017/decorative" val="1"/>
+                  <adec:decorative xmlns:adec="http://schemas.microsoft.com/office/drawing/2017/decorative" xmlns="" val="1"/>
                 </a:ext>
               </a:extLst>
             </p:cNvPr>
@@ -35878,7 +35918,7 @@
             </a:ln>
             <a:extLst>
               <a:ext uri="{91240B29-F687-4f45-9708-019B960494DF}">
-                <a14:hiddenLine xmlns="" xmlns:a16="http://schemas.microsoft.com/office/drawing/2014/main" xmlns:a14="http://schemas.microsoft.com/office/drawing/2010/main" xmlns:p14="http://schemas.microsoft.com/office/powerpoint/2010/main" w="9525">
+                <a14:hiddenLine xmlns:p14="http://schemas.microsoft.com/office/powerpoint/2010/main" xmlns:a14="http://schemas.microsoft.com/office/drawing/2010/main" xmlns:a16="http://schemas.microsoft.com/office/drawing/2014/main" xmlns="" w="9525">
                   <a:solidFill>
                     <a:srgbClr val="000000"/>
                   </a:solidFill>
@@ -35898,7 +35938,7 @@
                   <a16:creationId xmlns:a16="http://schemas.microsoft.com/office/drawing/2014/main" id="{3F7B7324-4CF2-425F-A41A-28B32C0E4CEF}"/>
                 </a:ext>
                 <a:ext uri="{C183D7F6-B498-43B3-948B-1728B52AA6E4}">
-                  <adec:decorative xmlns:adec="http://schemas.microsoft.com/office/drawing/2017/decorative" val="1"/>
+                  <adec:decorative xmlns:adec="http://schemas.microsoft.com/office/drawing/2017/decorative" xmlns="" val="1"/>
                 </a:ext>
               </a:extLst>
             </p:cNvPr>
@@ -35927,7 +35967,7 @@
             </a:ln>
             <a:extLst>
               <a:ext uri="{91240B29-F687-4f45-9708-019B960494DF}">
-                <a14:hiddenLine xmlns="" xmlns:a16="http://schemas.microsoft.com/office/drawing/2014/main" xmlns:a14="http://schemas.microsoft.com/office/drawing/2010/main" xmlns:p14="http://schemas.microsoft.com/office/powerpoint/2010/main" w="9525">
+                <a14:hiddenLine xmlns:p14="http://schemas.microsoft.com/office/powerpoint/2010/main" xmlns:a14="http://schemas.microsoft.com/office/drawing/2010/main" xmlns:a16="http://schemas.microsoft.com/office/drawing/2014/main" xmlns="" w="9525">
                   <a:solidFill>
                     <a:srgbClr val="000000"/>
                   </a:solidFill>
@@ -35947,7 +35987,7 @@
                   <a16:creationId xmlns:a16="http://schemas.microsoft.com/office/drawing/2014/main" id="{52FB908C-D111-4B49-AD3B-63F13834311B}"/>
                 </a:ext>
                 <a:ext uri="{C183D7F6-B498-43B3-948B-1728B52AA6E4}">
-                  <adec:decorative xmlns:adec="http://schemas.microsoft.com/office/drawing/2017/decorative" val="1"/>
+                  <adec:decorative xmlns:adec="http://schemas.microsoft.com/office/drawing/2017/decorative" xmlns="" val="1"/>
                 </a:ext>
               </a:extLst>
             </p:cNvPr>
@@ -36032,7 +36072,7 @@
             </a:ln>
             <a:extLst>
               <a:ext uri="{91240B29-F687-4f45-9708-019B960494DF}">
-                <a14:hiddenLine xmlns="" xmlns:a16="http://schemas.microsoft.com/office/drawing/2014/main" xmlns:a14="http://schemas.microsoft.com/office/drawing/2010/main" xmlns:p14="http://schemas.microsoft.com/office/powerpoint/2010/main" w="9525">
+                <a14:hiddenLine xmlns:p14="http://schemas.microsoft.com/office/powerpoint/2010/main" xmlns:a14="http://schemas.microsoft.com/office/drawing/2010/main" xmlns:a16="http://schemas.microsoft.com/office/drawing/2014/main" xmlns="" w="9525">
                   <a:solidFill>
                     <a:srgbClr val="000000"/>
                   </a:solidFill>
@@ -36052,7 +36092,7 @@
                   <a16:creationId xmlns:a16="http://schemas.microsoft.com/office/drawing/2014/main" id="{C16B5E72-3FED-4E30-B1B0-C12EFEF8B921}"/>
                 </a:ext>
                 <a:ext uri="{C183D7F6-B498-43B3-948B-1728B52AA6E4}">
-                  <adec:decorative xmlns:adec="http://schemas.microsoft.com/office/drawing/2017/decorative" val="1"/>
+                  <adec:decorative xmlns:adec="http://schemas.microsoft.com/office/drawing/2017/decorative" xmlns="" val="1"/>
                 </a:ext>
               </a:extLst>
             </p:cNvPr>
@@ -36109,7 +36149,7 @@
             </a:ln>
             <a:extLst>
               <a:ext uri="{91240B29-F687-4f45-9708-019B960494DF}">
-                <a14:hiddenLine xmlns="" xmlns:a16="http://schemas.microsoft.com/office/drawing/2014/main" xmlns:a14="http://schemas.microsoft.com/office/drawing/2010/main" xmlns:p14="http://schemas.microsoft.com/office/powerpoint/2010/main" w="9525">
+                <a14:hiddenLine xmlns:p14="http://schemas.microsoft.com/office/powerpoint/2010/main" xmlns:a14="http://schemas.microsoft.com/office/drawing/2010/main" xmlns:a16="http://schemas.microsoft.com/office/drawing/2014/main" xmlns="" w="9525">
                   <a:solidFill>
                     <a:srgbClr val="000000"/>
                   </a:solidFill>
@@ -36129,7 +36169,7 @@
                   <a16:creationId xmlns:a16="http://schemas.microsoft.com/office/drawing/2014/main" id="{CEE94B89-C705-4A0A-93A7-4F3B89818025}"/>
                 </a:ext>
                 <a:ext uri="{C183D7F6-B498-43B3-948B-1728B52AA6E4}">
-                  <adec:decorative xmlns:adec="http://schemas.microsoft.com/office/drawing/2017/decorative" val="1"/>
+                  <adec:decorative xmlns:adec="http://schemas.microsoft.com/office/drawing/2017/decorative" xmlns="" val="1"/>
                 </a:ext>
               </a:extLst>
             </p:cNvPr>
@@ -36186,7 +36226,7 @@
             </a:ln>
             <a:extLst>
               <a:ext uri="{91240B29-F687-4f45-9708-019B960494DF}">
-                <a14:hiddenLine xmlns="" xmlns:a16="http://schemas.microsoft.com/office/drawing/2014/main" xmlns:a14="http://schemas.microsoft.com/office/drawing/2010/main" xmlns:p14="http://schemas.microsoft.com/office/powerpoint/2010/main" w="9525">
+                <a14:hiddenLine xmlns:p14="http://schemas.microsoft.com/office/powerpoint/2010/main" xmlns:a14="http://schemas.microsoft.com/office/drawing/2010/main" xmlns:a16="http://schemas.microsoft.com/office/drawing/2014/main" xmlns="" w="9525">
                   <a:solidFill>
                     <a:srgbClr val="000000"/>
                   </a:solidFill>
@@ -36206,7 +36246,7 @@
                   <a16:creationId xmlns:a16="http://schemas.microsoft.com/office/drawing/2014/main" id="{4DB3AE93-70CB-4ACF-8A92-6EA1359701DA}"/>
                 </a:ext>
                 <a:ext uri="{C183D7F6-B498-43B3-948B-1728B52AA6E4}">
-                  <adec:decorative xmlns:adec="http://schemas.microsoft.com/office/drawing/2017/decorative" val="1"/>
+                  <adec:decorative xmlns:adec="http://schemas.microsoft.com/office/drawing/2017/decorative" xmlns="" val="1"/>
                 </a:ext>
               </a:extLst>
             </p:cNvPr>
@@ -36291,7 +36331,7 @@
             </a:ln>
             <a:extLst>
               <a:ext uri="{91240B29-F687-4f45-9708-019B960494DF}">
-                <a14:hiddenLine xmlns="" xmlns:a16="http://schemas.microsoft.com/office/drawing/2014/main" xmlns:a14="http://schemas.microsoft.com/office/drawing/2010/main" xmlns:p14="http://schemas.microsoft.com/office/powerpoint/2010/main" w="9525">
+                <a14:hiddenLine xmlns:p14="http://schemas.microsoft.com/office/powerpoint/2010/main" xmlns:a14="http://schemas.microsoft.com/office/drawing/2010/main" xmlns:a16="http://schemas.microsoft.com/office/drawing/2014/main" xmlns="" w="9525">
                   <a:solidFill>
                     <a:srgbClr val="000000"/>
                   </a:solidFill>
@@ -36311,7 +36351,7 @@
                   <a16:creationId xmlns:a16="http://schemas.microsoft.com/office/drawing/2014/main" id="{70E52CEC-5096-4798-8308-0E6C82FBA99A}"/>
                 </a:ext>
                 <a:ext uri="{C183D7F6-B498-43B3-948B-1728B52AA6E4}">
-                  <adec:decorative xmlns:adec="http://schemas.microsoft.com/office/drawing/2017/decorative" val="1"/>
+                  <adec:decorative xmlns:adec="http://schemas.microsoft.com/office/drawing/2017/decorative" xmlns="" val="1"/>
                 </a:ext>
               </a:extLst>
             </p:cNvPr>
@@ -36374,7 +36414,7 @@
             </a:ln>
             <a:extLst>
               <a:ext uri="{91240B29-F687-4f45-9708-019B960494DF}">
-                <a14:hiddenLine xmlns="" xmlns:a16="http://schemas.microsoft.com/office/drawing/2014/main" xmlns:a14="http://schemas.microsoft.com/office/drawing/2010/main" xmlns:p14="http://schemas.microsoft.com/office/powerpoint/2010/main" w="9525">
+                <a14:hiddenLine xmlns:p14="http://schemas.microsoft.com/office/powerpoint/2010/main" xmlns:a14="http://schemas.microsoft.com/office/drawing/2010/main" xmlns:a16="http://schemas.microsoft.com/office/drawing/2014/main" xmlns="" w="9525">
                   <a:solidFill>
                     <a:srgbClr val="000000"/>
                   </a:solidFill>
@@ -36394,7 +36434,7 @@
                   <a16:creationId xmlns:a16="http://schemas.microsoft.com/office/drawing/2014/main" id="{F8276397-B2CD-42CA-B986-507EE9D467EA}"/>
                 </a:ext>
                 <a:ext uri="{C183D7F6-B498-43B3-948B-1728B52AA6E4}">
-                  <adec:decorative xmlns:adec="http://schemas.microsoft.com/office/drawing/2017/decorative" val="1"/>
+                  <adec:decorative xmlns:adec="http://schemas.microsoft.com/office/drawing/2017/decorative" xmlns="" val="1"/>
                 </a:ext>
               </a:extLst>
             </p:cNvPr>
@@ -36451,7 +36491,7 @@
             </a:ln>
             <a:extLst>
               <a:ext uri="{91240B29-F687-4f45-9708-019B960494DF}">
-                <a14:hiddenLine xmlns="" xmlns:a16="http://schemas.microsoft.com/office/drawing/2014/main" xmlns:a14="http://schemas.microsoft.com/office/drawing/2010/main" xmlns:p14="http://schemas.microsoft.com/office/powerpoint/2010/main" w="9525">
+                <a14:hiddenLine xmlns:p14="http://schemas.microsoft.com/office/powerpoint/2010/main" xmlns:a14="http://schemas.microsoft.com/office/drawing/2010/main" xmlns:a16="http://schemas.microsoft.com/office/drawing/2014/main" xmlns="" w="9525">
                   <a:solidFill>
                     <a:srgbClr val="000000"/>
                   </a:solidFill>
@@ -36471,7 +36511,7 @@
                   <a16:creationId xmlns:a16="http://schemas.microsoft.com/office/drawing/2014/main" id="{642D153B-98BD-45E6-847F-1FD76397382C}"/>
                 </a:ext>
                 <a:ext uri="{C183D7F6-B498-43B3-948B-1728B52AA6E4}">
-                  <adec:decorative xmlns:adec="http://schemas.microsoft.com/office/drawing/2017/decorative" val="1"/>
+                  <adec:decorative xmlns:adec="http://schemas.microsoft.com/office/drawing/2017/decorative" xmlns="" val="1"/>
                 </a:ext>
               </a:extLst>
             </p:cNvPr>
@@ -36556,7 +36596,7 @@
             </a:ln>
             <a:extLst>
               <a:ext uri="{91240B29-F687-4f45-9708-019B960494DF}">
-                <a14:hiddenLine xmlns="" xmlns:a16="http://schemas.microsoft.com/office/drawing/2014/main" xmlns:a14="http://schemas.microsoft.com/office/drawing/2010/main" xmlns:p14="http://schemas.microsoft.com/office/powerpoint/2010/main" w="9525">
+                <a14:hiddenLine xmlns:p14="http://schemas.microsoft.com/office/powerpoint/2010/main" xmlns:a14="http://schemas.microsoft.com/office/drawing/2010/main" xmlns:a16="http://schemas.microsoft.com/office/drawing/2014/main" xmlns="" w="9525">
                   <a:solidFill>
                     <a:srgbClr val="000000"/>
                   </a:solidFill>
@@ -36576,7 +36616,7 @@
                   <a16:creationId xmlns:a16="http://schemas.microsoft.com/office/drawing/2014/main" id="{252AE091-EAD9-455A-86A2-C3291C52FF0E}"/>
                 </a:ext>
                 <a:ext uri="{C183D7F6-B498-43B3-948B-1728B52AA6E4}">
-                  <adec:decorative xmlns:adec="http://schemas.microsoft.com/office/drawing/2017/decorative" val="1"/>
+                  <adec:decorative xmlns:adec="http://schemas.microsoft.com/office/drawing/2017/decorative" xmlns="" val="1"/>
                 </a:ext>
               </a:extLst>
             </p:cNvPr>
@@ -36633,7 +36673,7 @@
             </a:ln>
             <a:extLst>
               <a:ext uri="{91240B29-F687-4f45-9708-019B960494DF}">
-                <a14:hiddenLine xmlns="" xmlns:a16="http://schemas.microsoft.com/office/drawing/2014/main" xmlns:a14="http://schemas.microsoft.com/office/drawing/2010/main" xmlns:p14="http://schemas.microsoft.com/office/powerpoint/2010/main" w="9525">
+                <a14:hiddenLine xmlns:p14="http://schemas.microsoft.com/office/powerpoint/2010/main" xmlns:a14="http://schemas.microsoft.com/office/drawing/2010/main" xmlns:a16="http://schemas.microsoft.com/office/drawing/2014/main" xmlns="" w="9525">
                   <a:solidFill>
                     <a:srgbClr val="000000"/>
                   </a:solidFill>
@@ -36653,7 +36693,7 @@
                   <a16:creationId xmlns:a16="http://schemas.microsoft.com/office/drawing/2014/main" id="{09B8584C-6AFF-4278-9401-5418AA63332B}"/>
                 </a:ext>
                 <a:ext uri="{C183D7F6-B498-43B3-948B-1728B52AA6E4}">
-                  <adec:decorative xmlns:adec="http://schemas.microsoft.com/office/drawing/2017/decorative" val="1"/>
+                  <adec:decorative xmlns:adec="http://schemas.microsoft.com/office/drawing/2017/decorative" xmlns="" val="1"/>
                 </a:ext>
               </a:extLst>
             </p:cNvPr>
@@ -36738,7 +36778,7 @@
             </a:ln>
             <a:extLst>
               <a:ext uri="{91240B29-F687-4f45-9708-019B960494DF}">
-                <a14:hiddenLine xmlns="" xmlns:a16="http://schemas.microsoft.com/office/drawing/2014/main" xmlns:a14="http://schemas.microsoft.com/office/drawing/2010/main" xmlns:p14="http://schemas.microsoft.com/office/powerpoint/2010/main" w="9525">
+                <a14:hiddenLine xmlns:p14="http://schemas.microsoft.com/office/powerpoint/2010/main" xmlns:a14="http://schemas.microsoft.com/office/drawing/2010/main" xmlns:a16="http://schemas.microsoft.com/office/drawing/2014/main" xmlns="" w="9525">
                   <a:solidFill>
                     <a:srgbClr val="000000"/>
                   </a:solidFill>
@@ -36758,7 +36798,7 @@
                   <a16:creationId xmlns:a16="http://schemas.microsoft.com/office/drawing/2014/main" id="{C46EBDFA-29FE-431B-B471-A93954E632F4}"/>
                 </a:ext>
                 <a:ext uri="{C183D7F6-B498-43B3-948B-1728B52AA6E4}">
-                  <adec:decorative xmlns:adec="http://schemas.microsoft.com/office/drawing/2017/decorative" val="1"/>
+                  <adec:decorative xmlns:adec="http://schemas.microsoft.com/office/drawing/2017/decorative" xmlns="" val="1"/>
                 </a:ext>
               </a:extLst>
             </p:cNvPr>
@@ -36815,7 +36855,7 @@
             </a:ln>
             <a:extLst>
               <a:ext uri="{91240B29-F687-4f45-9708-019B960494DF}">
-                <a14:hiddenLine xmlns="" xmlns:a16="http://schemas.microsoft.com/office/drawing/2014/main" xmlns:a14="http://schemas.microsoft.com/office/drawing/2010/main" xmlns:p14="http://schemas.microsoft.com/office/powerpoint/2010/main" w="9525">
+                <a14:hiddenLine xmlns:p14="http://schemas.microsoft.com/office/powerpoint/2010/main" xmlns:a14="http://schemas.microsoft.com/office/drawing/2010/main" xmlns:a16="http://schemas.microsoft.com/office/drawing/2014/main" xmlns="" w="9525">
                   <a:solidFill>
                     <a:srgbClr val="000000"/>
                   </a:solidFill>
@@ -36835,7 +36875,7 @@
                   <a16:creationId xmlns:a16="http://schemas.microsoft.com/office/drawing/2014/main" id="{364709FA-053E-40E4-B749-04095388D203}"/>
                 </a:ext>
                 <a:ext uri="{C183D7F6-B498-43B3-948B-1728B52AA6E4}">
-                  <adec:decorative xmlns:adec="http://schemas.microsoft.com/office/drawing/2017/decorative" val="1"/>
+                  <adec:decorative xmlns:adec="http://schemas.microsoft.com/office/drawing/2017/decorative" xmlns="" val="1"/>
                 </a:ext>
               </a:extLst>
             </p:cNvPr>
@@ -36920,7 +36960,7 @@
             </a:ln>
             <a:extLst>
               <a:ext uri="{91240B29-F687-4f45-9708-019B960494DF}">
-                <a14:hiddenLine xmlns="" xmlns:a16="http://schemas.microsoft.com/office/drawing/2014/main" xmlns:a14="http://schemas.microsoft.com/office/drawing/2010/main" xmlns:p14="http://schemas.microsoft.com/office/powerpoint/2010/main" w="9525">
+                <a14:hiddenLine xmlns:p14="http://schemas.microsoft.com/office/powerpoint/2010/main" xmlns:a14="http://schemas.microsoft.com/office/drawing/2010/main" xmlns:a16="http://schemas.microsoft.com/office/drawing/2014/main" xmlns="" w="9525">
                   <a:solidFill>
                     <a:srgbClr val="000000"/>
                   </a:solidFill>
@@ -36940,7 +36980,7 @@
                   <a16:creationId xmlns:a16="http://schemas.microsoft.com/office/drawing/2014/main" id="{B55D7DE2-227A-41F8-844D-271221B00066}"/>
                 </a:ext>
                 <a:ext uri="{C183D7F6-B498-43B3-948B-1728B52AA6E4}">
-                  <adec:decorative xmlns:adec="http://schemas.microsoft.com/office/drawing/2017/decorative" val="1"/>
+                  <adec:decorative xmlns:adec="http://schemas.microsoft.com/office/drawing/2017/decorative" xmlns="" val="1"/>
                 </a:ext>
               </a:extLst>
             </p:cNvPr>
@@ -36969,7 +37009,7 @@
             </a:ln>
             <a:extLst>
               <a:ext uri="{91240B29-F687-4f45-9708-019B960494DF}">
-                <a14:hiddenLine xmlns="" xmlns:a16="http://schemas.microsoft.com/office/drawing/2014/main" xmlns:a14="http://schemas.microsoft.com/office/drawing/2010/main" xmlns:p14="http://schemas.microsoft.com/office/powerpoint/2010/main" w="9525">
+                <a14:hiddenLine xmlns:p14="http://schemas.microsoft.com/office/powerpoint/2010/main" xmlns:a14="http://schemas.microsoft.com/office/drawing/2010/main" xmlns:a16="http://schemas.microsoft.com/office/drawing/2014/main" xmlns="" w="9525">
                   <a:solidFill>
                     <a:srgbClr val="000000"/>
                   </a:solidFill>
@@ -36989,7 +37029,7 @@
                   <a16:creationId xmlns:a16="http://schemas.microsoft.com/office/drawing/2014/main" id="{972C56D1-4007-4A97-B1DF-7F9D3D1DC4F9}"/>
                 </a:ext>
                 <a:ext uri="{C183D7F6-B498-43B3-948B-1728B52AA6E4}">
-                  <adec:decorative xmlns:adec="http://schemas.microsoft.com/office/drawing/2017/decorative" val="1"/>
+                  <adec:decorative xmlns:adec="http://schemas.microsoft.com/office/drawing/2017/decorative" xmlns="" val="1"/>
                 </a:ext>
               </a:extLst>
             </p:cNvPr>
@@ -37049,7 +37089,7 @@
             </a:ln>
             <a:extLst>
               <a:ext uri="{91240B29-F687-4f45-9708-019B960494DF}">
-                <a14:hiddenLine xmlns="" xmlns:a16="http://schemas.microsoft.com/office/drawing/2014/main" xmlns:a14="http://schemas.microsoft.com/office/drawing/2010/main" xmlns:p14="http://schemas.microsoft.com/office/powerpoint/2010/main" w="9525">
+                <a14:hiddenLine xmlns:p14="http://schemas.microsoft.com/office/powerpoint/2010/main" xmlns:a14="http://schemas.microsoft.com/office/drawing/2010/main" xmlns:a16="http://schemas.microsoft.com/office/drawing/2014/main" xmlns="" w="9525">
                   <a:solidFill>
                     <a:srgbClr val="000000"/>
                   </a:solidFill>
@@ -37069,7 +37109,7 @@
                   <a16:creationId xmlns:a16="http://schemas.microsoft.com/office/drawing/2014/main" id="{5DA56C63-5DD5-455F-8FD5-109691AA4267}"/>
                 </a:ext>
                 <a:ext uri="{C183D7F6-B498-43B3-948B-1728B52AA6E4}">
-                  <adec:decorative xmlns:adec="http://schemas.microsoft.com/office/drawing/2017/decorative" val="1"/>
+                  <adec:decorative xmlns:adec="http://schemas.microsoft.com/office/drawing/2017/decorative" xmlns="" val="1"/>
                 </a:ext>
               </a:extLst>
             </p:cNvPr>
@@ -37154,7 +37194,7 @@
             </a:ln>
             <a:extLst>
               <a:ext uri="{91240B29-F687-4f45-9708-019B960494DF}">
-                <a14:hiddenLine xmlns="" xmlns:a16="http://schemas.microsoft.com/office/drawing/2014/main" xmlns:a14="http://schemas.microsoft.com/office/drawing/2010/main" xmlns:p14="http://schemas.microsoft.com/office/powerpoint/2010/main" w="9525">
+                <a14:hiddenLine xmlns:p14="http://schemas.microsoft.com/office/powerpoint/2010/main" xmlns:a14="http://schemas.microsoft.com/office/drawing/2010/main" xmlns:a16="http://schemas.microsoft.com/office/drawing/2014/main" xmlns="" w="9525">
                   <a:solidFill>
                     <a:srgbClr val="000000"/>
                   </a:solidFill>
@@ -37174,7 +37214,7 @@
                   <a16:creationId xmlns:a16="http://schemas.microsoft.com/office/drawing/2014/main" id="{A20F10A4-A054-4A68-BFD1-F2FB28B86BE1}"/>
                 </a:ext>
                 <a:ext uri="{C183D7F6-B498-43B3-948B-1728B52AA6E4}">
-                  <adec:decorative xmlns:adec="http://schemas.microsoft.com/office/drawing/2017/decorative" val="1"/>
+                  <adec:decorative xmlns:adec="http://schemas.microsoft.com/office/drawing/2017/decorative" xmlns="" val="1"/>
                 </a:ext>
               </a:extLst>
             </p:cNvPr>
@@ -37231,7 +37271,7 @@
             </a:ln>
             <a:extLst>
               <a:ext uri="{91240B29-F687-4f45-9708-019B960494DF}">
-                <a14:hiddenLine xmlns="" xmlns:a16="http://schemas.microsoft.com/office/drawing/2014/main" xmlns:a14="http://schemas.microsoft.com/office/drawing/2010/main" xmlns:p14="http://schemas.microsoft.com/office/powerpoint/2010/main" w="9525">
+                <a14:hiddenLine xmlns:p14="http://schemas.microsoft.com/office/powerpoint/2010/main" xmlns:a14="http://schemas.microsoft.com/office/drawing/2010/main" xmlns:a16="http://schemas.microsoft.com/office/drawing/2014/main" xmlns="" w="9525">
                   <a:solidFill>
                     <a:srgbClr val="000000"/>
                   </a:solidFill>
@@ -37251,7 +37291,7 @@
                   <a16:creationId xmlns:a16="http://schemas.microsoft.com/office/drawing/2014/main" id="{48DCF062-2278-4653-9461-CA2153710205}"/>
                 </a:ext>
                 <a:ext uri="{C183D7F6-B498-43B3-948B-1728B52AA6E4}">
-                  <adec:decorative xmlns:adec="http://schemas.microsoft.com/office/drawing/2017/decorative" val="1"/>
+                  <adec:decorative xmlns:adec="http://schemas.microsoft.com/office/drawing/2017/decorative" xmlns="" val="1"/>
                 </a:ext>
               </a:extLst>
             </p:cNvPr>
@@ -37336,7 +37376,7 @@
             </a:ln>
             <a:extLst>
               <a:ext uri="{91240B29-F687-4f45-9708-019B960494DF}">
-                <a14:hiddenLine xmlns="" xmlns:a16="http://schemas.microsoft.com/office/drawing/2014/main" xmlns:a14="http://schemas.microsoft.com/office/drawing/2010/main" xmlns:p14="http://schemas.microsoft.com/office/powerpoint/2010/main" w="9525">
+                <a14:hiddenLine xmlns:p14="http://schemas.microsoft.com/office/powerpoint/2010/main" xmlns:a14="http://schemas.microsoft.com/office/drawing/2010/main" xmlns:a16="http://schemas.microsoft.com/office/drawing/2014/main" xmlns="" w="9525">
                   <a:solidFill>
                     <a:srgbClr val="000000"/>
                   </a:solidFill>
@@ -37356,7 +37396,7 @@
                   <a16:creationId xmlns:a16="http://schemas.microsoft.com/office/drawing/2014/main" id="{F6632E64-9102-425C-B537-96DF39027526}"/>
                 </a:ext>
                 <a:ext uri="{C183D7F6-B498-43B3-948B-1728B52AA6E4}">
-                  <adec:decorative xmlns:adec="http://schemas.microsoft.com/office/drawing/2017/decorative" val="1"/>
+                  <adec:decorative xmlns:adec="http://schemas.microsoft.com/office/drawing/2017/decorative" xmlns="" val="1"/>
                 </a:ext>
               </a:extLst>
             </p:cNvPr>
@@ -37441,7 +37481,7 @@
             </a:ln>
             <a:extLst>
               <a:ext uri="{91240B29-F687-4f45-9708-019B960494DF}">
-                <a14:hiddenLine xmlns="" xmlns:a16="http://schemas.microsoft.com/office/drawing/2014/main" xmlns:a14="http://schemas.microsoft.com/office/drawing/2010/main" xmlns:p14="http://schemas.microsoft.com/office/powerpoint/2010/main" w="9525">
+                <a14:hiddenLine xmlns:p14="http://schemas.microsoft.com/office/powerpoint/2010/main" xmlns:a14="http://schemas.microsoft.com/office/drawing/2010/main" xmlns:a16="http://schemas.microsoft.com/office/drawing/2014/main" xmlns="" w="9525">
                   <a:solidFill>
                     <a:srgbClr val="000000"/>
                   </a:solidFill>
@@ -37461,7 +37501,7 @@
                   <a16:creationId xmlns:a16="http://schemas.microsoft.com/office/drawing/2014/main" id="{264CEB62-8728-4027-8478-036D0529DF35}"/>
                 </a:ext>
                 <a:ext uri="{C183D7F6-B498-43B3-948B-1728B52AA6E4}">
-                  <adec:decorative xmlns:adec="http://schemas.microsoft.com/office/drawing/2017/decorative" val="1"/>
+                  <adec:decorative xmlns:adec="http://schemas.microsoft.com/office/drawing/2017/decorative" xmlns="" val="1"/>
                 </a:ext>
               </a:extLst>
             </p:cNvPr>
@@ -37521,7 +37561,7 @@
             </a:ln>
             <a:extLst>
               <a:ext uri="{91240B29-F687-4f45-9708-019B960494DF}">
-                <a14:hiddenLine xmlns="" xmlns:a16="http://schemas.microsoft.com/office/drawing/2014/main" xmlns:a14="http://schemas.microsoft.com/office/drawing/2010/main" xmlns:p14="http://schemas.microsoft.com/office/powerpoint/2010/main" w="9525">
+                <a14:hiddenLine xmlns:p14="http://schemas.microsoft.com/office/powerpoint/2010/main" xmlns:a14="http://schemas.microsoft.com/office/drawing/2010/main" xmlns:a16="http://schemas.microsoft.com/office/drawing/2014/main" xmlns="" w="9525">
                   <a:solidFill>
                     <a:srgbClr val="000000"/>
                   </a:solidFill>
@@ -37541,7 +37581,7 @@
                   <a16:creationId xmlns:a16="http://schemas.microsoft.com/office/drawing/2014/main" id="{61F43665-192D-4262-8159-1E31819CFC70}"/>
                 </a:ext>
                 <a:ext uri="{C183D7F6-B498-43B3-948B-1728B52AA6E4}">
-                  <adec:decorative xmlns:adec="http://schemas.microsoft.com/office/drawing/2017/decorative" val="1"/>
+                  <adec:decorative xmlns:adec="http://schemas.microsoft.com/office/drawing/2017/decorative" xmlns="" val="1"/>
                 </a:ext>
               </a:extLst>
             </p:cNvPr>
@@ -37598,7 +37638,7 @@
             </a:ln>
             <a:extLst>
               <a:ext uri="{91240B29-F687-4f45-9708-019B960494DF}">
-                <a14:hiddenLine xmlns="" xmlns:a16="http://schemas.microsoft.com/office/drawing/2014/main" xmlns:a14="http://schemas.microsoft.com/office/drawing/2010/main" xmlns:p14="http://schemas.microsoft.com/office/powerpoint/2010/main" w="9525">
+                <a14:hiddenLine xmlns:p14="http://schemas.microsoft.com/office/powerpoint/2010/main" xmlns:a14="http://schemas.microsoft.com/office/drawing/2010/main" xmlns:a16="http://schemas.microsoft.com/office/drawing/2014/main" xmlns="" w="9525">
                   <a:solidFill>
                     <a:srgbClr val="000000"/>
                   </a:solidFill>
@@ -37618,7 +37658,7 @@
                   <a16:creationId xmlns:a16="http://schemas.microsoft.com/office/drawing/2014/main" id="{02ECEA15-55AF-4923-B9D4-FD5C31C3EFFB}"/>
                 </a:ext>
                 <a:ext uri="{C183D7F6-B498-43B3-948B-1728B52AA6E4}">
-                  <adec:decorative xmlns:adec="http://schemas.microsoft.com/office/drawing/2017/decorative" val="1"/>
+                  <adec:decorative xmlns:adec="http://schemas.microsoft.com/office/drawing/2017/decorative" xmlns="" val="1"/>
                 </a:ext>
               </a:extLst>
             </p:cNvPr>
@@ -37703,7 +37743,7 @@
             </a:ln>
             <a:extLst>
               <a:ext uri="{91240B29-F687-4f45-9708-019B960494DF}">
-                <a14:hiddenLine xmlns="" xmlns:a16="http://schemas.microsoft.com/office/drawing/2014/main" xmlns:a14="http://schemas.microsoft.com/office/drawing/2010/main" xmlns:p14="http://schemas.microsoft.com/office/powerpoint/2010/main" w="9525">
+                <a14:hiddenLine xmlns:p14="http://schemas.microsoft.com/office/powerpoint/2010/main" xmlns:a14="http://schemas.microsoft.com/office/drawing/2010/main" xmlns:a16="http://schemas.microsoft.com/office/drawing/2014/main" xmlns="" w="9525">
                   <a:solidFill>
                     <a:srgbClr val="000000"/>
                   </a:solidFill>
@@ -37723,7 +37763,7 @@
                   <a16:creationId xmlns:a16="http://schemas.microsoft.com/office/drawing/2014/main" id="{DCD329AF-25D7-493E-8D67-A0732671318D}"/>
                 </a:ext>
                 <a:ext uri="{C183D7F6-B498-43B3-948B-1728B52AA6E4}">
-                  <adec:decorative xmlns:adec="http://schemas.microsoft.com/office/drawing/2017/decorative" val="1"/>
+                  <adec:decorative xmlns:adec="http://schemas.microsoft.com/office/drawing/2017/decorative" xmlns="" val="1"/>
                 </a:ext>
               </a:extLst>
             </p:cNvPr>
@@ -37808,7 +37848,7 @@
             </a:ln>
             <a:extLst>
               <a:ext uri="{91240B29-F687-4f45-9708-019B960494DF}">
-                <a14:hiddenLine xmlns="" xmlns:a16="http://schemas.microsoft.com/office/drawing/2014/main" xmlns:a14="http://schemas.microsoft.com/office/drawing/2010/main" xmlns:p14="http://schemas.microsoft.com/office/powerpoint/2010/main" w="9525">
+                <a14:hiddenLine xmlns:p14="http://schemas.microsoft.com/office/powerpoint/2010/main" xmlns:a14="http://schemas.microsoft.com/office/drawing/2010/main" xmlns:a16="http://schemas.microsoft.com/office/drawing/2014/main" xmlns="" w="9525">
                   <a:solidFill>
                     <a:srgbClr val="000000"/>
                   </a:solidFill>
@@ -37828,7 +37868,7 @@
                   <a16:creationId xmlns:a16="http://schemas.microsoft.com/office/drawing/2014/main" id="{A7DA766F-2273-4AFD-BF7F-06EB3814C821}"/>
                 </a:ext>
                 <a:ext uri="{C183D7F6-B498-43B3-948B-1728B52AA6E4}">
-                  <adec:decorative xmlns:adec="http://schemas.microsoft.com/office/drawing/2017/decorative" val="1"/>
+                  <adec:decorative xmlns:adec="http://schemas.microsoft.com/office/drawing/2017/decorative" xmlns="" val="1"/>
                 </a:ext>
               </a:extLst>
             </p:cNvPr>
@@ -37885,7 +37925,7 @@
             </a:ln>
             <a:extLst>
               <a:ext uri="{91240B29-F687-4f45-9708-019B960494DF}">
-                <a14:hiddenLine xmlns="" xmlns:a16="http://schemas.microsoft.com/office/drawing/2014/main" xmlns:a14="http://schemas.microsoft.com/office/drawing/2010/main" xmlns:p14="http://schemas.microsoft.com/office/powerpoint/2010/main" w="9525">
+                <a14:hiddenLine xmlns:p14="http://schemas.microsoft.com/office/powerpoint/2010/main" xmlns:a14="http://schemas.microsoft.com/office/drawing/2010/main" xmlns:a16="http://schemas.microsoft.com/office/drawing/2014/main" xmlns="" w="9525">
                   <a:solidFill>
                     <a:srgbClr val="000000"/>
                   </a:solidFill>
@@ -37905,7 +37945,7 @@
                   <a16:creationId xmlns:a16="http://schemas.microsoft.com/office/drawing/2014/main" id="{9F17779A-AF9E-4C89-9138-937E81F94FCD}"/>
                 </a:ext>
                 <a:ext uri="{C183D7F6-B498-43B3-948B-1728B52AA6E4}">
-                  <adec:decorative xmlns:adec="http://schemas.microsoft.com/office/drawing/2017/decorative" val="1"/>
+                  <adec:decorative xmlns:adec="http://schemas.microsoft.com/office/drawing/2017/decorative" xmlns="" val="1"/>
                 </a:ext>
               </a:extLst>
             </p:cNvPr>
@@ -38020,7 +38060,7 @@
             </a:ln>
             <a:extLst>
               <a:ext uri="{91240B29-F687-4f45-9708-019B960494DF}">
-                <a14:hiddenLine xmlns="" xmlns:a16="http://schemas.microsoft.com/office/drawing/2014/main" xmlns:a14="http://schemas.microsoft.com/office/drawing/2010/main" xmlns:p14="http://schemas.microsoft.com/office/powerpoint/2010/main" w="9525">
+                <a14:hiddenLine xmlns:p14="http://schemas.microsoft.com/office/powerpoint/2010/main" xmlns:a14="http://schemas.microsoft.com/office/drawing/2010/main" xmlns:a16="http://schemas.microsoft.com/office/drawing/2014/main" xmlns="" w="9525">
                   <a:solidFill>
                     <a:srgbClr val="000000"/>
                   </a:solidFill>
@@ -38040,7 +38080,7 @@
                   <a16:creationId xmlns:a16="http://schemas.microsoft.com/office/drawing/2014/main" id="{DA68E6FB-9F23-463E-83E2-8B56685D0903}"/>
                 </a:ext>
                 <a:ext uri="{C183D7F6-B498-43B3-948B-1728B52AA6E4}">
-                  <adec:decorative xmlns:adec="http://schemas.microsoft.com/office/drawing/2017/decorative" val="1"/>
+                  <adec:decorative xmlns:adec="http://schemas.microsoft.com/office/drawing/2017/decorative" xmlns="" val="1"/>
                 </a:ext>
               </a:extLst>
             </p:cNvPr>
@@ -38103,7 +38143,7 @@
             </a:ln>
             <a:extLst>
               <a:ext uri="{91240B29-F687-4f45-9708-019B960494DF}">
-                <a14:hiddenLine xmlns="" xmlns:a16="http://schemas.microsoft.com/office/drawing/2014/main" xmlns:a14="http://schemas.microsoft.com/office/drawing/2010/main" xmlns:p14="http://schemas.microsoft.com/office/powerpoint/2010/main" w="9525">
+                <a14:hiddenLine xmlns:p14="http://schemas.microsoft.com/office/powerpoint/2010/main" xmlns:a14="http://schemas.microsoft.com/office/drawing/2010/main" xmlns:a16="http://schemas.microsoft.com/office/drawing/2014/main" xmlns="" w="9525">
                   <a:solidFill>
                     <a:srgbClr val="000000"/>
                   </a:solidFill>
@@ -38123,7 +38163,7 @@
                   <a16:creationId xmlns:a16="http://schemas.microsoft.com/office/drawing/2014/main" id="{DFBC35F5-3359-42CB-BEA7-882EDCBF16B6}"/>
                 </a:ext>
                 <a:ext uri="{C183D7F6-B498-43B3-948B-1728B52AA6E4}">
-                  <adec:decorative xmlns:adec="http://schemas.microsoft.com/office/drawing/2017/decorative" val="1"/>
+                  <adec:decorative xmlns:adec="http://schemas.microsoft.com/office/drawing/2017/decorative" xmlns="" val="1"/>
                 </a:ext>
               </a:extLst>
             </p:cNvPr>
@@ -38208,7 +38248,7 @@
             </a:ln>
             <a:extLst>
               <a:ext uri="{91240B29-F687-4f45-9708-019B960494DF}">
-                <a14:hiddenLine xmlns="" xmlns:a16="http://schemas.microsoft.com/office/drawing/2014/main" xmlns:a14="http://schemas.microsoft.com/office/drawing/2010/main" xmlns:p14="http://schemas.microsoft.com/office/powerpoint/2010/main" w="9525">
+                <a14:hiddenLine xmlns:p14="http://schemas.microsoft.com/office/powerpoint/2010/main" xmlns:a14="http://schemas.microsoft.com/office/drawing/2010/main" xmlns:a16="http://schemas.microsoft.com/office/drawing/2014/main" xmlns="" w="9525">
                   <a:solidFill>
                     <a:srgbClr val="000000"/>
                   </a:solidFill>
@@ -38233,8 +38273,8 @@
         </p:nvSpPr>
         <p:spPr>
           <a:xfrm>
-            <a:off x="7962519" y="2249487"/>
-            <a:ext cx="3084892" cy="3541714"/>
+            <a:off x="7667245" y="1791152"/>
+            <a:ext cx="4288194" cy="4649336"/>
           </a:xfrm>
         </p:spPr>
         <p:txBody>
@@ -38250,17 +38290,30 @@
             </a:pPr>
             <a:r>
               <a:rPr lang="en-AU" sz="1100" dirty="0"/>
-              <a:t> In conclusion, this project showcased the importance of exploratory data analysis and visualization in image classification tasks. By </a:t>
+              <a:t> </a:t>
             </a:r>
             <a:r>
-              <a:rPr lang="en-AU" sz="1100" dirty="0" err="1"/>
+              <a:rPr lang="en-AU" sz="1800" dirty="0"/>
+              <a:t>In conclusion, this project showcased the importance of exploratory data analysis and visualization in image classification tasks. By </a:t>
+            </a:r>
+            <a:r>
+              <a:rPr lang="en-AU" sz="1800" dirty="0" err="1"/>
               <a:t>analyzing</a:t>
             </a:r>
             <a:r>
-              <a:rPr lang="en-AU" sz="1100" dirty="0"/>
+              <a:rPr lang="en-AU" sz="1800" dirty="0"/>
               <a:t> and visualizing the image intensities and their distributions, we gained valuable insights into the characteristics of the images in each class. These insights can aid in feature selection, model training, and improving the overall classification accuracy. EDA and visualization serve as crucial steps in understanding the data and making informed decisions throughout the image classification process.</a:t>
             </a:r>
-            <a:endParaRPr lang="en-IN" sz="1100" dirty="0"/>
+            <a:endParaRPr lang="en-IN" sz="1800" dirty="0"/>
+          </a:p>
+          <a:p>
+            <a:pPr marL="0" indent="0">
+              <a:lnSpc>
+                <a:spcPct val="110000"/>
+              </a:lnSpc>
+              <a:buNone/>
+            </a:pPr>
+            <a:endParaRPr lang="en-IN" sz="1800" dirty="0"/>
           </a:p>
           <a:p>
             <a:pPr>
@@ -38268,19 +38321,7 @@
                 <a:spcPct val="110000"/>
               </a:lnSpc>
             </a:pPr>
-            <a:r>
-              <a:rPr lang="en-AU" sz="1100" dirty="0"/>
-              <a:t> </a:t>
-            </a:r>
-            <a:endParaRPr lang="en-IN" sz="1100" dirty="0"/>
-          </a:p>
-          <a:p>
-            <a:pPr>
-              <a:lnSpc>
-                <a:spcPct val="110000"/>
-              </a:lnSpc>
-            </a:pPr>
-            <a:endParaRPr lang="en-IN" sz="1100" dirty="0"/>
+            <a:endParaRPr lang="en-IN" sz="1800" dirty="0"/>
           </a:p>
         </p:txBody>
       </p:sp>
@@ -38346,7 +38387,7 @@
                 <a16:creationId xmlns:a16="http://schemas.microsoft.com/office/drawing/2014/main" id="{36511218-B9AA-4B98-BC1D-CCC9BB28AB0C}"/>
               </a:ext>
               <a:ext uri="{C183D7F6-B498-43B3-948B-1728B52AA6E4}">
-                <adec:decorative xmlns:adec="http://schemas.microsoft.com/office/drawing/2017/decorative" val="1"/>
+                <adec:decorative xmlns:adec="http://schemas.microsoft.com/office/drawing/2017/decorative" xmlns="" val="1"/>
               </a:ext>
             </a:extLst>
           </p:cNvPr>
@@ -38377,7 +38418,7 @@
                   <a16:creationId xmlns:a16="http://schemas.microsoft.com/office/drawing/2014/main" id="{4091B7F8-4439-4ACD-B578-E523334B9214}"/>
                 </a:ext>
                 <a:ext uri="{C183D7F6-B498-43B3-948B-1728B52AA6E4}">
-                  <adec:decorative xmlns:adec="http://schemas.microsoft.com/office/drawing/2017/decorative" val="1"/>
+                  <adec:decorative xmlns:adec="http://schemas.microsoft.com/office/drawing/2017/decorative" xmlns="" val="1"/>
                 </a:ext>
               </a:extLst>
             </p:cNvPr>
@@ -38435,7 +38476,7 @@
                   <a16:creationId xmlns:a16="http://schemas.microsoft.com/office/drawing/2014/main" id="{18EF6BE6-0FCE-475D-BAB2-683B36D578B8}"/>
                 </a:ext>
                 <a:ext uri="{C183D7F6-B498-43B3-948B-1728B52AA6E4}">
-                  <adec:decorative xmlns:adec="http://schemas.microsoft.com/office/drawing/2017/decorative" val="1"/>
+                  <adec:decorative xmlns:adec="http://schemas.microsoft.com/office/drawing/2017/decorative" xmlns="" val="1"/>
                 </a:ext>
               </a:extLst>
             </p:cNvPr>
@@ -38482,7 +38523,7 @@
             <a:noFill/>
             <a:extLst>
               <a:ext uri="{909E8E84-426E-40dd-AFC4-6F175D3DCCD1}">
-                <a14:hiddenFill xmlns="" xmlns:a16="http://schemas.microsoft.com/office/drawing/2014/main" xmlns:a14="http://schemas.microsoft.com/office/drawing/2010/main" xmlns:p14="http://schemas.microsoft.com/office/powerpoint/2010/main">
+                <a14:hiddenFill xmlns:p14="http://schemas.microsoft.com/office/powerpoint/2010/main" xmlns:a14="http://schemas.microsoft.com/office/drawing/2010/main" xmlns:a16="http://schemas.microsoft.com/office/drawing/2014/main" xmlns="">
                   <a:solidFill>
                     <a:srgbClr val="FFFFFF"/>
                   </a:solidFill>
@@ -38515,13 +38556,17 @@
           <a:lstStyle/>
           <a:p>
             <a:r>
-              <a:rPr lang="en-AU" sz="3300" b="1"/>
+              <a:rPr lang="en-AU" sz="3300" b="1" u="sng" dirty="0"/>
               <a:t>Questions and Discussion</a:t>
             </a:r>
+            <a:r>
+              <a:rPr lang="en-IN" sz="3300" u="sng" dirty="0"/>
+              <a:t/>
+            </a:r>
             <a:br>
-              <a:rPr lang="en-IN" sz="3300"/>
+              <a:rPr lang="en-IN" sz="3300" u="sng" dirty="0"/>
             </a:br>
-            <a:endParaRPr lang="en-IN" sz="3300"/>
+            <a:endParaRPr lang="en-IN" sz="3300" u="sng" dirty="0"/>
           </a:p>
         </p:txBody>
       </p:sp>
@@ -38562,7 +38607,7 @@
                 <a16:creationId xmlns:a16="http://schemas.microsoft.com/office/drawing/2014/main" id="{5815A4C8-B67A-417B-881F-B10F77541954}"/>
               </a:ext>
               <a:ext uri="{C183D7F6-B498-43B3-948B-1728B52AA6E4}">
-                <adec:decorative xmlns:adec="http://schemas.microsoft.com/office/drawing/2017/decorative" val="1"/>
+                <adec:decorative xmlns:adec="http://schemas.microsoft.com/office/drawing/2017/decorative" xmlns="" val="1"/>
               </a:ext>
             </a:extLst>
           </p:cNvPr>
@@ -38599,7 +38644,7 @@
                   <a16:creationId xmlns:a16="http://schemas.microsoft.com/office/drawing/2014/main" id="{E908880B-41F4-47DC-A5D9-CC6110F11D12}"/>
                 </a:ext>
                 <a:ext uri="{C183D7F6-B498-43B3-948B-1728B52AA6E4}">
-                  <adec:decorative xmlns:adec="http://schemas.microsoft.com/office/drawing/2017/decorative" val="1"/>
+                  <adec:decorative xmlns:adec="http://schemas.microsoft.com/office/drawing/2017/decorative" xmlns="" val="1"/>
                 </a:ext>
               </a:extLst>
             </p:cNvPr>
@@ -38628,7 +38673,7 @@
             </a:ln>
             <a:extLst>
               <a:ext uri="{91240B29-F687-4f45-9708-019B960494DF}">
-                <a14:hiddenLine xmlns="" xmlns:a16="http://schemas.microsoft.com/office/drawing/2014/main" xmlns:a14="http://schemas.microsoft.com/office/drawing/2010/main" xmlns:p14="http://schemas.microsoft.com/office/powerpoint/2010/main" w="9525">
+                <a14:hiddenLine xmlns:p14="http://schemas.microsoft.com/office/powerpoint/2010/main" xmlns:a14="http://schemas.microsoft.com/office/drawing/2010/main" xmlns:a16="http://schemas.microsoft.com/office/drawing/2014/main" xmlns="" w="9525">
                   <a:solidFill>
                     <a:srgbClr val="000000"/>
                   </a:solidFill>
@@ -38648,7 +38693,7 @@
                   <a16:creationId xmlns:a16="http://schemas.microsoft.com/office/drawing/2014/main" id="{63AF45E0-DAB3-4BF0-B6F4-DD30CA25E619}"/>
                 </a:ext>
                 <a:ext uri="{C183D7F6-B498-43B3-948B-1728B52AA6E4}">
-                  <adec:decorative xmlns:adec="http://schemas.microsoft.com/office/drawing/2017/decorative" val="1"/>
+                  <adec:decorative xmlns:adec="http://schemas.microsoft.com/office/drawing/2017/decorative" xmlns="" val="1"/>
                 </a:ext>
               </a:extLst>
             </p:cNvPr>
@@ -38733,7 +38778,7 @@
             </a:ln>
             <a:extLst>
               <a:ext uri="{91240B29-F687-4f45-9708-019B960494DF}">
-                <a14:hiddenLine xmlns="" xmlns:a16="http://schemas.microsoft.com/office/drawing/2014/main" xmlns:a14="http://schemas.microsoft.com/office/drawing/2010/main" xmlns:p14="http://schemas.microsoft.com/office/powerpoint/2010/main" w="9525">
+                <a14:hiddenLine xmlns:p14="http://schemas.microsoft.com/office/powerpoint/2010/main" xmlns:a14="http://schemas.microsoft.com/office/drawing/2010/main" xmlns:a16="http://schemas.microsoft.com/office/drawing/2014/main" xmlns="" w="9525">
                   <a:solidFill>
                     <a:srgbClr val="000000"/>
                   </a:solidFill>
@@ -38753,7 +38798,7 @@
                   <a16:creationId xmlns:a16="http://schemas.microsoft.com/office/drawing/2014/main" id="{AD76E2E6-F745-4365-9908-0B9E1A5E0A61}"/>
                 </a:ext>
                 <a:ext uri="{C183D7F6-B498-43B3-948B-1728B52AA6E4}">
-                  <adec:decorative xmlns:adec="http://schemas.microsoft.com/office/drawing/2017/decorative" val="1"/>
+                  <adec:decorative xmlns:adec="http://schemas.microsoft.com/office/drawing/2017/decorative" xmlns="" val="1"/>
                 </a:ext>
               </a:extLst>
             </p:cNvPr>
@@ -38838,7 +38883,7 @@
             </a:ln>
             <a:extLst>
               <a:ext uri="{91240B29-F687-4f45-9708-019B960494DF}">
-                <a14:hiddenLine xmlns="" xmlns:a16="http://schemas.microsoft.com/office/drawing/2014/main" xmlns:a14="http://schemas.microsoft.com/office/drawing/2010/main" xmlns:p14="http://schemas.microsoft.com/office/powerpoint/2010/main" w="9525">
+                <a14:hiddenLine xmlns:p14="http://schemas.microsoft.com/office/powerpoint/2010/main" xmlns:a14="http://schemas.microsoft.com/office/drawing/2010/main" xmlns:a16="http://schemas.microsoft.com/office/drawing/2014/main" xmlns="" w="9525">
                   <a:solidFill>
                     <a:srgbClr val="000000"/>
                   </a:solidFill>
@@ -38858,7 +38903,7 @@
                   <a16:creationId xmlns:a16="http://schemas.microsoft.com/office/drawing/2014/main" id="{76F5917B-27A0-4E27-B437-D38E7294E978}"/>
                 </a:ext>
                 <a:ext uri="{C183D7F6-B498-43B3-948B-1728B52AA6E4}">
-                  <adec:decorative xmlns:adec="http://schemas.microsoft.com/office/drawing/2017/decorative" val="1"/>
+                  <adec:decorative xmlns:adec="http://schemas.microsoft.com/office/drawing/2017/decorative" xmlns="" val="1"/>
                 </a:ext>
               </a:extLst>
             </p:cNvPr>
@@ -38887,7 +38932,7 @@
             </a:ln>
             <a:extLst>
               <a:ext uri="{91240B29-F687-4f45-9708-019B960494DF}">
-                <a14:hiddenLine xmlns="" xmlns:a16="http://schemas.microsoft.com/office/drawing/2014/main" xmlns:a14="http://schemas.microsoft.com/office/drawing/2010/main" xmlns:p14="http://schemas.microsoft.com/office/powerpoint/2010/main" w="9525">
+                <a14:hiddenLine xmlns:p14="http://schemas.microsoft.com/office/powerpoint/2010/main" xmlns:a14="http://schemas.microsoft.com/office/drawing/2010/main" xmlns:a16="http://schemas.microsoft.com/office/drawing/2014/main" xmlns="" w="9525">
                   <a:solidFill>
                     <a:srgbClr val="000000"/>
                   </a:solidFill>
@@ -38907,7 +38952,7 @@
                   <a16:creationId xmlns:a16="http://schemas.microsoft.com/office/drawing/2014/main" id="{6DB713C1-FF7B-4575-8117-022C649B6A31}"/>
                 </a:ext>
                 <a:ext uri="{C183D7F6-B498-43B3-948B-1728B52AA6E4}">
-                  <adec:decorative xmlns:adec="http://schemas.microsoft.com/office/drawing/2017/decorative" val="1"/>
+                  <adec:decorative xmlns:adec="http://schemas.microsoft.com/office/drawing/2017/decorative" xmlns="" val="1"/>
                 </a:ext>
               </a:extLst>
             </p:cNvPr>
@@ -38992,7 +39037,7 @@
             </a:ln>
             <a:extLst>
               <a:ext uri="{91240B29-F687-4f45-9708-019B960494DF}">
-                <a14:hiddenLine xmlns="" xmlns:a16="http://schemas.microsoft.com/office/drawing/2014/main" xmlns:a14="http://schemas.microsoft.com/office/drawing/2010/main" xmlns:p14="http://schemas.microsoft.com/office/powerpoint/2010/main" w="9525">
+                <a14:hiddenLine xmlns:p14="http://schemas.microsoft.com/office/powerpoint/2010/main" xmlns:a14="http://schemas.microsoft.com/office/drawing/2010/main" xmlns:a16="http://schemas.microsoft.com/office/drawing/2014/main" xmlns="" w="9525">
                   <a:solidFill>
                     <a:srgbClr val="000000"/>
                   </a:solidFill>
@@ -39012,7 +39057,7 @@
                   <a16:creationId xmlns:a16="http://schemas.microsoft.com/office/drawing/2014/main" id="{BB7E4ACC-44D9-4792-9E29-712DDBD005DA}"/>
                 </a:ext>
                 <a:ext uri="{C183D7F6-B498-43B3-948B-1728B52AA6E4}">
-                  <adec:decorative xmlns:adec="http://schemas.microsoft.com/office/drawing/2017/decorative" val="1"/>
+                  <adec:decorative xmlns:adec="http://schemas.microsoft.com/office/drawing/2017/decorative" xmlns="" val="1"/>
                 </a:ext>
               </a:extLst>
             </p:cNvPr>
@@ -39069,7 +39114,7 @@
             </a:ln>
             <a:extLst>
               <a:ext uri="{91240B29-F687-4f45-9708-019B960494DF}">
-                <a14:hiddenLine xmlns="" xmlns:a16="http://schemas.microsoft.com/office/drawing/2014/main" xmlns:a14="http://schemas.microsoft.com/office/drawing/2010/main" xmlns:p14="http://schemas.microsoft.com/office/powerpoint/2010/main" w="9525">
+                <a14:hiddenLine xmlns:p14="http://schemas.microsoft.com/office/powerpoint/2010/main" xmlns:a14="http://schemas.microsoft.com/office/drawing/2010/main" xmlns:a16="http://schemas.microsoft.com/office/drawing/2014/main" xmlns="" w="9525">
                   <a:solidFill>
                     <a:srgbClr val="000000"/>
                   </a:solidFill>
@@ -39089,7 +39134,7 @@
                   <a16:creationId xmlns:a16="http://schemas.microsoft.com/office/drawing/2014/main" id="{0A3FC698-6397-4AAD-BFE7-5436973BD9BC}"/>
                 </a:ext>
                 <a:ext uri="{C183D7F6-B498-43B3-948B-1728B52AA6E4}">
-                  <adec:decorative xmlns:adec="http://schemas.microsoft.com/office/drawing/2017/decorative" val="1"/>
+                  <adec:decorative xmlns:adec="http://schemas.microsoft.com/office/drawing/2017/decorative" xmlns="" val="1"/>
                 </a:ext>
               </a:extLst>
             </p:cNvPr>
@@ -39146,7 +39191,7 @@
             </a:ln>
             <a:extLst>
               <a:ext uri="{91240B29-F687-4f45-9708-019B960494DF}">
-                <a14:hiddenLine xmlns="" xmlns:a16="http://schemas.microsoft.com/office/drawing/2014/main" xmlns:a14="http://schemas.microsoft.com/office/drawing/2010/main" xmlns:p14="http://schemas.microsoft.com/office/powerpoint/2010/main" w="9525">
+                <a14:hiddenLine xmlns:p14="http://schemas.microsoft.com/office/powerpoint/2010/main" xmlns:a14="http://schemas.microsoft.com/office/drawing/2010/main" xmlns:a16="http://schemas.microsoft.com/office/drawing/2014/main" xmlns="" w="9525">
                   <a:solidFill>
                     <a:srgbClr val="000000"/>
                   </a:solidFill>
@@ -39166,7 +39211,7 @@
                   <a16:creationId xmlns:a16="http://schemas.microsoft.com/office/drawing/2014/main" id="{01236AB7-797D-4790-AADE-7C43A7DD9E62}"/>
                 </a:ext>
                 <a:ext uri="{C183D7F6-B498-43B3-948B-1728B52AA6E4}">
-                  <adec:decorative xmlns:adec="http://schemas.microsoft.com/office/drawing/2017/decorative" val="1"/>
+                  <adec:decorative xmlns:adec="http://schemas.microsoft.com/office/drawing/2017/decorative" xmlns="" val="1"/>
                 </a:ext>
               </a:extLst>
             </p:cNvPr>
@@ -39251,7 +39296,7 @@
             </a:ln>
             <a:extLst>
               <a:ext uri="{91240B29-F687-4f45-9708-019B960494DF}">
-                <a14:hiddenLine xmlns="" xmlns:a16="http://schemas.microsoft.com/office/drawing/2014/main" xmlns:a14="http://schemas.microsoft.com/office/drawing/2010/main" xmlns:p14="http://schemas.microsoft.com/office/powerpoint/2010/main" w="9525">
+                <a14:hiddenLine xmlns:p14="http://schemas.microsoft.com/office/powerpoint/2010/main" xmlns:a14="http://schemas.microsoft.com/office/drawing/2010/main" xmlns:a16="http://schemas.microsoft.com/office/drawing/2014/main" xmlns="" w="9525">
                   <a:solidFill>
                     <a:srgbClr val="000000"/>
                   </a:solidFill>
@@ -39271,7 +39316,7 @@
                   <a16:creationId xmlns:a16="http://schemas.microsoft.com/office/drawing/2014/main" id="{E089A1E5-35CB-4B0E-89EE-FB2AB368F99B}"/>
                 </a:ext>
                 <a:ext uri="{C183D7F6-B498-43B3-948B-1728B52AA6E4}">
-                  <adec:decorative xmlns:adec="http://schemas.microsoft.com/office/drawing/2017/decorative" val="1"/>
+                  <adec:decorative xmlns:adec="http://schemas.microsoft.com/office/drawing/2017/decorative" xmlns="" val="1"/>
                 </a:ext>
               </a:extLst>
             </p:cNvPr>
@@ -39328,7 +39373,7 @@
             </a:ln>
             <a:extLst>
               <a:ext uri="{91240B29-F687-4f45-9708-019B960494DF}">
-                <a14:hiddenLine xmlns="" xmlns:a16="http://schemas.microsoft.com/office/drawing/2014/main" xmlns:a14="http://schemas.microsoft.com/office/drawing/2010/main" xmlns:p14="http://schemas.microsoft.com/office/powerpoint/2010/main" w="9525">
+                <a14:hiddenLine xmlns:p14="http://schemas.microsoft.com/office/powerpoint/2010/main" xmlns:a14="http://schemas.microsoft.com/office/drawing/2010/main" xmlns:a16="http://schemas.microsoft.com/office/drawing/2014/main" xmlns="" w="9525">
                   <a:solidFill>
                     <a:srgbClr val="000000"/>
                   </a:solidFill>
@@ -39348,7 +39393,7 @@
                   <a16:creationId xmlns:a16="http://schemas.microsoft.com/office/drawing/2014/main" id="{E1B3676D-5E71-4B0E-9A27-97E7B016E7E4}"/>
                 </a:ext>
                 <a:ext uri="{C183D7F6-B498-43B3-948B-1728B52AA6E4}">
-                  <adec:decorative xmlns:adec="http://schemas.microsoft.com/office/drawing/2017/decorative" val="1"/>
+                  <adec:decorative xmlns:adec="http://schemas.microsoft.com/office/drawing/2017/decorative" xmlns="" val="1"/>
                 </a:ext>
               </a:extLst>
             </p:cNvPr>
@@ -39405,7 +39450,7 @@
             </a:ln>
             <a:extLst>
               <a:ext uri="{91240B29-F687-4f45-9708-019B960494DF}">
-                <a14:hiddenLine xmlns="" xmlns:a16="http://schemas.microsoft.com/office/drawing/2014/main" xmlns:a14="http://schemas.microsoft.com/office/drawing/2010/main" xmlns:p14="http://schemas.microsoft.com/office/powerpoint/2010/main" w="9525">
+                <a14:hiddenLine xmlns:p14="http://schemas.microsoft.com/office/powerpoint/2010/main" xmlns:a14="http://schemas.microsoft.com/office/drawing/2010/main" xmlns:a16="http://schemas.microsoft.com/office/drawing/2014/main" xmlns="" w="9525">
                   <a:solidFill>
                     <a:srgbClr val="000000"/>
                   </a:solidFill>
@@ -39425,7 +39470,7 @@
                   <a16:creationId xmlns:a16="http://schemas.microsoft.com/office/drawing/2014/main" id="{D8D40786-1ED1-48CB-9998-047B97FE2A8F}"/>
                 </a:ext>
                 <a:ext uri="{C183D7F6-B498-43B3-948B-1728B52AA6E4}">
-                  <adec:decorative xmlns:adec="http://schemas.microsoft.com/office/drawing/2017/decorative" val="1"/>
+                  <adec:decorative xmlns:adec="http://schemas.microsoft.com/office/drawing/2017/decorative" xmlns="" val="1"/>
                 </a:ext>
               </a:extLst>
             </p:cNvPr>
@@ -39510,7 +39555,7 @@
             </a:ln>
             <a:extLst>
               <a:ext uri="{91240B29-F687-4f45-9708-019B960494DF}">
-                <a14:hiddenLine xmlns="" xmlns:a16="http://schemas.microsoft.com/office/drawing/2014/main" xmlns:a14="http://schemas.microsoft.com/office/drawing/2010/main" xmlns:p14="http://schemas.microsoft.com/office/powerpoint/2010/main" w="9525">
+                <a14:hiddenLine xmlns:p14="http://schemas.microsoft.com/office/powerpoint/2010/main" xmlns:a14="http://schemas.microsoft.com/office/drawing/2010/main" xmlns:a16="http://schemas.microsoft.com/office/drawing/2014/main" xmlns="" w="9525">
                   <a:solidFill>
                     <a:srgbClr val="000000"/>
                   </a:solidFill>
@@ -39530,7 +39575,7 @@
                   <a16:creationId xmlns:a16="http://schemas.microsoft.com/office/drawing/2014/main" id="{035C2320-C3B2-4989-A4E2-C71FA7F505D8}"/>
                 </a:ext>
                 <a:ext uri="{C183D7F6-B498-43B3-948B-1728B52AA6E4}">
-                  <adec:decorative xmlns:adec="http://schemas.microsoft.com/office/drawing/2017/decorative" val="1"/>
+                  <adec:decorative xmlns:adec="http://schemas.microsoft.com/office/drawing/2017/decorative" xmlns="" val="1"/>
                 </a:ext>
               </a:extLst>
             </p:cNvPr>
@@ -39615,7 +39660,7 @@
             </a:ln>
             <a:extLst>
               <a:ext uri="{91240B29-F687-4f45-9708-019B960494DF}">
-                <a14:hiddenLine xmlns="" xmlns:a16="http://schemas.microsoft.com/office/drawing/2014/main" xmlns:a14="http://schemas.microsoft.com/office/drawing/2010/main" xmlns:p14="http://schemas.microsoft.com/office/powerpoint/2010/main" w="9525">
+                <a14:hiddenLine xmlns:p14="http://schemas.microsoft.com/office/powerpoint/2010/main" xmlns:a14="http://schemas.microsoft.com/office/drawing/2010/main" xmlns:a16="http://schemas.microsoft.com/office/drawing/2014/main" xmlns="" w="9525">
                   <a:solidFill>
                     <a:srgbClr val="000000"/>
                   </a:solidFill>
@@ -39635,7 +39680,7 @@
                   <a16:creationId xmlns:a16="http://schemas.microsoft.com/office/drawing/2014/main" id="{CF46DEE0-1E3B-4861-841A-3DBBAF79C306}"/>
                 </a:ext>
                 <a:ext uri="{C183D7F6-B498-43B3-948B-1728B52AA6E4}">
-                  <adec:decorative xmlns:adec="http://schemas.microsoft.com/office/drawing/2017/decorative" val="1"/>
+                  <adec:decorative xmlns:adec="http://schemas.microsoft.com/office/drawing/2017/decorative" xmlns="" val="1"/>
                 </a:ext>
               </a:extLst>
             </p:cNvPr>
@@ -39692,7 +39737,7 @@
             </a:ln>
             <a:extLst>
               <a:ext uri="{91240B29-F687-4f45-9708-019B960494DF}">
-                <a14:hiddenLine xmlns="" xmlns:a16="http://schemas.microsoft.com/office/drawing/2014/main" xmlns:a14="http://schemas.microsoft.com/office/drawing/2010/main" xmlns:p14="http://schemas.microsoft.com/office/powerpoint/2010/main" w="9525">
+                <a14:hiddenLine xmlns:p14="http://schemas.microsoft.com/office/powerpoint/2010/main" xmlns:a14="http://schemas.microsoft.com/office/drawing/2010/main" xmlns:a16="http://schemas.microsoft.com/office/drawing/2014/main" xmlns="" w="9525">
                   <a:solidFill>
                     <a:srgbClr val="000000"/>
                   </a:solidFill>
@@ -39712,7 +39757,7 @@
                   <a16:creationId xmlns:a16="http://schemas.microsoft.com/office/drawing/2014/main" id="{96962E2E-BDC1-40A1-9CA9-DCD1E2F2CD04}"/>
                 </a:ext>
                 <a:ext uri="{C183D7F6-B498-43B3-948B-1728B52AA6E4}">
-                  <adec:decorative xmlns:adec="http://schemas.microsoft.com/office/drawing/2017/decorative" val="1"/>
+                  <adec:decorative xmlns:adec="http://schemas.microsoft.com/office/drawing/2017/decorative" xmlns="" val="1"/>
                 </a:ext>
               </a:extLst>
             </p:cNvPr>
@@ -39817,7 +39862,7 @@
             </a:ln>
             <a:extLst>
               <a:ext uri="{91240B29-F687-4f45-9708-019B960494DF}">
-                <a14:hiddenLine xmlns="" xmlns:a16="http://schemas.microsoft.com/office/drawing/2014/main" xmlns:a14="http://schemas.microsoft.com/office/drawing/2010/main" xmlns:p14="http://schemas.microsoft.com/office/powerpoint/2010/main" w="9525">
+                <a14:hiddenLine xmlns:p14="http://schemas.microsoft.com/office/powerpoint/2010/main" xmlns:a14="http://schemas.microsoft.com/office/drawing/2010/main" xmlns:a16="http://schemas.microsoft.com/office/drawing/2014/main" xmlns="" w="9525">
                   <a:solidFill>
                     <a:srgbClr val="000000"/>
                   </a:solidFill>
@@ -39837,7 +39882,7 @@
                   <a16:creationId xmlns:a16="http://schemas.microsoft.com/office/drawing/2014/main" id="{0AB10F96-B5B5-493C-B58A-ABAD1B5D80C7}"/>
                 </a:ext>
                 <a:ext uri="{C183D7F6-B498-43B3-948B-1728B52AA6E4}">
-                  <adec:decorative xmlns:adec="http://schemas.microsoft.com/office/drawing/2017/decorative" val="1"/>
+                  <adec:decorative xmlns:adec="http://schemas.microsoft.com/office/drawing/2017/decorative" xmlns="" val="1"/>
                 </a:ext>
               </a:extLst>
             </p:cNvPr>
@@ -39894,7 +39939,7 @@
             </a:ln>
             <a:extLst>
               <a:ext uri="{91240B29-F687-4f45-9708-019B960494DF}">
-                <a14:hiddenLine xmlns="" xmlns:a16="http://schemas.microsoft.com/office/drawing/2014/main" xmlns:a14="http://schemas.microsoft.com/office/drawing/2010/main" xmlns:p14="http://schemas.microsoft.com/office/powerpoint/2010/main" w="9525">
+                <a14:hiddenLine xmlns:p14="http://schemas.microsoft.com/office/powerpoint/2010/main" xmlns:a14="http://schemas.microsoft.com/office/drawing/2010/main" xmlns:a16="http://schemas.microsoft.com/office/drawing/2014/main" xmlns="" w="9525">
                   <a:solidFill>
                     <a:srgbClr val="000000"/>
                   </a:solidFill>
@@ -39914,7 +39959,7 @@
                   <a16:creationId xmlns:a16="http://schemas.microsoft.com/office/drawing/2014/main" id="{385FEB28-D230-4850-96D1-B84416B2E05D}"/>
                 </a:ext>
                 <a:ext uri="{C183D7F6-B498-43B3-948B-1728B52AA6E4}">
-                  <adec:decorative xmlns:adec="http://schemas.microsoft.com/office/drawing/2017/decorative" val="1"/>
+                  <adec:decorative xmlns:adec="http://schemas.microsoft.com/office/drawing/2017/decorative" xmlns="" val="1"/>
                 </a:ext>
               </a:extLst>
             </p:cNvPr>
@@ -39999,7 +40044,7 @@
             </a:ln>
             <a:extLst>
               <a:ext uri="{91240B29-F687-4f45-9708-019B960494DF}">
-                <a14:hiddenLine xmlns="" xmlns:a16="http://schemas.microsoft.com/office/drawing/2014/main" xmlns:a14="http://schemas.microsoft.com/office/drawing/2010/main" xmlns:p14="http://schemas.microsoft.com/office/powerpoint/2010/main" w="9525">
+                <a14:hiddenLine xmlns:p14="http://schemas.microsoft.com/office/powerpoint/2010/main" xmlns:a14="http://schemas.microsoft.com/office/drawing/2010/main" xmlns:a16="http://schemas.microsoft.com/office/drawing/2014/main" xmlns="" w="9525">
                   <a:solidFill>
                     <a:srgbClr val="000000"/>
                   </a:solidFill>
@@ -40019,7 +40064,7 @@
                   <a16:creationId xmlns:a16="http://schemas.microsoft.com/office/drawing/2014/main" id="{7D69D500-53C1-4C49-986B-0C77700A7DFD}"/>
                 </a:ext>
                 <a:ext uri="{C183D7F6-B498-43B3-948B-1728B52AA6E4}">
-                  <adec:decorative xmlns:adec="http://schemas.microsoft.com/office/drawing/2017/decorative" val="1"/>
+                  <adec:decorative xmlns:adec="http://schemas.microsoft.com/office/drawing/2017/decorative" xmlns="" val="1"/>
                 </a:ext>
               </a:extLst>
             </p:cNvPr>
@@ -40104,7 +40149,7 @@
             </a:ln>
             <a:extLst>
               <a:ext uri="{91240B29-F687-4f45-9708-019B960494DF}">
-                <a14:hiddenLine xmlns="" xmlns:a16="http://schemas.microsoft.com/office/drawing/2014/main" xmlns:a14="http://schemas.microsoft.com/office/drawing/2010/main" xmlns:p14="http://schemas.microsoft.com/office/powerpoint/2010/main" w="9525">
+                <a14:hiddenLine xmlns:p14="http://schemas.microsoft.com/office/powerpoint/2010/main" xmlns:a14="http://schemas.microsoft.com/office/drawing/2010/main" xmlns:a16="http://schemas.microsoft.com/office/drawing/2014/main" xmlns="" w="9525">
                   <a:solidFill>
                     <a:srgbClr val="000000"/>
                   </a:solidFill>
@@ -40124,7 +40169,7 @@
                   <a16:creationId xmlns:a16="http://schemas.microsoft.com/office/drawing/2014/main" id="{242E9848-2FB4-4D7D-AE1F-FCB62E4ABF35}"/>
                 </a:ext>
                 <a:ext uri="{C183D7F6-B498-43B3-948B-1728B52AA6E4}">
-                  <adec:decorative xmlns:adec="http://schemas.microsoft.com/office/drawing/2017/decorative" val="1"/>
+                  <adec:decorative xmlns:adec="http://schemas.microsoft.com/office/drawing/2017/decorative" xmlns="" val="1"/>
                 </a:ext>
               </a:extLst>
             </p:cNvPr>
@@ -40181,7 +40226,7 @@
             </a:ln>
             <a:extLst>
               <a:ext uri="{91240B29-F687-4f45-9708-019B960494DF}">
-                <a14:hiddenLine xmlns="" xmlns:a16="http://schemas.microsoft.com/office/drawing/2014/main" xmlns:a14="http://schemas.microsoft.com/office/drawing/2010/main" xmlns:p14="http://schemas.microsoft.com/office/powerpoint/2010/main" w="9525">
+                <a14:hiddenLine xmlns:p14="http://schemas.microsoft.com/office/powerpoint/2010/main" xmlns:a14="http://schemas.microsoft.com/office/drawing/2010/main" xmlns:a16="http://schemas.microsoft.com/office/drawing/2014/main" xmlns="" w="9525">
                   <a:solidFill>
                     <a:srgbClr val="000000"/>
                   </a:solidFill>
@@ -40201,7 +40246,7 @@
                   <a16:creationId xmlns:a16="http://schemas.microsoft.com/office/drawing/2014/main" id="{F007433C-DB9E-4A75-BA95-1012EFDE828E}"/>
                 </a:ext>
                 <a:ext uri="{C183D7F6-B498-43B3-948B-1728B52AA6E4}">
-                  <adec:decorative xmlns:adec="http://schemas.microsoft.com/office/drawing/2017/decorative" val="1"/>
+                  <adec:decorative xmlns:adec="http://schemas.microsoft.com/office/drawing/2017/decorative" xmlns="" val="1"/>
                 </a:ext>
               </a:extLst>
             </p:cNvPr>
@@ -40286,7 +40331,7 @@
             </a:ln>
             <a:extLst>
               <a:ext uri="{91240B29-F687-4f45-9708-019B960494DF}">
-                <a14:hiddenLine xmlns="" xmlns:a16="http://schemas.microsoft.com/office/drawing/2014/main" xmlns:a14="http://schemas.microsoft.com/office/drawing/2010/main" xmlns:p14="http://schemas.microsoft.com/office/powerpoint/2010/main" w="9525">
+                <a14:hiddenLine xmlns:p14="http://schemas.microsoft.com/office/powerpoint/2010/main" xmlns:a14="http://schemas.microsoft.com/office/drawing/2010/main" xmlns:a16="http://schemas.microsoft.com/office/drawing/2014/main" xmlns="" w="9525">
                   <a:solidFill>
                     <a:srgbClr val="000000"/>
                   </a:solidFill>
@@ -40306,7 +40351,7 @@
                   <a16:creationId xmlns:a16="http://schemas.microsoft.com/office/drawing/2014/main" id="{F0402231-D741-48D0-BF9A-1FCA25B57211}"/>
                 </a:ext>
                 <a:ext uri="{C183D7F6-B498-43B3-948B-1728B52AA6E4}">
-                  <adec:decorative xmlns:adec="http://schemas.microsoft.com/office/drawing/2017/decorative" val="1"/>
+                  <adec:decorative xmlns:adec="http://schemas.microsoft.com/office/drawing/2017/decorative" xmlns="" val="1"/>
                 </a:ext>
               </a:extLst>
             </p:cNvPr>
@@ -40391,7 +40436,7 @@
             </a:ln>
             <a:extLst>
               <a:ext uri="{91240B29-F687-4f45-9708-019B960494DF}">
-                <a14:hiddenLine xmlns="" xmlns:a16="http://schemas.microsoft.com/office/drawing/2014/main" xmlns:a14="http://schemas.microsoft.com/office/drawing/2010/main" xmlns:p14="http://schemas.microsoft.com/office/powerpoint/2010/main" w="9525">
+                <a14:hiddenLine xmlns:p14="http://schemas.microsoft.com/office/powerpoint/2010/main" xmlns:a14="http://schemas.microsoft.com/office/drawing/2010/main" xmlns:a16="http://schemas.microsoft.com/office/drawing/2014/main" xmlns="" w="9525">
                   <a:solidFill>
                     <a:srgbClr val="000000"/>
                   </a:solidFill>
@@ -40411,7 +40456,7 @@
                   <a16:creationId xmlns:a16="http://schemas.microsoft.com/office/drawing/2014/main" id="{CE7FBE95-E865-4925-8852-1F46C1A85257}"/>
                 </a:ext>
                 <a:ext uri="{C183D7F6-B498-43B3-948B-1728B52AA6E4}">
-                  <adec:decorative xmlns:adec="http://schemas.microsoft.com/office/drawing/2017/decorative" val="1"/>
+                  <adec:decorative xmlns:adec="http://schemas.microsoft.com/office/drawing/2017/decorative" xmlns="" val="1"/>
                 </a:ext>
               </a:extLst>
             </p:cNvPr>
@@ -40462,7 +40507,7 @@
             </a:ln>
             <a:extLst>
               <a:ext uri="{91240B29-F687-4f45-9708-019B960494DF}">
-                <a14:hiddenLine xmlns="" xmlns:a16="http://schemas.microsoft.com/office/drawing/2014/main" xmlns:a14="http://schemas.microsoft.com/office/drawing/2010/main" xmlns:p14="http://schemas.microsoft.com/office/powerpoint/2010/main" w="9525">
+                <a14:hiddenLine xmlns:p14="http://schemas.microsoft.com/office/powerpoint/2010/main" xmlns:a14="http://schemas.microsoft.com/office/drawing/2010/main" xmlns:a16="http://schemas.microsoft.com/office/drawing/2014/main" xmlns="" w="9525">
                   <a:solidFill>
                     <a:srgbClr val="000000"/>
                   </a:solidFill>
@@ -40482,7 +40527,7 @@
                   <a16:creationId xmlns:a16="http://schemas.microsoft.com/office/drawing/2014/main" id="{8F43B940-9D12-405E-9143-F5E64D347152}"/>
                 </a:ext>
                 <a:ext uri="{C183D7F6-B498-43B3-948B-1728B52AA6E4}">
-                  <adec:decorative xmlns:adec="http://schemas.microsoft.com/office/drawing/2017/decorative" val="1"/>
+                  <adec:decorative xmlns:adec="http://schemas.microsoft.com/office/drawing/2017/decorative" xmlns="" val="1"/>
                 </a:ext>
               </a:extLst>
             </p:cNvPr>
@@ -40567,7 +40612,7 @@
             </a:ln>
             <a:extLst>
               <a:ext uri="{91240B29-F687-4f45-9708-019B960494DF}">
-                <a14:hiddenLine xmlns="" xmlns:a16="http://schemas.microsoft.com/office/drawing/2014/main" xmlns:a14="http://schemas.microsoft.com/office/drawing/2010/main" xmlns:p14="http://schemas.microsoft.com/office/powerpoint/2010/main" w="9525">
+                <a14:hiddenLine xmlns:p14="http://schemas.microsoft.com/office/powerpoint/2010/main" xmlns:a14="http://schemas.microsoft.com/office/drawing/2010/main" xmlns:a16="http://schemas.microsoft.com/office/drawing/2014/main" xmlns="" w="9525">
                   <a:solidFill>
                     <a:srgbClr val="000000"/>
                   </a:solidFill>
@@ -40587,7 +40632,7 @@
                   <a16:creationId xmlns:a16="http://schemas.microsoft.com/office/drawing/2014/main" id="{AB96A555-1114-43F3-B7C1-36C528AC22E5}"/>
                 </a:ext>
                 <a:ext uri="{C183D7F6-B498-43B3-948B-1728B52AA6E4}">
-                  <adec:decorative xmlns:adec="http://schemas.microsoft.com/office/drawing/2017/decorative" val="1"/>
+                  <adec:decorative xmlns:adec="http://schemas.microsoft.com/office/drawing/2017/decorative" xmlns="" val="1"/>
                 </a:ext>
               </a:extLst>
             </p:cNvPr>
@@ -40638,7 +40683,7 @@
             </a:ln>
             <a:extLst>
               <a:ext uri="{91240B29-F687-4f45-9708-019B960494DF}">
-                <a14:hiddenLine xmlns="" xmlns:a16="http://schemas.microsoft.com/office/drawing/2014/main" xmlns:a14="http://schemas.microsoft.com/office/drawing/2010/main" xmlns:p14="http://schemas.microsoft.com/office/powerpoint/2010/main" w="9525">
+                <a14:hiddenLine xmlns:p14="http://schemas.microsoft.com/office/powerpoint/2010/main" xmlns:a14="http://schemas.microsoft.com/office/drawing/2010/main" xmlns:a16="http://schemas.microsoft.com/office/drawing/2014/main" xmlns="" w="9525">
                   <a:solidFill>
                     <a:srgbClr val="000000"/>
                   </a:solidFill>
@@ -40658,7 +40703,7 @@
                   <a16:creationId xmlns:a16="http://schemas.microsoft.com/office/drawing/2014/main" id="{24C4A8E3-7739-47BF-98F1-55A35475E6D1}"/>
                 </a:ext>
                 <a:ext uri="{C183D7F6-B498-43B3-948B-1728B52AA6E4}">
-                  <adec:decorative xmlns:adec="http://schemas.microsoft.com/office/drawing/2017/decorative" val="1"/>
+                  <adec:decorative xmlns:adec="http://schemas.microsoft.com/office/drawing/2017/decorative" xmlns="" val="1"/>
                 </a:ext>
               </a:extLst>
             </p:cNvPr>
@@ -40743,7 +40788,7 @@
             </a:ln>
             <a:extLst>
               <a:ext uri="{91240B29-F687-4f45-9708-019B960494DF}">
-                <a14:hiddenLine xmlns="" xmlns:a16="http://schemas.microsoft.com/office/drawing/2014/main" xmlns:a14="http://schemas.microsoft.com/office/drawing/2010/main" xmlns:p14="http://schemas.microsoft.com/office/powerpoint/2010/main" w="9525">
+                <a14:hiddenLine xmlns:p14="http://schemas.microsoft.com/office/powerpoint/2010/main" xmlns:a14="http://schemas.microsoft.com/office/drawing/2010/main" xmlns:a16="http://schemas.microsoft.com/office/drawing/2014/main" xmlns="" w="9525">
                   <a:solidFill>
                     <a:srgbClr val="000000"/>
                   </a:solidFill>
@@ -40763,7 +40808,7 @@
                   <a16:creationId xmlns:a16="http://schemas.microsoft.com/office/drawing/2014/main" id="{AA9972CC-55BF-424B-BF02-D68C8F83743E}"/>
                 </a:ext>
                 <a:ext uri="{C183D7F6-B498-43B3-948B-1728B52AA6E4}">
-                  <adec:decorative xmlns:adec="http://schemas.microsoft.com/office/drawing/2017/decorative" val="1"/>
+                  <adec:decorative xmlns:adec="http://schemas.microsoft.com/office/drawing/2017/decorative" xmlns="" val="1"/>
                 </a:ext>
               </a:extLst>
             </p:cNvPr>
@@ -40826,7 +40871,7 @@
             </a:ln>
             <a:extLst>
               <a:ext uri="{91240B29-F687-4f45-9708-019B960494DF}">
-                <a14:hiddenLine xmlns="" xmlns:a16="http://schemas.microsoft.com/office/drawing/2014/main" xmlns:a14="http://schemas.microsoft.com/office/drawing/2010/main" xmlns:p14="http://schemas.microsoft.com/office/powerpoint/2010/main" w="9525">
+                <a14:hiddenLine xmlns:p14="http://schemas.microsoft.com/office/powerpoint/2010/main" xmlns:a14="http://schemas.microsoft.com/office/drawing/2010/main" xmlns:a16="http://schemas.microsoft.com/office/drawing/2014/main" xmlns="" w="9525">
                   <a:solidFill>
                     <a:srgbClr val="000000"/>
                   </a:solidFill>
@@ -40846,7 +40891,7 @@
                   <a16:creationId xmlns:a16="http://schemas.microsoft.com/office/drawing/2014/main" id="{26FE0F33-8EBE-4E8C-80B2-94D892A84495}"/>
                 </a:ext>
                 <a:ext uri="{C183D7F6-B498-43B3-948B-1728B52AA6E4}">
-                  <adec:decorative xmlns:adec="http://schemas.microsoft.com/office/drawing/2017/decorative" val="1"/>
+                  <adec:decorative xmlns:adec="http://schemas.microsoft.com/office/drawing/2017/decorative" xmlns="" val="1"/>
                 </a:ext>
               </a:extLst>
             </p:cNvPr>
@@ -40931,7 +40976,7 @@
             </a:ln>
             <a:extLst>
               <a:ext uri="{91240B29-F687-4f45-9708-019B960494DF}">
-                <a14:hiddenLine xmlns="" xmlns:a16="http://schemas.microsoft.com/office/drawing/2014/main" xmlns:a14="http://schemas.microsoft.com/office/drawing/2010/main" xmlns:p14="http://schemas.microsoft.com/office/powerpoint/2010/main" w="9525">
+                <a14:hiddenLine xmlns:p14="http://schemas.microsoft.com/office/powerpoint/2010/main" xmlns:a14="http://schemas.microsoft.com/office/drawing/2010/main" xmlns:a16="http://schemas.microsoft.com/office/drawing/2014/main" xmlns="" w="9525">
                   <a:solidFill>
                     <a:srgbClr val="000000"/>
                   </a:solidFill>
@@ -40951,7 +40996,7 @@
                   <a16:creationId xmlns:a16="http://schemas.microsoft.com/office/drawing/2014/main" id="{067215AC-EE86-41A8-906A-930B98379B9F}"/>
                 </a:ext>
                 <a:ext uri="{C183D7F6-B498-43B3-948B-1728B52AA6E4}">
-                  <adec:decorative xmlns:adec="http://schemas.microsoft.com/office/drawing/2017/decorative" val="1"/>
+                  <adec:decorative xmlns:adec="http://schemas.microsoft.com/office/drawing/2017/decorative" xmlns="" val="1"/>
                 </a:ext>
               </a:extLst>
             </p:cNvPr>
@@ -41014,7 +41059,7 @@
             </a:ln>
             <a:extLst>
               <a:ext uri="{91240B29-F687-4f45-9708-019B960494DF}">
-                <a14:hiddenLine xmlns="" xmlns:a16="http://schemas.microsoft.com/office/drawing/2014/main" xmlns:a14="http://schemas.microsoft.com/office/drawing/2010/main" xmlns:p14="http://schemas.microsoft.com/office/powerpoint/2010/main" w="9525">
+                <a14:hiddenLine xmlns:p14="http://schemas.microsoft.com/office/powerpoint/2010/main" xmlns:a14="http://schemas.microsoft.com/office/drawing/2010/main" xmlns:a16="http://schemas.microsoft.com/office/drawing/2014/main" xmlns="" w="9525">
                   <a:solidFill>
                     <a:srgbClr val="000000"/>
                   </a:solidFill>
@@ -41034,7 +41079,7 @@
                   <a16:creationId xmlns:a16="http://schemas.microsoft.com/office/drawing/2014/main" id="{2A7D51B1-D027-4BB9-A7AA-77B82224CD73}"/>
                 </a:ext>
                 <a:ext uri="{C183D7F6-B498-43B3-948B-1728B52AA6E4}">
-                  <adec:decorative xmlns:adec="http://schemas.microsoft.com/office/drawing/2017/decorative" val="1"/>
+                  <adec:decorative xmlns:adec="http://schemas.microsoft.com/office/drawing/2017/decorative" xmlns="" val="1"/>
                 </a:ext>
               </a:extLst>
             </p:cNvPr>
@@ -41119,7 +41164,7 @@
             </a:ln>
             <a:extLst>
               <a:ext uri="{91240B29-F687-4f45-9708-019B960494DF}">
-                <a14:hiddenLine xmlns="" xmlns:a16="http://schemas.microsoft.com/office/drawing/2014/main" xmlns:a14="http://schemas.microsoft.com/office/drawing/2010/main" xmlns:p14="http://schemas.microsoft.com/office/powerpoint/2010/main" w="9525">
+                <a14:hiddenLine xmlns:p14="http://schemas.microsoft.com/office/powerpoint/2010/main" xmlns:a14="http://schemas.microsoft.com/office/drawing/2010/main" xmlns:a16="http://schemas.microsoft.com/office/drawing/2014/main" xmlns="" w="9525">
                   <a:solidFill>
                     <a:srgbClr val="000000"/>
                   </a:solidFill>
@@ -41139,7 +41184,7 @@
                   <a16:creationId xmlns:a16="http://schemas.microsoft.com/office/drawing/2014/main" id="{D863577D-1563-4E7D-B1C2-8FD6EB5E25F8}"/>
                 </a:ext>
                 <a:ext uri="{C183D7F6-B498-43B3-948B-1728B52AA6E4}">
-                  <adec:decorative xmlns:adec="http://schemas.microsoft.com/office/drawing/2017/decorative" val="1"/>
+                  <adec:decorative xmlns:adec="http://schemas.microsoft.com/office/drawing/2017/decorative" xmlns="" val="1"/>
                 </a:ext>
               </a:extLst>
             </p:cNvPr>
@@ -41168,7 +41213,7 @@
             </a:ln>
             <a:extLst>
               <a:ext uri="{91240B29-F687-4f45-9708-019B960494DF}">
-                <a14:hiddenLine xmlns="" xmlns:a16="http://schemas.microsoft.com/office/drawing/2014/main" xmlns:a14="http://schemas.microsoft.com/office/drawing/2010/main" xmlns:p14="http://schemas.microsoft.com/office/powerpoint/2010/main" w="9525">
+                <a14:hiddenLine xmlns:p14="http://schemas.microsoft.com/office/powerpoint/2010/main" xmlns:a14="http://schemas.microsoft.com/office/drawing/2010/main" xmlns:a16="http://schemas.microsoft.com/office/drawing/2014/main" xmlns="" w="9525">
                   <a:solidFill>
                     <a:srgbClr val="000000"/>
                   </a:solidFill>
@@ -41188,7 +41233,7 @@
                   <a16:creationId xmlns:a16="http://schemas.microsoft.com/office/drawing/2014/main" id="{1142C45E-91B5-43E6-815B-8DCE711EED3A}"/>
                 </a:ext>
                 <a:ext uri="{C183D7F6-B498-43B3-948B-1728B52AA6E4}">
-                  <adec:decorative xmlns:adec="http://schemas.microsoft.com/office/drawing/2017/decorative" val="1"/>
+                  <adec:decorative xmlns:adec="http://schemas.microsoft.com/office/drawing/2017/decorative" xmlns="" val="1"/>
                 </a:ext>
               </a:extLst>
             </p:cNvPr>
@@ -41273,7 +41318,7 @@
             </a:ln>
             <a:extLst>
               <a:ext uri="{91240B29-F687-4f45-9708-019B960494DF}">
-                <a14:hiddenLine xmlns="" xmlns:a16="http://schemas.microsoft.com/office/drawing/2014/main" xmlns:a14="http://schemas.microsoft.com/office/drawing/2010/main" xmlns:p14="http://schemas.microsoft.com/office/powerpoint/2010/main" w="9525">
+                <a14:hiddenLine xmlns:p14="http://schemas.microsoft.com/office/powerpoint/2010/main" xmlns:a14="http://schemas.microsoft.com/office/drawing/2010/main" xmlns:a16="http://schemas.microsoft.com/office/drawing/2014/main" xmlns="" w="9525">
                   <a:solidFill>
                     <a:srgbClr val="000000"/>
                   </a:solidFill>
@@ -41293,7 +41338,7 @@
                   <a16:creationId xmlns:a16="http://schemas.microsoft.com/office/drawing/2014/main" id="{D392B29F-8F06-4525-8C60-6AD0FF87C6CB}"/>
                 </a:ext>
                 <a:ext uri="{C183D7F6-B498-43B3-948B-1728B52AA6E4}">
-                  <adec:decorative xmlns:adec="http://schemas.microsoft.com/office/drawing/2017/decorative" val="1"/>
+                  <adec:decorative xmlns:adec="http://schemas.microsoft.com/office/drawing/2017/decorative" xmlns="" val="1"/>
                 </a:ext>
               </a:extLst>
             </p:cNvPr>
@@ -41350,7 +41395,7 @@
             </a:ln>
             <a:extLst>
               <a:ext uri="{91240B29-F687-4f45-9708-019B960494DF}">
-                <a14:hiddenLine xmlns="" xmlns:a16="http://schemas.microsoft.com/office/drawing/2014/main" xmlns:a14="http://schemas.microsoft.com/office/drawing/2010/main" xmlns:p14="http://schemas.microsoft.com/office/powerpoint/2010/main" w="9525">
+                <a14:hiddenLine xmlns:p14="http://schemas.microsoft.com/office/powerpoint/2010/main" xmlns:a14="http://schemas.microsoft.com/office/drawing/2010/main" xmlns:a16="http://schemas.microsoft.com/office/drawing/2014/main" xmlns="" w="9525">
                   <a:solidFill>
                     <a:srgbClr val="000000"/>
                   </a:solidFill>
@@ -41370,7 +41415,7 @@
                   <a16:creationId xmlns:a16="http://schemas.microsoft.com/office/drawing/2014/main" id="{C0097D3D-4508-4DFE-9362-1D4CD53428DD}"/>
                 </a:ext>
                 <a:ext uri="{C183D7F6-B498-43B3-948B-1728B52AA6E4}">
-                  <adec:decorative xmlns:adec="http://schemas.microsoft.com/office/drawing/2017/decorative" val="1"/>
+                  <adec:decorative xmlns:adec="http://schemas.microsoft.com/office/drawing/2017/decorative" xmlns="" val="1"/>
                 </a:ext>
               </a:extLst>
             </p:cNvPr>
@@ -41427,7 +41472,7 @@
             </a:ln>
             <a:extLst>
               <a:ext uri="{91240B29-F687-4f45-9708-019B960494DF}">
-                <a14:hiddenLine xmlns="" xmlns:a16="http://schemas.microsoft.com/office/drawing/2014/main" xmlns:a14="http://schemas.microsoft.com/office/drawing/2010/main" xmlns:p14="http://schemas.microsoft.com/office/powerpoint/2010/main" w="9525">
+                <a14:hiddenLine xmlns:p14="http://schemas.microsoft.com/office/powerpoint/2010/main" xmlns:a14="http://schemas.microsoft.com/office/drawing/2010/main" xmlns:a16="http://schemas.microsoft.com/office/drawing/2014/main" xmlns="" w="9525">
                   <a:solidFill>
                     <a:srgbClr val="000000"/>
                   </a:solidFill>
@@ -41447,7 +41492,7 @@
                   <a16:creationId xmlns:a16="http://schemas.microsoft.com/office/drawing/2014/main" id="{CB6E6B17-DA8C-4DFE-A8F3-C88E9C6CEC6E}"/>
                 </a:ext>
                 <a:ext uri="{C183D7F6-B498-43B3-948B-1728B52AA6E4}">
-                  <adec:decorative xmlns:adec="http://schemas.microsoft.com/office/drawing/2017/decorative" val="1"/>
+                  <adec:decorative xmlns:adec="http://schemas.microsoft.com/office/drawing/2017/decorative" xmlns="" val="1"/>
                 </a:ext>
               </a:extLst>
             </p:cNvPr>
@@ -41532,7 +41577,7 @@
             </a:ln>
             <a:extLst>
               <a:ext uri="{91240B29-F687-4f45-9708-019B960494DF}">
-                <a14:hiddenLine xmlns="" xmlns:a16="http://schemas.microsoft.com/office/drawing/2014/main" xmlns:a14="http://schemas.microsoft.com/office/drawing/2010/main" xmlns:p14="http://schemas.microsoft.com/office/powerpoint/2010/main" w="9525">
+                <a14:hiddenLine xmlns:p14="http://schemas.microsoft.com/office/powerpoint/2010/main" xmlns:a14="http://schemas.microsoft.com/office/drawing/2010/main" xmlns:a16="http://schemas.microsoft.com/office/drawing/2014/main" xmlns="" w="9525">
                   <a:solidFill>
                     <a:srgbClr val="000000"/>
                   </a:solidFill>
@@ -41552,7 +41597,7 @@
                   <a16:creationId xmlns:a16="http://schemas.microsoft.com/office/drawing/2014/main" id="{ED70E448-5DC1-4921-984C-B5144E20C4F1}"/>
                 </a:ext>
                 <a:ext uri="{C183D7F6-B498-43B3-948B-1728B52AA6E4}">
-                  <adec:decorative xmlns:adec="http://schemas.microsoft.com/office/drawing/2017/decorative" val="1"/>
+                  <adec:decorative xmlns:adec="http://schemas.microsoft.com/office/drawing/2017/decorative" xmlns="" val="1"/>
                 </a:ext>
               </a:extLst>
             </p:cNvPr>
@@ -41615,7 +41660,7 @@
             </a:ln>
             <a:extLst>
               <a:ext uri="{91240B29-F687-4f45-9708-019B960494DF}">
-                <a14:hiddenLine xmlns="" xmlns:a16="http://schemas.microsoft.com/office/drawing/2014/main" xmlns:a14="http://schemas.microsoft.com/office/drawing/2010/main" xmlns:p14="http://schemas.microsoft.com/office/powerpoint/2010/main" w="9525">
+                <a14:hiddenLine xmlns:p14="http://schemas.microsoft.com/office/powerpoint/2010/main" xmlns:a14="http://schemas.microsoft.com/office/drawing/2010/main" xmlns:a16="http://schemas.microsoft.com/office/drawing/2014/main" xmlns="" w="9525">
                   <a:solidFill>
                     <a:srgbClr val="000000"/>
                   </a:solidFill>
@@ -41635,7 +41680,7 @@
                   <a16:creationId xmlns:a16="http://schemas.microsoft.com/office/drawing/2014/main" id="{670F7120-EA4D-4FED-8679-ADFE90C4767E}"/>
                 </a:ext>
                 <a:ext uri="{C183D7F6-B498-43B3-948B-1728B52AA6E4}">
-                  <adec:decorative xmlns:adec="http://schemas.microsoft.com/office/drawing/2017/decorative" val="1"/>
+                  <adec:decorative xmlns:adec="http://schemas.microsoft.com/office/drawing/2017/decorative" xmlns="" val="1"/>
                 </a:ext>
               </a:extLst>
             </p:cNvPr>
@@ -41692,7 +41737,7 @@
             </a:ln>
             <a:extLst>
               <a:ext uri="{91240B29-F687-4f45-9708-019B960494DF}">
-                <a14:hiddenLine xmlns="" xmlns:a16="http://schemas.microsoft.com/office/drawing/2014/main" xmlns:a14="http://schemas.microsoft.com/office/drawing/2010/main" xmlns:p14="http://schemas.microsoft.com/office/powerpoint/2010/main" w="9525">
+                <a14:hiddenLine xmlns:p14="http://schemas.microsoft.com/office/powerpoint/2010/main" xmlns:a14="http://schemas.microsoft.com/office/drawing/2010/main" xmlns:a16="http://schemas.microsoft.com/office/drawing/2014/main" xmlns="" w="9525">
                   <a:solidFill>
                     <a:srgbClr val="000000"/>
                   </a:solidFill>
@@ -41712,7 +41757,7 @@
                   <a16:creationId xmlns:a16="http://schemas.microsoft.com/office/drawing/2014/main" id="{06395248-187B-4F4A-914C-C34DF7A8369A}"/>
                 </a:ext>
                 <a:ext uri="{C183D7F6-B498-43B3-948B-1728B52AA6E4}">
-                  <adec:decorative xmlns:adec="http://schemas.microsoft.com/office/drawing/2017/decorative" val="1"/>
+                  <adec:decorative xmlns:adec="http://schemas.microsoft.com/office/drawing/2017/decorative" xmlns="" val="1"/>
                 </a:ext>
               </a:extLst>
             </p:cNvPr>
@@ -41797,7 +41842,7 @@
             </a:ln>
             <a:extLst>
               <a:ext uri="{91240B29-F687-4f45-9708-019B960494DF}">
-                <a14:hiddenLine xmlns="" xmlns:a16="http://schemas.microsoft.com/office/drawing/2014/main" xmlns:a14="http://schemas.microsoft.com/office/drawing/2010/main" xmlns:p14="http://schemas.microsoft.com/office/powerpoint/2010/main" w="9525">
+                <a14:hiddenLine xmlns:p14="http://schemas.microsoft.com/office/powerpoint/2010/main" xmlns:a14="http://schemas.microsoft.com/office/drawing/2010/main" xmlns:a16="http://schemas.microsoft.com/office/drawing/2014/main" xmlns="" w="9525">
                   <a:solidFill>
                     <a:srgbClr val="000000"/>
                   </a:solidFill>
@@ -41817,7 +41862,7 @@
                   <a16:creationId xmlns:a16="http://schemas.microsoft.com/office/drawing/2014/main" id="{A1A1A364-CAD6-49EE-AD57-1C5FD774C4B7}"/>
                 </a:ext>
                 <a:ext uri="{C183D7F6-B498-43B3-948B-1728B52AA6E4}">
-                  <adec:decorative xmlns:adec="http://schemas.microsoft.com/office/drawing/2017/decorative" val="1"/>
+                  <adec:decorative xmlns:adec="http://schemas.microsoft.com/office/drawing/2017/decorative" xmlns="" val="1"/>
                 </a:ext>
               </a:extLst>
             </p:cNvPr>
@@ -41874,7 +41919,7 @@
             </a:ln>
             <a:extLst>
               <a:ext uri="{91240B29-F687-4f45-9708-019B960494DF}">
-                <a14:hiddenLine xmlns="" xmlns:a16="http://schemas.microsoft.com/office/drawing/2014/main" xmlns:a14="http://schemas.microsoft.com/office/drawing/2010/main" xmlns:p14="http://schemas.microsoft.com/office/powerpoint/2010/main" w="9525">
+                <a14:hiddenLine xmlns:p14="http://schemas.microsoft.com/office/powerpoint/2010/main" xmlns:a14="http://schemas.microsoft.com/office/drawing/2010/main" xmlns:a16="http://schemas.microsoft.com/office/drawing/2014/main" xmlns="" w="9525">
                   <a:solidFill>
                     <a:srgbClr val="000000"/>
                   </a:solidFill>
@@ -41894,7 +41939,7 @@
                   <a16:creationId xmlns:a16="http://schemas.microsoft.com/office/drawing/2014/main" id="{A55D2F6C-C341-4B23-94D4-7860818D596D}"/>
                 </a:ext>
                 <a:ext uri="{C183D7F6-B498-43B3-948B-1728B52AA6E4}">
-                  <adec:decorative xmlns:adec="http://schemas.microsoft.com/office/drawing/2017/decorative" val="1"/>
+                  <adec:decorative xmlns:adec="http://schemas.microsoft.com/office/drawing/2017/decorative" xmlns="" val="1"/>
                 </a:ext>
               </a:extLst>
             </p:cNvPr>
@@ -41979,7 +42024,7 @@
             </a:ln>
             <a:extLst>
               <a:ext uri="{91240B29-F687-4f45-9708-019B960494DF}">
-                <a14:hiddenLine xmlns="" xmlns:a16="http://schemas.microsoft.com/office/drawing/2014/main" xmlns:a14="http://schemas.microsoft.com/office/drawing/2010/main" xmlns:p14="http://schemas.microsoft.com/office/powerpoint/2010/main" w="9525">
+                <a14:hiddenLine xmlns:p14="http://schemas.microsoft.com/office/powerpoint/2010/main" xmlns:a14="http://schemas.microsoft.com/office/drawing/2010/main" xmlns:a16="http://schemas.microsoft.com/office/drawing/2014/main" xmlns="" w="9525">
                   <a:solidFill>
                     <a:srgbClr val="000000"/>
                   </a:solidFill>
@@ -41999,7 +42044,7 @@
                   <a16:creationId xmlns:a16="http://schemas.microsoft.com/office/drawing/2014/main" id="{A997BCC5-C47B-4CBB-8574-3D21858750AC}"/>
                 </a:ext>
                 <a:ext uri="{C183D7F6-B498-43B3-948B-1728B52AA6E4}">
-                  <adec:decorative xmlns:adec="http://schemas.microsoft.com/office/drawing/2017/decorative" val="1"/>
+                  <adec:decorative xmlns:adec="http://schemas.microsoft.com/office/drawing/2017/decorative" xmlns="" val="1"/>
                 </a:ext>
               </a:extLst>
             </p:cNvPr>
@@ -42056,7 +42101,7 @@
             </a:ln>
             <a:extLst>
               <a:ext uri="{91240B29-F687-4f45-9708-019B960494DF}">
-                <a14:hiddenLine xmlns="" xmlns:a16="http://schemas.microsoft.com/office/drawing/2014/main" xmlns:a14="http://schemas.microsoft.com/office/drawing/2010/main" xmlns:p14="http://schemas.microsoft.com/office/powerpoint/2010/main" w="9525">
+                <a14:hiddenLine xmlns:p14="http://schemas.microsoft.com/office/powerpoint/2010/main" xmlns:a14="http://schemas.microsoft.com/office/drawing/2010/main" xmlns:a16="http://schemas.microsoft.com/office/drawing/2014/main" xmlns="" w="9525">
                   <a:solidFill>
                     <a:srgbClr val="000000"/>
                   </a:solidFill>
@@ -42076,7 +42121,7 @@
                   <a16:creationId xmlns:a16="http://schemas.microsoft.com/office/drawing/2014/main" id="{8C080CB5-4748-447C-9A7C-7D19D53C8852}"/>
                 </a:ext>
                 <a:ext uri="{C183D7F6-B498-43B3-948B-1728B52AA6E4}">
-                  <adec:decorative xmlns:adec="http://schemas.microsoft.com/office/drawing/2017/decorative" val="1"/>
+                  <adec:decorative xmlns:adec="http://schemas.microsoft.com/office/drawing/2017/decorative" xmlns="" val="1"/>
                 </a:ext>
               </a:extLst>
             </p:cNvPr>
@@ -42161,7 +42206,7 @@
             </a:ln>
             <a:extLst>
               <a:ext uri="{91240B29-F687-4f45-9708-019B960494DF}">
-                <a14:hiddenLine xmlns="" xmlns:a16="http://schemas.microsoft.com/office/drawing/2014/main" xmlns:a14="http://schemas.microsoft.com/office/drawing/2010/main" xmlns:p14="http://schemas.microsoft.com/office/powerpoint/2010/main" w="9525">
+                <a14:hiddenLine xmlns:p14="http://schemas.microsoft.com/office/powerpoint/2010/main" xmlns:a14="http://schemas.microsoft.com/office/drawing/2010/main" xmlns:a16="http://schemas.microsoft.com/office/drawing/2014/main" xmlns="" w="9525">
                   <a:solidFill>
                     <a:srgbClr val="000000"/>
                   </a:solidFill>
@@ -42181,7 +42226,7 @@
                   <a16:creationId xmlns:a16="http://schemas.microsoft.com/office/drawing/2014/main" id="{1974BBB3-7214-4B90-B3F4-FD7491717C06}"/>
                 </a:ext>
                 <a:ext uri="{C183D7F6-B498-43B3-948B-1728B52AA6E4}">
-                  <adec:decorative xmlns:adec="http://schemas.microsoft.com/office/drawing/2017/decorative" val="1"/>
+                  <adec:decorative xmlns:adec="http://schemas.microsoft.com/office/drawing/2017/decorative" xmlns="" val="1"/>
                 </a:ext>
               </a:extLst>
             </p:cNvPr>
@@ -42210,7 +42255,7 @@
             </a:ln>
             <a:extLst>
               <a:ext uri="{91240B29-F687-4f45-9708-019B960494DF}">
-                <a14:hiddenLine xmlns="" xmlns:a16="http://schemas.microsoft.com/office/drawing/2014/main" xmlns:a14="http://schemas.microsoft.com/office/drawing/2010/main" xmlns:p14="http://schemas.microsoft.com/office/powerpoint/2010/main" w="9525">
+                <a14:hiddenLine xmlns:p14="http://schemas.microsoft.com/office/powerpoint/2010/main" xmlns:a14="http://schemas.microsoft.com/office/drawing/2010/main" xmlns:a16="http://schemas.microsoft.com/office/drawing/2014/main" xmlns="" w="9525">
                   <a:solidFill>
                     <a:srgbClr val="000000"/>
                   </a:solidFill>
@@ -42230,7 +42275,7 @@
                   <a16:creationId xmlns:a16="http://schemas.microsoft.com/office/drawing/2014/main" id="{A5146950-414C-435B-93DF-86EEFE43A6F8}"/>
                 </a:ext>
                 <a:ext uri="{C183D7F6-B498-43B3-948B-1728B52AA6E4}">
-                  <adec:decorative xmlns:adec="http://schemas.microsoft.com/office/drawing/2017/decorative" val="1"/>
+                  <adec:decorative xmlns:adec="http://schemas.microsoft.com/office/drawing/2017/decorative" xmlns="" val="1"/>
                 </a:ext>
               </a:extLst>
             </p:cNvPr>
@@ -42290,7 +42335,7 @@
             </a:ln>
             <a:extLst>
               <a:ext uri="{91240B29-F687-4f45-9708-019B960494DF}">
-                <a14:hiddenLine xmlns="" xmlns:a16="http://schemas.microsoft.com/office/drawing/2014/main" xmlns:a14="http://schemas.microsoft.com/office/drawing/2010/main" xmlns:p14="http://schemas.microsoft.com/office/powerpoint/2010/main" w="9525">
+                <a14:hiddenLine xmlns:p14="http://schemas.microsoft.com/office/powerpoint/2010/main" xmlns:a14="http://schemas.microsoft.com/office/drawing/2010/main" xmlns:a16="http://schemas.microsoft.com/office/drawing/2014/main" xmlns="" w="9525">
                   <a:solidFill>
                     <a:srgbClr val="000000"/>
                   </a:solidFill>
@@ -42310,7 +42355,7 @@
                   <a16:creationId xmlns:a16="http://schemas.microsoft.com/office/drawing/2014/main" id="{A4F42FB5-9798-4A86-9B6F-EBD720953B0C}"/>
                 </a:ext>
                 <a:ext uri="{C183D7F6-B498-43B3-948B-1728B52AA6E4}">
-                  <adec:decorative xmlns:adec="http://schemas.microsoft.com/office/drawing/2017/decorative" val="1"/>
+                  <adec:decorative xmlns:adec="http://schemas.microsoft.com/office/drawing/2017/decorative" xmlns="" val="1"/>
                 </a:ext>
               </a:extLst>
             </p:cNvPr>
@@ -42395,7 +42440,7 @@
             </a:ln>
             <a:extLst>
               <a:ext uri="{91240B29-F687-4f45-9708-019B960494DF}">
-                <a14:hiddenLine xmlns="" xmlns:a16="http://schemas.microsoft.com/office/drawing/2014/main" xmlns:a14="http://schemas.microsoft.com/office/drawing/2010/main" xmlns:p14="http://schemas.microsoft.com/office/powerpoint/2010/main" w="9525">
+                <a14:hiddenLine xmlns:p14="http://schemas.microsoft.com/office/powerpoint/2010/main" xmlns:a14="http://schemas.microsoft.com/office/drawing/2010/main" xmlns:a16="http://schemas.microsoft.com/office/drawing/2014/main" xmlns="" w="9525">
                   <a:solidFill>
                     <a:srgbClr val="000000"/>
                   </a:solidFill>
@@ -42415,7 +42460,7 @@
                   <a16:creationId xmlns:a16="http://schemas.microsoft.com/office/drawing/2014/main" id="{48DA1A65-C30E-401D-96D5-CBD73B1D6513}"/>
                 </a:ext>
                 <a:ext uri="{C183D7F6-B498-43B3-948B-1728B52AA6E4}">
-                  <adec:decorative xmlns:adec="http://schemas.microsoft.com/office/drawing/2017/decorative" val="1"/>
+                  <adec:decorative xmlns:adec="http://schemas.microsoft.com/office/drawing/2017/decorative" xmlns="" val="1"/>
                 </a:ext>
               </a:extLst>
             </p:cNvPr>
@@ -42472,7 +42517,7 @@
             </a:ln>
             <a:extLst>
               <a:ext uri="{91240B29-F687-4f45-9708-019B960494DF}">
-                <a14:hiddenLine xmlns="" xmlns:a16="http://schemas.microsoft.com/office/drawing/2014/main" xmlns:a14="http://schemas.microsoft.com/office/drawing/2010/main" xmlns:p14="http://schemas.microsoft.com/office/powerpoint/2010/main" w="9525">
+                <a14:hiddenLine xmlns:p14="http://schemas.microsoft.com/office/powerpoint/2010/main" xmlns:a14="http://schemas.microsoft.com/office/drawing/2010/main" xmlns:a16="http://schemas.microsoft.com/office/drawing/2014/main" xmlns="" w="9525">
                   <a:solidFill>
                     <a:srgbClr val="000000"/>
                   </a:solidFill>
@@ -42492,7 +42537,7 @@
                   <a16:creationId xmlns:a16="http://schemas.microsoft.com/office/drawing/2014/main" id="{BFBDBDA4-F724-4A2C-B95C-0708D0E52E5D}"/>
                 </a:ext>
                 <a:ext uri="{C183D7F6-B498-43B3-948B-1728B52AA6E4}">
-                  <adec:decorative xmlns:adec="http://schemas.microsoft.com/office/drawing/2017/decorative" val="1"/>
+                  <adec:decorative xmlns:adec="http://schemas.microsoft.com/office/drawing/2017/decorative" xmlns="" val="1"/>
                 </a:ext>
               </a:extLst>
             </p:cNvPr>
@@ -42577,7 +42622,7 @@
             </a:ln>
             <a:extLst>
               <a:ext uri="{91240B29-F687-4f45-9708-019B960494DF}">
-                <a14:hiddenLine xmlns="" xmlns:a16="http://schemas.microsoft.com/office/drawing/2014/main" xmlns:a14="http://schemas.microsoft.com/office/drawing/2010/main" xmlns:p14="http://schemas.microsoft.com/office/powerpoint/2010/main" w="9525">
+                <a14:hiddenLine xmlns:p14="http://schemas.microsoft.com/office/powerpoint/2010/main" xmlns:a14="http://schemas.microsoft.com/office/drawing/2010/main" xmlns:a16="http://schemas.microsoft.com/office/drawing/2014/main" xmlns="" w="9525">
                   <a:solidFill>
                     <a:srgbClr val="000000"/>
                   </a:solidFill>
@@ -42597,7 +42642,7 @@
                   <a16:creationId xmlns:a16="http://schemas.microsoft.com/office/drawing/2014/main" id="{51A9FC73-ADDC-4F4C-A52E-2416211F1A60}"/>
                 </a:ext>
                 <a:ext uri="{C183D7F6-B498-43B3-948B-1728B52AA6E4}">
-                  <adec:decorative xmlns:adec="http://schemas.microsoft.com/office/drawing/2017/decorative" val="1"/>
+                  <adec:decorative xmlns:adec="http://schemas.microsoft.com/office/drawing/2017/decorative" xmlns="" val="1"/>
                 </a:ext>
               </a:extLst>
             </p:cNvPr>
@@ -42682,7 +42727,7 @@
             </a:ln>
             <a:extLst>
               <a:ext uri="{91240B29-F687-4f45-9708-019B960494DF}">
-                <a14:hiddenLine xmlns="" xmlns:a16="http://schemas.microsoft.com/office/drawing/2014/main" xmlns:a14="http://schemas.microsoft.com/office/drawing/2010/main" xmlns:p14="http://schemas.microsoft.com/office/powerpoint/2010/main" w="9525">
+                <a14:hiddenLine xmlns:p14="http://schemas.microsoft.com/office/powerpoint/2010/main" xmlns:a14="http://schemas.microsoft.com/office/drawing/2010/main" xmlns:a16="http://schemas.microsoft.com/office/drawing/2014/main" xmlns="" w="9525">
                   <a:solidFill>
                     <a:srgbClr val="000000"/>
                   </a:solidFill>
@@ -42702,7 +42747,7 @@
                   <a16:creationId xmlns:a16="http://schemas.microsoft.com/office/drawing/2014/main" id="{C1506CC0-B481-4F34-9692-55FFB0DE0CC5}"/>
                 </a:ext>
                 <a:ext uri="{C183D7F6-B498-43B3-948B-1728B52AA6E4}">
-                  <adec:decorative xmlns:adec="http://schemas.microsoft.com/office/drawing/2017/decorative" val="1"/>
+                  <adec:decorative xmlns:adec="http://schemas.microsoft.com/office/drawing/2017/decorative" xmlns="" val="1"/>
                 </a:ext>
               </a:extLst>
             </p:cNvPr>
@@ -42762,7 +42807,7 @@
             </a:ln>
             <a:extLst>
               <a:ext uri="{91240B29-F687-4f45-9708-019B960494DF}">
-                <a14:hiddenLine xmlns="" xmlns:a16="http://schemas.microsoft.com/office/drawing/2014/main" xmlns:a14="http://schemas.microsoft.com/office/drawing/2010/main" xmlns:p14="http://schemas.microsoft.com/office/powerpoint/2010/main" w="9525">
+                <a14:hiddenLine xmlns:p14="http://schemas.microsoft.com/office/powerpoint/2010/main" xmlns:a14="http://schemas.microsoft.com/office/drawing/2010/main" xmlns:a16="http://schemas.microsoft.com/office/drawing/2014/main" xmlns="" w="9525">
                   <a:solidFill>
                     <a:srgbClr val="000000"/>
                   </a:solidFill>
@@ -42782,7 +42827,7 @@
                   <a16:creationId xmlns:a16="http://schemas.microsoft.com/office/drawing/2014/main" id="{63C32F27-2DFD-4DC6-A459-1D8B1E35CA88}"/>
                 </a:ext>
                 <a:ext uri="{C183D7F6-B498-43B3-948B-1728B52AA6E4}">
-                  <adec:decorative xmlns:adec="http://schemas.microsoft.com/office/drawing/2017/decorative" val="1"/>
+                  <adec:decorative xmlns:adec="http://schemas.microsoft.com/office/drawing/2017/decorative" xmlns="" val="1"/>
                 </a:ext>
               </a:extLst>
             </p:cNvPr>
@@ -42839,7 +42884,7 @@
             </a:ln>
             <a:extLst>
               <a:ext uri="{91240B29-F687-4f45-9708-019B960494DF}">
-                <a14:hiddenLine xmlns="" xmlns:a16="http://schemas.microsoft.com/office/drawing/2014/main" xmlns:a14="http://schemas.microsoft.com/office/drawing/2010/main" xmlns:p14="http://schemas.microsoft.com/office/powerpoint/2010/main" w="9525">
+                <a14:hiddenLine xmlns:p14="http://schemas.microsoft.com/office/powerpoint/2010/main" xmlns:a14="http://schemas.microsoft.com/office/drawing/2010/main" xmlns:a16="http://schemas.microsoft.com/office/drawing/2014/main" xmlns="" w="9525">
                   <a:solidFill>
                     <a:srgbClr val="000000"/>
                   </a:solidFill>
@@ -42859,7 +42904,7 @@
                   <a16:creationId xmlns:a16="http://schemas.microsoft.com/office/drawing/2014/main" id="{1D72781E-80D4-4D20-9CB8-B1F93F7F7CAB}"/>
                 </a:ext>
                 <a:ext uri="{C183D7F6-B498-43B3-948B-1728B52AA6E4}">
-                  <adec:decorative xmlns:adec="http://schemas.microsoft.com/office/drawing/2017/decorative" val="1"/>
+                  <adec:decorative xmlns:adec="http://schemas.microsoft.com/office/drawing/2017/decorative" xmlns="" val="1"/>
                 </a:ext>
               </a:extLst>
             </p:cNvPr>
@@ -42944,7 +42989,7 @@
             </a:ln>
             <a:extLst>
               <a:ext uri="{91240B29-F687-4f45-9708-019B960494DF}">
-                <a14:hiddenLine xmlns="" xmlns:a16="http://schemas.microsoft.com/office/drawing/2014/main" xmlns:a14="http://schemas.microsoft.com/office/drawing/2010/main" xmlns:p14="http://schemas.microsoft.com/office/powerpoint/2010/main" w="9525">
+                <a14:hiddenLine xmlns:p14="http://schemas.microsoft.com/office/powerpoint/2010/main" xmlns:a14="http://schemas.microsoft.com/office/drawing/2010/main" xmlns:a16="http://schemas.microsoft.com/office/drawing/2014/main" xmlns="" w="9525">
                   <a:solidFill>
                     <a:srgbClr val="000000"/>
                   </a:solidFill>
@@ -42964,7 +43009,7 @@
                   <a16:creationId xmlns:a16="http://schemas.microsoft.com/office/drawing/2014/main" id="{B185151E-5C64-466C-95A8-82DCD68F9D06}"/>
                 </a:ext>
                 <a:ext uri="{C183D7F6-B498-43B3-948B-1728B52AA6E4}">
-                  <adec:decorative xmlns:adec="http://schemas.microsoft.com/office/drawing/2017/decorative" val="1"/>
+                  <adec:decorative xmlns:adec="http://schemas.microsoft.com/office/drawing/2017/decorative" xmlns="" val="1"/>
                 </a:ext>
               </a:extLst>
             </p:cNvPr>
@@ -43049,7 +43094,7 @@
             </a:ln>
             <a:extLst>
               <a:ext uri="{91240B29-F687-4f45-9708-019B960494DF}">
-                <a14:hiddenLine xmlns="" xmlns:a16="http://schemas.microsoft.com/office/drawing/2014/main" xmlns:a14="http://schemas.microsoft.com/office/drawing/2010/main" xmlns:p14="http://schemas.microsoft.com/office/powerpoint/2010/main" w="9525">
+                <a14:hiddenLine xmlns:p14="http://schemas.microsoft.com/office/powerpoint/2010/main" xmlns:a14="http://schemas.microsoft.com/office/drawing/2010/main" xmlns:a16="http://schemas.microsoft.com/office/drawing/2014/main" xmlns="" w="9525">
                   <a:solidFill>
                     <a:srgbClr val="000000"/>
                   </a:solidFill>
@@ -43069,7 +43114,7 @@
                   <a16:creationId xmlns:a16="http://schemas.microsoft.com/office/drawing/2014/main" id="{5422BDFC-E916-4209-9AE5-5EBBFAE67F53}"/>
                 </a:ext>
                 <a:ext uri="{C183D7F6-B498-43B3-948B-1728B52AA6E4}">
-                  <adec:decorative xmlns:adec="http://schemas.microsoft.com/office/drawing/2017/decorative" val="1"/>
+                  <adec:decorative xmlns:adec="http://schemas.microsoft.com/office/drawing/2017/decorative" xmlns="" val="1"/>
                 </a:ext>
               </a:extLst>
             </p:cNvPr>
@@ -43126,7 +43171,7 @@
             </a:ln>
             <a:extLst>
               <a:ext uri="{91240B29-F687-4f45-9708-019B960494DF}">
-                <a14:hiddenLine xmlns="" xmlns:a16="http://schemas.microsoft.com/office/drawing/2014/main" xmlns:a14="http://schemas.microsoft.com/office/drawing/2010/main" xmlns:p14="http://schemas.microsoft.com/office/powerpoint/2010/main" w="9525">
+                <a14:hiddenLine xmlns:p14="http://schemas.microsoft.com/office/powerpoint/2010/main" xmlns:a14="http://schemas.microsoft.com/office/drawing/2010/main" xmlns:a16="http://schemas.microsoft.com/office/drawing/2014/main" xmlns="" w="9525">
                   <a:solidFill>
                     <a:srgbClr val="000000"/>
                   </a:solidFill>
@@ -43146,7 +43191,7 @@
                   <a16:creationId xmlns:a16="http://schemas.microsoft.com/office/drawing/2014/main" id="{CB055192-621C-4D0A-95A8-43B3D66570F2}"/>
                 </a:ext>
                 <a:ext uri="{C183D7F6-B498-43B3-948B-1728B52AA6E4}">
-                  <adec:decorative xmlns:adec="http://schemas.microsoft.com/office/drawing/2017/decorative" val="1"/>
+                  <adec:decorative xmlns:adec="http://schemas.microsoft.com/office/drawing/2017/decorative" xmlns="" val="1"/>
                 </a:ext>
               </a:extLst>
             </p:cNvPr>
@@ -43261,7 +43306,7 @@
             </a:ln>
             <a:extLst>
               <a:ext uri="{91240B29-F687-4f45-9708-019B960494DF}">
-                <a14:hiddenLine xmlns="" xmlns:a16="http://schemas.microsoft.com/office/drawing/2014/main" xmlns:a14="http://schemas.microsoft.com/office/drawing/2010/main" xmlns:p14="http://schemas.microsoft.com/office/powerpoint/2010/main" w="9525">
+                <a14:hiddenLine xmlns:p14="http://schemas.microsoft.com/office/powerpoint/2010/main" xmlns:a14="http://schemas.microsoft.com/office/drawing/2010/main" xmlns:a16="http://schemas.microsoft.com/office/drawing/2014/main" xmlns="" w="9525">
                   <a:solidFill>
                     <a:srgbClr val="000000"/>
                   </a:solidFill>
@@ -43281,7 +43326,7 @@
                   <a16:creationId xmlns:a16="http://schemas.microsoft.com/office/drawing/2014/main" id="{A800D0DB-2B86-43A8-A566-5514B915B75B}"/>
                 </a:ext>
                 <a:ext uri="{C183D7F6-B498-43B3-948B-1728B52AA6E4}">
-                  <adec:decorative xmlns:adec="http://schemas.microsoft.com/office/drawing/2017/decorative" val="1"/>
+                  <adec:decorative xmlns:adec="http://schemas.microsoft.com/office/drawing/2017/decorative" xmlns="" val="1"/>
                 </a:ext>
               </a:extLst>
             </p:cNvPr>
@@ -43344,7 +43389,7 @@
             </a:ln>
             <a:extLst>
               <a:ext uri="{91240B29-F687-4f45-9708-019B960494DF}">
-                <a14:hiddenLine xmlns="" xmlns:a16="http://schemas.microsoft.com/office/drawing/2014/main" xmlns:a14="http://schemas.microsoft.com/office/drawing/2010/main" xmlns:p14="http://schemas.microsoft.com/office/powerpoint/2010/main" w="9525">
+                <a14:hiddenLine xmlns:p14="http://schemas.microsoft.com/office/powerpoint/2010/main" xmlns:a14="http://schemas.microsoft.com/office/drawing/2010/main" xmlns:a16="http://schemas.microsoft.com/office/drawing/2014/main" xmlns="" w="9525">
                   <a:solidFill>
                     <a:srgbClr val="000000"/>
                   </a:solidFill>
@@ -43364,7 +43409,7 @@
                   <a16:creationId xmlns:a16="http://schemas.microsoft.com/office/drawing/2014/main" id="{A24135C6-FD88-403B-98E1-C941F03C7480}"/>
                 </a:ext>
                 <a:ext uri="{C183D7F6-B498-43B3-948B-1728B52AA6E4}">
-                  <adec:decorative xmlns:adec="http://schemas.microsoft.com/office/drawing/2017/decorative" val="1"/>
+                  <adec:decorative xmlns:adec="http://schemas.microsoft.com/office/drawing/2017/decorative" xmlns="" val="1"/>
                 </a:ext>
               </a:extLst>
             </p:cNvPr>
@@ -43449,7 +43494,7 @@
             </a:ln>
             <a:extLst>
               <a:ext uri="{91240B29-F687-4f45-9708-019B960494DF}">
-                <a14:hiddenLine xmlns="" xmlns:a16="http://schemas.microsoft.com/office/drawing/2014/main" xmlns:a14="http://schemas.microsoft.com/office/drawing/2010/main" xmlns:p14="http://schemas.microsoft.com/office/powerpoint/2010/main" w="9525">
+                <a14:hiddenLine xmlns:p14="http://schemas.microsoft.com/office/powerpoint/2010/main" xmlns:a14="http://schemas.microsoft.com/office/drawing/2010/main" xmlns:a16="http://schemas.microsoft.com/office/drawing/2014/main" xmlns="" w="9525">
                   <a:solidFill>
                     <a:srgbClr val="000000"/>
                   </a:solidFill>
@@ -43551,6 +43596,10 @@
               <a:rPr lang="en-AU" b="1" u="sng" dirty="0"/>
               <a:t>Exploratory Data Analysis and Visualization for Image Classification</a:t>
             </a:r>
+            <a:r>
+              <a:rPr lang="en-IN" b="1" dirty="0"/>
+              <a:t/>
+            </a:r>
             <a:br>
               <a:rPr lang="en-IN" b="1" dirty="0"/>
             </a:br>
@@ -43574,14 +43623,14 @@
             <p:ph idx="1"/>
             <p:extLst>
               <p:ext uri="{D42A27DB-BD31-4B8C-83A1-F6EECF244321}">
-                <p14:modId xmlns:p14="http://schemas.microsoft.com/office/powerpoint/2010/main" val="2361910810"/>
+                <p14:modId xmlns:p14="http://schemas.microsoft.com/office/powerpoint/2010/main" val="3797569612"/>
               </p:ext>
             </p:extLst>
           </p:nvPr>
         </p:nvGraphicFramePr>
         <p:xfrm>
-          <a:off x="5239328" y="3342014"/>
-          <a:ext cx="5891209" cy="2995450"/>
+          <a:off x="5239328" y="3275463"/>
+          <a:ext cx="5891209" cy="3062001"/>
         </p:xfrm>
         <a:graphic>
           <a:graphicData uri="http://schemas.openxmlformats.org/drawingml/2006/diagram">
@@ -43694,7 +43743,7 @@
                 <a16:creationId xmlns:a16="http://schemas.microsoft.com/office/drawing/2014/main" id="{247223BD-9A5A-473F-9ADB-02FC080806DB}"/>
               </a:ext>
               <a:ext uri="{C183D7F6-B498-43B3-948B-1728B52AA6E4}">
-                <adec:decorative xmlns:adec="http://schemas.microsoft.com/office/drawing/2017/decorative" val="1"/>
+                <adec:decorative xmlns:adec="http://schemas.microsoft.com/office/drawing/2017/decorative" xmlns="" val="1"/>
               </a:ext>
             </a:extLst>
           </p:cNvPr>
@@ -43725,7 +43774,7 @@
                   <a16:creationId xmlns:a16="http://schemas.microsoft.com/office/drawing/2014/main" id="{E0180EB0-A553-4B1F-91CE-4184120E65C5}"/>
                 </a:ext>
                 <a:ext uri="{C183D7F6-B498-43B3-948B-1728B52AA6E4}">
-                  <adec:decorative xmlns:adec="http://schemas.microsoft.com/office/drawing/2017/decorative" val="1"/>
+                  <adec:decorative xmlns:adec="http://schemas.microsoft.com/office/drawing/2017/decorative" xmlns="" val="1"/>
                 </a:ext>
               </a:extLst>
             </p:cNvPr>
@@ -43783,7 +43832,7 @@
                   <a16:creationId xmlns:a16="http://schemas.microsoft.com/office/drawing/2014/main" id="{91779908-E615-45B0-AD8A-83F3E0D1A9C4}"/>
                 </a:ext>
                 <a:ext uri="{C183D7F6-B498-43B3-948B-1728B52AA6E4}">
-                  <adec:decorative xmlns:adec="http://schemas.microsoft.com/office/drawing/2017/decorative" val="1"/>
+                  <adec:decorative xmlns:adec="http://schemas.microsoft.com/office/drawing/2017/decorative" xmlns="" val="1"/>
                 </a:ext>
               </a:extLst>
             </p:cNvPr>
@@ -43830,7 +43879,7 @@
             <a:noFill/>
             <a:extLst>
               <a:ext uri="{909E8E84-426E-40dd-AFC4-6F175D3DCCD1}">
-                <a14:hiddenFill xmlns="" xmlns:a16="http://schemas.microsoft.com/office/drawing/2014/main" xmlns:a14="http://schemas.microsoft.com/office/drawing/2010/main" xmlns:p14="http://schemas.microsoft.com/office/powerpoint/2010/main">
+                <a14:hiddenFill xmlns:p14="http://schemas.microsoft.com/office/powerpoint/2010/main" xmlns:a14="http://schemas.microsoft.com/office/drawing/2010/main" xmlns:a16="http://schemas.microsoft.com/office/drawing/2014/main" xmlns="">
                   <a:solidFill>
                     <a:srgbClr val="FFFFFF"/>
                   </a:solidFill>
@@ -43879,7 +43928,7 @@
                 <a16:creationId xmlns:a16="http://schemas.microsoft.com/office/drawing/2014/main" id="{C37A9ADB-739E-4B96-AE49-04E10E86DB60}"/>
               </a:ext>
               <a:ext uri="{C183D7F6-B498-43B3-948B-1728B52AA6E4}">
-                <adec:decorative xmlns:adec="http://schemas.microsoft.com/office/drawing/2017/decorative" val="1"/>
+                <adec:decorative xmlns:adec="http://schemas.microsoft.com/office/drawing/2017/decorative" xmlns="" val="1"/>
               </a:ext>
             </a:extLst>
           </p:cNvPr>
@@ -43910,7 +43959,7 @@
                   <a16:creationId xmlns:a16="http://schemas.microsoft.com/office/drawing/2014/main" id="{C82EDABC-4845-4EAC-B4D9-924921F6AD5C}"/>
                 </a:ext>
                 <a:ext uri="{C183D7F6-B498-43B3-948B-1728B52AA6E4}">
-                  <adec:decorative xmlns:adec="http://schemas.microsoft.com/office/drawing/2017/decorative" val="1"/>
+                  <adec:decorative xmlns:adec="http://schemas.microsoft.com/office/drawing/2017/decorative" xmlns="" val="1"/>
                 </a:ext>
               </a:extLst>
             </p:cNvPr>
@@ -43986,7 +44035,7 @@
                   <a16:creationId xmlns:a16="http://schemas.microsoft.com/office/drawing/2014/main" id="{3459E2B1-F87C-4612-9B54-F961A1AA1473}"/>
                 </a:ext>
                 <a:ext uri="{C183D7F6-B498-43B3-948B-1728B52AA6E4}">
-                  <adec:decorative xmlns:adec="http://schemas.microsoft.com/office/drawing/2017/decorative" val="1"/>
+                  <adec:decorative xmlns:adec="http://schemas.microsoft.com/office/drawing/2017/decorative" xmlns="" val="1"/>
                 </a:ext>
               </a:extLst>
             </p:cNvPr>
@@ -44015,7 +44064,7 @@
                     <a16:creationId xmlns:a16="http://schemas.microsoft.com/office/drawing/2014/main" id="{3C54F631-12CC-4F77-ADD4-AFD7A1F41000}"/>
                   </a:ext>
                   <a:ext uri="{C183D7F6-B498-43B3-948B-1728B52AA6E4}">
-                    <adec:decorative xmlns:adec="http://schemas.microsoft.com/office/drawing/2017/decorative" val="1"/>
+                    <adec:decorative xmlns:adec="http://schemas.microsoft.com/office/drawing/2017/decorative" xmlns="" val="1"/>
                   </a:ext>
                 </a:extLst>
               </p:cNvPr>
@@ -44087,7 +44136,7 @@
                     <a16:creationId xmlns:a16="http://schemas.microsoft.com/office/drawing/2014/main" id="{B5087BF3-7CC5-44E4-857C-1719D95E1684}"/>
                   </a:ext>
                   <a:ext uri="{C183D7F6-B498-43B3-948B-1728B52AA6E4}">
-                    <adec:decorative xmlns:adec="http://schemas.microsoft.com/office/drawing/2017/decorative" val="1"/>
+                    <adec:decorative xmlns:adec="http://schemas.microsoft.com/office/drawing/2017/decorative" xmlns="" val="1"/>
                   </a:ext>
                 </a:extLst>
               </p:cNvPr>
@@ -44209,7 +44258,7 @@
                     <a16:creationId xmlns:a16="http://schemas.microsoft.com/office/drawing/2014/main" id="{85EA87B6-5A88-4F2C-811B-7097E2BCA4EA}"/>
                   </a:ext>
                   <a:ext uri="{C183D7F6-B498-43B3-948B-1728B52AA6E4}">
-                    <adec:decorative xmlns:adec="http://schemas.microsoft.com/office/drawing/2017/decorative" val="1"/>
+                    <adec:decorative xmlns:adec="http://schemas.microsoft.com/office/drawing/2017/decorative" xmlns="" val="1"/>
                   </a:ext>
                 </a:extLst>
               </p:cNvPr>
@@ -44306,7 +44355,7 @@
                     <a16:creationId xmlns:a16="http://schemas.microsoft.com/office/drawing/2014/main" id="{AC0DD304-3F16-4177-B2B7-56B9778398F4}"/>
                   </a:ext>
                   <a:ext uri="{C183D7F6-B498-43B3-948B-1728B52AA6E4}">
-                    <adec:decorative xmlns:adec="http://schemas.microsoft.com/office/drawing/2017/decorative" val="1"/>
+                    <adec:decorative xmlns:adec="http://schemas.microsoft.com/office/drawing/2017/decorative" xmlns="" val="1"/>
                   </a:ext>
                 </a:extLst>
               </p:cNvPr>
@@ -44382,7 +44431,7 @@
                   <a16:creationId xmlns:a16="http://schemas.microsoft.com/office/drawing/2014/main" id="{DB1FB6D7-C9B8-4033-B9F4-D2699973A048}"/>
                 </a:ext>
                 <a:ext uri="{C183D7F6-B498-43B3-948B-1728B52AA6E4}">
-                  <adec:decorative xmlns:adec="http://schemas.microsoft.com/office/drawing/2017/decorative" val="1"/>
+                  <adec:decorative xmlns:adec="http://schemas.microsoft.com/office/drawing/2017/decorative" xmlns="" val="1"/>
                 </a:ext>
               </a:extLst>
             </p:cNvPr>
@@ -44411,7 +44460,7 @@
                     <a16:creationId xmlns:a16="http://schemas.microsoft.com/office/drawing/2014/main" id="{7562F4D6-A41F-4B3F-8B86-0094EBFAF231}"/>
                   </a:ext>
                   <a:ext uri="{C183D7F6-B498-43B3-948B-1728B52AA6E4}">
-                    <adec:decorative xmlns:adec="http://schemas.microsoft.com/office/drawing/2017/decorative" val="1"/>
+                    <adec:decorative xmlns:adec="http://schemas.microsoft.com/office/drawing/2017/decorative" xmlns="" val="1"/>
                   </a:ext>
                 </a:extLst>
               </p:cNvPr>
@@ -44483,7 +44532,7 @@
                     <a16:creationId xmlns:a16="http://schemas.microsoft.com/office/drawing/2014/main" id="{785419B3-FBBC-4B7B-A5E1-78F6EF0DB599}"/>
                   </a:ext>
                   <a:ext uri="{C183D7F6-B498-43B3-948B-1728B52AA6E4}">
-                    <adec:decorative xmlns:adec="http://schemas.microsoft.com/office/drawing/2017/decorative" val="1"/>
+                    <adec:decorative xmlns:adec="http://schemas.microsoft.com/office/drawing/2017/decorative" xmlns="" val="1"/>
                   </a:ext>
                 </a:extLst>
               </p:cNvPr>
@@ -44580,7 +44629,7 @@
                     <a16:creationId xmlns:a16="http://schemas.microsoft.com/office/drawing/2014/main" id="{027C4BAF-F6EE-478D-91B3-C07F80518B20}"/>
                   </a:ext>
                   <a:ext uri="{C183D7F6-B498-43B3-948B-1728B52AA6E4}">
-                    <adec:decorative xmlns:adec="http://schemas.microsoft.com/office/drawing/2017/decorative" val="1"/>
+                    <adec:decorative xmlns:adec="http://schemas.microsoft.com/office/drawing/2017/decorative" xmlns="" val="1"/>
                   </a:ext>
                 </a:extLst>
               </p:cNvPr>
@@ -44677,7 +44726,7 @@
                     <a16:creationId xmlns:a16="http://schemas.microsoft.com/office/drawing/2014/main" id="{DD5213AF-65CD-42AF-9AF2-C6CFE5D99321}"/>
                   </a:ext>
                   <a:ext uri="{C183D7F6-B498-43B3-948B-1728B52AA6E4}">
-                    <adec:decorative xmlns:adec="http://schemas.microsoft.com/office/drawing/2017/decorative" val="1"/>
+                    <adec:decorative xmlns:adec="http://schemas.microsoft.com/office/drawing/2017/decorative" xmlns="" val="1"/>
                   </a:ext>
                 </a:extLst>
               </p:cNvPr>
@@ -44752,7 +44801,7 @@
                     <a16:creationId xmlns:a16="http://schemas.microsoft.com/office/drawing/2014/main" id="{E4D858D4-D22A-4000-A80B-B21DB5C72466}"/>
                   </a:ext>
                   <a:ext uri="{C183D7F6-B498-43B3-948B-1728B52AA6E4}">
-                    <adec:decorative xmlns:adec="http://schemas.microsoft.com/office/drawing/2017/decorative" val="1"/>
+                    <adec:decorative xmlns:adec="http://schemas.microsoft.com/office/drawing/2017/decorative" xmlns="" val="1"/>
                   </a:ext>
                 </a:extLst>
               </p:cNvPr>
@@ -44849,7 +44898,7 @@
                     <a16:creationId xmlns:a16="http://schemas.microsoft.com/office/drawing/2014/main" id="{0D5F431A-B569-4FF4-A1A0-688100202E7A}"/>
                   </a:ext>
                   <a:ext uri="{C183D7F6-B498-43B3-948B-1728B52AA6E4}">
-                    <adec:decorative xmlns:adec="http://schemas.microsoft.com/office/drawing/2017/decorative" val="1"/>
+                    <adec:decorative xmlns:adec="http://schemas.microsoft.com/office/drawing/2017/decorative" xmlns="" val="1"/>
                   </a:ext>
                 </a:extLst>
               </p:cNvPr>
@@ -44891,7 +44940,7 @@
                   <a16:creationId xmlns:a16="http://schemas.microsoft.com/office/drawing/2014/main" id="{E5165920-01DF-4F7D-84AF-FB587EA39D5F}"/>
                 </a:ext>
                 <a:ext uri="{C183D7F6-B498-43B3-948B-1728B52AA6E4}">
-                  <adec:decorative xmlns:adec="http://schemas.microsoft.com/office/drawing/2017/decorative" val="1"/>
+                  <adec:decorative xmlns:adec="http://schemas.microsoft.com/office/drawing/2017/decorative" xmlns="" val="1"/>
                 </a:ext>
               </a:extLst>
             </p:cNvPr>
@@ -44920,7 +44969,7 @@
                     <a16:creationId xmlns:a16="http://schemas.microsoft.com/office/drawing/2014/main" id="{2E8EBFD1-AC85-465C-BBEE-538CBC3ADC55}"/>
                   </a:ext>
                   <a:ext uri="{C183D7F6-B498-43B3-948B-1728B52AA6E4}">
-                    <adec:decorative xmlns:adec="http://schemas.microsoft.com/office/drawing/2017/decorative" val="1"/>
+                    <adec:decorative xmlns:adec="http://schemas.microsoft.com/office/drawing/2017/decorative" xmlns="" val="1"/>
                   </a:ext>
                 </a:extLst>
               </p:cNvPr>
@@ -44992,7 +45041,7 @@
                     <a16:creationId xmlns:a16="http://schemas.microsoft.com/office/drawing/2014/main" id="{F160F61C-F77A-44F9-B1F2-0A233DC210E5}"/>
                   </a:ext>
                   <a:ext uri="{C183D7F6-B498-43B3-948B-1728B52AA6E4}">
-                    <adec:decorative xmlns:adec="http://schemas.microsoft.com/office/drawing/2017/decorative" val="1"/>
+                    <adec:decorative xmlns:adec="http://schemas.microsoft.com/office/drawing/2017/decorative" xmlns="" val="1"/>
                   </a:ext>
                 </a:extLst>
               </p:cNvPr>
@@ -45114,7 +45163,7 @@
                     <a16:creationId xmlns:a16="http://schemas.microsoft.com/office/drawing/2014/main" id="{7765822C-160D-4C21-B2A6-A5CDDE380C07}"/>
                   </a:ext>
                   <a:ext uri="{C183D7F6-B498-43B3-948B-1728B52AA6E4}">
-                    <adec:decorative xmlns:adec="http://schemas.microsoft.com/office/drawing/2017/decorative" val="1"/>
+                    <adec:decorative xmlns:adec="http://schemas.microsoft.com/office/drawing/2017/decorative" xmlns="" val="1"/>
                   </a:ext>
                 </a:extLst>
               </p:cNvPr>
@@ -45211,7 +45260,7 @@
                     <a16:creationId xmlns:a16="http://schemas.microsoft.com/office/drawing/2014/main" id="{2AD72081-80CC-4C08-B808-79C3BACF563D}"/>
                   </a:ext>
                   <a:ext uri="{C183D7F6-B498-43B3-948B-1728B52AA6E4}">
-                    <adec:decorative xmlns:adec="http://schemas.microsoft.com/office/drawing/2017/decorative" val="1"/>
+                    <adec:decorative xmlns:adec="http://schemas.microsoft.com/office/drawing/2017/decorative" xmlns="" val="1"/>
                   </a:ext>
                 </a:extLst>
               </p:cNvPr>
@@ -45287,7 +45336,7 @@
                   <a16:creationId xmlns:a16="http://schemas.microsoft.com/office/drawing/2014/main" id="{C5DCD802-88A1-490E-8FAD-C30C5A366C28}"/>
                 </a:ext>
                 <a:ext uri="{C183D7F6-B498-43B3-948B-1728B52AA6E4}">
-                  <adec:decorative xmlns:adec="http://schemas.microsoft.com/office/drawing/2017/decorative" val="1"/>
+                  <adec:decorative xmlns:adec="http://schemas.microsoft.com/office/drawing/2017/decorative" xmlns="" val="1"/>
                 </a:ext>
               </a:extLst>
             </p:cNvPr>
@@ -45316,7 +45365,7 @@
                     <a16:creationId xmlns:a16="http://schemas.microsoft.com/office/drawing/2014/main" id="{FC176A93-43BC-485A-AF85-5AAB3ABD3517}"/>
                   </a:ext>
                   <a:ext uri="{C183D7F6-B498-43B3-948B-1728B52AA6E4}">
-                    <adec:decorative xmlns:adec="http://schemas.microsoft.com/office/drawing/2017/decorative" val="1"/>
+                    <adec:decorative xmlns:adec="http://schemas.microsoft.com/office/drawing/2017/decorative" xmlns="" val="1"/>
                   </a:ext>
                 </a:extLst>
               </p:cNvPr>
@@ -45388,7 +45437,7 @@
                     <a16:creationId xmlns:a16="http://schemas.microsoft.com/office/drawing/2014/main" id="{73EEB106-92A7-44BF-91A3-94F1BD6E40F3}"/>
                   </a:ext>
                   <a:ext uri="{C183D7F6-B498-43B3-948B-1728B52AA6E4}">
-                    <adec:decorative xmlns:adec="http://schemas.microsoft.com/office/drawing/2017/decorative" val="1"/>
+                    <adec:decorative xmlns:adec="http://schemas.microsoft.com/office/drawing/2017/decorative" xmlns="" val="1"/>
                   </a:ext>
                 </a:extLst>
               </p:cNvPr>
@@ -45485,7 +45534,7 @@
                     <a16:creationId xmlns:a16="http://schemas.microsoft.com/office/drawing/2014/main" id="{8F2B597F-02DB-401E-9889-CF3E14723389}"/>
                   </a:ext>
                   <a:ext uri="{C183D7F6-B498-43B3-948B-1728B52AA6E4}">
-                    <adec:decorative xmlns:adec="http://schemas.microsoft.com/office/drawing/2017/decorative" val="1"/>
+                    <adec:decorative xmlns:adec="http://schemas.microsoft.com/office/drawing/2017/decorative" xmlns="" val="1"/>
                   </a:ext>
                 </a:extLst>
               </p:cNvPr>
@@ -45582,7 +45631,7 @@
                     <a16:creationId xmlns:a16="http://schemas.microsoft.com/office/drawing/2014/main" id="{54202AF4-2652-48B0-9CC8-926CD9D5ECF9}"/>
                   </a:ext>
                   <a:ext uri="{C183D7F6-B498-43B3-948B-1728B52AA6E4}">
-                    <adec:decorative xmlns:adec="http://schemas.microsoft.com/office/drawing/2017/decorative" val="1"/>
+                    <adec:decorative xmlns:adec="http://schemas.microsoft.com/office/drawing/2017/decorative" xmlns="" val="1"/>
                   </a:ext>
                 </a:extLst>
               </p:cNvPr>
@@ -45657,7 +45706,7 @@
                     <a16:creationId xmlns:a16="http://schemas.microsoft.com/office/drawing/2014/main" id="{3146F6AB-1957-466D-9EE2-AB0B4B937DDA}"/>
                   </a:ext>
                   <a:ext uri="{C183D7F6-B498-43B3-948B-1728B52AA6E4}">
-                    <adec:decorative xmlns:adec="http://schemas.microsoft.com/office/drawing/2017/decorative" val="1"/>
+                    <adec:decorative xmlns:adec="http://schemas.microsoft.com/office/drawing/2017/decorative" xmlns="" val="1"/>
                   </a:ext>
                 </a:extLst>
               </p:cNvPr>
@@ -45754,7 +45803,7 @@
                     <a16:creationId xmlns:a16="http://schemas.microsoft.com/office/drawing/2014/main" id="{159D0CE6-CE24-4FAF-9243-C943438F5B48}"/>
                   </a:ext>
                   <a:ext uri="{C183D7F6-B498-43B3-948B-1728B52AA6E4}">
-                    <adec:decorative xmlns:adec="http://schemas.microsoft.com/office/drawing/2017/decorative" val="1"/>
+                    <adec:decorative xmlns:adec="http://schemas.microsoft.com/office/drawing/2017/decorative" xmlns="" val="1"/>
                   </a:ext>
                 </a:extLst>
               </p:cNvPr>
@@ -45815,6 +45864,10 @@
             <a:r>
               <a:rPr lang="en-AU" u="sng"/>
               <a:t>Data Description</a:t>
+            </a:r>
+            <a:r>
+              <a:rPr lang="en-IN"/>
+              <a:t/>
             </a:r>
             <a:br>
               <a:rPr lang="en-IN"/>
@@ -45992,6 +46045,10 @@
               <a:rPr lang="en-AU" b="1" u="sng" dirty="0"/>
               <a:t>Code Overview</a:t>
             </a:r>
+            <a:r>
+              <a:rPr lang="en-IN" dirty="0"/>
+              <a:t/>
+            </a:r>
             <a:br>
               <a:rPr lang="en-IN" dirty="0"/>
             </a:br>
@@ -46011,8 +46068,8 @@
         </p:nvSpPr>
         <p:spPr>
           <a:xfrm>
-            <a:off x="1129577" y="1358581"/>
-            <a:ext cx="3196899" cy="726682"/>
+            <a:off x="1141413" y="1246508"/>
+            <a:ext cx="3390160" cy="726682"/>
           </a:xfrm>
         </p:spPr>
         <p:txBody>
@@ -46020,10 +46077,10 @@
           <a:lstStyle/>
           <a:p>
             <a:r>
-              <a:rPr lang="en-AU" u="sng" dirty="0"/>
+              <a:rPr lang="en-AU" b="1" u="sng" dirty="0"/>
               <a:t>Python Code: </a:t>
             </a:r>
-            <a:endParaRPr lang="en-IN" u="sng" dirty="0"/>
+            <a:endParaRPr lang="en-IN" b="1" u="sng" dirty="0"/>
           </a:p>
         </p:txBody>
       </p:sp>
@@ -46039,7 +46096,7 @@
         </p:nvSpPr>
         <p:spPr>
           <a:xfrm>
-            <a:off x="1129577" y="2095807"/>
+            <a:off x="1129577" y="1902460"/>
             <a:ext cx="3208735" cy="1476873"/>
           </a:xfrm>
         </p:spPr>
@@ -46050,13 +46107,13 @@
           <a:lstStyle/>
           <a:p>
             <a:r>
-              <a:rPr lang="en-AU" sz="1600" dirty="0"/>
+              <a:rPr lang="en-AU" sz="1800" dirty="0"/>
               <a:t>The project utilizes Python programming language for performing exploratory data analysis and visualization.</a:t>
             </a:r>
-            <a:endParaRPr lang="en-IN" sz="1600" dirty="0"/>
+            <a:endParaRPr lang="en-IN" sz="1800" dirty="0"/>
           </a:p>
           <a:p>
-            <a:endParaRPr lang="en-IN" sz="1600" dirty="0"/>
+            <a:endParaRPr lang="en-IN" sz="1800" dirty="0"/>
           </a:p>
         </p:txBody>
       </p:sp>
@@ -46081,10 +46138,10 @@
           <a:lstStyle/>
           <a:p>
             <a:r>
-              <a:rPr lang="en-AU" u="sng" dirty="0"/>
+              <a:rPr lang="en-AU" b="1" u="sng" dirty="0"/>
               <a:t>Libraries Used:</a:t>
             </a:r>
-            <a:endParaRPr lang="en-IN" u="sng" dirty="0"/>
+            <a:endParaRPr lang="en-IN" b="1" u="sng" dirty="0"/>
           </a:p>
         </p:txBody>
       </p:sp>
@@ -46112,10 +46169,10 @@
           <a:p>
             <a:pPr lvl="0"/>
             <a:r>
-              <a:rPr lang="en-AU" sz="1600" dirty="0"/>
+              <a:rPr lang="en-AU" sz="1800" dirty="0"/>
               <a:t>The following libraries are utilized in the code:</a:t>
             </a:r>
-            <a:endParaRPr lang="en-IN" sz="1600" dirty="0"/>
+            <a:endParaRPr lang="en-IN" sz="1800" dirty="0"/>
           </a:p>
           <a:p>
             <a:pPr marL="628650" lvl="1" indent="-171450">
@@ -46123,14 +46180,14 @@
               <a:buChar char="•"/>
             </a:pPr>
             <a:r>
-              <a:rPr lang="en-AU" sz="1600" dirty="0" err="1"/>
+              <a:rPr lang="en-AU" sz="1800" dirty="0" err="1"/>
               <a:t>OpenCV</a:t>
             </a:r>
             <a:r>
-              <a:rPr lang="en-AU" sz="1600" dirty="0"/>
+              <a:rPr lang="en-AU" sz="1800" dirty="0"/>
               <a:t>: Used for loading and manipulating images.</a:t>
             </a:r>
-            <a:endParaRPr lang="en-IN" sz="1600" dirty="0"/>
+            <a:endParaRPr lang="en-IN" sz="1800" dirty="0"/>
           </a:p>
           <a:p>
             <a:pPr marL="628650" lvl="1" indent="-171450">
@@ -46138,14 +46195,14 @@
               <a:buChar char="•"/>
             </a:pPr>
             <a:r>
-              <a:rPr lang="en-AU" sz="1600" dirty="0" err="1"/>
+              <a:rPr lang="en-AU" sz="1800" dirty="0" err="1"/>
               <a:t>NumPy</a:t>
             </a:r>
             <a:r>
-              <a:rPr lang="en-AU" sz="1600" dirty="0"/>
+              <a:rPr lang="en-AU" sz="1800" dirty="0"/>
               <a:t>: Used for numerical operations and calculations.</a:t>
             </a:r>
-            <a:endParaRPr lang="en-IN" sz="1600" dirty="0"/>
+            <a:endParaRPr lang="en-IN" sz="1800" dirty="0"/>
           </a:p>
           <a:p>
             <a:pPr marL="628650" lvl="1" indent="-171450">
@@ -46153,14 +46210,14 @@
               <a:buChar char="•"/>
             </a:pPr>
             <a:r>
-              <a:rPr lang="en-AU" sz="1600" dirty="0" err="1"/>
+              <a:rPr lang="en-AU" sz="1800" dirty="0" err="1"/>
               <a:t>Matplotlib</a:t>
             </a:r>
             <a:r>
-              <a:rPr lang="en-AU" sz="1600" dirty="0"/>
+              <a:rPr lang="en-AU" sz="1800" dirty="0"/>
               <a:t>: Used for creating visualizations, such as bar charts, box plots, and scatter plots.</a:t>
             </a:r>
-            <a:endParaRPr lang="en-IN" sz="1600" dirty="0"/>
+            <a:endParaRPr lang="en-IN" sz="1800" dirty="0"/>
           </a:p>
           <a:p>
             <a:pPr marL="628650" lvl="1" indent="-171450">
@@ -46168,10 +46225,10 @@
               <a:buChar char="•"/>
             </a:pPr>
             <a:r>
-              <a:rPr lang="en-AU" sz="1600" dirty="0"/>
+              <a:rPr lang="en-AU" sz="1800" dirty="0"/>
               <a:t>Seaborn: Used for enhancing the visual aesthetics of the plots.</a:t>
             </a:r>
-            <a:endParaRPr lang="en-IN" sz="1600" dirty="0"/>
+            <a:endParaRPr lang="en-IN" sz="1800" dirty="0"/>
           </a:p>
           <a:p>
             <a:pPr marL="628650" lvl="1" indent="-171450">
@@ -46179,13 +46236,13 @@
               <a:buChar char="•"/>
             </a:pPr>
             <a:r>
-              <a:rPr lang="en-AU" sz="1600" dirty="0"/>
+              <a:rPr lang="en-AU" sz="1800" dirty="0"/>
               <a:t>OS: Used for directory handling and file management.</a:t>
             </a:r>
-            <a:endParaRPr lang="en-IN" sz="1600" dirty="0"/>
+            <a:endParaRPr lang="en-IN" sz="1800" dirty="0"/>
           </a:p>
           <a:p>
-            <a:endParaRPr lang="en-IN" sz="1600" dirty="0"/>
+            <a:endParaRPr lang="en-IN" sz="1800" dirty="0"/>
           </a:p>
         </p:txBody>
       </p:sp>
@@ -46201,7 +46258,7 @@
         </p:nvSpPr>
         <p:spPr>
           <a:xfrm>
-            <a:off x="1143344" y="3722233"/>
+            <a:off x="1143344" y="3550783"/>
             <a:ext cx="3194968" cy="685800"/>
           </a:xfrm>
         </p:spPr>
@@ -46210,10 +46267,10 @@
           <a:lstStyle/>
           <a:p>
             <a:r>
-              <a:rPr lang="en-AU" u="sng" dirty="0"/>
+              <a:rPr lang="en-AU" b="1" u="sng" dirty="0"/>
               <a:t>Purpose of the Code: </a:t>
             </a:r>
-            <a:endParaRPr lang="en-IN" u="sng" dirty="0"/>
+            <a:endParaRPr lang="en-IN" b="1" u="sng" dirty="0"/>
           </a:p>
         </p:txBody>
       </p:sp>
@@ -46229,8 +46286,8 @@
         </p:nvSpPr>
         <p:spPr>
           <a:xfrm>
-            <a:off x="1222919" y="4557586"/>
-            <a:ext cx="3194968" cy="3724479"/>
+            <a:off x="1018583" y="4236583"/>
+            <a:ext cx="4378640" cy="3724479"/>
           </a:xfrm>
         </p:spPr>
         <p:txBody>
@@ -46238,18 +46295,18 @@
           <a:lstStyle/>
           <a:p>
             <a:r>
-              <a:rPr lang="en-AU" dirty="0"/>
+              <a:rPr lang="en-AU" sz="1800" dirty="0"/>
               <a:t>The code is specifically designed to </a:t>
             </a:r>
             <a:r>
-              <a:rPr lang="en-AU" dirty="0" err="1"/>
+              <a:rPr lang="en-AU" sz="1800" dirty="0" err="1"/>
               <a:t>analyze</a:t>
             </a:r>
             <a:r>
-              <a:rPr lang="en-AU" dirty="0"/>
+              <a:rPr lang="en-AU" sz="1800" dirty="0"/>
               <a:t> and visualize the image intensities and their distributions for each class (Lions and Cheetahs). It provides insights into the characteristics and variations of image intensities, facilitating a deeper understanding of the data.</a:t>
             </a:r>
-            <a:endParaRPr lang="en-IN" dirty="0"/>
+            <a:endParaRPr lang="en-IN" sz="1800" dirty="0"/>
           </a:p>
           <a:p>
             <a:endParaRPr lang="en-IN" dirty="0"/>
@@ -46312,6 +46369,10 @@
               <a:rPr lang="en-AU" b="1" u="sng" dirty="0"/>
               <a:t>Loading and Counting Images</a:t>
             </a:r>
+            <a:r>
+              <a:rPr lang="en-IN" u="sng" dirty="0"/>
+              <a:t/>
+            </a:r>
             <a:br>
               <a:rPr lang="en-IN" u="sng" dirty="0"/>
             </a:br>
@@ -46340,10 +46401,10 @@
           <a:lstStyle/>
           <a:p>
             <a:r>
-              <a:rPr lang="en-AU" u="sng" dirty="0"/>
+              <a:rPr lang="en-AU" b="1" u="sng" dirty="0"/>
               <a:t>Code Snippet: </a:t>
             </a:r>
-            <a:endParaRPr lang="en-IN" u="sng" dirty="0"/>
+            <a:endParaRPr lang="en-IN" b="1" u="sng" dirty="0"/>
           </a:p>
         </p:txBody>
       </p:sp>
@@ -46359,8 +46420,8 @@
         </p:nvSpPr>
         <p:spPr>
           <a:xfrm>
-            <a:off x="1127918" y="1982271"/>
-            <a:ext cx="5126609" cy="1057812"/>
+            <a:off x="1127918" y="1874712"/>
+            <a:ext cx="5641372" cy="1057812"/>
           </a:xfrm>
         </p:spPr>
         <p:txBody>
@@ -46370,10 +46431,10 @@
           <a:lstStyle/>
           <a:p>
             <a:r>
-              <a:rPr lang="en-AU" sz="1600" dirty="0"/>
+              <a:rPr lang="en-AU" sz="1800" dirty="0"/>
               <a:t>The code snippet below demonstrates the process of loading images from their respective directories.</a:t>
             </a:r>
-            <a:endParaRPr lang="en-IN" sz="1600" dirty="0"/>
+            <a:endParaRPr lang="en-IN" sz="1800" dirty="0"/>
           </a:p>
         </p:txBody>
       </p:sp>
@@ -46398,7 +46459,7 @@
           <a:lstStyle/>
           <a:p>
             <a:r>
-              <a:rPr lang="en-AU" u="sng" dirty="0"/>
+              <a:rPr lang="en-AU" b="1" u="sng" dirty="0"/>
               <a:t>Bar Chart</a:t>
             </a:r>
             <a:r>
@@ -46432,10 +46493,10 @@
           <a:lstStyle/>
           <a:p>
             <a:r>
-              <a:rPr lang="en-AU" dirty="0"/>
+              <a:rPr lang="en-AU" sz="1800" dirty="0"/>
               <a:t>The code visualizes the distribution of images per class using a bar chart. The x-axis represents the classes (Lions and Cheetahs), and the y-axis represents the number of images. The bar chart provides a clear visual comparison of the number of images in each class.</a:t>
             </a:r>
-            <a:endParaRPr lang="en-IN" dirty="0"/>
+            <a:endParaRPr lang="en-IN" sz="1800" dirty="0"/>
           </a:p>
           <a:p>
             <a:endParaRPr lang="en-IN" dirty="0"/>
@@ -46454,7 +46515,7 @@
         </p:nvSpPr>
         <p:spPr>
           <a:xfrm>
-            <a:off x="7157734" y="1496291"/>
+            <a:off x="7527377" y="1550177"/>
             <a:ext cx="3725999" cy="685800"/>
           </a:xfrm>
         </p:spPr>
@@ -46463,10 +46524,10 @@
           <a:lstStyle/>
           <a:p>
             <a:r>
-              <a:rPr lang="en-AU" u="sng" dirty="0"/>
+              <a:rPr lang="en-AU" b="1" u="sng" dirty="0"/>
               <a:t>Counting Images:</a:t>
             </a:r>
-            <a:endParaRPr lang="en-IN" u="sng" dirty="0"/>
+            <a:endParaRPr lang="en-IN" b="1" u="sng" dirty="0"/>
           </a:p>
         </p:txBody>
       </p:sp>
@@ -46482,7 +46543,7 @@
         </p:nvSpPr>
         <p:spPr>
           <a:xfrm>
-            <a:off x="7104296" y="2398816"/>
+            <a:off x="7527377" y="2217717"/>
             <a:ext cx="3832877" cy="2063986"/>
           </a:xfrm>
         </p:spPr>
@@ -46493,41 +46554,41 @@
           <a:lstStyle/>
           <a:p>
             <a:r>
-              <a:rPr lang="en-AU" sz="1600" dirty="0"/>
+              <a:rPr lang="en-AU" sz="1800" dirty="0"/>
               <a:t>After loading the images, the code counts the number of images in each class using the </a:t>
             </a:r>
             <a:r>
-              <a:rPr lang="en-AU" sz="1600" b="1" dirty="0" err="1"/>
+              <a:rPr lang="en-AU" sz="1800" b="1" dirty="0" err="1"/>
               <a:t>len</a:t>
             </a:r>
             <a:r>
-              <a:rPr lang="en-AU" sz="1600" b="1" dirty="0"/>
+              <a:rPr lang="en-AU" sz="1800" b="1" dirty="0"/>
               <a:t>()</a:t>
             </a:r>
             <a:r>
-              <a:rPr lang="en-AU" sz="1600" dirty="0"/>
+              <a:rPr lang="en-AU" sz="1800" dirty="0"/>
               <a:t> function on the respective image lists (</a:t>
             </a:r>
             <a:r>
-              <a:rPr lang="en-AU" sz="1600" b="1" dirty="0" err="1"/>
+              <a:rPr lang="en-AU" sz="1800" b="1" dirty="0" err="1"/>
               <a:t>lion_images</a:t>
             </a:r>
             <a:r>
-              <a:rPr lang="en-AU" sz="1600" dirty="0"/>
+              <a:rPr lang="en-AU" sz="1800" dirty="0"/>
               <a:t> and </a:t>
             </a:r>
             <a:r>
-              <a:rPr lang="en-AU" sz="1600" b="1" dirty="0" err="1"/>
+              <a:rPr lang="en-AU" sz="1800" b="1" dirty="0" err="1"/>
               <a:t>cheetah_images</a:t>
             </a:r>
             <a:r>
-              <a:rPr lang="en-AU" sz="1600" dirty="0"/>
+              <a:rPr lang="en-AU" sz="1800" dirty="0"/>
               <a:t>).</a:t>
             </a:r>
-            <a:endParaRPr lang="en-IN" sz="1600" dirty="0"/>
+            <a:endParaRPr lang="en-IN" sz="1800" dirty="0"/>
           </a:p>
           <a:p>
-            <a:endParaRPr lang="en-IN" sz="1600" dirty="0"/>
+            <a:endParaRPr lang="en-IN" sz="1800" dirty="0"/>
           </a:p>
         </p:txBody>
       </p:sp>
@@ -46546,7 +46607,7 @@
         <p:spPr>
           <a:xfrm>
             <a:off x="1178530" y="2646300"/>
-            <a:ext cx="5341023" cy="1854107"/>
+            <a:ext cx="5925766" cy="2305711"/>
           </a:xfrm>
           <a:prstGeom prst="rect">
             <a:avLst/>
@@ -46618,6 +46679,10 @@
             <a:r>
               <a:rPr lang="en-AU" b="1" u="sng" dirty="0"/>
               <a:t>Displaying Example Images</a:t>
+            </a:r>
+            <a:r>
+              <a:rPr lang="en-IN" u="sng" dirty="0"/>
+              <a:t/>
             </a:r>
             <a:br>
               <a:rPr lang="en-IN" u="sng" dirty="0"/>
@@ -47201,6 +47266,21 @@
               <a:buNone/>
               <a:tabLst/>
             </a:pPr>
+            <a:r>
+              <a:rPr kumimoji="0" lang="en-AU" altLang="en-US" sz="1100" b="0" i="0" u="none" strike="noStrike" cap="none" normalizeH="0" baseline="0" dirty="0">
+                <a:ln>
+                  <a:noFill/>
+                </a:ln>
+                <a:solidFill>
+                  <a:srgbClr val="374151"/>
+                </a:solidFill>
+                <a:effectLst/>
+                <a:latin typeface="Segoe UI" panose="020B0502040204020203" pitchFamily="34" charset="0"/>
+                <a:ea typeface="Calibri" panose="020F0502020204030204" pitchFamily="34" charset="0"/>
+                <a:cs typeface="Segoe UI" panose="020B0502040204020203" pitchFamily="34" charset="0"/>
+              </a:rPr>
+              <a:t/>
+            </a:r>
             <a:br>
               <a:rPr kumimoji="0" lang="en-AU" altLang="en-US" sz="1100" b="0" i="0" u="none" strike="noStrike" cap="none" normalizeH="0" baseline="0" dirty="0">
                 <a:ln>
@@ -47532,14 +47612,14 @@
           <a:lstStyle/>
           <a:p>
             <a:r>
-              <a:rPr lang="en-AU" b="1" dirty="0"/>
+              <a:rPr lang="en-AU" sz="1800" b="1" dirty="0"/>
               <a:t>Code Snippet</a:t>
             </a:r>
             <a:r>
-              <a:rPr lang="en-AU" dirty="0"/>
+              <a:rPr lang="en-AU" sz="1800" dirty="0"/>
               <a:t>: The code snippet below demonstrates how to calculate the mean and standard deviation of image intensities for each class.</a:t>
             </a:r>
-            <a:endParaRPr lang="en-IN" dirty="0"/>
+            <a:endParaRPr lang="en-IN" sz="1800" dirty="0"/>
           </a:p>
           <a:p>
             <a:endParaRPr lang="en-IN" dirty="0"/>
@@ -47745,16 +47825,12 @@
           <a:lstStyle/>
           <a:p>
             <a:r>
-              <a:rPr lang="en-AU" b="1" dirty="0"/>
+              <a:rPr lang="en-AU" sz="1800" b="1" dirty="0"/>
               <a:t>Code Snippe</a:t>
             </a:r>
             <a:r>
-              <a:rPr lang="en-AU" dirty="0"/>
-              <a:t>t: </a:t>
-            </a:r>
-            <a:r>
               <a:rPr lang="en-AU" sz="1800" dirty="0"/>
-              <a:t>The code snippet below demonstrates how to create box plots for visualizing the distribution of image intensities.</a:t>
+              <a:t>t: The code snippet below demonstrates how to create box plots for visualizing the distribution of image intensities.</a:t>
             </a:r>
             <a:endParaRPr lang="en-IN" sz="1800" dirty="0"/>
           </a:p>
@@ -47831,7 +47907,7 @@
                 <a16:creationId xmlns:a16="http://schemas.microsoft.com/office/drawing/2014/main" id="{E79AA19A-D2E5-47F2-AF0A-1AF60D42CCBD}"/>
               </a:ext>
               <a:ext uri="{C183D7F6-B498-43B3-948B-1728B52AA6E4}">
-                <adec:decorative xmlns:adec="http://schemas.microsoft.com/office/drawing/2017/decorative" val="1"/>
+                <adec:decorative xmlns:adec="http://schemas.microsoft.com/office/drawing/2017/decorative" xmlns="" val="1"/>
               </a:ext>
             </a:extLst>
           </p:cNvPr>
@@ -47898,7 +47974,7 @@
                 <a16:creationId xmlns:a16="http://schemas.microsoft.com/office/drawing/2014/main" id="{91A1E618-D29E-4367-8C34-500E34D05B1E}"/>
               </a:ext>
               <a:ext uri="{C183D7F6-B498-43B3-948B-1728B52AA6E4}">
-                <adec:decorative xmlns:adec="http://schemas.microsoft.com/office/drawing/2017/decorative" val="1"/>
+                <adec:decorative xmlns:adec="http://schemas.microsoft.com/office/drawing/2017/decorative" xmlns="" val="1"/>
               </a:ext>
             </a:extLst>
           </p:cNvPr>
@@ -47938,7 +48014,7 @@
           <a:noFill/>
           <a:extLst>
             <a:ext uri="{909E8E84-426E-40dd-AFC4-6F175D3DCCD1}">
-              <a14:hiddenFill xmlns="" xmlns:a16="http://schemas.microsoft.com/office/drawing/2014/main" xmlns:p14="http://schemas.microsoft.com/office/powerpoint/2010/main" xmlns:dgm="http://schemas.openxmlformats.org/drawingml/2006/diagram" xmlns:a14="http://schemas.microsoft.com/office/drawing/2010/main">
+              <a14:hiddenFill xmlns:a14="http://schemas.microsoft.com/office/drawing/2010/main" xmlns:dgm="http://schemas.openxmlformats.org/drawingml/2006/diagram" xmlns:p14="http://schemas.microsoft.com/office/powerpoint/2010/main" xmlns:a16="http://schemas.microsoft.com/office/drawing/2014/main" xmlns="">
                 <a:solidFill>
                   <a:srgbClr val="FFFFFF"/>
                 </a:solidFill>
@@ -47955,7 +48031,7 @@
                 <a16:creationId xmlns:a16="http://schemas.microsoft.com/office/drawing/2014/main" id="{81F2BFD0-D896-4BA3-BA8F-0C866BD0246E}"/>
               </a:ext>
               <a:ext uri="{C183D7F6-B498-43B3-948B-1728B52AA6E4}">
-                <adec:decorative xmlns:adec="http://schemas.microsoft.com/office/drawing/2017/decorative" val="1"/>
+                <adec:decorative xmlns:adec="http://schemas.microsoft.com/office/drawing/2017/decorative" xmlns="" val="1"/>
               </a:ext>
             </a:extLst>
           </p:cNvPr>
@@ -48001,7 +48077,7 @@
                   <a16:creationId xmlns:a16="http://schemas.microsoft.com/office/drawing/2014/main" id="{E768552D-D282-4F68-A829-290A4E83179E}"/>
                 </a:ext>
                 <a:ext uri="{C183D7F6-B498-43B3-948B-1728B52AA6E4}">
-                  <adec:decorative xmlns:adec="http://schemas.microsoft.com/office/drawing/2017/decorative" val="1"/>
+                  <adec:decorative xmlns:adec="http://schemas.microsoft.com/office/drawing/2017/decorative" xmlns="" val="1"/>
                 </a:ext>
               </a:extLst>
             </p:cNvPr>
@@ -48030,7 +48106,7 @@
             </a:ln>
             <a:extLst>
               <a:ext uri="{91240B29-F687-4f45-9708-019B960494DF}">
-                <a14:hiddenLine xmlns="" xmlns:a16="http://schemas.microsoft.com/office/drawing/2014/main" xmlns:p14="http://schemas.microsoft.com/office/powerpoint/2010/main" xmlns:dgm="http://schemas.openxmlformats.org/drawingml/2006/diagram" xmlns:a14="http://schemas.microsoft.com/office/drawing/2010/main" w="9525">
+                <a14:hiddenLine xmlns:a14="http://schemas.microsoft.com/office/drawing/2010/main" xmlns:dgm="http://schemas.openxmlformats.org/drawingml/2006/diagram" xmlns:p14="http://schemas.microsoft.com/office/powerpoint/2010/main" xmlns:a16="http://schemas.microsoft.com/office/drawing/2014/main" xmlns="" w="9525">
                   <a:solidFill>
                     <a:srgbClr val="000000"/>
                   </a:solidFill>
@@ -48050,7 +48126,7 @@
                   <a16:creationId xmlns:a16="http://schemas.microsoft.com/office/drawing/2014/main" id="{B24AFF31-9CD5-4E66-92F8-23BBAA24FB6A}"/>
                 </a:ext>
                 <a:ext uri="{C183D7F6-B498-43B3-948B-1728B52AA6E4}">
-                  <adec:decorative xmlns:adec="http://schemas.microsoft.com/office/drawing/2017/decorative" val="1"/>
+                  <adec:decorative xmlns:adec="http://schemas.microsoft.com/office/drawing/2017/decorative" xmlns="" val="1"/>
                 </a:ext>
               </a:extLst>
             </p:cNvPr>
@@ -48135,7 +48211,7 @@
             </a:ln>
             <a:extLst>
               <a:ext uri="{91240B29-F687-4f45-9708-019B960494DF}">
-                <a14:hiddenLine xmlns="" xmlns:a16="http://schemas.microsoft.com/office/drawing/2014/main" xmlns:p14="http://schemas.microsoft.com/office/powerpoint/2010/main" xmlns:dgm="http://schemas.openxmlformats.org/drawingml/2006/diagram" xmlns:a14="http://schemas.microsoft.com/office/drawing/2010/main" w="9525">
+                <a14:hiddenLine xmlns:a14="http://schemas.microsoft.com/office/drawing/2010/main" xmlns:dgm="http://schemas.openxmlformats.org/drawingml/2006/diagram" xmlns:p14="http://schemas.microsoft.com/office/powerpoint/2010/main" xmlns:a16="http://schemas.microsoft.com/office/drawing/2014/main" xmlns="" w="9525">
                   <a:solidFill>
                     <a:srgbClr val="000000"/>
                   </a:solidFill>
@@ -48155,7 +48231,7 @@
                   <a16:creationId xmlns:a16="http://schemas.microsoft.com/office/drawing/2014/main" id="{2267C9D4-1770-45DD-AAFC-481CD7F9AA80}"/>
                 </a:ext>
                 <a:ext uri="{C183D7F6-B498-43B3-948B-1728B52AA6E4}">
-                  <adec:decorative xmlns:adec="http://schemas.microsoft.com/office/drawing/2017/decorative" val="1"/>
+                  <adec:decorative xmlns:adec="http://schemas.microsoft.com/office/drawing/2017/decorative" xmlns="" val="1"/>
                 </a:ext>
               </a:extLst>
             </p:cNvPr>
@@ -48240,7 +48316,7 @@
             </a:ln>
             <a:extLst>
               <a:ext uri="{91240B29-F687-4f45-9708-019B960494DF}">
-                <a14:hiddenLine xmlns="" xmlns:a16="http://schemas.microsoft.com/office/drawing/2014/main" xmlns:p14="http://schemas.microsoft.com/office/powerpoint/2010/main" xmlns:dgm="http://schemas.openxmlformats.org/drawingml/2006/diagram" xmlns:a14="http://schemas.microsoft.com/office/drawing/2010/main" w="9525">
+                <a14:hiddenLine xmlns:a14="http://schemas.microsoft.com/office/drawing/2010/main" xmlns:dgm="http://schemas.openxmlformats.org/drawingml/2006/diagram" xmlns:p14="http://schemas.microsoft.com/office/powerpoint/2010/main" xmlns:a16="http://schemas.microsoft.com/office/drawing/2014/main" xmlns="" w="9525">
                   <a:solidFill>
                     <a:srgbClr val="000000"/>
                   </a:solidFill>
@@ -48260,7 +48336,7 @@
                   <a16:creationId xmlns:a16="http://schemas.microsoft.com/office/drawing/2014/main" id="{10DD6E0B-EC58-4D78-8125-AD2172CD2EB2}"/>
                 </a:ext>
                 <a:ext uri="{C183D7F6-B498-43B3-948B-1728B52AA6E4}">
-                  <adec:decorative xmlns:adec="http://schemas.microsoft.com/office/drawing/2017/decorative" val="1"/>
+                  <adec:decorative xmlns:adec="http://schemas.microsoft.com/office/drawing/2017/decorative" xmlns="" val="1"/>
                 </a:ext>
               </a:extLst>
             </p:cNvPr>
@@ -48317,7 +48393,7 @@
             </a:ln>
             <a:extLst>
               <a:ext uri="{91240B29-F687-4f45-9708-019B960494DF}">
-                <a14:hiddenLine xmlns="" xmlns:a16="http://schemas.microsoft.com/office/drawing/2014/main" xmlns:p14="http://schemas.microsoft.com/office/powerpoint/2010/main" xmlns:dgm="http://schemas.openxmlformats.org/drawingml/2006/diagram" xmlns:a14="http://schemas.microsoft.com/office/drawing/2010/main" w="9525">
+                <a14:hiddenLine xmlns:a14="http://schemas.microsoft.com/office/drawing/2010/main" xmlns:dgm="http://schemas.openxmlformats.org/drawingml/2006/diagram" xmlns:p14="http://schemas.microsoft.com/office/powerpoint/2010/main" xmlns:a16="http://schemas.microsoft.com/office/drawing/2014/main" xmlns="" w="9525">
                   <a:solidFill>
                     <a:srgbClr val="000000"/>
                   </a:solidFill>
@@ -48337,7 +48413,7 @@
                   <a16:creationId xmlns:a16="http://schemas.microsoft.com/office/drawing/2014/main" id="{23D6129D-742B-422D-A589-6692C1671511}"/>
                 </a:ext>
                 <a:ext uri="{C183D7F6-B498-43B3-948B-1728B52AA6E4}">
-                  <adec:decorative xmlns:adec="http://schemas.microsoft.com/office/drawing/2017/decorative" val="1"/>
+                  <adec:decorative xmlns:adec="http://schemas.microsoft.com/office/drawing/2017/decorative" xmlns="" val="1"/>
                 </a:ext>
               </a:extLst>
             </p:cNvPr>
@@ -48422,7 +48498,7 @@
             </a:ln>
             <a:extLst>
               <a:ext uri="{91240B29-F687-4f45-9708-019B960494DF}">
-                <a14:hiddenLine xmlns="" xmlns:a16="http://schemas.microsoft.com/office/drawing/2014/main" xmlns:p14="http://schemas.microsoft.com/office/powerpoint/2010/main" xmlns:dgm="http://schemas.openxmlformats.org/drawingml/2006/diagram" xmlns:a14="http://schemas.microsoft.com/office/drawing/2010/main" w="9525">
+                <a14:hiddenLine xmlns:a14="http://schemas.microsoft.com/office/drawing/2010/main" xmlns:dgm="http://schemas.openxmlformats.org/drawingml/2006/diagram" xmlns:p14="http://schemas.microsoft.com/office/powerpoint/2010/main" xmlns:a16="http://schemas.microsoft.com/office/drawing/2014/main" xmlns="" w="9525">
                   <a:solidFill>
                     <a:srgbClr val="000000"/>
                   </a:solidFill>
@@ -48442,7 +48518,7 @@
                   <a16:creationId xmlns:a16="http://schemas.microsoft.com/office/drawing/2014/main" id="{9EA94B27-F456-4ED8-8882-77632BDA0890}"/>
                 </a:ext>
                 <a:ext uri="{C183D7F6-B498-43B3-948B-1728B52AA6E4}">
-                  <adec:decorative xmlns:adec="http://schemas.microsoft.com/office/drawing/2017/decorative" val="1"/>
+                  <adec:decorative xmlns:adec="http://schemas.microsoft.com/office/drawing/2017/decorative" xmlns="" val="1"/>
                 </a:ext>
               </a:extLst>
             </p:cNvPr>
@@ -48499,7 +48575,7 @@
             </a:ln>
             <a:extLst>
               <a:ext uri="{91240B29-F687-4f45-9708-019B960494DF}">
-                <a14:hiddenLine xmlns="" xmlns:a16="http://schemas.microsoft.com/office/drawing/2014/main" xmlns:p14="http://schemas.microsoft.com/office/powerpoint/2010/main" xmlns:dgm="http://schemas.openxmlformats.org/drawingml/2006/diagram" xmlns:a14="http://schemas.microsoft.com/office/drawing/2010/main" w="9525">
+                <a14:hiddenLine xmlns:a14="http://schemas.microsoft.com/office/drawing/2010/main" xmlns:dgm="http://schemas.openxmlformats.org/drawingml/2006/diagram" xmlns:p14="http://schemas.microsoft.com/office/powerpoint/2010/main" xmlns:a16="http://schemas.microsoft.com/office/drawing/2014/main" xmlns="" w="9525">
                   <a:solidFill>
                     <a:srgbClr val="000000"/>
                   </a:solidFill>
@@ -48519,7 +48595,7 @@
                   <a16:creationId xmlns:a16="http://schemas.microsoft.com/office/drawing/2014/main" id="{5B7F96AD-560C-44A0-A513-B06758743D30}"/>
                 </a:ext>
                 <a:ext uri="{C183D7F6-B498-43B3-948B-1728B52AA6E4}">
-                  <adec:decorative xmlns:adec="http://schemas.microsoft.com/office/drawing/2017/decorative" val="1"/>
+                  <adec:decorative xmlns:adec="http://schemas.microsoft.com/office/drawing/2017/decorative" xmlns="" val="1"/>
                 </a:ext>
               </a:extLst>
             </p:cNvPr>
@@ -48576,7 +48652,7 @@
             </a:ln>
             <a:extLst>
               <a:ext uri="{91240B29-F687-4f45-9708-019B960494DF}">
-                <a14:hiddenLine xmlns="" xmlns:a16="http://schemas.microsoft.com/office/drawing/2014/main" xmlns:p14="http://schemas.microsoft.com/office/powerpoint/2010/main" xmlns:dgm="http://schemas.openxmlformats.org/drawingml/2006/diagram" xmlns:a14="http://schemas.microsoft.com/office/drawing/2010/main" w="9525">
+                <a14:hiddenLine xmlns:a14="http://schemas.microsoft.com/office/drawing/2010/main" xmlns:dgm="http://schemas.openxmlformats.org/drawingml/2006/diagram" xmlns:p14="http://schemas.microsoft.com/office/powerpoint/2010/main" xmlns:a16="http://schemas.microsoft.com/office/drawing/2014/main" xmlns="" w="9525">
                   <a:solidFill>
                     <a:srgbClr val="000000"/>
                   </a:solidFill>
@@ -48596,7 +48672,7 @@
                   <a16:creationId xmlns:a16="http://schemas.microsoft.com/office/drawing/2014/main" id="{86701218-3235-4E29-9935-1315B5CCAAD7}"/>
                 </a:ext>
                 <a:ext uri="{C183D7F6-B498-43B3-948B-1728B52AA6E4}">
-                  <adec:decorative xmlns:adec="http://schemas.microsoft.com/office/drawing/2017/decorative" val="1"/>
+                  <adec:decorative xmlns:adec="http://schemas.microsoft.com/office/drawing/2017/decorative" xmlns="" val="1"/>
                 </a:ext>
               </a:extLst>
             </p:cNvPr>
@@ -48681,7 +48757,7 @@
             </a:ln>
             <a:extLst>
               <a:ext uri="{91240B29-F687-4f45-9708-019B960494DF}">
-                <a14:hiddenLine xmlns="" xmlns:a16="http://schemas.microsoft.com/office/drawing/2014/main" xmlns:p14="http://schemas.microsoft.com/office/powerpoint/2010/main" xmlns:dgm="http://schemas.openxmlformats.org/drawingml/2006/diagram" xmlns:a14="http://schemas.microsoft.com/office/drawing/2010/main" w="9525">
+                <a14:hiddenLine xmlns:a14="http://schemas.microsoft.com/office/drawing/2010/main" xmlns:dgm="http://schemas.openxmlformats.org/drawingml/2006/diagram" xmlns:p14="http://schemas.microsoft.com/office/powerpoint/2010/main" xmlns:a16="http://schemas.microsoft.com/office/drawing/2014/main" xmlns="" w="9525">
                   <a:solidFill>
                     <a:srgbClr val="000000"/>
                   </a:solidFill>
@@ -48701,7 +48777,7 @@
                   <a16:creationId xmlns:a16="http://schemas.microsoft.com/office/drawing/2014/main" id="{046B7BE0-D335-42EA-9893-4FA7654F1FDC}"/>
                 </a:ext>
                 <a:ext uri="{C183D7F6-B498-43B3-948B-1728B52AA6E4}">
-                  <adec:decorative xmlns:adec="http://schemas.microsoft.com/office/drawing/2017/decorative" val="1"/>
+                  <adec:decorative xmlns:adec="http://schemas.microsoft.com/office/drawing/2017/decorative" xmlns="" val="1"/>
                 </a:ext>
               </a:extLst>
             </p:cNvPr>
@@ -48786,7 +48862,7 @@
             </a:ln>
             <a:extLst>
               <a:ext uri="{91240B29-F687-4f45-9708-019B960494DF}">
-                <a14:hiddenLine xmlns="" xmlns:a16="http://schemas.microsoft.com/office/drawing/2014/main" xmlns:p14="http://schemas.microsoft.com/office/powerpoint/2010/main" xmlns:dgm="http://schemas.openxmlformats.org/drawingml/2006/diagram" xmlns:a14="http://schemas.microsoft.com/office/drawing/2010/main" w="9525">
+                <a14:hiddenLine xmlns:a14="http://schemas.microsoft.com/office/drawing/2010/main" xmlns:dgm="http://schemas.openxmlformats.org/drawingml/2006/diagram" xmlns:p14="http://schemas.microsoft.com/office/powerpoint/2010/main" xmlns:a16="http://schemas.microsoft.com/office/drawing/2014/main" xmlns="" w="9525">
                   <a:solidFill>
                     <a:srgbClr val="000000"/>
                   </a:solidFill>
@@ -48806,7 +48882,7 @@
                   <a16:creationId xmlns:a16="http://schemas.microsoft.com/office/drawing/2014/main" id="{1CE912BA-808B-403C-B26F-8083A682EF54}"/>
                 </a:ext>
                 <a:ext uri="{C183D7F6-B498-43B3-948B-1728B52AA6E4}">
-                  <adec:decorative xmlns:adec="http://schemas.microsoft.com/office/drawing/2017/decorative" val="1"/>
+                  <adec:decorative xmlns:adec="http://schemas.microsoft.com/office/drawing/2017/decorative" xmlns="" val="1"/>
                 </a:ext>
               </a:extLst>
             </p:cNvPr>
@@ -48863,7 +48939,7 @@
             </a:ln>
             <a:extLst>
               <a:ext uri="{91240B29-F687-4f45-9708-019B960494DF}">
-                <a14:hiddenLine xmlns="" xmlns:a16="http://schemas.microsoft.com/office/drawing/2014/main" xmlns:p14="http://schemas.microsoft.com/office/powerpoint/2010/main" xmlns:dgm="http://schemas.openxmlformats.org/drawingml/2006/diagram" xmlns:a14="http://schemas.microsoft.com/office/drawing/2010/main" w="9525">
+                <a14:hiddenLine xmlns:a14="http://schemas.microsoft.com/office/drawing/2010/main" xmlns:dgm="http://schemas.openxmlformats.org/drawingml/2006/diagram" xmlns:p14="http://schemas.microsoft.com/office/powerpoint/2010/main" xmlns:a16="http://schemas.microsoft.com/office/drawing/2014/main" xmlns="" w="9525">
                   <a:solidFill>
                     <a:srgbClr val="000000"/>
                   </a:solidFill>
@@ -48883,7 +48959,7 @@
                   <a16:creationId xmlns:a16="http://schemas.microsoft.com/office/drawing/2014/main" id="{D974F65A-298C-4395-B461-99B9B49A071B}"/>
                 </a:ext>
                 <a:ext uri="{C183D7F6-B498-43B3-948B-1728B52AA6E4}">
-                  <adec:decorative xmlns:adec="http://schemas.microsoft.com/office/drawing/2017/decorative" val="1"/>
+                  <adec:decorative xmlns:adec="http://schemas.microsoft.com/office/drawing/2017/decorative" xmlns="" val="1"/>
                 </a:ext>
               </a:extLst>
             </p:cNvPr>
@@ -48988,7 +49064,7 @@
             </a:ln>
             <a:extLst>
               <a:ext uri="{91240B29-F687-4f45-9708-019B960494DF}">
-                <a14:hiddenLine xmlns="" xmlns:a16="http://schemas.microsoft.com/office/drawing/2014/main" xmlns:p14="http://schemas.microsoft.com/office/powerpoint/2010/main" xmlns:dgm="http://schemas.openxmlformats.org/drawingml/2006/diagram" xmlns:a14="http://schemas.microsoft.com/office/drawing/2010/main" w="9525">
+                <a14:hiddenLine xmlns:a14="http://schemas.microsoft.com/office/drawing/2010/main" xmlns:dgm="http://schemas.openxmlformats.org/drawingml/2006/diagram" xmlns:p14="http://schemas.microsoft.com/office/powerpoint/2010/main" xmlns:a16="http://schemas.microsoft.com/office/drawing/2014/main" xmlns="" w="9525">
                   <a:solidFill>
                     <a:srgbClr val="000000"/>
                   </a:solidFill>
@@ -49008,7 +49084,7 @@
                   <a16:creationId xmlns:a16="http://schemas.microsoft.com/office/drawing/2014/main" id="{700B2930-989F-49DC-B909-8150145AD09C}"/>
                 </a:ext>
                 <a:ext uri="{C183D7F6-B498-43B3-948B-1728B52AA6E4}">
-                  <adec:decorative xmlns:adec="http://schemas.microsoft.com/office/drawing/2017/decorative" val="1"/>
+                  <adec:decorative xmlns:adec="http://schemas.microsoft.com/office/drawing/2017/decorative" xmlns="" val="1"/>
                 </a:ext>
               </a:extLst>
             </p:cNvPr>
@@ -49051,7 +49127,7 @@
                   <a16:creationId xmlns:a16="http://schemas.microsoft.com/office/drawing/2014/main" id="{795CB5A4-5145-4F55-95D0-6FB820C846C5}"/>
                 </a:ext>
                 <a:ext uri="{C183D7F6-B498-43B3-948B-1728B52AA6E4}">
-                  <adec:decorative xmlns:adec="http://schemas.microsoft.com/office/drawing/2017/decorative" val="1"/>
+                  <adec:decorative xmlns:adec="http://schemas.microsoft.com/office/drawing/2017/decorative" xmlns="" val="1"/>
                 </a:ext>
               </a:extLst>
             </p:cNvPr>
@@ -49102,7 +49178,7 @@
             </a:ln>
             <a:extLst>
               <a:ext uri="{91240B29-F687-4f45-9708-019B960494DF}">
-                <a14:hiddenLine xmlns="" xmlns:a16="http://schemas.microsoft.com/office/drawing/2014/main" xmlns:p14="http://schemas.microsoft.com/office/powerpoint/2010/main" xmlns:dgm="http://schemas.openxmlformats.org/drawingml/2006/diagram" xmlns:a14="http://schemas.microsoft.com/office/drawing/2010/main" w="9525">
+                <a14:hiddenLine xmlns:a14="http://schemas.microsoft.com/office/drawing/2010/main" xmlns:dgm="http://schemas.openxmlformats.org/drawingml/2006/diagram" xmlns:p14="http://schemas.microsoft.com/office/powerpoint/2010/main" xmlns:a16="http://schemas.microsoft.com/office/drawing/2014/main" xmlns="" w="9525">
                   <a:solidFill>
                     <a:srgbClr val="000000"/>
                   </a:solidFill>
@@ -49122,7 +49198,7 @@
                   <a16:creationId xmlns:a16="http://schemas.microsoft.com/office/drawing/2014/main" id="{54BB8F48-D800-442A-A603-979FE924B485}"/>
                 </a:ext>
                 <a:ext uri="{C183D7F6-B498-43B3-948B-1728B52AA6E4}">
-                  <adec:decorative xmlns:adec="http://schemas.microsoft.com/office/drawing/2017/decorative" val="1"/>
+                  <adec:decorative xmlns:adec="http://schemas.microsoft.com/office/drawing/2017/decorative" xmlns="" val="1"/>
                 </a:ext>
               </a:extLst>
             </p:cNvPr>
@@ -49179,7 +49255,7 @@
             </a:ln>
             <a:extLst>
               <a:ext uri="{91240B29-F687-4f45-9708-019B960494DF}">
-                <a14:hiddenLine xmlns="" xmlns:a16="http://schemas.microsoft.com/office/drawing/2014/main" xmlns:p14="http://schemas.microsoft.com/office/powerpoint/2010/main" xmlns:dgm="http://schemas.openxmlformats.org/drawingml/2006/diagram" xmlns:a14="http://schemas.microsoft.com/office/drawing/2010/main" w="9525">
+                <a14:hiddenLine xmlns:a14="http://schemas.microsoft.com/office/drawing/2010/main" xmlns:dgm="http://schemas.openxmlformats.org/drawingml/2006/diagram" xmlns:p14="http://schemas.microsoft.com/office/powerpoint/2010/main" xmlns:a16="http://schemas.microsoft.com/office/drawing/2014/main" xmlns="" w="9525">
                   <a:solidFill>
                     <a:srgbClr val="000000"/>
                   </a:solidFill>
@@ -49199,7 +49275,7 @@
                   <a16:creationId xmlns:a16="http://schemas.microsoft.com/office/drawing/2014/main" id="{6E863078-201C-4DC0-8D49-077300CE5098}"/>
                 </a:ext>
                 <a:ext uri="{C183D7F6-B498-43B3-948B-1728B52AA6E4}">
-                  <adec:decorative xmlns:adec="http://schemas.microsoft.com/office/drawing/2017/decorative" val="1"/>
+                  <adec:decorative xmlns:adec="http://schemas.microsoft.com/office/drawing/2017/decorative" xmlns="" val="1"/>
                 </a:ext>
               </a:extLst>
             </p:cNvPr>
@@ -49256,7 +49332,7 @@
             </a:ln>
             <a:extLst>
               <a:ext uri="{91240B29-F687-4f45-9708-019B960494DF}">
-                <a14:hiddenLine xmlns="" xmlns:a16="http://schemas.microsoft.com/office/drawing/2014/main" xmlns:p14="http://schemas.microsoft.com/office/powerpoint/2010/main" xmlns:dgm="http://schemas.openxmlformats.org/drawingml/2006/diagram" xmlns:a14="http://schemas.microsoft.com/office/drawing/2010/main" w="9525">
+                <a14:hiddenLine xmlns:a14="http://schemas.microsoft.com/office/drawing/2010/main" xmlns:dgm="http://schemas.openxmlformats.org/drawingml/2006/diagram" xmlns:p14="http://schemas.microsoft.com/office/powerpoint/2010/main" xmlns:a16="http://schemas.microsoft.com/office/drawing/2014/main" xmlns="" w="9525">
                   <a:solidFill>
                     <a:srgbClr val="000000"/>
                   </a:solidFill>
@@ -49276,7 +49352,7 @@
                   <a16:creationId xmlns:a16="http://schemas.microsoft.com/office/drawing/2014/main" id="{6A07EBB6-75B0-4867-9AAF-7A645F41484F}"/>
                 </a:ext>
                 <a:ext uri="{C183D7F6-B498-43B3-948B-1728B52AA6E4}">
-                  <adec:decorative xmlns:adec="http://schemas.microsoft.com/office/drawing/2017/decorative" val="1"/>
+                  <adec:decorative xmlns:adec="http://schemas.microsoft.com/office/drawing/2017/decorative" xmlns="" val="1"/>
                 </a:ext>
               </a:extLst>
             </p:cNvPr>
@@ -49361,7 +49437,7 @@
             </a:ln>
             <a:extLst>
               <a:ext uri="{91240B29-F687-4f45-9708-019B960494DF}">
-                <a14:hiddenLine xmlns="" xmlns:a16="http://schemas.microsoft.com/office/drawing/2014/main" xmlns:p14="http://schemas.microsoft.com/office/powerpoint/2010/main" xmlns:dgm="http://schemas.openxmlformats.org/drawingml/2006/diagram" xmlns:a14="http://schemas.microsoft.com/office/drawing/2010/main" w="9525">
+                <a14:hiddenLine xmlns:a14="http://schemas.microsoft.com/office/drawing/2010/main" xmlns:dgm="http://schemas.openxmlformats.org/drawingml/2006/diagram" xmlns:p14="http://schemas.microsoft.com/office/powerpoint/2010/main" xmlns:a16="http://schemas.microsoft.com/office/drawing/2014/main" xmlns="" w="9525">
                   <a:solidFill>
                     <a:srgbClr val="000000"/>
                   </a:solidFill>
@@ -49381,7 +49457,7 @@
                   <a16:creationId xmlns:a16="http://schemas.microsoft.com/office/drawing/2014/main" id="{FA40A456-C685-468E-802E-FC9DF586AFD6}"/>
                 </a:ext>
                 <a:ext uri="{C183D7F6-B498-43B3-948B-1728B52AA6E4}">
-                  <adec:decorative xmlns:adec="http://schemas.microsoft.com/office/drawing/2017/decorative" val="1"/>
+                  <adec:decorative xmlns:adec="http://schemas.microsoft.com/office/drawing/2017/decorative" xmlns="" val="1"/>
                 </a:ext>
               </a:extLst>
             </p:cNvPr>
@@ -49410,7 +49486,7 @@
             </a:ln>
             <a:extLst>
               <a:ext uri="{91240B29-F687-4f45-9708-019B960494DF}">
-                <a14:hiddenLine xmlns="" xmlns:a16="http://schemas.microsoft.com/office/drawing/2014/main" xmlns:p14="http://schemas.microsoft.com/office/powerpoint/2010/main" xmlns:dgm="http://schemas.openxmlformats.org/drawingml/2006/diagram" xmlns:a14="http://schemas.microsoft.com/office/drawing/2010/main" w="9525">
+                <a14:hiddenLine xmlns:a14="http://schemas.microsoft.com/office/drawing/2010/main" xmlns:dgm="http://schemas.openxmlformats.org/drawingml/2006/diagram" xmlns:p14="http://schemas.microsoft.com/office/powerpoint/2010/main" xmlns:a16="http://schemas.microsoft.com/office/drawing/2014/main" xmlns="" w="9525">
                   <a:solidFill>
                     <a:srgbClr val="000000"/>
                   </a:solidFill>
@@ -49430,7 +49506,7 @@
                   <a16:creationId xmlns:a16="http://schemas.microsoft.com/office/drawing/2014/main" id="{F101202F-1B2A-414C-83B7-9327E599C695}"/>
                 </a:ext>
                 <a:ext uri="{C183D7F6-B498-43B3-948B-1728B52AA6E4}">
-                  <adec:decorative xmlns:adec="http://schemas.microsoft.com/office/drawing/2017/decorative" val="1"/>
+                  <adec:decorative xmlns:adec="http://schemas.microsoft.com/office/drawing/2017/decorative" xmlns="" val="1"/>
                 </a:ext>
               </a:extLst>
             </p:cNvPr>
@@ -49490,7 +49566,7 @@
             </a:ln>
             <a:extLst>
               <a:ext uri="{91240B29-F687-4f45-9708-019B960494DF}">
-                <a14:hiddenLine xmlns="" xmlns:a16="http://schemas.microsoft.com/office/drawing/2014/main" xmlns:p14="http://schemas.microsoft.com/office/powerpoint/2010/main" xmlns:dgm="http://schemas.openxmlformats.org/drawingml/2006/diagram" xmlns:a14="http://schemas.microsoft.com/office/drawing/2010/main" w="9525">
+                <a14:hiddenLine xmlns:a14="http://schemas.microsoft.com/office/drawing/2010/main" xmlns:dgm="http://schemas.openxmlformats.org/drawingml/2006/diagram" xmlns:p14="http://schemas.microsoft.com/office/powerpoint/2010/main" xmlns:a16="http://schemas.microsoft.com/office/drawing/2014/main" xmlns="" w="9525">
                   <a:solidFill>
                     <a:srgbClr val="000000"/>
                   </a:solidFill>
@@ -49510,7 +49586,7 @@
                   <a16:creationId xmlns:a16="http://schemas.microsoft.com/office/drawing/2014/main" id="{4CC9B21F-B169-47E9-9B97-3BB645B29CFE}"/>
                 </a:ext>
                 <a:ext uri="{C183D7F6-B498-43B3-948B-1728B52AA6E4}">
-                  <adec:decorative xmlns:adec="http://schemas.microsoft.com/office/drawing/2017/decorative" val="1"/>
+                  <adec:decorative xmlns:adec="http://schemas.microsoft.com/office/drawing/2017/decorative" xmlns="" val="1"/>
                 </a:ext>
               </a:extLst>
             </p:cNvPr>
@@ -49595,7 +49671,7 @@
             </a:ln>
             <a:extLst>
               <a:ext uri="{91240B29-F687-4f45-9708-019B960494DF}">
-                <a14:hiddenLine xmlns="" xmlns:a16="http://schemas.microsoft.com/office/drawing/2014/main" xmlns:p14="http://schemas.microsoft.com/office/powerpoint/2010/main" xmlns:dgm="http://schemas.openxmlformats.org/drawingml/2006/diagram" xmlns:a14="http://schemas.microsoft.com/office/drawing/2010/main" w="9525">
+                <a14:hiddenLine xmlns:a14="http://schemas.microsoft.com/office/drawing/2010/main" xmlns:dgm="http://schemas.openxmlformats.org/drawingml/2006/diagram" xmlns:p14="http://schemas.microsoft.com/office/powerpoint/2010/main" xmlns:a16="http://schemas.microsoft.com/office/drawing/2014/main" xmlns="" w="9525">
                   <a:solidFill>
                     <a:srgbClr val="000000"/>
                   </a:solidFill>
@@ -49615,7 +49691,7 @@
                   <a16:creationId xmlns:a16="http://schemas.microsoft.com/office/drawing/2014/main" id="{BC5FF733-2B71-4734-AD6A-5B35D99A357B}"/>
                 </a:ext>
                 <a:ext uri="{C183D7F6-B498-43B3-948B-1728B52AA6E4}">
-                  <adec:decorative xmlns:adec="http://schemas.microsoft.com/office/drawing/2017/decorative" val="1"/>
+                  <adec:decorative xmlns:adec="http://schemas.microsoft.com/office/drawing/2017/decorative" xmlns="" val="1"/>
                 </a:ext>
               </a:extLst>
             </p:cNvPr>
@@ -49672,7 +49748,7 @@
             </a:ln>
             <a:extLst>
               <a:ext uri="{91240B29-F687-4f45-9708-019B960494DF}">
-                <a14:hiddenLine xmlns="" xmlns:a16="http://schemas.microsoft.com/office/drawing/2014/main" xmlns:p14="http://schemas.microsoft.com/office/powerpoint/2010/main" xmlns:dgm="http://schemas.openxmlformats.org/drawingml/2006/diagram" xmlns:a14="http://schemas.microsoft.com/office/drawing/2010/main" w="9525">
+                <a14:hiddenLine xmlns:a14="http://schemas.microsoft.com/office/drawing/2010/main" xmlns:dgm="http://schemas.openxmlformats.org/drawingml/2006/diagram" xmlns:p14="http://schemas.microsoft.com/office/powerpoint/2010/main" xmlns:a16="http://schemas.microsoft.com/office/drawing/2014/main" xmlns="" w="9525">
                   <a:solidFill>
                     <a:srgbClr val="000000"/>
                   </a:solidFill>
@@ -49692,7 +49768,7 @@
                   <a16:creationId xmlns:a16="http://schemas.microsoft.com/office/drawing/2014/main" id="{0BCEB342-9AFC-4DCB-B92F-E08DC9594A94}"/>
                 </a:ext>
                 <a:ext uri="{C183D7F6-B498-43B3-948B-1728B52AA6E4}">
-                  <adec:decorative xmlns:adec="http://schemas.microsoft.com/office/drawing/2017/decorative" val="1"/>
+                  <adec:decorative xmlns:adec="http://schemas.microsoft.com/office/drawing/2017/decorative" xmlns="" val="1"/>
                 </a:ext>
               </a:extLst>
             </p:cNvPr>
@@ -49777,7 +49853,7 @@
             </a:ln>
             <a:extLst>
               <a:ext uri="{91240B29-F687-4f45-9708-019B960494DF}">
-                <a14:hiddenLine xmlns="" xmlns:a16="http://schemas.microsoft.com/office/drawing/2014/main" xmlns:p14="http://schemas.microsoft.com/office/powerpoint/2010/main" xmlns:dgm="http://schemas.openxmlformats.org/drawingml/2006/diagram" xmlns:a14="http://schemas.microsoft.com/office/drawing/2010/main" w="9525">
+                <a14:hiddenLine xmlns:a14="http://schemas.microsoft.com/office/drawing/2010/main" xmlns:dgm="http://schemas.openxmlformats.org/drawingml/2006/diagram" xmlns:p14="http://schemas.microsoft.com/office/powerpoint/2010/main" xmlns:a16="http://schemas.microsoft.com/office/drawing/2014/main" xmlns="" w="9525">
                   <a:solidFill>
                     <a:srgbClr val="000000"/>
                   </a:solidFill>
@@ -49797,7 +49873,7 @@
                   <a16:creationId xmlns:a16="http://schemas.microsoft.com/office/drawing/2014/main" id="{3B9B4933-5C48-49CF-9C6A-A29413150C75}"/>
                 </a:ext>
                 <a:ext uri="{C183D7F6-B498-43B3-948B-1728B52AA6E4}">
-                  <adec:decorative xmlns:adec="http://schemas.microsoft.com/office/drawing/2017/decorative" val="1"/>
+                  <adec:decorative xmlns:adec="http://schemas.microsoft.com/office/drawing/2017/decorative" xmlns="" val="1"/>
                 </a:ext>
               </a:extLst>
             </p:cNvPr>
@@ -49857,7 +49933,7 @@
             </a:ln>
             <a:extLst>
               <a:ext uri="{91240B29-F687-4f45-9708-019B960494DF}">
-                <a14:hiddenLine xmlns="" xmlns:a16="http://schemas.microsoft.com/office/drawing/2014/main" xmlns:p14="http://schemas.microsoft.com/office/powerpoint/2010/main" xmlns:dgm="http://schemas.openxmlformats.org/drawingml/2006/diagram" xmlns:a14="http://schemas.microsoft.com/office/drawing/2010/main" w="9525">
+                <a14:hiddenLine xmlns:a14="http://schemas.microsoft.com/office/drawing/2010/main" xmlns:dgm="http://schemas.openxmlformats.org/drawingml/2006/diagram" xmlns:p14="http://schemas.microsoft.com/office/powerpoint/2010/main" xmlns:a16="http://schemas.microsoft.com/office/drawing/2014/main" xmlns="" w="9525">
                   <a:solidFill>
                     <a:srgbClr val="000000"/>
                   </a:solidFill>
@@ -49877,7 +49953,7 @@
                   <a16:creationId xmlns:a16="http://schemas.microsoft.com/office/drawing/2014/main" id="{404FC76C-600A-482C-8386-F77ACBCCA557}"/>
                 </a:ext>
                 <a:ext uri="{C183D7F6-B498-43B3-948B-1728B52AA6E4}">
-                  <adec:decorative xmlns:adec="http://schemas.microsoft.com/office/drawing/2017/decorative" val="1"/>
+                  <adec:decorative xmlns:adec="http://schemas.microsoft.com/office/drawing/2017/decorative" xmlns="" val="1"/>
                 </a:ext>
               </a:extLst>
             </p:cNvPr>
@@ -49934,7 +50010,7 @@
             </a:ln>
             <a:extLst>
               <a:ext uri="{91240B29-F687-4f45-9708-019B960494DF}">
-                <a14:hiddenLine xmlns="" xmlns:a16="http://schemas.microsoft.com/office/drawing/2014/main" xmlns:p14="http://schemas.microsoft.com/office/powerpoint/2010/main" xmlns:dgm="http://schemas.openxmlformats.org/drawingml/2006/diagram" xmlns:a14="http://schemas.microsoft.com/office/drawing/2010/main" w="9525">
+                <a14:hiddenLine xmlns:a14="http://schemas.microsoft.com/office/drawing/2010/main" xmlns:dgm="http://schemas.openxmlformats.org/drawingml/2006/diagram" xmlns:p14="http://schemas.microsoft.com/office/powerpoint/2010/main" xmlns:a16="http://schemas.microsoft.com/office/drawing/2014/main" xmlns="" w="9525">
                   <a:solidFill>
                     <a:srgbClr val="000000"/>
                   </a:solidFill>
@@ -49954,7 +50030,7 @@
                   <a16:creationId xmlns:a16="http://schemas.microsoft.com/office/drawing/2014/main" id="{E8C5D50B-A590-4AAE-A748-113B62DADAA7}"/>
                 </a:ext>
                 <a:ext uri="{C183D7F6-B498-43B3-948B-1728B52AA6E4}">
-                  <adec:decorative xmlns:adec="http://schemas.microsoft.com/office/drawing/2017/decorative" val="1"/>
+                  <adec:decorative xmlns:adec="http://schemas.microsoft.com/office/drawing/2017/decorative" xmlns="" val="1"/>
                 </a:ext>
               </a:extLst>
             </p:cNvPr>
@@ -50039,7 +50115,7 @@
             </a:ln>
             <a:extLst>
               <a:ext uri="{91240B29-F687-4f45-9708-019B960494DF}">
-                <a14:hiddenLine xmlns="" xmlns:a16="http://schemas.microsoft.com/office/drawing/2014/main" xmlns:p14="http://schemas.microsoft.com/office/powerpoint/2010/main" xmlns:dgm="http://schemas.openxmlformats.org/drawingml/2006/diagram" xmlns:a14="http://schemas.microsoft.com/office/drawing/2010/main" w="9525">
+                <a14:hiddenLine xmlns:a14="http://schemas.microsoft.com/office/drawing/2010/main" xmlns:dgm="http://schemas.openxmlformats.org/drawingml/2006/diagram" xmlns:p14="http://schemas.microsoft.com/office/powerpoint/2010/main" xmlns:a16="http://schemas.microsoft.com/office/drawing/2014/main" xmlns="" w="9525">
                   <a:solidFill>
                     <a:srgbClr val="000000"/>
                   </a:solidFill>
@@ -50059,7 +50135,7 @@
                   <a16:creationId xmlns:a16="http://schemas.microsoft.com/office/drawing/2014/main" id="{6C045F21-7031-4278-BFEE-A9E856ADA9A1}"/>
                 </a:ext>
                 <a:ext uri="{C183D7F6-B498-43B3-948B-1728B52AA6E4}">
-                  <adec:decorative xmlns:adec="http://schemas.microsoft.com/office/drawing/2017/decorative" val="1"/>
+                  <adec:decorative xmlns:adec="http://schemas.microsoft.com/office/drawing/2017/decorative" xmlns="" val="1"/>
                 </a:ext>
               </a:extLst>
             </p:cNvPr>
@@ -50144,7 +50220,7 @@
             </a:ln>
             <a:extLst>
               <a:ext uri="{91240B29-F687-4f45-9708-019B960494DF}">
-                <a14:hiddenLine xmlns="" xmlns:a16="http://schemas.microsoft.com/office/drawing/2014/main" xmlns:p14="http://schemas.microsoft.com/office/powerpoint/2010/main" xmlns:dgm="http://schemas.openxmlformats.org/drawingml/2006/diagram" xmlns:a14="http://schemas.microsoft.com/office/drawing/2010/main" w="9525">
+                <a14:hiddenLine xmlns:a14="http://schemas.microsoft.com/office/drawing/2010/main" xmlns:dgm="http://schemas.openxmlformats.org/drawingml/2006/diagram" xmlns:p14="http://schemas.microsoft.com/office/powerpoint/2010/main" xmlns:a16="http://schemas.microsoft.com/office/drawing/2014/main" xmlns="" w="9525">
                   <a:solidFill>
                     <a:srgbClr val="000000"/>
                   </a:solidFill>
@@ -50164,7 +50240,7 @@
                   <a16:creationId xmlns:a16="http://schemas.microsoft.com/office/drawing/2014/main" id="{20EE11A6-3412-4362-8A81-592A15F2A1CE}"/>
                 </a:ext>
                 <a:ext uri="{C183D7F6-B498-43B3-948B-1728B52AA6E4}">
-                  <adec:decorative xmlns:adec="http://schemas.microsoft.com/office/drawing/2017/decorative" val="1"/>
+                  <adec:decorative xmlns:adec="http://schemas.microsoft.com/office/drawing/2017/decorative" xmlns="" val="1"/>
                 </a:ext>
               </a:extLst>
             </p:cNvPr>
@@ -50224,7 +50300,7 @@
             </a:ln>
             <a:extLst>
               <a:ext uri="{91240B29-F687-4f45-9708-019B960494DF}">
-                <a14:hiddenLine xmlns="" xmlns:a16="http://schemas.microsoft.com/office/drawing/2014/main" xmlns:p14="http://schemas.microsoft.com/office/powerpoint/2010/main" xmlns:dgm="http://schemas.openxmlformats.org/drawingml/2006/diagram" xmlns:a14="http://schemas.microsoft.com/office/drawing/2010/main" w="9525">
+                <a14:hiddenLine xmlns:a14="http://schemas.microsoft.com/office/drawing/2010/main" xmlns:dgm="http://schemas.openxmlformats.org/drawingml/2006/diagram" xmlns:p14="http://schemas.microsoft.com/office/powerpoint/2010/main" xmlns:a16="http://schemas.microsoft.com/office/drawing/2014/main" xmlns="" w="9525">
                   <a:solidFill>
                     <a:srgbClr val="000000"/>
                   </a:solidFill>
@@ -50244,7 +50320,7 @@
                   <a16:creationId xmlns:a16="http://schemas.microsoft.com/office/drawing/2014/main" id="{A376EBB9-93F5-4B6F-95B3-C36B6C851ED1}"/>
                 </a:ext>
                 <a:ext uri="{C183D7F6-B498-43B3-948B-1728B52AA6E4}">
-                  <adec:decorative xmlns:adec="http://schemas.microsoft.com/office/drawing/2017/decorative" val="1"/>
+                  <adec:decorative xmlns:adec="http://schemas.microsoft.com/office/drawing/2017/decorative" xmlns="" val="1"/>
                 </a:ext>
               </a:extLst>
             </p:cNvPr>
@@ -50359,7 +50435,7 @@
             </a:ln>
             <a:extLst>
               <a:ext uri="{91240B29-F687-4f45-9708-019B960494DF}">
-                <a14:hiddenLine xmlns="" xmlns:a16="http://schemas.microsoft.com/office/drawing/2014/main" xmlns:p14="http://schemas.microsoft.com/office/powerpoint/2010/main" xmlns:dgm="http://schemas.openxmlformats.org/drawingml/2006/diagram" xmlns:a14="http://schemas.microsoft.com/office/drawing/2010/main" w="9525">
+                <a14:hiddenLine xmlns:a14="http://schemas.microsoft.com/office/drawing/2010/main" xmlns:dgm="http://schemas.openxmlformats.org/drawingml/2006/diagram" xmlns:p14="http://schemas.microsoft.com/office/powerpoint/2010/main" xmlns:a16="http://schemas.microsoft.com/office/drawing/2014/main" xmlns="" w="9525">
                   <a:solidFill>
                     <a:srgbClr val="000000"/>
                   </a:solidFill>
@@ -50384,8 +50460,8 @@
         </p:nvSpPr>
         <p:spPr>
           <a:xfrm>
-            <a:off x="853330" y="1254035"/>
-            <a:ext cx="2926190" cy="4002222"/>
+            <a:off x="1020762" y="1254035"/>
+            <a:ext cx="2758758" cy="4002222"/>
           </a:xfrm>
         </p:spPr>
         <p:txBody>
@@ -50395,14 +50471,14 @@
           <a:lstStyle/>
           <a:p>
             <a:r>
-              <a:rPr lang="en-AU" b="1" u="sng">
+              <a:rPr lang="en-AU" sz="5400" b="1" u="sng" dirty="0">
                 <a:solidFill>
                   <a:srgbClr val="FFFFFF"/>
                 </a:solidFill>
               </a:rPr>
               <a:t>Scatter Plot</a:t>
             </a:r>
-            <a:endParaRPr lang="en-IN" u="sng">
+            <a:endParaRPr lang="en-IN" sz="5400" u="sng" dirty="0">
               <a:solidFill>
                 <a:srgbClr val="FFFFFF"/>
               </a:solidFill>
@@ -50418,7 +50494,7 @@
                 <a16:creationId xmlns:a16="http://schemas.microsoft.com/office/drawing/2014/main" id="{092ADBCF-B973-4C52-B740-4963E95B35C5}"/>
               </a:ext>
               <a:ext uri="{C183D7F6-B498-43B3-948B-1728B52AA6E4}">
-                <adec:decorative xmlns:adec="http://schemas.microsoft.com/office/drawing/2017/decorative" val="1"/>
+                <adec:decorative xmlns:adec="http://schemas.microsoft.com/office/drawing/2017/decorative" xmlns="" val="1"/>
               </a:ext>
             </a:extLst>
           </p:cNvPr>
@@ -50495,7 +50571,7 @@
                 <a16:creationId xmlns:a16="http://schemas.microsoft.com/office/drawing/2014/main" id="{3FDD94EF-2C73-4E4C-8332-A75D8AC6BE3E}"/>
               </a:ext>
               <a:ext uri="{C183D7F6-B498-43B3-948B-1728B52AA6E4}">
-                <adec:decorative xmlns:adec="http://schemas.microsoft.com/office/drawing/2017/decorative" val="1"/>
+                <adec:decorative xmlns:adec="http://schemas.microsoft.com/office/drawing/2017/decorative" xmlns="" val="1"/>
               </a:ext>
             </a:extLst>
           </p:cNvPr>
@@ -50542,7 +50618,7 @@
                   <a16:creationId xmlns:a16="http://schemas.microsoft.com/office/drawing/2014/main" id="{16EF4FCE-B4BF-485E-B545-95827107AD6B}"/>
                 </a:ext>
                 <a:ext uri="{C183D7F6-B498-43B3-948B-1728B52AA6E4}">
-                  <adec:decorative xmlns:adec="http://schemas.microsoft.com/office/drawing/2017/decorative" val="1"/>
+                  <adec:decorative xmlns:adec="http://schemas.microsoft.com/office/drawing/2017/decorative" xmlns="" val="1"/>
                 </a:ext>
               </a:extLst>
             </p:cNvPr>
@@ -50602,7 +50678,7 @@
             </a:ln>
             <a:extLst>
               <a:ext uri="{91240B29-F687-4f45-9708-019B960494DF}">
-                <a14:hiddenLine xmlns="" xmlns:a16="http://schemas.microsoft.com/office/drawing/2014/main" xmlns:p14="http://schemas.microsoft.com/office/powerpoint/2010/main" xmlns:dgm="http://schemas.openxmlformats.org/drawingml/2006/diagram" xmlns:a14="http://schemas.microsoft.com/office/drawing/2010/main" w="9525">
+                <a14:hiddenLine xmlns:a14="http://schemas.microsoft.com/office/drawing/2010/main" xmlns:dgm="http://schemas.openxmlformats.org/drawingml/2006/diagram" xmlns:p14="http://schemas.microsoft.com/office/powerpoint/2010/main" xmlns:a16="http://schemas.microsoft.com/office/drawing/2014/main" xmlns="" w="9525">
                   <a:solidFill>
                     <a:srgbClr val="000000"/>
                   </a:solidFill>
@@ -50622,7 +50698,7 @@
                   <a16:creationId xmlns:a16="http://schemas.microsoft.com/office/drawing/2014/main" id="{C2DD2F29-32E6-486A-A295-CB29680AD998}"/>
                 </a:ext>
                 <a:ext uri="{C183D7F6-B498-43B3-948B-1728B52AA6E4}">
-                  <adec:decorative xmlns:adec="http://schemas.microsoft.com/office/drawing/2017/decorative" val="1"/>
+                  <adec:decorative xmlns:adec="http://schemas.microsoft.com/office/drawing/2017/decorative" xmlns="" val="1"/>
                 </a:ext>
               </a:extLst>
             </p:cNvPr>
@@ -50732,7 +50808,7 @@
             </a:ln>
             <a:extLst>
               <a:ext uri="{91240B29-F687-4f45-9708-019B960494DF}">
-                <a14:hiddenLine xmlns="" xmlns:a16="http://schemas.microsoft.com/office/drawing/2014/main" xmlns:p14="http://schemas.microsoft.com/office/powerpoint/2010/main" xmlns:dgm="http://schemas.openxmlformats.org/drawingml/2006/diagram" xmlns:a14="http://schemas.microsoft.com/office/drawing/2010/main" w="9525">
+                <a14:hiddenLine xmlns:a14="http://schemas.microsoft.com/office/drawing/2010/main" xmlns:dgm="http://schemas.openxmlformats.org/drawingml/2006/diagram" xmlns:p14="http://schemas.microsoft.com/office/powerpoint/2010/main" xmlns:a16="http://schemas.microsoft.com/office/drawing/2014/main" xmlns="" w="9525">
                   <a:solidFill>
                     <a:srgbClr val="000000"/>
                   </a:solidFill>
@@ -50752,7 +50828,7 @@
                   <a16:creationId xmlns:a16="http://schemas.microsoft.com/office/drawing/2014/main" id="{B1A76276-E7B7-4550-9AFF-0A2E9EAEA450}"/>
                 </a:ext>
                 <a:ext uri="{C183D7F6-B498-43B3-948B-1728B52AA6E4}">
-                  <adec:decorative xmlns:adec="http://schemas.microsoft.com/office/drawing/2017/decorative" val="1"/>
+                  <adec:decorative xmlns:adec="http://schemas.microsoft.com/office/drawing/2017/decorative" xmlns="" val="1"/>
                 </a:ext>
               </a:extLst>
             </p:cNvPr>
@@ -50837,7 +50913,7 @@
             </a:ln>
             <a:extLst>
               <a:ext uri="{91240B29-F687-4f45-9708-019B960494DF}">
-                <a14:hiddenLine xmlns="" xmlns:a16="http://schemas.microsoft.com/office/drawing/2014/main" xmlns:p14="http://schemas.microsoft.com/office/powerpoint/2010/main" xmlns:dgm="http://schemas.openxmlformats.org/drawingml/2006/diagram" xmlns:a14="http://schemas.microsoft.com/office/drawing/2010/main" w="9525">
+                <a14:hiddenLine xmlns:a14="http://schemas.microsoft.com/office/drawing/2010/main" xmlns:dgm="http://schemas.openxmlformats.org/drawingml/2006/diagram" xmlns:p14="http://schemas.microsoft.com/office/powerpoint/2010/main" xmlns:a16="http://schemas.microsoft.com/office/drawing/2014/main" xmlns="" w="9525">
                   <a:solidFill>
                     <a:srgbClr val="000000"/>
                   </a:solidFill>
@@ -50857,7 +50933,7 @@
                   <a16:creationId xmlns:a16="http://schemas.microsoft.com/office/drawing/2014/main" id="{EAFC4E0E-3390-457C-BCC9-A2479C10FE44}"/>
                 </a:ext>
                 <a:ext uri="{C183D7F6-B498-43B3-948B-1728B52AA6E4}">
-                  <adec:decorative xmlns:adec="http://schemas.microsoft.com/office/drawing/2017/decorative" val="1"/>
+                  <adec:decorative xmlns:adec="http://schemas.microsoft.com/office/drawing/2017/decorative" xmlns="" val="1"/>
                 </a:ext>
               </a:extLst>
             </p:cNvPr>
@@ -50917,7 +50993,7 @@
             </a:ln>
             <a:extLst>
               <a:ext uri="{91240B29-F687-4f45-9708-019B960494DF}">
-                <a14:hiddenLine xmlns="" xmlns:a16="http://schemas.microsoft.com/office/drawing/2014/main" xmlns:p14="http://schemas.microsoft.com/office/powerpoint/2010/main" xmlns:dgm="http://schemas.openxmlformats.org/drawingml/2006/diagram" xmlns:a14="http://schemas.microsoft.com/office/drawing/2010/main" w="9525">
+                <a14:hiddenLine xmlns:a14="http://schemas.microsoft.com/office/drawing/2010/main" xmlns:dgm="http://schemas.openxmlformats.org/drawingml/2006/diagram" xmlns:p14="http://schemas.microsoft.com/office/powerpoint/2010/main" xmlns:a16="http://schemas.microsoft.com/office/drawing/2014/main" xmlns="" w="9525">
                   <a:solidFill>
                     <a:srgbClr val="000000"/>
                   </a:solidFill>
@@ -50937,7 +51013,7 @@
                   <a16:creationId xmlns:a16="http://schemas.microsoft.com/office/drawing/2014/main" id="{D0E59BF7-C450-4448-B71A-80ECD878D3A9}"/>
                 </a:ext>
                 <a:ext uri="{C183D7F6-B498-43B3-948B-1728B52AA6E4}">
-                  <adec:decorative xmlns:adec="http://schemas.microsoft.com/office/drawing/2017/decorative" val="1"/>
+                  <adec:decorative xmlns:adec="http://schemas.microsoft.com/office/drawing/2017/decorative" xmlns="" val="1"/>
                 </a:ext>
               </a:extLst>
             </p:cNvPr>
@@ -51022,7 +51098,7 @@
             </a:ln>
             <a:extLst>
               <a:ext uri="{91240B29-F687-4f45-9708-019B960494DF}">
-                <a14:hiddenLine xmlns="" xmlns:a16="http://schemas.microsoft.com/office/drawing/2014/main" xmlns:p14="http://schemas.microsoft.com/office/powerpoint/2010/main" xmlns:dgm="http://schemas.openxmlformats.org/drawingml/2006/diagram" xmlns:a14="http://schemas.microsoft.com/office/drawing/2010/main" w="9525">
+                <a14:hiddenLine xmlns:a14="http://schemas.microsoft.com/office/drawing/2010/main" xmlns:dgm="http://schemas.openxmlformats.org/drawingml/2006/diagram" xmlns:p14="http://schemas.microsoft.com/office/powerpoint/2010/main" xmlns:a16="http://schemas.microsoft.com/office/drawing/2014/main" xmlns="" w="9525">
                   <a:solidFill>
                     <a:srgbClr val="000000"/>
                   </a:solidFill>
@@ -51042,7 +51118,7 @@
                   <a16:creationId xmlns:a16="http://schemas.microsoft.com/office/drawing/2014/main" id="{BAB182A0-0A27-42D3-A9D0-56E8B7F4ACED}"/>
                 </a:ext>
                 <a:ext uri="{C183D7F6-B498-43B3-948B-1728B52AA6E4}">
-                  <adec:decorative xmlns:adec="http://schemas.microsoft.com/office/drawing/2017/decorative" val="1"/>
+                  <adec:decorative xmlns:adec="http://schemas.microsoft.com/office/drawing/2017/decorative" xmlns="" val="1"/>
                 </a:ext>
               </a:extLst>
             </p:cNvPr>
@@ -51105,7 +51181,7 @@
             </a:ln>
             <a:extLst>
               <a:ext uri="{91240B29-F687-4f45-9708-019B960494DF}">
-                <a14:hiddenLine xmlns="" xmlns:a16="http://schemas.microsoft.com/office/drawing/2014/main" xmlns:p14="http://schemas.microsoft.com/office/powerpoint/2010/main" xmlns:dgm="http://schemas.openxmlformats.org/drawingml/2006/diagram" xmlns:a14="http://schemas.microsoft.com/office/drawing/2010/main" w="9525">
+                <a14:hiddenLine xmlns:a14="http://schemas.microsoft.com/office/drawing/2010/main" xmlns:dgm="http://schemas.openxmlformats.org/drawingml/2006/diagram" xmlns:p14="http://schemas.microsoft.com/office/powerpoint/2010/main" xmlns:a16="http://schemas.microsoft.com/office/drawing/2014/main" xmlns="" w="9525">
                   <a:solidFill>
                     <a:srgbClr val="000000"/>
                   </a:solidFill>
@@ -51125,7 +51201,7 @@
                   <a16:creationId xmlns:a16="http://schemas.microsoft.com/office/drawing/2014/main" id="{4C9A08D9-525C-448E-A071-78226848F44D}"/>
                 </a:ext>
                 <a:ext uri="{C183D7F6-B498-43B3-948B-1728B52AA6E4}">
-                  <adec:decorative xmlns:adec="http://schemas.microsoft.com/office/drawing/2017/decorative" val="1"/>
+                  <adec:decorative xmlns:adec="http://schemas.microsoft.com/office/drawing/2017/decorative" xmlns="" val="1"/>
                 </a:ext>
               </a:extLst>
             </p:cNvPr>
@@ -51210,7 +51286,7 @@
             </a:ln>
             <a:extLst>
               <a:ext uri="{91240B29-F687-4f45-9708-019B960494DF}">
-                <a14:hiddenLine xmlns="" xmlns:a16="http://schemas.microsoft.com/office/drawing/2014/main" xmlns:p14="http://schemas.microsoft.com/office/powerpoint/2010/main" xmlns:dgm="http://schemas.openxmlformats.org/drawingml/2006/diagram" xmlns:a14="http://schemas.microsoft.com/office/drawing/2010/main" w="9525">
+                <a14:hiddenLine xmlns:a14="http://schemas.microsoft.com/office/drawing/2010/main" xmlns:dgm="http://schemas.openxmlformats.org/drawingml/2006/diagram" xmlns:p14="http://schemas.microsoft.com/office/powerpoint/2010/main" xmlns:a16="http://schemas.microsoft.com/office/drawing/2014/main" xmlns="" w="9525">
                   <a:solidFill>
                     <a:srgbClr val="000000"/>
                   </a:solidFill>
@@ -51230,7 +51306,7 @@
                   <a16:creationId xmlns:a16="http://schemas.microsoft.com/office/drawing/2014/main" id="{E7818D96-423C-499F-A080-00EF0B9D48C9}"/>
                 </a:ext>
                 <a:ext uri="{C183D7F6-B498-43B3-948B-1728B52AA6E4}">
-                  <adec:decorative xmlns:adec="http://schemas.microsoft.com/office/drawing/2017/decorative" val="1"/>
+                  <adec:decorative xmlns:adec="http://schemas.microsoft.com/office/drawing/2017/decorative" xmlns="" val="1"/>
                 </a:ext>
               </a:extLst>
             </p:cNvPr>
@@ -51293,7 +51369,7 @@
             </a:ln>
             <a:extLst>
               <a:ext uri="{91240B29-F687-4f45-9708-019B960494DF}">
-                <a14:hiddenLine xmlns="" xmlns:a16="http://schemas.microsoft.com/office/drawing/2014/main" xmlns:p14="http://schemas.microsoft.com/office/powerpoint/2010/main" xmlns:dgm="http://schemas.openxmlformats.org/drawingml/2006/diagram" xmlns:a14="http://schemas.microsoft.com/office/drawing/2010/main" w="9525">
+                <a14:hiddenLine xmlns:a14="http://schemas.microsoft.com/office/drawing/2010/main" xmlns:dgm="http://schemas.openxmlformats.org/drawingml/2006/diagram" xmlns:p14="http://schemas.microsoft.com/office/powerpoint/2010/main" xmlns:a16="http://schemas.microsoft.com/office/drawing/2014/main" xmlns="" w="9525">
                   <a:solidFill>
                     <a:srgbClr val="000000"/>
                   </a:solidFill>
@@ -51313,7 +51389,7 @@
                   <a16:creationId xmlns:a16="http://schemas.microsoft.com/office/drawing/2014/main" id="{059B8971-2367-46BA-8FCC-D001A6C3690A}"/>
                 </a:ext>
                 <a:ext uri="{C183D7F6-B498-43B3-948B-1728B52AA6E4}">
-                  <adec:decorative xmlns:adec="http://schemas.microsoft.com/office/drawing/2017/decorative" val="1"/>
+                  <adec:decorative xmlns:adec="http://schemas.microsoft.com/office/drawing/2017/decorative" xmlns="" val="1"/>
                 </a:ext>
               </a:extLst>
             </p:cNvPr>
@@ -51398,7 +51474,7 @@
             </a:ln>
             <a:extLst>
               <a:ext uri="{91240B29-F687-4f45-9708-019B960494DF}">
-                <a14:hiddenLine xmlns="" xmlns:a16="http://schemas.microsoft.com/office/drawing/2014/main" xmlns:p14="http://schemas.microsoft.com/office/powerpoint/2010/main" xmlns:dgm="http://schemas.openxmlformats.org/drawingml/2006/diagram" xmlns:a14="http://schemas.microsoft.com/office/drawing/2010/main" w="9525">
+                <a14:hiddenLine xmlns:a14="http://schemas.microsoft.com/office/drawing/2010/main" xmlns:dgm="http://schemas.openxmlformats.org/drawingml/2006/diagram" xmlns:p14="http://schemas.microsoft.com/office/powerpoint/2010/main" xmlns:a16="http://schemas.microsoft.com/office/drawing/2014/main" xmlns="" w="9525">
                   <a:solidFill>
                     <a:srgbClr val="000000"/>
                   </a:solidFill>
@@ -51418,7 +51494,7 @@
                   <a16:creationId xmlns:a16="http://schemas.microsoft.com/office/drawing/2014/main" id="{E4DF0A08-11EF-495A-980F-2ED66FBB8108}"/>
                 </a:ext>
                 <a:ext uri="{C183D7F6-B498-43B3-948B-1728B52AA6E4}">
-                  <adec:decorative xmlns:adec="http://schemas.microsoft.com/office/drawing/2017/decorative" val="1"/>
+                  <adec:decorative xmlns:adec="http://schemas.microsoft.com/office/drawing/2017/decorative" xmlns="" val="1"/>
                 </a:ext>
               </a:extLst>
             </p:cNvPr>
@@ -51447,7 +51523,7 @@
             </a:ln>
             <a:extLst>
               <a:ext uri="{91240B29-F687-4f45-9708-019B960494DF}">
-                <a14:hiddenLine xmlns="" xmlns:a16="http://schemas.microsoft.com/office/drawing/2014/main" xmlns:p14="http://schemas.microsoft.com/office/powerpoint/2010/main" xmlns:dgm="http://schemas.openxmlformats.org/drawingml/2006/diagram" xmlns:a14="http://schemas.microsoft.com/office/drawing/2010/main" w="9525">
+                <a14:hiddenLine xmlns:a14="http://schemas.microsoft.com/office/drawing/2010/main" xmlns:dgm="http://schemas.openxmlformats.org/drawingml/2006/diagram" xmlns:p14="http://schemas.microsoft.com/office/powerpoint/2010/main" xmlns:a16="http://schemas.microsoft.com/office/drawing/2014/main" xmlns="" w="9525">
                   <a:solidFill>
                     <a:srgbClr val="000000"/>
                   </a:solidFill>
@@ -51473,11 +51549,13 @@
         <p:spPr>
           <a:xfrm>
             <a:off x="4423954" y="1495977"/>
-            <a:ext cx="6019316" cy="3169607"/>
+            <a:ext cx="6019316" cy="3560211"/>
           </a:xfrm>
         </p:spPr>
         <p:txBody>
-          <a:bodyPr/>
+          <a:bodyPr>
+            <a:normAutofit/>
+          </a:bodyPr>
           <a:lstStyle/>
           <a:p>
             <a:pPr marL="132588" indent="-132588" defTabSz="530352">
@@ -51486,38 +51564,29 @@
               </a:spcBef>
             </a:pPr>
             <a:r>
-              <a:rPr lang="en-AU" sz="1392" b="1" kern="1200">
+              <a:rPr lang="en-AU" sz="1400" b="1" kern="1200" dirty="0">
                 <a:solidFill>
                   <a:schemeClr val="tx1"/>
                 </a:solidFill>
-                <a:latin typeface="+mn-lt"/>
-                <a:ea typeface="+mn-ea"/>
-                <a:cs typeface="+mn-cs"/>
               </a:rPr>
               <a:t>Code Snippet</a:t>
             </a:r>
             <a:r>
-              <a:rPr lang="en-AU" sz="1392" kern="1200">
+              <a:rPr lang="en-AU" sz="1400" kern="1200" dirty="0">
                 <a:solidFill>
                   <a:schemeClr val="tx1"/>
                 </a:solidFill>
-                <a:latin typeface="+mn-lt"/>
-                <a:ea typeface="+mn-ea"/>
-                <a:cs typeface="+mn-cs"/>
               </a:rPr>
               <a:t>: The following code snippet demonstrates how to create a scatter plot to visualize the relationship between the mean and standard deviation of intensities.</a:t>
             </a:r>
-            <a:endParaRPr lang="en-IN" sz="1392" kern="1200">
+            <a:endParaRPr lang="en-IN" sz="1400" kern="1200" dirty="0">
               <a:solidFill>
                 <a:schemeClr val="tx1"/>
               </a:solidFill>
-              <a:latin typeface="+mn-lt"/>
-              <a:ea typeface="+mn-ea"/>
-              <a:cs typeface="+mn-cs"/>
             </a:endParaRPr>
           </a:p>
           <a:p>
-            <a:endParaRPr lang="en-IN" dirty="0"/>
+            <a:endParaRPr lang="en-IN" sz="1400" dirty="0"/>
           </a:p>
         </p:txBody>
       </p:sp>
@@ -51552,7 +51621,7 @@
         <p:spPr>
           <a:xfrm>
             <a:off x="4423955" y="3205518"/>
-            <a:ext cx="6296296" cy="2248051"/>
+            <a:ext cx="6296296" cy="2831544"/>
           </a:xfrm>
           <a:prstGeom prst="rect">
             <a:avLst/>
@@ -51572,7 +51641,7 @@
               <a:buChar char="•"/>
             </a:pPr>
             <a:r>
-              <a:rPr lang="en-AU" sz="1160" b="1" kern="1200">
+              <a:rPr lang="en-AU" sz="1400" b="1" kern="1200" dirty="0">
                 <a:solidFill>
                   <a:schemeClr val="tx1"/>
                 </a:solidFill>
@@ -51583,7 +51652,7 @@
               <a:t>Scatter Plot: </a:t>
             </a:r>
             <a:r>
-              <a:rPr lang="en-AU" sz="1160" kern="1200">
+              <a:rPr lang="en-AU" sz="1400" kern="1200" dirty="0">
                 <a:solidFill>
                   <a:schemeClr val="tx1"/>
                 </a:solidFill>
@@ -51593,7 +51662,7 @@
               </a:rPr>
               <a:t>The code generates a scatter plot with the mean intensities on the x-axis and the standard deviations on the y-axis. Each data point represents an image, and the points are color-coded based on the class labels (cheetahs or lions).</a:t>
             </a:r>
-            <a:endParaRPr lang="en-IN" sz="1160" kern="1200">
+            <a:endParaRPr lang="en-IN" sz="1400" kern="1200" dirty="0">
               <a:solidFill>
                 <a:schemeClr val="tx1"/>
               </a:solidFill>
@@ -51610,7 +51679,7 @@
               <a:buFont typeface="Arial" panose="020B0604020202020204" pitchFamily="34" charset="0"/>
               <a:buChar char="•"/>
             </a:pPr>
-            <a:endParaRPr lang="en-US" sz="1044" b="1" kern="1200">
+            <a:endParaRPr lang="en-US" sz="1400" b="1" kern="1200" dirty="0">
               <a:solidFill>
                 <a:schemeClr val="tx1"/>
               </a:solidFill>
@@ -51628,7 +51697,7 @@
               <a:buChar char="•"/>
             </a:pPr>
             <a:r>
-              <a:rPr lang="en-AU" sz="1160" b="1" kern="1200">
+              <a:rPr lang="en-AU" sz="1400" b="1" kern="1200" dirty="0">
                 <a:solidFill>
                   <a:schemeClr val="tx1"/>
                 </a:solidFill>
@@ -51639,7 +51708,7 @@
               <a:t>Patterns and Differences: </a:t>
             </a:r>
             <a:r>
-              <a:rPr lang="en-AU" sz="1160" kern="1200">
+              <a:rPr lang="en-AU" sz="1400" kern="1200" dirty="0">
                 <a:solidFill>
                   <a:schemeClr val="tx1"/>
                 </a:solidFill>
@@ -51649,7 +51718,7 @@
               </a:rPr>
               <a:t>By examining the scatter plot, we can observe any patterns or differences between the two classes. Look for clusters or separations that may indicate distinguishable characteristics. It can provide insights into how mean intensity and standard deviation relate to each other within each class and potentially help identify discriminative features for classification.</a:t>
             </a:r>
-            <a:endParaRPr lang="en-IN" sz="1160" kern="1200">
+            <a:endParaRPr lang="en-IN" sz="1400" kern="1200" dirty="0">
               <a:solidFill>
                 <a:schemeClr val="tx1"/>
               </a:solidFill>
@@ -51666,7 +51735,7 @@
               <a:buFont typeface="Arial" panose="020B0604020202020204" pitchFamily="34" charset="0"/>
               <a:buChar char="•"/>
             </a:pPr>
-            <a:endParaRPr lang="en-IN" sz="1044" kern="1200">
+            <a:endParaRPr lang="en-IN" sz="1400" kern="1200" dirty="0">
               <a:solidFill>
                 <a:schemeClr val="tx1"/>
               </a:solidFill>
@@ -51681,7 +51750,7 @@
                 <a:spcPts val="600"/>
               </a:spcAft>
             </a:pPr>
-            <a:endParaRPr lang="en-IN"/>
+            <a:endParaRPr lang="en-IN" dirty="0"/>
           </a:p>
         </p:txBody>
       </p:sp>
